--- a/Presentation/Group-04-Presentation.pptx
+++ b/Presentation/Group-04-Presentation.pptx
@@ -3,17 +3,34 @@
 <p:presentation xmlns:a="http://schemas.openxmlformats.org/drawingml/2006/main" xmlns:r="http://schemas.openxmlformats.org/officeDocument/2006/relationships" xmlns:p="http://schemas.openxmlformats.org/presentationml/2006/main" autoCompressPictures="0">
   <p:sldMasterIdLst>
     <p:sldMasterId id="2147483669" r:id="rId4"/>
+    <p:sldMasterId id="2147483687" r:id="rId5"/>
   </p:sldMasterIdLst>
   <p:notesMasterIdLst>
-    <p:notesMasterId r:id="rId8"/>
+    <p:notesMasterId r:id="rId25"/>
   </p:notesMasterIdLst>
   <p:handoutMasterIdLst>
-    <p:handoutMasterId r:id="rId9"/>
+    <p:handoutMasterId r:id="rId26"/>
   </p:handoutMasterIdLst>
   <p:sldIdLst>
-    <p:sldId id="256" r:id="rId5"/>
-    <p:sldId id="257" r:id="rId6"/>
-    <p:sldId id="258" r:id="rId7"/>
+    <p:sldId id="256" r:id="rId6"/>
+    <p:sldId id="257" r:id="rId7"/>
+    <p:sldId id="258" r:id="rId8"/>
+    <p:sldId id="261" r:id="rId9"/>
+    <p:sldId id="259" r:id="rId10"/>
+    <p:sldId id="262" r:id="rId11"/>
+    <p:sldId id="260" r:id="rId12"/>
+    <p:sldId id="263" r:id="rId13"/>
+    <p:sldId id="264" r:id="rId14"/>
+    <p:sldId id="265" r:id="rId15"/>
+    <p:sldId id="266" r:id="rId16"/>
+    <p:sldId id="267" r:id="rId17"/>
+    <p:sldId id="268" r:id="rId18"/>
+    <p:sldId id="269" r:id="rId19"/>
+    <p:sldId id="270" r:id="rId20"/>
+    <p:sldId id="271" r:id="rId21"/>
+    <p:sldId id="272" r:id="rId22"/>
+    <p:sldId id="273" r:id="rId23"/>
+    <p:sldId id="274" r:id="rId24"/>
   </p:sldIdLst>
   <p:sldSz cx="12192000" cy="6858000"/>
   <p:notesSz cx="6858000" cy="9144000"/>
@@ -217,7 +234,7 @@
           <a:p>
             <a:fld id="{2B85766F-5EC0-4797-B4D1-777FCB005B11}" type="datetimeFigureOut">
               <a:rPr lang="en-US" smtClean="0"/>
-              <a:t>4/25/2022</a:t>
+              <a:t>5/4/2022</a:t>
             </a:fld>
             <a:endParaRPr lang="en-US" dirty="0"/>
           </a:p>
@@ -394,7 +411,7 @@
           <a:p>
             <a:fld id="{B2B4B5EC-152C-4627-80C0-63B10D5574EF}" type="datetimeFigureOut">
               <a:rPr lang="en-US" smtClean="0"/>
-              <a:t>4/25/2022</a:t>
+              <a:t>5/4/2022</a:t>
             </a:fld>
             <a:endParaRPr lang="en-US" dirty="0"/>
           </a:p>
@@ -718,7 +735,7 @@
           <a:noFill/>
           <a:extLst>
             <a:ext uri="{909E8E84-426E-40dd-AFC4-6F175D3DCCD1}">
-              <a14:hiddenFill xmlns:a14="http://schemas.microsoft.com/office/drawing/2010/main" xmlns="">
+              <a14:hiddenFill xmlns="" xmlns:a14="http://schemas.microsoft.com/office/drawing/2010/main">
                 <a:solidFill>
                   <a:srgbClr val="FFFFFF"/>
                 </a:solidFill>
@@ -777,7 +794,7 @@
             </a:ln>
             <a:extLst>
               <a:ext uri="{91240B29-F687-4f45-9708-019B960494DF}">
-                <a14:hiddenLine xmlns:a14="http://schemas.microsoft.com/office/drawing/2010/main" xmlns="" w="9525">
+                <a14:hiddenLine xmlns="" xmlns:a14="http://schemas.microsoft.com/office/drawing/2010/main" w="9525">
                   <a:solidFill>
                     <a:srgbClr val="000000"/>
                   </a:solidFill>
@@ -867,7 +884,7 @@
             </a:ln>
             <a:extLst>
               <a:ext uri="{91240B29-F687-4f45-9708-019B960494DF}">
-                <a14:hiddenLine xmlns:a14="http://schemas.microsoft.com/office/drawing/2010/main" xmlns="" w="9525">
+                <a14:hiddenLine xmlns="" xmlns:a14="http://schemas.microsoft.com/office/drawing/2010/main" w="9525">
                   <a:solidFill>
                     <a:srgbClr val="000000"/>
                   </a:solidFill>
@@ -957,7 +974,7 @@
             </a:ln>
             <a:extLst>
               <a:ext uri="{91240B29-F687-4f45-9708-019B960494DF}">
-                <a14:hiddenLine xmlns:a14="http://schemas.microsoft.com/office/drawing/2010/main" xmlns="" w="9525">
+                <a14:hiddenLine xmlns="" xmlns:a14="http://schemas.microsoft.com/office/drawing/2010/main" w="9525">
                   <a:solidFill>
                     <a:srgbClr val="000000"/>
                   </a:solidFill>
@@ -991,7 +1008,7 @@
             </a:ln>
             <a:extLst>
               <a:ext uri="{91240B29-F687-4f45-9708-019B960494DF}">
-                <a14:hiddenLine xmlns:a14="http://schemas.microsoft.com/office/drawing/2010/main" xmlns="" w="9525">
+                <a14:hiddenLine xmlns="" xmlns:a14="http://schemas.microsoft.com/office/drawing/2010/main" w="9525">
                   <a:solidFill>
                     <a:srgbClr val="000000"/>
                   </a:solidFill>
@@ -1081,7 +1098,7 @@
             </a:ln>
             <a:extLst>
               <a:ext uri="{91240B29-F687-4f45-9708-019B960494DF}">
-                <a14:hiddenLine xmlns:a14="http://schemas.microsoft.com/office/drawing/2010/main" xmlns="" w="9525">
+                <a14:hiddenLine xmlns="" xmlns:a14="http://schemas.microsoft.com/office/drawing/2010/main" w="9525">
                   <a:solidFill>
                     <a:srgbClr val="000000"/>
                   </a:solidFill>
@@ -1143,7 +1160,7 @@
             </a:ln>
             <a:extLst>
               <a:ext uri="{91240B29-F687-4f45-9708-019B960494DF}">
-                <a14:hiddenLine xmlns:a14="http://schemas.microsoft.com/office/drawing/2010/main" xmlns="" w="9525">
+                <a14:hiddenLine xmlns="" xmlns:a14="http://schemas.microsoft.com/office/drawing/2010/main" w="9525">
                   <a:solidFill>
                     <a:srgbClr val="000000"/>
                   </a:solidFill>
@@ -1205,7 +1222,7 @@
             </a:ln>
             <a:extLst>
               <a:ext uri="{91240B29-F687-4f45-9708-019B960494DF}">
-                <a14:hiddenLine xmlns:a14="http://schemas.microsoft.com/office/drawing/2010/main" xmlns="" w="9525">
+                <a14:hiddenLine xmlns="" xmlns:a14="http://schemas.microsoft.com/office/drawing/2010/main" w="9525">
                   <a:solidFill>
                     <a:srgbClr val="000000"/>
                   </a:solidFill>
@@ -1295,7 +1312,7 @@
             </a:ln>
             <a:extLst>
               <a:ext uri="{91240B29-F687-4f45-9708-019B960494DF}">
-                <a14:hiddenLine xmlns:a14="http://schemas.microsoft.com/office/drawing/2010/main" xmlns="" w="9525">
+                <a14:hiddenLine xmlns="" xmlns:a14="http://schemas.microsoft.com/office/drawing/2010/main" w="9525">
                   <a:solidFill>
                     <a:srgbClr val="000000"/>
                   </a:solidFill>
@@ -1357,7 +1374,7 @@
             </a:ln>
             <a:extLst>
               <a:ext uri="{91240B29-F687-4f45-9708-019B960494DF}">
-                <a14:hiddenLine xmlns:a14="http://schemas.microsoft.com/office/drawing/2010/main" xmlns="" w="9525">
+                <a14:hiddenLine xmlns="" xmlns:a14="http://schemas.microsoft.com/office/drawing/2010/main" w="9525">
                   <a:solidFill>
                     <a:srgbClr val="000000"/>
                   </a:solidFill>
@@ -1419,7 +1436,7 @@
             </a:ln>
             <a:extLst>
               <a:ext uri="{91240B29-F687-4f45-9708-019B960494DF}">
-                <a14:hiddenLine xmlns:a14="http://schemas.microsoft.com/office/drawing/2010/main" xmlns="" w="9525">
+                <a14:hiddenLine xmlns="" xmlns:a14="http://schemas.microsoft.com/office/drawing/2010/main" w="9525">
                   <a:solidFill>
                     <a:srgbClr val="000000"/>
                   </a:solidFill>
@@ -1509,7 +1526,7 @@
             </a:ln>
             <a:extLst>
               <a:ext uri="{91240B29-F687-4f45-9708-019B960494DF}">
-                <a14:hiddenLine xmlns:a14="http://schemas.microsoft.com/office/drawing/2010/main" xmlns="" w="9525">
+                <a14:hiddenLine xmlns="" xmlns:a14="http://schemas.microsoft.com/office/drawing/2010/main" w="9525">
                   <a:solidFill>
                     <a:srgbClr val="000000"/>
                   </a:solidFill>
@@ -1599,7 +1616,7 @@
             </a:ln>
             <a:extLst>
               <a:ext uri="{91240B29-F687-4f45-9708-019B960494DF}">
-                <a14:hiddenLine xmlns:a14="http://schemas.microsoft.com/office/drawing/2010/main" xmlns="" w="9525">
+                <a14:hiddenLine xmlns="" xmlns:a14="http://schemas.microsoft.com/office/drawing/2010/main" w="9525">
                   <a:solidFill>
                     <a:srgbClr val="000000"/>
                   </a:solidFill>
@@ -1661,7 +1678,7 @@
             </a:ln>
             <a:extLst>
               <a:ext uri="{91240B29-F687-4f45-9708-019B960494DF}">
-                <a14:hiddenLine xmlns:a14="http://schemas.microsoft.com/office/drawing/2010/main" xmlns="" w="9525">
+                <a14:hiddenLine xmlns="" xmlns:a14="http://schemas.microsoft.com/office/drawing/2010/main" w="9525">
                   <a:solidFill>
                     <a:srgbClr val="000000"/>
                   </a:solidFill>
@@ -1771,7 +1788,7 @@
             </a:ln>
             <a:extLst>
               <a:ext uri="{91240B29-F687-4f45-9708-019B960494DF}">
-                <a14:hiddenLine xmlns:a14="http://schemas.microsoft.com/office/drawing/2010/main" xmlns="" w="9525">
+                <a14:hiddenLine xmlns="" xmlns:a14="http://schemas.microsoft.com/office/drawing/2010/main" w="9525">
                   <a:solidFill>
                     <a:srgbClr val="000000"/>
                   </a:solidFill>
@@ -1833,7 +1850,7 @@
             </a:ln>
             <a:extLst>
               <a:ext uri="{91240B29-F687-4f45-9708-019B960494DF}">
-                <a14:hiddenLine xmlns:a14="http://schemas.microsoft.com/office/drawing/2010/main" xmlns="" w="9525">
+                <a14:hiddenLine xmlns="" xmlns:a14="http://schemas.microsoft.com/office/drawing/2010/main" w="9525">
                   <a:solidFill>
                     <a:srgbClr val="000000"/>
                   </a:solidFill>
@@ -1923,7 +1940,7 @@
             </a:ln>
             <a:extLst>
               <a:ext uri="{91240B29-F687-4f45-9708-019B960494DF}">
-                <a14:hiddenLine xmlns:a14="http://schemas.microsoft.com/office/drawing/2010/main" xmlns="" w="9525">
+                <a14:hiddenLine xmlns="" xmlns:a14="http://schemas.microsoft.com/office/drawing/2010/main" w="9525">
                   <a:solidFill>
                     <a:srgbClr val="000000"/>
                   </a:solidFill>
@@ -2013,7 +2030,7 @@
             </a:ln>
             <a:extLst>
               <a:ext uri="{91240B29-F687-4f45-9708-019B960494DF}">
-                <a14:hiddenLine xmlns:a14="http://schemas.microsoft.com/office/drawing/2010/main" xmlns="" w="9525">
+                <a14:hiddenLine xmlns="" xmlns:a14="http://schemas.microsoft.com/office/drawing/2010/main" w="9525">
                   <a:solidFill>
                     <a:srgbClr val="000000"/>
                   </a:solidFill>
@@ -2075,7 +2092,7 @@
             </a:ln>
             <a:extLst>
               <a:ext uri="{91240B29-F687-4f45-9708-019B960494DF}">
-                <a14:hiddenLine xmlns:a14="http://schemas.microsoft.com/office/drawing/2010/main" xmlns="" w="9525">
+                <a14:hiddenLine xmlns="" xmlns:a14="http://schemas.microsoft.com/office/drawing/2010/main" w="9525">
                   <a:solidFill>
                     <a:srgbClr val="000000"/>
                   </a:solidFill>
@@ -2165,7 +2182,7 @@
             </a:ln>
             <a:extLst>
               <a:ext uri="{91240B29-F687-4f45-9708-019B960494DF}">
-                <a14:hiddenLine xmlns:a14="http://schemas.microsoft.com/office/drawing/2010/main" xmlns="" w="9525">
+                <a14:hiddenLine xmlns="" xmlns:a14="http://schemas.microsoft.com/office/drawing/2010/main" w="9525">
                   <a:solidFill>
                     <a:srgbClr val="000000"/>
                   </a:solidFill>
@@ -2255,7 +2272,7 @@
             </a:ln>
             <a:extLst>
               <a:ext uri="{91240B29-F687-4f45-9708-019B960494DF}">
-                <a14:hiddenLine xmlns:a14="http://schemas.microsoft.com/office/drawing/2010/main" xmlns="" w="9525">
+                <a14:hiddenLine xmlns="" xmlns:a14="http://schemas.microsoft.com/office/drawing/2010/main" w="9525">
                   <a:solidFill>
                     <a:srgbClr val="000000"/>
                   </a:solidFill>
@@ -2311,7 +2328,7 @@
             </a:ln>
             <a:extLst>
               <a:ext uri="{91240B29-F687-4f45-9708-019B960494DF}">
-                <a14:hiddenLine xmlns:a14="http://schemas.microsoft.com/office/drawing/2010/main" xmlns="" w="9525">
+                <a14:hiddenLine xmlns="" xmlns:a14="http://schemas.microsoft.com/office/drawing/2010/main" w="9525">
                   <a:solidFill>
                     <a:srgbClr val="000000"/>
                   </a:solidFill>
@@ -2401,7 +2418,7 @@
             </a:ln>
             <a:extLst>
               <a:ext uri="{91240B29-F687-4f45-9708-019B960494DF}">
-                <a14:hiddenLine xmlns:a14="http://schemas.microsoft.com/office/drawing/2010/main" xmlns="" w="9525">
+                <a14:hiddenLine xmlns="" xmlns:a14="http://schemas.microsoft.com/office/drawing/2010/main" w="9525">
                   <a:solidFill>
                     <a:srgbClr val="000000"/>
                   </a:solidFill>
@@ -2457,7 +2474,7 @@
             </a:ln>
             <a:extLst>
               <a:ext uri="{91240B29-F687-4f45-9708-019B960494DF}">
-                <a14:hiddenLine xmlns:a14="http://schemas.microsoft.com/office/drawing/2010/main" xmlns="" w="9525">
+                <a14:hiddenLine xmlns="" xmlns:a14="http://schemas.microsoft.com/office/drawing/2010/main" w="9525">
                   <a:solidFill>
                     <a:srgbClr val="000000"/>
                   </a:solidFill>
@@ -2547,7 +2564,7 @@
             </a:ln>
             <a:extLst>
               <a:ext uri="{91240B29-F687-4f45-9708-019B960494DF}">
-                <a14:hiddenLine xmlns:a14="http://schemas.microsoft.com/office/drawing/2010/main" xmlns="" w="9525">
+                <a14:hiddenLine xmlns="" xmlns:a14="http://schemas.microsoft.com/office/drawing/2010/main" w="9525">
                   <a:solidFill>
                     <a:srgbClr val="000000"/>
                   </a:solidFill>
@@ -2615,7 +2632,7 @@
             </a:ln>
             <a:extLst>
               <a:ext uri="{91240B29-F687-4f45-9708-019B960494DF}">
-                <a14:hiddenLine xmlns:a14="http://schemas.microsoft.com/office/drawing/2010/main" xmlns="" w="9525">
+                <a14:hiddenLine xmlns="" xmlns:a14="http://schemas.microsoft.com/office/drawing/2010/main" w="9525">
                   <a:solidFill>
                     <a:srgbClr val="000000"/>
                   </a:solidFill>
@@ -2705,7 +2722,7 @@
             </a:ln>
             <a:extLst>
               <a:ext uri="{91240B29-F687-4f45-9708-019B960494DF}">
-                <a14:hiddenLine xmlns:a14="http://schemas.microsoft.com/office/drawing/2010/main" xmlns="" w="9525">
+                <a14:hiddenLine xmlns="" xmlns:a14="http://schemas.microsoft.com/office/drawing/2010/main" w="9525">
                   <a:solidFill>
                     <a:srgbClr val="000000"/>
                   </a:solidFill>
@@ -2773,7 +2790,7 @@
             </a:ln>
             <a:extLst>
               <a:ext uri="{91240B29-F687-4f45-9708-019B960494DF}">
-                <a14:hiddenLine xmlns:a14="http://schemas.microsoft.com/office/drawing/2010/main" xmlns="" w="9525">
+                <a14:hiddenLine xmlns="" xmlns:a14="http://schemas.microsoft.com/office/drawing/2010/main" w="9525">
                   <a:solidFill>
                     <a:srgbClr val="000000"/>
                   </a:solidFill>
@@ -2863,7 +2880,7 @@
             </a:ln>
             <a:extLst>
               <a:ext uri="{91240B29-F687-4f45-9708-019B960494DF}">
-                <a14:hiddenLine xmlns:a14="http://schemas.microsoft.com/office/drawing/2010/main" xmlns="" w="9525">
+                <a14:hiddenLine xmlns="" xmlns:a14="http://schemas.microsoft.com/office/drawing/2010/main" w="9525">
                   <a:solidFill>
                     <a:srgbClr val="000000"/>
                   </a:solidFill>
@@ -2897,7 +2914,7 @@
             </a:ln>
             <a:extLst>
               <a:ext uri="{91240B29-F687-4f45-9708-019B960494DF}">
-                <a14:hiddenLine xmlns:a14="http://schemas.microsoft.com/office/drawing/2010/main" xmlns="" w="9525">
+                <a14:hiddenLine xmlns="" xmlns:a14="http://schemas.microsoft.com/office/drawing/2010/main" w="9525">
                   <a:solidFill>
                     <a:srgbClr val="000000"/>
                   </a:solidFill>
@@ -2987,7 +3004,7 @@
             </a:ln>
             <a:extLst>
               <a:ext uri="{91240B29-F687-4f45-9708-019B960494DF}">
-                <a14:hiddenLine xmlns:a14="http://schemas.microsoft.com/office/drawing/2010/main" xmlns="" w="9525">
+                <a14:hiddenLine xmlns="" xmlns:a14="http://schemas.microsoft.com/office/drawing/2010/main" w="9525">
                   <a:solidFill>
                     <a:srgbClr val="000000"/>
                   </a:solidFill>
@@ -3049,7 +3066,7 @@
             </a:ln>
             <a:extLst>
               <a:ext uri="{91240B29-F687-4f45-9708-019B960494DF}">
-                <a14:hiddenLine xmlns:a14="http://schemas.microsoft.com/office/drawing/2010/main" xmlns="" w="9525">
+                <a14:hiddenLine xmlns="" xmlns:a14="http://schemas.microsoft.com/office/drawing/2010/main" w="9525">
                   <a:solidFill>
                     <a:srgbClr val="000000"/>
                   </a:solidFill>
@@ -3111,7 +3128,7 @@
             </a:ln>
             <a:extLst>
               <a:ext uri="{91240B29-F687-4f45-9708-019B960494DF}">
-                <a14:hiddenLine xmlns:a14="http://schemas.microsoft.com/office/drawing/2010/main" xmlns="" w="9525">
+                <a14:hiddenLine xmlns="" xmlns:a14="http://schemas.microsoft.com/office/drawing/2010/main" w="9525">
                   <a:solidFill>
                     <a:srgbClr val="000000"/>
                   </a:solidFill>
@@ -3201,7 +3218,7 @@
             </a:ln>
             <a:extLst>
               <a:ext uri="{91240B29-F687-4f45-9708-019B960494DF}">
-                <a14:hiddenLine xmlns:a14="http://schemas.microsoft.com/office/drawing/2010/main" xmlns="" w="9525">
+                <a14:hiddenLine xmlns="" xmlns:a14="http://schemas.microsoft.com/office/drawing/2010/main" w="9525">
                   <a:solidFill>
                     <a:srgbClr val="000000"/>
                   </a:solidFill>
@@ -3269,7 +3286,7 @@
             </a:ln>
             <a:extLst>
               <a:ext uri="{91240B29-F687-4f45-9708-019B960494DF}">
-                <a14:hiddenLine xmlns:a14="http://schemas.microsoft.com/office/drawing/2010/main" xmlns="" w="9525">
+                <a14:hiddenLine xmlns="" xmlns:a14="http://schemas.microsoft.com/office/drawing/2010/main" w="9525">
                   <a:solidFill>
                     <a:srgbClr val="000000"/>
                   </a:solidFill>
@@ -3331,7 +3348,7 @@
             </a:ln>
             <a:extLst>
               <a:ext uri="{91240B29-F687-4f45-9708-019B960494DF}">
-                <a14:hiddenLine xmlns:a14="http://schemas.microsoft.com/office/drawing/2010/main" xmlns="" w="9525">
+                <a14:hiddenLine xmlns="" xmlns:a14="http://schemas.microsoft.com/office/drawing/2010/main" w="9525">
                   <a:solidFill>
                     <a:srgbClr val="000000"/>
                   </a:solidFill>
@@ -3421,7 +3438,7 @@
             </a:ln>
             <a:extLst>
               <a:ext uri="{91240B29-F687-4f45-9708-019B960494DF}">
-                <a14:hiddenLine xmlns:a14="http://schemas.microsoft.com/office/drawing/2010/main" xmlns="" w="9525">
+                <a14:hiddenLine xmlns="" xmlns:a14="http://schemas.microsoft.com/office/drawing/2010/main" w="9525">
                   <a:solidFill>
                     <a:srgbClr val="000000"/>
                   </a:solidFill>
@@ -3483,7 +3500,7 @@
             </a:ln>
             <a:extLst>
               <a:ext uri="{91240B29-F687-4f45-9708-019B960494DF}">
-                <a14:hiddenLine xmlns:a14="http://schemas.microsoft.com/office/drawing/2010/main" xmlns="" w="9525">
+                <a14:hiddenLine xmlns="" xmlns:a14="http://schemas.microsoft.com/office/drawing/2010/main" w="9525">
                   <a:solidFill>
                     <a:srgbClr val="000000"/>
                   </a:solidFill>
@@ -3573,7 +3590,7 @@
             </a:ln>
             <a:extLst>
               <a:ext uri="{91240B29-F687-4f45-9708-019B960494DF}">
-                <a14:hiddenLine xmlns:a14="http://schemas.microsoft.com/office/drawing/2010/main" xmlns="" w="9525">
+                <a14:hiddenLine xmlns="" xmlns:a14="http://schemas.microsoft.com/office/drawing/2010/main" w="9525">
                   <a:solidFill>
                     <a:srgbClr val="000000"/>
                   </a:solidFill>
@@ -3635,7 +3652,7 @@
             </a:ln>
             <a:extLst>
               <a:ext uri="{91240B29-F687-4f45-9708-019B960494DF}">
-                <a14:hiddenLine xmlns:a14="http://schemas.microsoft.com/office/drawing/2010/main" xmlns="" w="9525">
+                <a14:hiddenLine xmlns="" xmlns:a14="http://schemas.microsoft.com/office/drawing/2010/main" w="9525">
                   <a:solidFill>
                     <a:srgbClr val="000000"/>
                   </a:solidFill>
@@ -3725,7 +3742,7 @@
             </a:ln>
             <a:extLst>
               <a:ext uri="{91240B29-F687-4f45-9708-019B960494DF}">
-                <a14:hiddenLine xmlns:a14="http://schemas.microsoft.com/office/drawing/2010/main" xmlns="" w="9525">
+                <a14:hiddenLine xmlns="" xmlns:a14="http://schemas.microsoft.com/office/drawing/2010/main" w="9525">
                   <a:solidFill>
                     <a:srgbClr val="000000"/>
                   </a:solidFill>
@@ -3759,7 +3776,7 @@
             </a:ln>
             <a:extLst>
               <a:ext uri="{91240B29-F687-4f45-9708-019B960494DF}">
-                <a14:hiddenLine xmlns:a14="http://schemas.microsoft.com/office/drawing/2010/main" xmlns="" w="9525">
+                <a14:hiddenLine xmlns="" xmlns:a14="http://schemas.microsoft.com/office/drawing/2010/main" w="9525">
                   <a:solidFill>
                     <a:srgbClr val="000000"/>
                   </a:solidFill>
@@ -3824,7 +3841,7 @@
             </a:ln>
             <a:extLst>
               <a:ext uri="{91240B29-F687-4f45-9708-019B960494DF}">
-                <a14:hiddenLine xmlns:a14="http://schemas.microsoft.com/office/drawing/2010/main" xmlns="" w="9525">
+                <a14:hiddenLine xmlns="" xmlns:a14="http://schemas.microsoft.com/office/drawing/2010/main" w="9525">
                   <a:solidFill>
                     <a:srgbClr val="000000"/>
                   </a:solidFill>
@@ -3914,7 +3931,7 @@
             </a:ln>
             <a:extLst>
               <a:ext uri="{91240B29-F687-4f45-9708-019B960494DF}">
-                <a14:hiddenLine xmlns:a14="http://schemas.microsoft.com/office/drawing/2010/main" xmlns="" w="9525">
+                <a14:hiddenLine xmlns="" xmlns:a14="http://schemas.microsoft.com/office/drawing/2010/main" w="9525">
                   <a:solidFill>
                     <a:srgbClr val="000000"/>
                   </a:solidFill>
@@ -3976,7 +3993,7 @@
             </a:ln>
             <a:extLst>
               <a:ext uri="{91240B29-F687-4f45-9708-019B960494DF}">
-                <a14:hiddenLine xmlns:a14="http://schemas.microsoft.com/office/drawing/2010/main" xmlns="" w="9525">
+                <a14:hiddenLine xmlns="" xmlns:a14="http://schemas.microsoft.com/office/drawing/2010/main" w="9525">
                   <a:solidFill>
                     <a:srgbClr val="000000"/>
                   </a:solidFill>
@@ -4066,7 +4083,7 @@
             </a:ln>
             <a:extLst>
               <a:ext uri="{91240B29-F687-4f45-9708-019B960494DF}">
-                <a14:hiddenLine xmlns:a14="http://schemas.microsoft.com/office/drawing/2010/main" xmlns="" w="9525">
+                <a14:hiddenLine xmlns="" xmlns:a14="http://schemas.microsoft.com/office/drawing/2010/main" w="9525">
                   <a:solidFill>
                     <a:srgbClr val="000000"/>
                   </a:solidFill>
@@ -4156,7 +4173,7 @@
             </a:ln>
             <a:extLst>
               <a:ext uri="{91240B29-F687-4f45-9708-019B960494DF}">
-                <a14:hiddenLine xmlns:a14="http://schemas.microsoft.com/office/drawing/2010/main" xmlns="" w="9525">
+                <a14:hiddenLine xmlns="" xmlns:a14="http://schemas.microsoft.com/office/drawing/2010/main" w="9525">
                   <a:solidFill>
                     <a:srgbClr val="000000"/>
                   </a:solidFill>
@@ -4221,7 +4238,7 @@
             </a:ln>
             <a:extLst>
               <a:ext uri="{91240B29-F687-4f45-9708-019B960494DF}">
-                <a14:hiddenLine xmlns:a14="http://schemas.microsoft.com/office/drawing/2010/main" xmlns="" w="9525">
+                <a14:hiddenLine xmlns="" xmlns:a14="http://schemas.microsoft.com/office/drawing/2010/main" w="9525">
                   <a:solidFill>
                     <a:srgbClr val="000000"/>
                   </a:solidFill>
@@ -4283,7 +4300,7 @@
             </a:ln>
             <a:extLst>
               <a:ext uri="{91240B29-F687-4f45-9708-019B960494DF}">
-                <a14:hiddenLine xmlns:a14="http://schemas.microsoft.com/office/drawing/2010/main" xmlns="" w="9525">
+                <a14:hiddenLine xmlns="" xmlns:a14="http://schemas.microsoft.com/office/drawing/2010/main" w="9525">
                   <a:solidFill>
                     <a:srgbClr val="000000"/>
                   </a:solidFill>
@@ -4373,7 +4390,7 @@
             </a:ln>
             <a:extLst>
               <a:ext uri="{91240B29-F687-4f45-9708-019B960494DF}">
-                <a14:hiddenLine xmlns:a14="http://schemas.microsoft.com/office/drawing/2010/main" xmlns="" w="9525">
+                <a14:hiddenLine xmlns="" xmlns:a14="http://schemas.microsoft.com/office/drawing/2010/main" w="9525">
                   <a:solidFill>
                     <a:srgbClr val="000000"/>
                   </a:solidFill>
@@ -4463,7 +4480,7 @@
             </a:ln>
             <a:extLst>
               <a:ext uri="{91240B29-F687-4f45-9708-019B960494DF}">
-                <a14:hiddenLine xmlns:a14="http://schemas.microsoft.com/office/drawing/2010/main" xmlns="" w="9525">
+                <a14:hiddenLine xmlns="" xmlns:a14="http://schemas.microsoft.com/office/drawing/2010/main" w="9525">
                   <a:solidFill>
                     <a:srgbClr val="000000"/>
                   </a:solidFill>
@@ -4525,7 +4542,7 @@
             </a:ln>
             <a:extLst>
               <a:ext uri="{91240B29-F687-4f45-9708-019B960494DF}">
-                <a14:hiddenLine xmlns:a14="http://schemas.microsoft.com/office/drawing/2010/main" xmlns="" w="9525">
+                <a14:hiddenLine xmlns="" xmlns:a14="http://schemas.microsoft.com/office/drawing/2010/main" w="9525">
                   <a:solidFill>
                     <a:srgbClr val="000000"/>
                   </a:solidFill>
@@ -4645,7 +4662,7 @@
             </a:ln>
             <a:extLst>
               <a:ext uri="{91240B29-F687-4f45-9708-019B960494DF}">
-                <a14:hiddenLine xmlns:a14="http://schemas.microsoft.com/office/drawing/2010/main" xmlns="" w="9525">
+                <a14:hiddenLine xmlns="" xmlns:a14="http://schemas.microsoft.com/office/drawing/2010/main" w="9525">
                   <a:solidFill>
                     <a:srgbClr val="000000"/>
                   </a:solidFill>
@@ -4713,7 +4730,7 @@
             </a:ln>
             <a:extLst>
               <a:ext uri="{91240B29-F687-4f45-9708-019B960494DF}">
-                <a14:hiddenLine xmlns:a14="http://schemas.microsoft.com/office/drawing/2010/main" xmlns="" w="9525">
+                <a14:hiddenLine xmlns="" xmlns:a14="http://schemas.microsoft.com/office/drawing/2010/main" w="9525">
                   <a:solidFill>
                     <a:srgbClr val="000000"/>
                   </a:solidFill>
@@ -4803,7 +4820,7 @@
             </a:ln>
             <a:extLst>
               <a:ext uri="{91240B29-F687-4f45-9708-019B960494DF}">
-                <a14:hiddenLine xmlns:a14="http://schemas.microsoft.com/office/drawing/2010/main" xmlns="" w="9525">
+                <a14:hiddenLine xmlns="" xmlns:a14="http://schemas.microsoft.com/office/drawing/2010/main" w="9525">
                   <a:solidFill>
                     <a:srgbClr val="000000"/>
                   </a:solidFill>
@@ -4943,7 +4960,7 @@
           <a:p>
             <a:fld id="{48A87A34-81AB-432B-8DAE-1953F412C126}" type="datetimeFigureOut">
               <a:rPr lang="en-US" smtClean="0"/>
-              <a:t>4/25/2022</a:t>
+              <a:t>5/4/2022</a:t>
             </a:fld>
             <a:endParaRPr lang="en-US" dirty="0"/>
           </a:p>
@@ -5210,7 +5227,7 @@
           <a:p>
             <a:fld id="{48A87A34-81AB-432B-8DAE-1953F412C126}" type="datetimeFigureOut">
               <a:rPr lang="en-US" smtClean="0"/>
-              <a:t>4/25/2022</a:t>
+              <a:t>5/4/2022</a:t>
             </a:fld>
             <a:endParaRPr lang="en-US" dirty="0"/>
           </a:p>
@@ -5406,7 +5423,7 @@
           <a:p>
             <a:fld id="{48A87A34-81AB-432B-8DAE-1953F412C126}" type="datetimeFigureOut">
               <a:rPr lang="en-US" smtClean="0"/>
-              <a:t>4/25/2022</a:t>
+              <a:t>5/4/2022</a:t>
             </a:fld>
             <a:endParaRPr lang="en-US" dirty="0"/>
           </a:p>
@@ -5669,7 +5686,7 @@
           <a:p>
             <a:fld id="{48A87A34-81AB-432B-8DAE-1953F412C126}" type="datetimeFigureOut">
               <a:rPr lang="en-US" smtClean="0"/>
-              <a:t>4/25/2022</a:t>
+              <a:t>5/4/2022</a:t>
             </a:fld>
             <a:endParaRPr lang="en-US" dirty="0"/>
           </a:p>
@@ -6103,7 +6120,7 @@
           <a:p>
             <a:fld id="{48A87A34-81AB-432B-8DAE-1953F412C126}" type="datetimeFigureOut">
               <a:rPr lang="en-US" smtClean="0"/>
-              <a:t>4/25/2022</a:t>
+              <a:t>5/4/2022</a:t>
             </a:fld>
             <a:endParaRPr lang="en-US" dirty="0"/>
           </a:p>
@@ -6649,7 +6666,7 @@
           <a:p>
             <a:fld id="{48A87A34-81AB-432B-8DAE-1953F412C126}" type="datetimeFigureOut">
               <a:rPr lang="en-US" smtClean="0"/>
-              <a:t>4/25/2022</a:t>
+              <a:t>5/4/2022</a:t>
             </a:fld>
             <a:endParaRPr lang="en-US" dirty="0"/>
           </a:p>
@@ -7369,7 +7386,7 @@
           <a:p>
             <a:fld id="{48A87A34-81AB-432B-8DAE-1953F412C126}" type="datetimeFigureOut">
               <a:rPr lang="en-US" smtClean="0"/>
-              <a:t>4/25/2022</a:t>
+              <a:t>5/4/2022</a:t>
             </a:fld>
             <a:endParaRPr lang="en-US" dirty="0"/>
           </a:p>
@@ -7539,7 +7556,7 @@
           <a:p>
             <a:fld id="{48A87A34-81AB-432B-8DAE-1953F412C126}" type="datetimeFigureOut">
               <a:rPr lang="en-US" smtClean="0"/>
-              <a:t>4/25/2022</a:t>
+              <a:t>5/4/2022</a:t>
             </a:fld>
             <a:endParaRPr lang="en-US" dirty="0"/>
           </a:p>
@@ -7719,7 +7736,7 @@
           <a:p>
             <a:fld id="{48A87A34-81AB-432B-8DAE-1953F412C126}" type="datetimeFigureOut">
               <a:rPr lang="en-US" smtClean="0"/>
-              <a:t>4/25/2022</a:t>
+              <a:t>5/4/2022</a:t>
             </a:fld>
             <a:endParaRPr lang="en-US" dirty="0"/>
           </a:p>
@@ -7771,6 +7788,428 @@
     <p:extLst>
       <p:ext uri="{BB962C8B-B14F-4D97-AF65-F5344CB8AC3E}">
         <p14:creationId xmlns:p14="http://schemas.microsoft.com/office/powerpoint/2010/main" val="2187062915"/>
+      </p:ext>
+    </p:extLst>
+  </p:cSld>
+  <p:clrMapOvr>
+    <a:masterClrMapping/>
+  </p:clrMapOvr>
+</p:sldLayout>
+</file>
+
+<file path=ppt/slideLayouts/slideLayout18.xml><?xml version="1.0" encoding="utf-8"?>
+<p:sldLayout xmlns:a="http://schemas.openxmlformats.org/drawingml/2006/main" xmlns:r="http://schemas.openxmlformats.org/officeDocument/2006/relationships" xmlns:p="http://schemas.openxmlformats.org/presentationml/2006/main" type="title" preserve="1">
+  <p:cSld name="Title Slide">
+    <p:spTree>
+      <p:nvGrpSpPr>
+        <p:cNvPr id="1" name=""/>
+        <p:cNvGrpSpPr/>
+        <p:nvPr/>
+      </p:nvGrpSpPr>
+      <p:grpSpPr>
+        <a:xfrm>
+          <a:off x="0" y="0"/>
+          <a:ext cx="0" cy="0"/>
+          <a:chOff x="0" y="0"/>
+          <a:chExt cx="0" cy="0"/>
+        </a:xfrm>
+      </p:grpSpPr>
+      <p:sp>
+        <p:nvSpPr>
+          <p:cNvPr id="2" name="Title 1">
+            <a:extLst>
+              <a:ext uri="{FF2B5EF4-FFF2-40B4-BE49-F238E27FC236}">
+                <a16:creationId xmlns:a16="http://schemas.microsoft.com/office/drawing/2014/main" id="{8C27B6E8-9CAC-3FE4-D215-05C72B496981}"/>
+              </a:ext>
+            </a:extLst>
+          </p:cNvPr>
+          <p:cNvSpPr>
+            <a:spLocks noGrp="1"/>
+          </p:cNvSpPr>
+          <p:nvPr>
+            <p:ph type="ctrTitle"/>
+          </p:nvPr>
+        </p:nvSpPr>
+        <p:spPr>
+          <a:xfrm>
+            <a:off x="1524000" y="1122363"/>
+            <a:ext cx="9144000" cy="2387600"/>
+          </a:xfrm>
+        </p:spPr>
+        <p:txBody>
+          <a:bodyPr anchor="b"/>
+          <a:lstStyle>
+            <a:lvl1pPr algn="ctr">
+              <a:defRPr sz="6000"/>
+            </a:lvl1pPr>
+          </a:lstStyle>
+          <a:p>
+            <a:r>
+              <a:rPr lang="en-GB"/>
+              <a:t>Click to edit Master title style</a:t>
+            </a:r>
+            <a:endParaRPr lang="en-US"/>
+          </a:p>
+        </p:txBody>
+      </p:sp>
+      <p:sp>
+        <p:nvSpPr>
+          <p:cNvPr id="3" name="Subtitle 2">
+            <a:extLst>
+              <a:ext uri="{FF2B5EF4-FFF2-40B4-BE49-F238E27FC236}">
+                <a16:creationId xmlns:a16="http://schemas.microsoft.com/office/drawing/2014/main" id="{4E225B63-48F1-02B4-8BE2-51E088BFA665}"/>
+              </a:ext>
+            </a:extLst>
+          </p:cNvPr>
+          <p:cNvSpPr>
+            <a:spLocks noGrp="1"/>
+          </p:cNvSpPr>
+          <p:nvPr>
+            <p:ph type="subTitle" idx="1"/>
+          </p:nvPr>
+        </p:nvSpPr>
+        <p:spPr>
+          <a:xfrm>
+            <a:off x="1524000" y="3602038"/>
+            <a:ext cx="9144000" cy="1655762"/>
+          </a:xfrm>
+        </p:spPr>
+        <p:txBody>
+          <a:bodyPr/>
+          <a:lstStyle>
+            <a:lvl1pPr marL="0" indent="0" algn="ctr">
+              <a:buNone/>
+              <a:defRPr sz="2400"/>
+            </a:lvl1pPr>
+            <a:lvl2pPr marL="457200" indent="0" algn="ctr">
+              <a:buNone/>
+              <a:defRPr sz="2000"/>
+            </a:lvl2pPr>
+            <a:lvl3pPr marL="914400" indent="0" algn="ctr">
+              <a:buNone/>
+              <a:defRPr sz="1800"/>
+            </a:lvl3pPr>
+            <a:lvl4pPr marL="1371600" indent="0" algn="ctr">
+              <a:buNone/>
+              <a:defRPr sz="1600"/>
+            </a:lvl4pPr>
+            <a:lvl5pPr marL="1828800" indent="0" algn="ctr">
+              <a:buNone/>
+              <a:defRPr sz="1600"/>
+            </a:lvl5pPr>
+            <a:lvl6pPr marL="2286000" indent="0" algn="ctr">
+              <a:buNone/>
+              <a:defRPr sz="1600"/>
+            </a:lvl6pPr>
+            <a:lvl7pPr marL="2743200" indent="0" algn="ctr">
+              <a:buNone/>
+              <a:defRPr sz="1600"/>
+            </a:lvl7pPr>
+            <a:lvl8pPr marL="3200400" indent="0" algn="ctr">
+              <a:buNone/>
+              <a:defRPr sz="1600"/>
+            </a:lvl8pPr>
+            <a:lvl9pPr marL="3657600" indent="0" algn="ctr">
+              <a:buNone/>
+              <a:defRPr sz="1600"/>
+            </a:lvl9pPr>
+          </a:lstStyle>
+          <a:p>
+            <a:r>
+              <a:rPr lang="en-GB"/>
+              <a:t>Click to edit Master subtitle style</a:t>
+            </a:r>
+            <a:endParaRPr lang="en-US"/>
+          </a:p>
+        </p:txBody>
+      </p:sp>
+      <p:sp>
+        <p:nvSpPr>
+          <p:cNvPr id="4" name="Date Placeholder 3">
+            <a:extLst>
+              <a:ext uri="{FF2B5EF4-FFF2-40B4-BE49-F238E27FC236}">
+                <a16:creationId xmlns:a16="http://schemas.microsoft.com/office/drawing/2014/main" id="{37063FF3-194B-1822-DB10-CD778DADC2B8}"/>
+              </a:ext>
+            </a:extLst>
+          </p:cNvPr>
+          <p:cNvSpPr>
+            <a:spLocks noGrp="1"/>
+          </p:cNvSpPr>
+          <p:nvPr>
+            <p:ph type="dt" sz="half" idx="10"/>
+          </p:nvPr>
+        </p:nvSpPr>
+        <p:spPr/>
+        <p:txBody>
+          <a:bodyPr/>
+          <a:lstStyle/>
+          <a:p>
+            <a:fld id="{F9F81469-CC24-CC4F-95EF-B3D146B8A986}" type="datetimeFigureOut">
+              <a:rPr lang="en-US" smtClean="0"/>
+              <a:t>5/4/2022</a:t>
+            </a:fld>
+            <a:endParaRPr lang="en-US"/>
+          </a:p>
+        </p:txBody>
+      </p:sp>
+      <p:sp>
+        <p:nvSpPr>
+          <p:cNvPr id="5" name="Footer Placeholder 4">
+            <a:extLst>
+              <a:ext uri="{FF2B5EF4-FFF2-40B4-BE49-F238E27FC236}">
+                <a16:creationId xmlns:a16="http://schemas.microsoft.com/office/drawing/2014/main" id="{3B4567F3-E7DF-AD69-F443-2B52521084CE}"/>
+              </a:ext>
+            </a:extLst>
+          </p:cNvPr>
+          <p:cNvSpPr>
+            <a:spLocks noGrp="1"/>
+          </p:cNvSpPr>
+          <p:nvPr>
+            <p:ph type="ftr" sz="quarter" idx="11"/>
+          </p:nvPr>
+        </p:nvSpPr>
+        <p:spPr/>
+        <p:txBody>
+          <a:bodyPr/>
+          <a:lstStyle/>
+          <a:p>
+            <a:endParaRPr lang="en-US"/>
+          </a:p>
+        </p:txBody>
+      </p:sp>
+      <p:sp>
+        <p:nvSpPr>
+          <p:cNvPr id="6" name="Slide Number Placeholder 5">
+            <a:extLst>
+              <a:ext uri="{FF2B5EF4-FFF2-40B4-BE49-F238E27FC236}">
+                <a16:creationId xmlns:a16="http://schemas.microsoft.com/office/drawing/2014/main" id="{736DE560-4D64-7437-2C76-814E14F3B779}"/>
+              </a:ext>
+            </a:extLst>
+          </p:cNvPr>
+          <p:cNvSpPr>
+            <a:spLocks noGrp="1"/>
+          </p:cNvSpPr>
+          <p:nvPr>
+            <p:ph type="sldNum" sz="quarter" idx="12"/>
+          </p:nvPr>
+        </p:nvSpPr>
+        <p:spPr/>
+        <p:txBody>
+          <a:bodyPr/>
+          <a:lstStyle/>
+          <a:p>
+            <a:fld id="{93575E37-BEDC-774E-8E1C-DBE1317195E3}" type="slidenum">
+              <a:rPr lang="en-US" smtClean="0"/>
+              <a:t>‹#›</a:t>
+            </a:fld>
+            <a:endParaRPr lang="en-US"/>
+          </a:p>
+        </p:txBody>
+      </p:sp>
+    </p:spTree>
+    <p:extLst>
+      <p:ext uri="{BB962C8B-B14F-4D97-AF65-F5344CB8AC3E}">
+        <p14:creationId xmlns:p14="http://schemas.microsoft.com/office/powerpoint/2010/main" val="2129223248"/>
+      </p:ext>
+    </p:extLst>
+  </p:cSld>
+  <p:clrMapOvr>
+    <a:masterClrMapping/>
+  </p:clrMapOvr>
+</p:sldLayout>
+</file>
+
+<file path=ppt/slideLayouts/slideLayout19.xml><?xml version="1.0" encoding="utf-8"?>
+<p:sldLayout xmlns:a="http://schemas.openxmlformats.org/drawingml/2006/main" xmlns:r="http://schemas.openxmlformats.org/officeDocument/2006/relationships" xmlns:p="http://schemas.openxmlformats.org/presentationml/2006/main" type="obj" preserve="1">
+  <p:cSld name="Title and Content">
+    <p:spTree>
+      <p:nvGrpSpPr>
+        <p:cNvPr id="1" name=""/>
+        <p:cNvGrpSpPr/>
+        <p:nvPr/>
+      </p:nvGrpSpPr>
+      <p:grpSpPr>
+        <a:xfrm>
+          <a:off x="0" y="0"/>
+          <a:ext cx="0" cy="0"/>
+          <a:chOff x="0" y="0"/>
+          <a:chExt cx="0" cy="0"/>
+        </a:xfrm>
+      </p:grpSpPr>
+      <p:sp>
+        <p:nvSpPr>
+          <p:cNvPr id="2" name="Title 1">
+            <a:extLst>
+              <a:ext uri="{FF2B5EF4-FFF2-40B4-BE49-F238E27FC236}">
+                <a16:creationId xmlns:a16="http://schemas.microsoft.com/office/drawing/2014/main" id="{1CED5A02-EE9B-B757-7525-105F93439A89}"/>
+              </a:ext>
+            </a:extLst>
+          </p:cNvPr>
+          <p:cNvSpPr>
+            <a:spLocks noGrp="1"/>
+          </p:cNvSpPr>
+          <p:nvPr>
+            <p:ph type="title"/>
+          </p:nvPr>
+        </p:nvSpPr>
+        <p:spPr/>
+        <p:txBody>
+          <a:bodyPr/>
+          <a:lstStyle/>
+          <a:p>
+            <a:r>
+              <a:rPr lang="en-GB"/>
+              <a:t>Click to edit Master title style</a:t>
+            </a:r>
+            <a:endParaRPr lang="en-US"/>
+          </a:p>
+        </p:txBody>
+      </p:sp>
+      <p:sp>
+        <p:nvSpPr>
+          <p:cNvPr id="3" name="Content Placeholder 2">
+            <a:extLst>
+              <a:ext uri="{FF2B5EF4-FFF2-40B4-BE49-F238E27FC236}">
+                <a16:creationId xmlns:a16="http://schemas.microsoft.com/office/drawing/2014/main" id="{BEF4C51A-CA14-D478-B206-E86B5AC026D2}"/>
+              </a:ext>
+            </a:extLst>
+          </p:cNvPr>
+          <p:cNvSpPr>
+            <a:spLocks noGrp="1"/>
+          </p:cNvSpPr>
+          <p:nvPr>
+            <p:ph idx="1"/>
+          </p:nvPr>
+        </p:nvSpPr>
+        <p:spPr/>
+        <p:txBody>
+          <a:bodyPr/>
+          <a:lstStyle/>
+          <a:p>
+            <a:pPr lvl="0"/>
+            <a:r>
+              <a:rPr lang="en-GB"/>
+              <a:t>Click to edit Master text styles</a:t>
+            </a:r>
+          </a:p>
+          <a:p>
+            <a:pPr lvl="1"/>
+            <a:r>
+              <a:rPr lang="en-GB"/>
+              <a:t>Second level</a:t>
+            </a:r>
+          </a:p>
+          <a:p>
+            <a:pPr lvl="2"/>
+            <a:r>
+              <a:rPr lang="en-GB"/>
+              <a:t>Third level</a:t>
+            </a:r>
+          </a:p>
+          <a:p>
+            <a:pPr lvl="3"/>
+            <a:r>
+              <a:rPr lang="en-GB"/>
+              <a:t>Fourth level</a:t>
+            </a:r>
+          </a:p>
+          <a:p>
+            <a:pPr lvl="4"/>
+            <a:r>
+              <a:rPr lang="en-GB"/>
+              <a:t>Fifth level</a:t>
+            </a:r>
+            <a:endParaRPr lang="en-US"/>
+          </a:p>
+        </p:txBody>
+      </p:sp>
+      <p:sp>
+        <p:nvSpPr>
+          <p:cNvPr id="4" name="Date Placeholder 3">
+            <a:extLst>
+              <a:ext uri="{FF2B5EF4-FFF2-40B4-BE49-F238E27FC236}">
+                <a16:creationId xmlns:a16="http://schemas.microsoft.com/office/drawing/2014/main" id="{70720DCF-4533-65EF-7766-E04C259CDE33}"/>
+              </a:ext>
+            </a:extLst>
+          </p:cNvPr>
+          <p:cNvSpPr>
+            <a:spLocks noGrp="1"/>
+          </p:cNvSpPr>
+          <p:nvPr>
+            <p:ph type="dt" sz="half" idx="10"/>
+          </p:nvPr>
+        </p:nvSpPr>
+        <p:spPr/>
+        <p:txBody>
+          <a:bodyPr/>
+          <a:lstStyle/>
+          <a:p>
+            <a:fld id="{F9F81469-CC24-CC4F-95EF-B3D146B8A986}" type="datetimeFigureOut">
+              <a:rPr lang="en-US" smtClean="0"/>
+              <a:t>5/4/2022</a:t>
+            </a:fld>
+            <a:endParaRPr lang="en-US"/>
+          </a:p>
+        </p:txBody>
+      </p:sp>
+      <p:sp>
+        <p:nvSpPr>
+          <p:cNvPr id="5" name="Footer Placeholder 4">
+            <a:extLst>
+              <a:ext uri="{FF2B5EF4-FFF2-40B4-BE49-F238E27FC236}">
+                <a16:creationId xmlns:a16="http://schemas.microsoft.com/office/drawing/2014/main" id="{89731D0E-62DF-32AE-BF35-0BC17AFFD960}"/>
+              </a:ext>
+            </a:extLst>
+          </p:cNvPr>
+          <p:cNvSpPr>
+            <a:spLocks noGrp="1"/>
+          </p:cNvSpPr>
+          <p:nvPr>
+            <p:ph type="ftr" sz="quarter" idx="11"/>
+          </p:nvPr>
+        </p:nvSpPr>
+        <p:spPr/>
+        <p:txBody>
+          <a:bodyPr/>
+          <a:lstStyle/>
+          <a:p>
+            <a:endParaRPr lang="en-US"/>
+          </a:p>
+        </p:txBody>
+      </p:sp>
+      <p:sp>
+        <p:nvSpPr>
+          <p:cNvPr id="6" name="Slide Number Placeholder 5">
+            <a:extLst>
+              <a:ext uri="{FF2B5EF4-FFF2-40B4-BE49-F238E27FC236}">
+                <a16:creationId xmlns:a16="http://schemas.microsoft.com/office/drawing/2014/main" id="{74FE78D8-F4D9-C2A8-3F96-8E67DC9CB349}"/>
+              </a:ext>
+            </a:extLst>
+          </p:cNvPr>
+          <p:cNvSpPr>
+            <a:spLocks noGrp="1"/>
+          </p:cNvSpPr>
+          <p:nvPr>
+            <p:ph type="sldNum" sz="quarter" idx="12"/>
+          </p:nvPr>
+        </p:nvSpPr>
+        <p:spPr/>
+        <p:txBody>
+          <a:bodyPr/>
+          <a:lstStyle/>
+          <a:p>
+            <a:fld id="{93575E37-BEDC-774E-8E1C-DBE1317195E3}" type="slidenum">
+              <a:rPr lang="en-US" smtClean="0"/>
+              <a:t>‹#›</a:t>
+            </a:fld>
+            <a:endParaRPr lang="en-US"/>
+          </a:p>
+        </p:txBody>
+      </p:sp>
+    </p:spTree>
+    <p:extLst>
+      <p:ext uri="{BB962C8B-B14F-4D97-AF65-F5344CB8AC3E}">
+        <p14:creationId xmlns:p14="http://schemas.microsoft.com/office/powerpoint/2010/main" val="259718797"/>
       </p:ext>
     </p:extLst>
   </p:cSld>
@@ -7889,7 +8328,7 @@
           <a:p>
             <a:fld id="{48A87A34-81AB-432B-8DAE-1953F412C126}" type="datetimeFigureOut">
               <a:rPr lang="en-US" smtClean="0"/>
-              <a:t>4/25/2022</a:t>
+              <a:t>5/4/2022</a:t>
             </a:fld>
             <a:endParaRPr lang="en-US" dirty="0"/>
           </a:p>
@@ -7941,6 +8380,2232 @@
     <p:extLst>
       <p:ext uri="{BB962C8B-B14F-4D97-AF65-F5344CB8AC3E}">
         <p14:creationId xmlns:p14="http://schemas.microsoft.com/office/powerpoint/2010/main" val="4008808035"/>
+      </p:ext>
+    </p:extLst>
+  </p:cSld>
+  <p:clrMapOvr>
+    <a:masterClrMapping/>
+  </p:clrMapOvr>
+</p:sldLayout>
+</file>
+
+<file path=ppt/slideLayouts/slideLayout20.xml><?xml version="1.0" encoding="utf-8"?>
+<p:sldLayout xmlns:a="http://schemas.openxmlformats.org/drawingml/2006/main" xmlns:r="http://schemas.openxmlformats.org/officeDocument/2006/relationships" xmlns:p="http://schemas.openxmlformats.org/presentationml/2006/main" type="secHead" preserve="1">
+  <p:cSld name="Section Header">
+    <p:spTree>
+      <p:nvGrpSpPr>
+        <p:cNvPr id="1" name=""/>
+        <p:cNvGrpSpPr/>
+        <p:nvPr/>
+      </p:nvGrpSpPr>
+      <p:grpSpPr>
+        <a:xfrm>
+          <a:off x="0" y="0"/>
+          <a:ext cx="0" cy="0"/>
+          <a:chOff x="0" y="0"/>
+          <a:chExt cx="0" cy="0"/>
+        </a:xfrm>
+      </p:grpSpPr>
+      <p:sp>
+        <p:nvSpPr>
+          <p:cNvPr id="2" name="Title 1">
+            <a:extLst>
+              <a:ext uri="{FF2B5EF4-FFF2-40B4-BE49-F238E27FC236}">
+                <a16:creationId xmlns:a16="http://schemas.microsoft.com/office/drawing/2014/main" id="{F53675CD-4EAD-7F84-14D7-3FB2CF622250}"/>
+              </a:ext>
+            </a:extLst>
+          </p:cNvPr>
+          <p:cNvSpPr>
+            <a:spLocks noGrp="1"/>
+          </p:cNvSpPr>
+          <p:nvPr>
+            <p:ph type="title"/>
+          </p:nvPr>
+        </p:nvSpPr>
+        <p:spPr>
+          <a:xfrm>
+            <a:off x="831850" y="1709738"/>
+            <a:ext cx="10515600" cy="2852737"/>
+          </a:xfrm>
+        </p:spPr>
+        <p:txBody>
+          <a:bodyPr anchor="b"/>
+          <a:lstStyle>
+            <a:lvl1pPr>
+              <a:defRPr sz="6000"/>
+            </a:lvl1pPr>
+          </a:lstStyle>
+          <a:p>
+            <a:r>
+              <a:rPr lang="en-GB"/>
+              <a:t>Click to edit Master title style</a:t>
+            </a:r>
+            <a:endParaRPr lang="en-US"/>
+          </a:p>
+        </p:txBody>
+      </p:sp>
+      <p:sp>
+        <p:nvSpPr>
+          <p:cNvPr id="3" name="Text Placeholder 2">
+            <a:extLst>
+              <a:ext uri="{FF2B5EF4-FFF2-40B4-BE49-F238E27FC236}">
+                <a16:creationId xmlns:a16="http://schemas.microsoft.com/office/drawing/2014/main" id="{601D08E9-013E-709E-09BF-43C4954F2094}"/>
+              </a:ext>
+            </a:extLst>
+          </p:cNvPr>
+          <p:cNvSpPr>
+            <a:spLocks noGrp="1"/>
+          </p:cNvSpPr>
+          <p:nvPr>
+            <p:ph type="body" idx="1"/>
+          </p:nvPr>
+        </p:nvSpPr>
+        <p:spPr>
+          <a:xfrm>
+            <a:off x="831850" y="4589463"/>
+            <a:ext cx="10515600" cy="1500187"/>
+          </a:xfrm>
+        </p:spPr>
+        <p:txBody>
+          <a:bodyPr/>
+          <a:lstStyle>
+            <a:lvl1pPr marL="0" indent="0">
+              <a:buNone/>
+              <a:defRPr sz="2400">
+                <a:solidFill>
+                  <a:schemeClr val="tx1">
+                    <a:tint val="75000"/>
+                  </a:schemeClr>
+                </a:solidFill>
+              </a:defRPr>
+            </a:lvl1pPr>
+            <a:lvl2pPr marL="457200" indent="0">
+              <a:buNone/>
+              <a:defRPr sz="2000">
+                <a:solidFill>
+                  <a:schemeClr val="tx1">
+                    <a:tint val="75000"/>
+                  </a:schemeClr>
+                </a:solidFill>
+              </a:defRPr>
+            </a:lvl2pPr>
+            <a:lvl3pPr marL="914400" indent="0">
+              <a:buNone/>
+              <a:defRPr sz="1800">
+                <a:solidFill>
+                  <a:schemeClr val="tx1">
+                    <a:tint val="75000"/>
+                  </a:schemeClr>
+                </a:solidFill>
+              </a:defRPr>
+            </a:lvl3pPr>
+            <a:lvl4pPr marL="1371600" indent="0">
+              <a:buNone/>
+              <a:defRPr sz="1600">
+                <a:solidFill>
+                  <a:schemeClr val="tx1">
+                    <a:tint val="75000"/>
+                  </a:schemeClr>
+                </a:solidFill>
+              </a:defRPr>
+            </a:lvl4pPr>
+            <a:lvl5pPr marL="1828800" indent="0">
+              <a:buNone/>
+              <a:defRPr sz="1600">
+                <a:solidFill>
+                  <a:schemeClr val="tx1">
+                    <a:tint val="75000"/>
+                  </a:schemeClr>
+                </a:solidFill>
+              </a:defRPr>
+            </a:lvl5pPr>
+            <a:lvl6pPr marL="2286000" indent="0">
+              <a:buNone/>
+              <a:defRPr sz="1600">
+                <a:solidFill>
+                  <a:schemeClr val="tx1">
+                    <a:tint val="75000"/>
+                  </a:schemeClr>
+                </a:solidFill>
+              </a:defRPr>
+            </a:lvl6pPr>
+            <a:lvl7pPr marL="2743200" indent="0">
+              <a:buNone/>
+              <a:defRPr sz="1600">
+                <a:solidFill>
+                  <a:schemeClr val="tx1">
+                    <a:tint val="75000"/>
+                  </a:schemeClr>
+                </a:solidFill>
+              </a:defRPr>
+            </a:lvl7pPr>
+            <a:lvl8pPr marL="3200400" indent="0">
+              <a:buNone/>
+              <a:defRPr sz="1600">
+                <a:solidFill>
+                  <a:schemeClr val="tx1">
+                    <a:tint val="75000"/>
+                  </a:schemeClr>
+                </a:solidFill>
+              </a:defRPr>
+            </a:lvl8pPr>
+            <a:lvl9pPr marL="3657600" indent="0">
+              <a:buNone/>
+              <a:defRPr sz="1600">
+                <a:solidFill>
+                  <a:schemeClr val="tx1">
+                    <a:tint val="75000"/>
+                  </a:schemeClr>
+                </a:solidFill>
+              </a:defRPr>
+            </a:lvl9pPr>
+          </a:lstStyle>
+          <a:p>
+            <a:pPr lvl="0"/>
+            <a:r>
+              <a:rPr lang="en-GB"/>
+              <a:t>Click to edit Master text styles</a:t>
+            </a:r>
+          </a:p>
+        </p:txBody>
+      </p:sp>
+      <p:sp>
+        <p:nvSpPr>
+          <p:cNvPr id="4" name="Date Placeholder 3">
+            <a:extLst>
+              <a:ext uri="{FF2B5EF4-FFF2-40B4-BE49-F238E27FC236}">
+                <a16:creationId xmlns:a16="http://schemas.microsoft.com/office/drawing/2014/main" id="{E60550AF-1EBA-0120-A39A-C1471F3996E5}"/>
+              </a:ext>
+            </a:extLst>
+          </p:cNvPr>
+          <p:cNvSpPr>
+            <a:spLocks noGrp="1"/>
+          </p:cNvSpPr>
+          <p:nvPr>
+            <p:ph type="dt" sz="half" idx="10"/>
+          </p:nvPr>
+        </p:nvSpPr>
+        <p:spPr/>
+        <p:txBody>
+          <a:bodyPr/>
+          <a:lstStyle/>
+          <a:p>
+            <a:fld id="{F9F81469-CC24-CC4F-95EF-B3D146B8A986}" type="datetimeFigureOut">
+              <a:rPr lang="en-US" smtClean="0"/>
+              <a:t>5/4/2022</a:t>
+            </a:fld>
+            <a:endParaRPr lang="en-US"/>
+          </a:p>
+        </p:txBody>
+      </p:sp>
+      <p:sp>
+        <p:nvSpPr>
+          <p:cNvPr id="5" name="Footer Placeholder 4">
+            <a:extLst>
+              <a:ext uri="{FF2B5EF4-FFF2-40B4-BE49-F238E27FC236}">
+                <a16:creationId xmlns:a16="http://schemas.microsoft.com/office/drawing/2014/main" id="{44433EE6-7689-4DB1-9A6E-3B06278E0B73}"/>
+              </a:ext>
+            </a:extLst>
+          </p:cNvPr>
+          <p:cNvSpPr>
+            <a:spLocks noGrp="1"/>
+          </p:cNvSpPr>
+          <p:nvPr>
+            <p:ph type="ftr" sz="quarter" idx="11"/>
+          </p:nvPr>
+        </p:nvSpPr>
+        <p:spPr/>
+        <p:txBody>
+          <a:bodyPr/>
+          <a:lstStyle/>
+          <a:p>
+            <a:endParaRPr lang="en-US"/>
+          </a:p>
+        </p:txBody>
+      </p:sp>
+      <p:sp>
+        <p:nvSpPr>
+          <p:cNvPr id="6" name="Slide Number Placeholder 5">
+            <a:extLst>
+              <a:ext uri="{FF2B5EF4-FFF2-40B4-BE49-F238E27FC236}">
+                <a16:creationId xmlns:a16="http://schemas.microsoft.com/office/drawing/2014/main" id="{9DE28806-8D16-A1A0-EEDA-E9EF88582260}"/>
+              </a:ext>
+            </a:extLst>
+          </p:cNvPr>
+          <p:cNvSpPr>
+            <a:spLocks noGrp="1"/>
+          </p:cNvSpPr>
+          <p:nvPr>
+            <p:ph type="sldNum" sz="quarter" idx="12"/>
+          </p:nvPr>
+        </p:nvSpPr>
+        <p:spPr/>
+        <p:txBody>
+          <a:bodyPr/>
+          <a:lstStyle/>
+          <a:p>
+            <a:fld id="{93575E37-BEDC-774E-8E1C-DBE1317195E3}" type="slidenum">
+              <a:rPr lang="en-US" smtClean="0"/>
+              <a:t>‹#›</a:t>
+            </a:fld>
+            <a:endParaRPr lang="en-US"/>
+          </a:p>
+        </p:txBody>
+      </p:sp>
+    </p:spTree>
+    <p:extLst>
+      <p:ext uri="{BB962C8B-B14F-4D97-AF65-F5344CB8AC3E}">
+        <p14:creationId xmlns:p14="http://schemas.microsoft.com/office/powerpoint/2010/main" val="1545822896"/>
+      </p:ext>
+    </p:extLst>
+  </p:cSld>
+  <p:clrMapOvr>
+    <a:masterClrMapping/>
+  </p:clrMapOvr>
+</p:sldLayout>
+</file>
+
+<file path=ppt/slideLayouts/slideLayout21.xml><?xml version="1.0" encoding="utf-8"?>
+<p:sldLayout xmlns:a="http://schemas.openxmlformats.org/drawingml/2006/main" xmlns:r="http://schemas.openxmlformats.org/officeDocument/2006/relationships" xmlns:p="http://schemas.openxmlformats.org/presentationml/2006/main" type="twoObj" preserve="1">
+  <p:cSld name="Two Content">
+    <p:spTree>
+      <p:nvGrpSpPr>
+        <p:cNvPr id="1" name=""/>
+        <p:cNvGrpSpPr/>
+        <p:nvPr/>
+      </p:nvGrpSpPr>
+      <p:grpSpPr>
+        <a:xfrm>
+          <a:off x="0" y="0"/>
+          <a:ext cx="0" cy="0"/>
+          <a:chOff x="0" y="0"/>
+          <a:chExt cx="0" cy="0"/>
+        </a:xfrm>
+      </p:grpSpPr>
+      <p:sp>
+        <p:nvSpPr>
+          <p:cNvPr id="2" name="Title 1">
+            <a:extLst>
+              <a:ext uri="{FF2B5EF4-FFF2-40B4-BE49-F238E27FC236}">
+                <a16:creationId xmlns:a16="http://schemas.microsoft.com/office/drawing/2014/main" id="{995B4ACB-87B9-23BA-ECC0-DA5A84AC9B33}"/>
+              </a:ext>
+            </a:extLst>
+          </p:cNvPr>
+          <p:cNvSpPr>
+            <a:spLocks noGrp="1"/>
+          </p:cNvSpPr>
+          <p:nvPr>
+            <p:ph type="title"/>
+          </p:nvPr>
+        </p:nvSpPr>
+        <p:spPr/>
+        <p:txBody>
+          <a:bodyPr/>
+          <a:lstStyle/>
+          <a:p>
+            <a:r>
+              <a:rPr lang="en-GB"/>
+              <a:t>Click to edit Master title style</a:t>
+            </a:r>
+            <a:endParaRPr lang="en-US"/>
+          </a:p>
+        </p:txBody>
+      </p:sp>
+      <p:sp>
+        <p:nvSpPr>
+          <p:cNvPr id="3" name="Content Placeholder 2">
+            <a:extLst>
+              <a:ext uri="{FF2B5EF4-FFF2-40B4-BE49-F238E27FC236}">
+                <a16:creationId xmlns:a16="http://schemas.microsoft.com/office/drawing/2014/main" id="{FB5E7B42-F826-C089-0E31-6EE2C98BAD1E}"/>
+              </a:ext>
+            </a:extLst>
+          </p:cNvPr>
+          <p:cNvSpPr>
+            <a:spLocks noGrp="1"/>
+          </p:cNvSpPr>
+          <p:nvPr>
+            <p:ph sz="half" idx="1"/>
+          </p:nvPr>
+        </p:nvSpPr>
+        <p:spPr>
+          <a:xfrm>
+            <a:off x="838200" y="1825625"/>
+            <a:ext cx="5181600" cy="4351338"/>
+          </a:xfrm>
+        </p:spPr>
+        <p:txBody>
+          <a:bodyPr/>
+          <a:lstStyle/>
+          <a:p>
+            <a:pPr lvl="0"/>
+            <a:r>
+              <a:rPr lang="en-GB"/>
+              <a:t>Click to edit Master text styles</a:t>
+            </a:r>
+          </a:p>
+          <a:p>
+            <a:pPr lvl="1"/>
+            <a:r>
+              <a:rPr lang="en-GB"/>
+              <a:t>Second level</a:t>
+            </a:r>
+          </a:p>
+          <a:p>
+            <a:pPr lvl="2"/>
+            <a:r>
+              <a:rPr lang="en-GB"/>
+              <a:t>Third level</a:t>
+            </a:r>
+          </a:p>
+          <a:p>
+            <a:pPr lvl="3"/>
+            <a:r>
+              <a:rPr lang="en-GB"/>
+              <a:t>Fourth level</a:t>
+            </a:r>
+          </a:p>
+          <a:p>
+            <a:pPr lvl="4"/>
+            <a:r>
+              <a:rPr lang="en-GB"/>
+              <a:t>Fifth level</a:t>
+            </a:r>
+            <a:endParaRPr lang="en-US"/>
+          </a:p>
+        </p:txBody>
+      </p:sp>
+      <p:sp>
+        <p:nvSpPr>
+          <p:cNvPr id="4" name="Content Placeholder 3">
+            <a:extLst>
+              <a:ext uri="{FF2B5EF4-FFF2-40B4-BE49-F238E27FC236}">
+                <a16:creationId xmlns:a16="http://schemas.microsoft.com/office/drawing/2014/main" id="{81285205-8AFB-BEDC-2784-079F11FE8DF1}"/>
+              </a:ext>
+            </a:extLst>
+          </p:cNvPr>
+          <p:cNvSpPr>
+            <a:spLocks noGrp="1"/>
+          </p:cNvSpPr>
+          <p:nvPr>
+            <p:ph sz="half" idx="2"/>
+          </p:nvPr>
+        </p:nvSpPr>
+        <p:spPr>
+          <a:xfrm>
+            <a:off x="6172200" y="1825625"/>
+            <a:ext cx="5181600" cy="4351338"/>
+          </a:xfrm>
+        </p:spPr>
+        <p:txBody>
+          <a:bodyPr/>
+          <a:lstStyle/>
+          <a:p>
+            <a:pPr lvl="0"/>
+            <a:r>
+              <a:rPr lang="en-GB"/>
+              <a:t>Click to edit Master text styles</a:t>
+            </a:r>
+          </a:p>
+          <a:p>
+            <a:pPr lvl="1"/>
+            <a:r>
+              <a:rPr lang="en-GB"/>
+              <a:t>Second level</a:t>
+            </a:r>
+          </a:p>
+          <a:p>
+            <a:pPr lvl="2"/>
+            <a:r>
+              <a:rPr lang="en-GB"/>
+              <a:t>Third level</a:t>
+            </a:r>
+          </a:p>
+          <a:p>
+            <a:pPr lvl="3"/>
+            <a:r>
+              <a:rPr lang="en-GB"/>
+              <a:t>Fourth level</a:t>
+            </a:r>
+          </a:p>
+          <a:p>
+            <a:pPr lvl="4"/>
+            <a:r>
+              <a:rPr lang="en-GB"/>
+              <a:t>Fifth level</a:t>
+            </a:r>
+            <a:endParaRPr lang="en-US"/>
+          </a:p>
+        </p:txBody>
+      </p:sp>
+      <p:sp>
+        <p:nvSpPr>
+          <p:cNvPr id="5" name="Date Placeholder 4">
+            <a:extLst>
+              <a:ext uri="{FF2B5EF4-FFF2-40B4-BE49-F238E27FC236}">
+                <a16:creationId xmlns:a16="http://schemas.microsoft.com/office/drawing/2014/main" id="{A7BCB6CE-390F-C0E3-A698-AF1ADD30AF86}"/>
+              </a:ext>
+            </a:extLst>
+          </p:cNvPr>
+          <p:cNvSpPr>
+            <a:spLocks noGrp="1"/>
+          </p:cNvSpPr>
+          <p:nvPr>
+            <p:ph type="dt" sz="half" idx="10"/>
+          </p:nvPr>
+        </p:nvSpPr>
+        <p:spPr/>
+        <p:txBody>
+          <a:bodyPr/>
+          <a:lstStyle/>
+          <a:p>
+            <a:fld id="{F9F81469-CC24-CC4F-95EF-B3D146B8A986}" type="datetimeFigureOut">
+              <a:rPr lang="en-US" smtClean="0"/>
+              <a:t>5/4/2022</a:t>
+            </a:fld>
+            <a:endParaRPr lang="en-US"/>
+          </a:p>
+        </p:txBody>
+      </p:sp>
+      <p:sp>
+        <p:nvSpPr>
+          <p:cNvPr id="6" name="Footer Placeholder 5">
+            <a:extLst>
+              <a:ext uri="{FF2B5EF4-FFF2-40B4-BE49-F238E27FC236}">
+                <a16:creationId xmlns:a16="http://schemas.microsoft.com/office/drawing/2014/main" id="{379954B0-4E05-69A7-8E7A-B86FCA135BE3}"/>
+              </a:ext>
+            </a:extLst>
+          </p:cNvPr>
+          <p:cNvSpPr>
+            <a:spLocks noGrp="1"/>
+          </p:cNvSpPr>
+          <p:nvPr>
+            <p:ph type="ftr" sz="quarter" idx="11"/>
+          </p:nvPr>
+        </p:nvSpPr>
+        <p:spPr/>
+        <p:txBody>
+          <a:bodyPr/>
+          <a:lstStyle/>
+          <a:p>
+            <a:endParaRPr lang="en-US"/>
+          </a:p>
+        </p:txBody>
+      </p:sp>
+      <p:sp>
+        <p:nvSpPr>
+          <p:cNvPr id="7" name="Slide Number Placeholder 6">
+            <a:extLst>
+              <a:ext uri="{FF2B5EF4-FFF2-40B4-BE49-F238E27FC236}">
+                <a16:creationId xmlns:a16="http://schemas.microsoft.com/office/drawing/2014/main" id="{99DC7265-2B5E-A0A4-E061-24D6B95F0AD2}"/>
+              </a:ext>
+            </a:extLst>
+          </p:cNvPr>
+          <p:cNvSpPr>
+            <a:spLocks noGrp="1"/>
+          </p:cNvSpPr>
+          <p:nvPr>
+            <p:ph type="sldNum" sz="quarter" idx="12"/>
+          </p:nvPr>
+        </p:nvSpPr>
+        <p:spPr/>
+        <p:txBody>
+          <a:bodyPr/>
+          <a:lstStyle/>
+          <a:p>
+            <a:fld id="{93575E37-BEDC-774E-8E1C-DBE1317195E3}" type="slidenum">
+              <a:rPr lang="en-US" smtClean="0"/>
+              <a:t>‹#›</a:t>
+            </a:fld>
+            <a:endParaRPr lang="en-US"/>
+          </a:p>
+        </p:txBody>
+      </p:sp>
+    </p:spTree>
+    <p:extLst>
+      <p:ext uri="{BB962C8B-B14F-4D97-AF65-F5344CB8AC3E}">
+        <p14:creationId xmlns:p14="http://schemas.microsoft.com/office/powerpoint/2010/main" val="2717728948"/>
+      </p:ext>
+    </p:extLst>
+  </p:cSld>
+  <p:clrMapOvr>
+    <a:masterClrMapping/>
+  </p:clrMapOvr>
+</p:sldLayout>
+</file>
+
+<file path=ppt/slideLayouts/slideLayout22.xml><?xml version="1.0" encoding="utf-8"?>
+<p:sldLayout xmlns:a="http://schemas.openxmlformats.org/drawingml/2006/main" xmlns:r="http://schemas.openxmlformats.org/officeDocument/2006/relationships" xmlns:p="http://schemas.openxmlformats.org/presentationml/2006/main" type="twoTxTwoObj" preserve="1">
+  <p:cSld name="Comparison">
+    <p:spTree>
+      <p:nvGrpSpPr>
+        <p:cNvPr id="1" name=""/>
+        <p:cNvGrpSpPr/>
+        <p:nvPr/>
+      </p:nvGrpSpPr>
+      <p:grpSpPr>
+        <a:xfrm>
+          <a:off x="0" y="0"/>
+          <a:ext cx="0" cy="0"/>
+          <a:chOff x="0" y="0"/>
+          <a:chExt cx="0" cy="0"/>
+        </a:xfrm>
+      </p:grpSpPr>
+      <p:sp>
+        <p:nvSpPr>
+          <p:cNvPr id="2" name="Title 1">
+            <a:extLst>
+              <a:ext uri="{FF2B5EF4-FFF2-40B4-BE49-F238E27FC236}">
+                <a16:creationId xmlns:a16="http://schemas.microsoft.com/office/drawing/2014/main" id="{E060BBD9-D42B-637E-B6B8-106EA0657816}"/>
+              </a:ext>
+            </a:extLst>
+          </p:cNvPr>
+          <p:cNvSpPr>
+            <a:spLocks noGrp="1"/>
+          </p:cNvSpPr>
+          <p:nvPr>
+            <p:ph type="title"/>
+          </p:nvPr>
+        </p:nvSpPr>
+        <p:spPr>
+          <a:xfrm>
+            <a:off x="839788" y="365125"/>
+            <a:ext cx="10515600" cy="1325563"/>
+          </a:xfrm>
+        </p:spPr>
+        <p:txBody>
+          <a:bodyPr/>
+          <a:lstStyle/>
+          <a:p>
+            <a:r>
+              <a:rPr lang="en-GB"/>
+              <a:t>Click to edit Master title style</a:t>
+            </a:r>
+            <a:endParaRPr lang="en-US"/>
+          </a:p>
+        </p:txBody>
+      </p:sp>
+      <p:sp>
+        <p:nvSpPr>
+          <p:cNvPr id="3" name="Text Placeholder 2">
+            <a:extLst>
+              <a:ext uri="{FF2B5EF4-FFF2-40B4-BE49-F238E27FC236}">
+                <a16:creationId xmlns:a16="http://schemas.microsoft.com/office/drawing/2014/main" id="{3242C499-5E48-EF2C-4A83-BD18667ADEC0}"/>
+              </a:ext>
+            </a:extLst>
+          </p:cNvPr>
+          <p:cNvSpPr>
+            <a:spLocks noGrp="1"/>
+          </p:cNvSpPr>
+          <p:nvPr>
+            <p:ph type="body" idx="1"/>
+          </p:nvPr>
+        </p:nvSpPr>
+        <p:spPr>
+          <a:xfrm>
+            <a:off x="839788" y="1681163"/>
+            <a:ext cx="5157787" cy="823912"/>
+          </a:xfrm>
+        </p:spPr>
+        <p:txBody>
+          <a:bodyPr anchor="b"/>
+          <a:lstStyle>
+            <a:lvl1pPr marL="0" indent="0">
+              <a:buNone/>
+              <a:defRPr sz="2400" b="1"/>
+            </a:lvl1pPr>
+            <a:lvl2pPr marL="457200" indent="0">
+              <a:buNone/>
+              <a:defRPr sz="2000" b="1"/>
+            </a:lvl2pPr>
+            <a:lvl3pPr marL="914400" indent="0">
+              <a:buNone/>
+              <a:defRPr sz="1800" b="1"/>
+            </a:lvl3pPr>
+            <a:lvl4pPr marL="1371600" indent="0">
+              <a:buNone/>
+              <a:defRPr sz="1600" b="1"/>
+            </a:lvl4pPr>
+            <a:lvl5pPr marL="1828800" indent="0">
+              <a:buNone/>
+              <a:defRPr sz="1600" b="1"/>
+            </a:lvl5pPr>
+            <a:lvl6pPr marL="2286000" indent="0">
+              <a:buNone/>
+              <a:defRPr sz="1600" b="1"/>
+            </a:lvl6pPr>
+            <a:lvl7pPr marL="2743200" indent="0">
+              <a:buNone/>
+              <a:defRPr sz="1600" b="1"/>
+            </a:lvl7pPr>
+            <a:lvl8pPr marL="3200400" indent="0">
+              <a:buNone/>
+              <a:defRPr sz="1600" b="1"/>
+            </a:lvl8pPr>
+            <a:lvl9pPr marL="3657600" indent="0">
+              <a:buNone/>
+              <a:defRPr sz="1600" b="1"/>
+            </a:lvl9pPr>
+          </a:lstStyle>
+          <a:p>
+            <a:pPr lvl="0"/>
+            <a:r>
+              <a:rPr lang="en-GB"/>
+              <a:t>Click to edit Master text styles</a:t>
+            </a:r>
+          </a:p>
+        </p:txBody>
+      </p:sp>
+      <p:sp>
+        <p:nvSpPr>
+          <p:cNvPr id="4" name="Content Placeholder 3">
+            <a:extLst>
+              <a:ext uri="{FF2B5EF4-FFF2-40B4-BE49-F238E27FC236}">
+                <a16:creationId xmlns:a16="http://schemas.microsoft.com/office/drawing/2014/main" id="{872B40EA-AEE5-5FA9-77DA-3E105F47CC8C}"/>
+              </a:ext>
+            </a:extLst>
+          </p:cNvPr>
+          <p:cNvSpPr>
+            <a:spLocks noGrp="1"/>
+          </p:cNvSpPr>
+          <p:nvPr>
+            <p:ph sz="half" idx="2"/>
+          </p:nvPr>
+        </p:nvSpPr>
+        <p:spPr>
+          <a:xfrm>
+            <a:off x="839788" y="2505075"/>
+            <a:ext cx="5157787" cy="3684588"/>
+          </a:xfrm>
+        </p:spPr>
+        <p:txBody>
+          <a:bodyPr/>
+          <a:lstStyle/>
+          <a:p>
+            <a:pPr lvl="0"/>
+            <a:r>
+              <a:rPr lang="en-GB"/>
+              <a:t>Click to edit Master text styles</a:t>
+            </a:r>
+          </a:p>
+          <a:p>
+            <a:pPr lvl="1"/>
+            <a:r>
+              <a:rPr lang="en-GB"/>
+              <a:t>Second level</a:t>
+            </a:r>
+          </a:p>
+          <a:p>
+            <a:pPr lvl="2"/>
+            <a:r>
+              <a:rPr lang="en-GB"/>
+              <a:t>Third level</a:t>
+            </a:r>
+          </a:p>
+          <a:p>
+            <a:pPr lvl="3"/>
+            <a:r>
+              <a:rPr lang="en-GB"/>
+              <a:t>Fourth level</a:t>
+            </a:r>
+          </a:p>
+          <a:p>
+            <a:pPr lvl="4"/>
+            <a:r>
+              <a:rPr lang="en-GB"/>
+              <a:t>Fifth level</a:t>
+            </a:r>
+            <a:endParaRPr lang="en-US"/>
+          </a:p>
+        </p:txBody>
+      </p:sp>
+      <p:sp>
+        <p:nvSpPr>
+          <p:cNvPr id="5" name="Text Placeholder 4">
+            <a:extLst>
+              <a:ext uri="{FF2B5EF4-FFF2-40B4-BE49-F238E27FC236}">
+                <a16:creationId xmlns:a16="http://schemas.microsoft.com/office/drawing/2014/main" id="{681B65F0-EE57-21E5-62AA-5BC39D182024}"/>
+              </a:ext>
+            </a:extLst>
+          </p:cNvPr>
+          <p:cNvSpPr>
+            <a:spLocks noGrp="1"/>
+          </p:cNvSpPr>
+          <p:nvPr>
+            <p:ph type="body" sz="quarter" idx="3"/>
+          </p:nvPr>
+        </p:nvSpPr>
+        <p:spPr>
+          <a:xfrm>
+            <a:off x="6172200" y="1681163"/>
+            <a:ext cx="5183188" cy="823912"/>
+          </a:xfrm>
+        </p:spPr>
+        <p:txBody>
+          <a:bodyPr anchor="b"/>
+          <a:lstStyle>
+            <a:lvl1pPr marL="0" indent="0">
+              <a:buNone/>
+              <a:defRPr sz="2400" b="1"/>
+            </a:lvl1pPr>
+            <a:lvl2pPr marL="457200" indent="0">
+              <a:buNone/>
+              <a:defRPr sz="2000" b="1"/>
+            </a:lvl2pPr>
+            <a:lvl3pPr marL="914400" indent="0">
+              <a:buNone/>
+              <a:defRPr sz="1800" b="1"/>
+            </a:lvl3pPr>
+            <a:lvl4pPr marL="1371600" indent="0">
+              <a:buNone/>
+              <a:defRPr sz="1600" b="1"/>
+            </a:lvl4pPr>
+            <a:lvl5pPr marL="1828800" indent="0">
+              <a:buNone/>
+              <a:defRPr sz="1600" b="1"/>
+            </a:lvl5pPr>
+            <a:lvl6pPr marL="2286000" indent="0">
+              <a:buNone/>
+              <a:defRPr sz="1600" b="1"/>
+            </a:lvl6pPr>
+            <a:lvl7pPr marL="2743200" indent="0">
+              <a:buNone/>
+              <a:defRPr sz="1600" b="1"/>
+            </a:lvl7pPr>
+            <a:lvl8pPr marL="3200400" indent="0">
+              <a:buNone/>
+              <a:defRPr sz="1600" b="1"/>
+            </a:lvl8pPr>
+            <a:lvl9pPr marL="3657600" indent="0">
+              <a:buNone/>
+              <a:defRPr sz="1600" b="1"/>
+            </a:lvl9pPr>
+          </a:lstStyle>
+          <a:p>
+            <a:pPr lvl="0"/>
+            <a:r>
+              <a:rPr lang="en-GB"/>
+              <a:t>Click to edit Master text styles</a:t>
+            </a:r>
+          </a:p>
+        </p:txBody>
+      </p:sp>
+      <p:sp>
+        <p:nvSpPr>
+          <p:cNvPr id="6" name="Content Placeholder 5">
+            <a:extLst>
+              <a:ext uri="{FF2B5EF4-FFF2-40B4-BE49-F238E27FC236}">
+                <a16:creationId xmlns:a16="http://schemas.microsoft.com/office/drawing/2014/main" id="{37B1F37B-09E6-1E4C-F082-7DFD913C9D00}"/>
+              </a:ext>
+            </a:extLst>
+          </p:cNvPr>
+          <p:cNvSpPr>
+            <a:spLocks noGrp="1"/>
+          </p:cNvSpPr>
+          <p:nvPr>
+            <p:ph sz="quarter" idx="4"/>
+          </p:nvPr>
+        </p:nvSpPr>
+        <p:spPr>
+          <a:xfrm>
+            <a:off x="6172200" y="2505075"/>
+            <a:ext cx="5183188" cy="3684588"/>
+          </a:xfrm>
+        </p:spPr>
+        <p:txBody>
+          <a:bodyPr/>
+          <a:lstStyle/>
+          <a:p>
+            <a:pPr lvl="0"/>
+            <a:r>
+              <a:rPr lang="en-GB"/>
+              <a:t>Click to edit Master text styles</a:t>
+            </a:r>
+          </a:p>
+          <a:p>
+            <a:pPr lvl="1"/>
+            <a:r>
+              <a:rPr lang="en-GB"/>
+              <a:t>Second level</a:t>
+            </a:r>
+          </a:p>
+          <a:p>
+            <a:pPr lvl="2"/>
+            <a:r>
+              <a:rPr lang="en-GB"/>
+              <a:t>Third level</a:t>
+            </a:r>
+          </a:p>
+          <a:p>
+            <a:pPr lvl="3"/>
+            <a:r>
+              <a:rPr lang="en-GB"/>
+              <a:t>Fourth level</a:t>
+            </a:r>
+          </a:p>
+          <a:p>
+            <a:pPr lvl="4"/>
+            <a:r>
+              <a:rPr lang="en-GB"/>
+              <a:t>Fifth level</a:t>
+            </a:r>
+            <a:endParaRPr lang="en-US"/>
+          </a:p>
+        </p:txBody>
+      </p:sp>
+      <p:sp>
+        <p:nvSpPr>
+          <p:cNvPr id="7" name="Date Placeholder 6">
+            <a:extLst>
+              <a:ext uri="{FF2B5EF4-FFF2-40B4-BE49-F238E27FC236}">
+                <a16:creationId xmlns:a16="http://schemas.microsoft.com/office/drawing/2014/main" id="{E8BC0C21-9992-70DB-3F03-DB8F760D8EDA}"/>
+              </a:ext>
+            </a:extLst>
+          </p:cNvPr>
+          <p:cNvSpPr>
+            <a:spLocks noGrp="1"/>
+          </p:cNvSpPr>
+          <p:nvPr>
+            <p:ph type="dt" sz="half" idx="10"/>
+          </p:nvPr>
+        </p:nvSpPr>
+        <p:spPr/>
+        <p:txBody>
+          <a:bodyPr/>
+          <a:lstStyle/>
+          <a:p>
+            <a:fld id="{F9F81469-CC24-CC4F-95EF-B3D146B8A986}" type="datetimeFigureOut">
+              <a:rPr lang="en-US" smtClean="0"/>
+              <a:t>5/4/2022</a:t>
+            </a:fld>
+            <a:endParaRPr lang="en-US"/>
+          </a:p>
+        </p:txBody>
+      </p:sp>
+      <p:sp>
+        <p:nvSpPr>
+          <p:cNvPr id="8" name="Footer Placeholder 7">
+            <a:extLst>
+              <a:ext uri="{FF2B5EF4-FFF2-40B4-BE49-F238E27FC236}">
+                <a16:creationId xmlns:a16="http://schemas.microsoft.com/office/drawing/2014/main" id="{E6FB0184-F075-510C-BA3D-ED7508A303D8}"/>
+              </a:ext>
+            </a:extLst>
+          </p:cNvPr>
+          <p:cNvSpPr>
+            <a:spLocks noGrp="1"/>
+          </p:cNvSpPr>
+          <p:nvPr>
+            <p:ph type="ftr" sz="quarter" idx="11"/>
+          </p:nvPr>
+        </p:nvSpPr>
+        <p:spPr/>
+        <p:txBody>
+          <a:bodyPr/>
+          <a:lstStyle/>
+          <a:p>
+            <a:endParaRPr lang="en-US"/>
+          </a:p>
+        </p:txBody>
+      </p:sp>
+      <p:sp>
+        <p:nvSpPr>
+          <p:cNvPr id="9" name="Slide Number Placeholder 8">
+            <a:extLst>
+              <a:ext uri="{FF2B5EF4-FFF2-40B4-BE49-F238E27FC236}">
+                <a16:creationId xmlns:a16="http://schemas.microsoft.com/office/drawing/2014/main" id="{16F28B7C-1C2E-5A49-240C-E92D893F2815}"/>
+              </a:ext>
+            </a:extLst>
+          </p:cNvPr>
+          <p:cNvSpPr>
+            <a:spLocks noGrp="1"/>
+          </p:cNvSpPr>
+          <p:nvPr>
+            <p:ph type="sldNum" sz="quarter" idx="12"/>
+          </p:nvPr>
+        </p:nvSpPr>
+        <p:spPr/>
+        <p:txBody>
+          <a:bodyPr/>
+          <a:lstStyle/>
+          <a:p>
+            <a:fld id="{93575E37-BEDC-774E-8E1C-DBE1317195E3}" type="slidenum">
+              <a:rPr lang="en-US" smtClean="0"/>
+              <a:t>‹#›</a:t>
+            </a:fld>
+            <a:endParaRPr lang="en-US"/>
+          </a:p>
+        </p:txBody>
+      </p:sp>
+    </p:spTree>
+    <p:extLst>
+      <p:ext uri="{BB962C8B-B14F-4D97-AF65-F5344CB8AC3E}">
+        <p14:creationId xmlns:p14="http://schemas.microsoft.com/office/powerpoint/2010/main" val="241136637"/>
+      </p:ext>
+    </p:extLst>
+  </p:cSld>
+  <p:clrMapOvr>
+    <a:masterClrMapping/>
+  </p:clrMapOvr>
+</p:sldLayout>
+</file>
+
+<file path=ppt/slideLayouts/slideLayout23.xml><?xml version="1.0" encoding="utf-8"?>
+<p:sldLayout xmlns:a="http://schemas.openxmlformats.org/drawingml/2006/main" xmlns:r="http://schemas.openxmlformats.org/officeDocument/2006/relationships" xmlns:p="http://schemas.openxmlformats.org/presentationml/2006/main" type="titleOnly" preserve="1">
+  <p:cSld name="Title Only">
+    <p:spTree>
+      <p:nvGrpSpPr>
+        <p:cNvPr id="1" name=""/>
+        <p:cNvGrpSpPr/>
+        <p:nvPr/>
+      </p:nvGrpSpPr>
+      <p:grpSpPr>
+        <a:xfrm>
+          <a:off x="0" y="0"/>
+          <a:ext cx="0" cy="0"/>
+          <a:chOff x="0" y="0"/>
+          <a:chExt cx="0" cy="0"/>
+        </a:xfrm>
+      </p:grpSpPr>
+      <p:sp>
+        <p:nvSpPr>
+          <p:cNvPr id="2" name="Title 1">
+            <a:extLst>
+              <a:ext uri="{FF2B5EF4-FFF2-40B4-BE49-F238E27FC236}">
+                <a16:creationId xmlns:a16="http://schemas.microsoft.com/office/drawing/2014/main" id="{CE6A463B-D647-D71B-AF7B-1FDA9C5167CB}"/>
+              </a:ext>
+            </a:extLst>
+          </p:cNvPr>
+          <p:cNvSpPr>
+            <a:spLocks noGrp="1"/>
+          </p:cNvSpPr>
+          <p:nvPr>
+            <p:ph type="title"/>
+          </p:nvPr>
+        </p:nvSpPr>
+        <p:spPr/>
+        <p:txBody>
+          <a:bodyPr/>
+          <a:lstStyle/>
+          <a:p>
+            <a:r>
+              <a:rPr lang="en-GB"/>
+              <a:t>Click to edit Master title style</a:t>
+            </a:r>
+            <a:endParaRPr lang="en-US"/>
+          </a:p>
+        </p:txBody>
+      </p:sp>
+      <p:sp>
+        <p:nvSpPr>
+          <p:cNvPr id="3" name="Date Placeholder 2">
+            <a:extLst>
+              <a:ext uri="{FF2B5EF4-FFF2-40B4-BE49-F238E27FC236}">
+                <a16:creationId xmlns:a16="http://schemas.microsoft.com/office/drawing/2014/main" id="{5A9F9601-E70A-D674-1B10-A81B3455E46E}"/>
+              </a:ext>
+            </a:extLst>
+          </p:cNvPr>
+          <p:cNvSpPr>
+            <a:spLocks noGrp="1"/>
+          </p:cNvSpPr>
+          <p:nvPr>
+            <p:ph type="dt" sz="half" idx="10"/>
+          </p:nvPr>
+        </p:nvSpPr>
+        <p:spPr/>
+        <p:txBody>
+          <a:bodyPr/>
+          <a:lstStyle/>
+          <a:p>
+            <a:fld id="{F9F81469-CC24-CC4F-95EF-B3D146B8A986}" type="datetimeFigureOut">
+              <a:rPr lang="en-US" smtClean="0"/>
+              <a:t>5/4/2022</a:t>
+            </a:fld>
+            <a:endParaRPr lang="en-US"/>
+          </a:p>
+        </p:txBody>
+      </p:sp>
+      <p:sp>
+        <p:nvSpPr>
+          <p:cNvPr id="4" name="Footer Placeholder 3">
+            <a:extLst>
+              <a:ext uri="{FF2B5EF4-FFF2-40B4-BE49-F238E27FC236}">
+                <a16:creationId xmlns:a16="http://schemas.microsoft.com/office/drawing/2014/main" id="{05F7FE20-140B-F103-6039-6E147DB5B095}"/>
+              </a:ext>
+            </a:extLst>
+          </p:cNvPr>
+          <p:cNvSpPr>
+            <a:spLocks noGrp="1"/>
+          </p:cNvSpPr>
+          <p:nvPr>
+            <p:ph type="ftr" sz="quarter" idx="11"/>
+          </p:nvPr>
+        </p:nvSpPr>
+        <p:spPr/>
+        <p:txBody>
+          <a:bodyPr/>
+          <a:lstStyle/>
+          <a:p>
+            <a:endParaRPr lang="en-US"/>
+          </a:p>
+        </p:txBody>
+      </p:sp>
+      <p:sp>
+        <p:nvSpPr>
+          <p:cNvPr id="5" name="Slide Number Placeholder 4">
+            <a:extLst>
+              <a:ext uri="{FF2B5EF4-FFF2-40B4-BE49-F238E27FC236}">
+                <a16:creationId xmlns:a16="http://schemas.microsoft.com/office/drawing/2014/main" id="{18315DC2-7331-DE33-1467-6BE488B8AA87}"/>
+              </a:ext>
+            </a:extLst>
+          </p:cNvPr>
+          <p:cNvSpPr>
+            <a:spLocks noGrp="1"/>
+          </p:cNvSpPr>
+          <p:nvPr>
+            <p:ph type="sldNum" sz="quarter" idx="12"/>
+          </p:nvPr>
+        </p:nvSpPr>
+        <p:spPr/>
+        <p:txBody>
+          <a:bodyPr/>
+          <a:lstStyle/>
+          <a:p>
+            <a:fld id="{93575E37-BEDC-774E-8E1C-DBE1317195E3}" type="slidenum">
+              <a:rPr lang="en-US" smtClean="0"/>
+              <a:t>‹#›</a:t>
+            </a:fld>
+            <a:endParaRPr lang="en-US"/>
+          </a:p>
+        </p:txBody>
+      </p:sp>
+    </p:spTree>
+    <p:extLst>
+      <p:ext uri="{BB962C8B-B14F-4D97-AF65-F5344CB8AC3E}">
+        <p14:creationId xmlns:p14="http://schemas.microsoft.com/office/powerpoint/2010/main" val="734037075"/>
+      </p:ext>
+    </p:extLst>
+  </p:cSld>
+  <p:clrMapOvr>
+    <a:masterClrMapping/>
+  </p:clrMapOvr>
+</p:sldLayout>
+</file>
+
+<file path=ppt/slideLayouts/slideLayout24.xml><?xml version="1.0" encoding="utf-8"?>
+<p:sldLayout xmlns:a="http://schemas.openxmlformats.org/drawingml/2006/main" xmlns:r="http://schemas.openxmlformats.org/officeDocument/2006/relationships" xmlns:p="http://schemas.openxmlformats.org/presentationml/2006/main" type="blank" preserve="1">
+  <p:cSld name="Blank">
+    <p:spTree>
+      <p:nvGrpSpPr>
+        <p:cNvPr id="1" name=""/>
+        <p:cNvGrpSpPr/>
+        <p:nvPr/>
+      </p:nvGrpSpPr>
+      <p:grpSpPr>
+        <a:xfrm>
+          <a:off x="0" y="0"/>
+          <a:ext cx="0" cy="0"/>
+          <a:chOff x="0" y="0"/>
+          <a:chExt cx="0" cy="0"/>
+        </a:xfrm>
+      </p:grpSpPr>
+      <p:sp>
+        <p:nvSpPr>
+          <p:cNvPr id="2" name="Date Placeholder 1">
+            <a:extLst>
+              <a:ext uri="{FF2B5EF4-FFF2-40B4-BE49-F238E27FC236}">
+                <a16:creationId xmlns:a16="http://schemas.microsoft.com/office/drawing/2014/main" id="{8C3524C5-4EFE-7021-2D95-DB72EEAD238E}"/>
+              </a:ext>
+            </a:extLst>
+          </p:cNvPr>
+          <p:cNvSpPr>
+            <a:spLocks noGrp="1"/>
+          </p:cNvSpPr>
+          <p:nvPr>
+            <p:ph type="dt" sz="half" idx="10"/>
+          </p:nvPr>
+        </p:nvSpPr>
+        <p:spPr/>
+        <p:txBody>
+          <a:bodyPr/>
+          <a:lstStyle/>
+          <a:p>
+            <a:fld id="{F9F81469-CC24-CC4F-95EF-B3D146B8A986}" type="datetimeFigureOut">
+              <a:rPr lang="en-US" smtClean="0"/>
+              <a:t>5/4/2022</a:t>
+            </a:fld>
+            <a:endParaRPr lang="en-US"/>
+          </a:p>
+        </p:txBody>
+      </p:sp>
+      <p:sp>
+        <p:nvSpPr>
+          <p:cNvPr id="3" name="Footer Placeholder 2">
+            <a:extLst>
+              <a:ext uri="{FF2B5EF4-FFF2-40B4-BE49-F238E27FC236}">
+                <a16:creationId xmlns:a16="http://schemas.microsoft.com/office/drawing/2014/main" id="{5A446206-C4B4-EE56-CE10-1D7DE8D29E59}"/>
+              </a:ext>
+            </a:extLst>
+          </p:cNvPr>
+          <p:cNvSpPr>
+            <a:spLocks noGrp="1"/>
+          </p:cNvSpPr>
+          <p:nvPr>
+            <p:ph type="ftr" sz="quarter" idx="11"/>
+          </p:nvPr>
+        </p:nvSpPr>
+        <p:spPr/>
+        <p:txBody>
+          <a:bodyPr/>
+          <a:lstStyle/>
+          <a:p>
+            <a:endParaRPr lang="en-US"/>
+          </a:p>
+        </p:txBody>
+      </p:sp>
+      <p:sp>
+        <p:nvSpPr>
+          <p:cNvPr id="4" name="Slide Number Placeholder 3">
+            <a:extLst>
+              <a:ext uri="{FF2B5EF4-FFF2-40B4-BE49-F238E27FC236}">
+                <a16:creationId xmlns:a16="http://schemas.microsoft.com/office/drawing/2014/main" id="{FE36B14D-5C8A-56ED-600A-42F3E1ACEBE2}"/>
+              </a:ext>
+            </a:extLst>
+          </p:cNvPr>
+          <p:cNvSpPr>
+            <a:spLocks noGrp="1"/>
+          </p:cNvSpPr>
+          <p:nvPr>
+            <p:ph type="sldNum" sz="quarter" idx="12"/>
+          </p:nvPr>
+        </p:nvSpPr>
+        <p:spPr/>
+        <p:txBody>
+          <a:bodyPr/>
+          <a:lstStyle/>
+          <a:p>
+            <a:fld id="{93575E37-BEDC-774E-8E1C-DBE1317195E3}" type="slidenum">
+              <a:rPr lang="en-US" smtClean="0"/>
+              <a:t>‹#›</a:t>
+            </a:fld>
+            <a:endParaRPr lang="en-US"/>
+          </a:p>
+        </p:txBody>
+      </p:sp>
+    </p:spTree>
+    <p:extLst>
+      <p:ext uri="{BB962C8B-B14F-4D97-AF65-F5344CB8AC3E}">
+        <p14:creationId xmlns:p14="http://schemas.microsoft.com/office/powerpoint/2010/main" val="3360042215"/>
+      </p:ext>
+    </p:extLst>
+  </p:cSld>
+  <p:clrMapOvr>
+    <a:masterClrMapping/>
+  </p:clrMapOvr>
+</p:sldLayout>
+</file>
+
+<file path=ppt/slideLayouts/slideLayout25.xml><?xml version="1.0" encoding="utf-8"?>
+<p:sldLayout xmlns:a="http://schemas.openxmlformats.org/drawingml/2006/main" xmlns:r="http://schemas.openxmlformats.org/officeDocument/2006/relationships" xmlns:p="http://schemas.openxmlformats.org/presentationml/2006/main" type="objTx" preserve="1">
+  <p:cSld name="Content with Caption">
+    <p:spTree>
+      <p:nvGrpSpPr>
+        <p:cNvPr id="1" name=""/>
+        <p:cNvGrpSpPr/>
+        <p:nvPr/>
+      </p:nvGrpSpPr>
+      <p:grpSpPr>
+        <a:xfrm>
+          <a:off x="0" y="0"/>
+          <a:ext cx="0" cy="0"/>
+          <a:chOff x="0" y="0"/>
+          <a:chExt cx="0" cy="0"/>
+        </a:xfrm>
+      </p:grpSpPr>
+      <p:sp>
+        <p:nvSpPr>
+          <p:cNvPr id="2" name="Title 1">
+            <a:extLst>
+              <a:ext uri="{FF2B5EF4-FFF2-40B4-BE49-F238E27FC236}">
+                <a16:creationId xmlns:a16="http://schemas.microsoft.com/office/drawing/2014/main" id="{F2539DEB-CCAE-9087-ADDF-118C7679E182}"/>
+              </a:ext>
+            </a:extLst>
+          </p:cNvPr>
+          <p:cNvSpPr>
+            <a:spLocks noGrp="1"/>
+          </p:cNvSpPr>
+          <p:nvPr>
+            <p:ph type="title"/>
+          </p:nvPr>
+        </p:nvSpPr>
+        <p:spPr>
+          <a:xfrm>
+            <a:off x="839788" y="457200"/>
+            <a:ext cx="3932237" cy="1600200"/>
+          </a:xfrm>
+        </p:spPr>
+        <p:txBody>
+          <a:bodyPr anchor="b"/>
+          <a:lstStyle>
+            <a:lvl1pPr>
+              <a:defRPr sz="3200"/>
+            </a:lvl1pPr>
+          </a:lstStyle>
+          <a:p>
+            <a:r>
+              <a:rPr lang="en-GB"/>
+              <a:t>Click to edit Master title style</a:t>
+            </a:r>
+            <a:endParaRPr lang="en-US"/>
+          </a:p>
+        </p:txBody>
+      </p:sp>
+      <p:sp>
+        <p:nvSpPr>
+          <p:cNvPr id="3" name="Content Placeholder 2">
+            <a:extLst>
+              <a:ext uri="{FF2B5EF4-FFF2-40B4-BE49-F238E27FC236}">
+                <a16:creationId xmlns:a16="http://schemas.microsoft.com/office/drawing/2014/main" id="{211107BC-B430-E9FC-2F7E-E0EACEA6C949}"/>
+              </a:ext>
+            </a:extLst>
+          </p:cNvPr>
+          <p:cNvSpPr>
+            <a:spLocks noGrp="1"/>
+          </p:cNvSpPr>
+          <p:nvPr>
+            <p:ph idx="1"/>
+          </p:nvPr>
+        </p:nvSpPr>
+        <p:spPr>
+          <a:xfrm>
+            <a:off x="5183188" y="987425"/>
+            <a:ext cx="6172200" cy="4873625"/>
+          </a:xfrm>
+        </p:spPr>
+        <p:txBody>
+          <a:bodyPr/>
+          <a:lstStyle>
+            <a:lvl1pPr>
+              <a:defRPr sz="3200"/>
+            </a:lvl1pPr>
+            <a:lvl2pPr>
+              <a:defRPr sz="2800"/>
+            </a:lvl2pPr>
+            <a:lvl3pPr>
+              <a:defRPr sz="2400"/>
+            </a:lvl3pPr>
+            <a:lvl4pPr>
+              <a:defRPr sz="2000"/>
+            </a:lvl4pPr>
+            <a:lvl5pPr>
+              <a:defRPr sz="2000"/>
+            </a:lvl5pPr>
+            <a:lvl6pPr>
+              <a:defRPr sz="2000"/>
+            </a:lvl6pPr>
+            <a:lvl7pPr>
+              <a:defRPr sz="2000"/>
+            </a:lvl7pPr>
+            <a:lvl8pPr>
+              <a:defRPr sz="2000"/>
+            </a:lvl8pPr>
+            <a:lvl9pPr>
+              <a:defRPr sz="2000"/>
+            </a:lvl9pPr>
+          </a:lstStyle>
+          <a:p>
+            <a:pPr lvl="0"/>
+            <a:r>
+              <a:rPr lang="en-GB"/>
+              <a:t>Click to edit Master text styles</a:t>
+            </a:r>
+          </a:p>
+          <a:p>
+            <a:pPr lvl="1"/>
+            <a:r>
+              <a:rPr lang="en-GB"/>
+              <a:t>Second level</a:t>
+            </a:r>
+          </a:p>
+          <a:p>
+            <a:pPr lvl="2"/>
+            <a:r>
+              <a:rPr lang="en-GB"/>
+              <a:t>Third level</a:t>
+            </a:r>
+          </a:p>
+          <a:p>
+            <a:pPr lvl="3"/>
+            <a:r>
+              <a:rPr lang="en-GB"/>
+              <a:t>Fourth level</a:t>
+            </a:r>
+          </a:p>
+          <a:p>
+            <a:pPr lvl="4"/>
+            <a:r>
+              <a:rPr lang="en-GB"/>
+              <a:t>Fifth level</a:t>
+            </a:r>
+            <a:endParaRPr lang="en-US"/>
+          </a:p>
+        </p:txBody>
+      </p:sp>
+      <p:sp>
+        <p:nvSpPr>
+          <p:cNvPr id="4" name="Text Placeholder 3">
+            <a:extLst>
+              <a:ext uri="{FF2B5EF4-FFF2-40B4-BE49-F238E27FC236}">
+                <a16:creationId xmlns:a16="http://schemas.microsoft.com/office/drawing/2014/main" id="{B29AC74B-64C5-6465-D3A2-03CCEA1833E1}"/>
+              </a:ext>
+            </a:extLst>
+          </p:cNvPr>
+          <p:cNvSpPr>
+            <a:spLocks noGrp="1"/>
+          </p:cNvSpPr>
+          <p:nvPr>
+            <p:ph type="body" sz="half" idx="2"/>
+          </p:nvPr>
+        </p:nvSpPr>
+        <p:spPr>
+          <a:xfrm>
+            <a:off x="839788" y="2057400"/>
+            <a:ext cx="3932237" cy="3811588"/>
+          </a:xfrm>
+        </p:spPr>
+        <p:txBody>
+          <a:bodyPr/>
+          <a:lstStyle>
+            <a:lvl1pPr marL="0" indent="0">
+              <a:buNone/>
+              <a:defRPr sz="1600"/>
+            </a:lvl1pPr>
+            <a:lvl2pPr marL="457200" indent="0">
+              <a:buNone/>
+              <a:defRPr sz="1400"/>
+            </a:lvl2pPr>
+            <a:lvl3pPr marL="914400" indent="0">
+              <a:buNone/>
+              <a:defRPr sz="1200"/>
+            </a:lvl3pPr>
+            <a:lvl4pPr marL="1371600" indent="0">
+              <a:buNone/>
+              <a:defRPr sz="1000"/>
+            </a:lvl4pPr>
+            <a:lvl5pPr marL="1828800" indent="0">
+              <a:buNone/>
+              <a:defRPr sz="1000"/>
+            </a:lvl5pPr>
+            <a:lvl6pPr marL="2286000" indent="0">
+              <a:buNone/>
+              <a:defRPr sz="1000"/>
+            </a:lvl6pPr>
+            <a:lvl7pPr marL="2743200" indent="0">
+              <a:buNone/>
+              <a:defRPr sz="1000"/>
+            </a:lvl7pPr>
+            <a:lvl8pPr marL="3200400" indent="0">
+              <a:buNone/>
+              <a:defRPr sz="1000"/>
+            </a:lvl8pPr>
+            <a:lvl9pPr marL="3657600" indent="0">
+              <a:buNone/>
+              <a:defRPr sz="1000"/>
+            </a:lvl9pPr>
+          </a:lstStyle>
+          <a:p>
+            <a:pPr lvl="0"/>
+            <a:r>
+              <a:rPr lang="en-GB"/>
+              <a:t>Click to edit Master text styles</a:t>
+            </a:r>
+          </a:p>
+        </p:txBody>
+      </p:sp>
+      <p:sp>
+        <p:nvSpPr>
+          <p:cNvPr id="5" name="Date Placeholder 4">
+            <a:extLst>
+              <a:ext uri="{FF2B5EF4-FFF2-40B4-BE49-F238E27FC236}">
+                <a16:creationId xmlns:a16="http://schemas.microsoft.com/office/drawing/2014/main" id="{4D6EEF2F-3EAB-8B18-817D-EE01D19D9AEF}"/>
+              </a:ext>
+            </a:extLst>
+          </p:cNvPr>
+          <p:cNvSpPr>
+            <a:spLocks noGrp="1"/>
+          </p:cNvSpPr>
+          <p:nvPr>
+            <p:ph type="dt" sz="half" idx="10"/>
+          </p:nvPr>
+        </p:nvSpPr>
+        <p:spPr/>
+        <p:txBody>
+          <a:bodyPr/>
+          <a:lstStyle/>
+          <a:p>
+            <a:fld id="{F9F81469-CC24-CC4F-95EF-B3D146B8A986}" type="datetimeFigureOut">
+              <a:rPr lang="en-US" smtClean="0"/>
+              <a:t>5/4/2022</a:t>
+            </a:fld>
+            <a:endParaRPr lang="en-US"/>
+          </a:p>
+        </p:txBody>
+      </p:sp>
+      <p:sp>
+        <p:nvSpPr>
+          <p:cNvPr id="6" name="Footer Placeholder 5">
+            <a:extLst>
+              <a:ext uri="{FF2B5EF4-FFF2-40B4-BE49-F238E27FC236}">
+                <a16:creationId xmlns:a16="http://schemas.microsoft.com/office/drawing/2014/main" id="{8A447C8C-D14A-BDFC-1E5D-A0380B68B2F6}"/>
+              </a:ext>
+            </a:extLst>
+          </p:cNvPr>
+          <p:cNvSpPr>
+            <a:spLocks noGrp="1"/>
+          </p:cNvSpPr>
+          <p:nvPr>
+            <p:ph type="ftr" sz="quarter" idx="11"/>
+          </p:nvPr>
+        </p:nvSpPr>
+        <p:spPr/>
+        <p:txBody>
+          <a:bodyPr/>
+          <a:lstStyle/>
+          <a:p>
+            <a:endParaRPr lang="en-US"/>
+          </a:p>
+        </p:txBody>
+      </p:sp>
+      <p:sp>
+        <p:nvSpPr>
+          <p:cNvPr id="7" name="Slide Number Placeholder 6">
+            <a:extLst>
+              <a:ext uri="{FF2B5EF4-FFF2-40B4-BE49-F238E27FC236}">
+                <a16:creationId xmlns:a16="http://schemas.microsoft.com/office/drawing/2014/main" id="{1AB08E86-703E-6680-48A8-42576CA13250}"/>
+              </a:ext>
+            </a:extLst>
+          </p:cNvPr>
+          <p:cNvSpPr>
+            <a:spLocks noGrp="1"/>
+          </p:cNvSpPr>
+          <p:nvPr>
+            <p:ph type="sldNum" sz="quarter" idx="12"/>
+          </p:nvPr>
+        </p:nvSpPr>
+        <p:spPr/>
+        <p:txBody>
+          <a:bodyPr/>
+          <a:lstStyle/>
+          <a:p>
+            <a:fld id="{93575E37-BEDC-774E-8E1C-DBE1317195E3}" type="slidenum">
+              <a:rPr lang="en-US" smtClean="0"/>
+              <a:t>‹#›</a:t>
+            </a:fld>
+            <a:endParaRPr lang="en-US"/>
+          </a:p>
+        </p:txBody>
+      </p:sp>
+    </p:spTree>
+    <p:extLst>
+      <p:ext uri="{BB962C8B-B14F-4D97-AF65-F5344CB8AC3E}">
+        <p14:creationId xmlns:p14="http://schemas.microsoft.com/office/powerpoint/2010/main" val="1204758725"/>
+      </p:ext>
+    </p:extLst>
+  </p:cSld>
+  <p:clrMapOvr>
+    <a:masterClrMapping/>
+  </p:clrMapOvr>
+</p:sldLayout>
+</file>
+
+<file path=ppt/slideLayouts/slideLayout26.xml><?xml version="1.0" encoding="utf-8"?>
+<p:sldLayout xmlns:a="http://schemas.openxmlformats.org/drawingml/2006/main" xmlns:r="http://schemas.openxmlformats.org/officeDocument/2006/relationships" xmlns:p="http://schemas.openxmlformats.org/presentationml/2006/main" type="picTx" preserve="1">
+  <p:cSld name="Picture with Caption">
+    <p:spTree>
+      <p:nvGrpSpPr>
+        <p:cNvPr id="1" name=""/>
+        <p:cNvGrpSpPr/>
+        <p:nvPr/>
+      </p:nvGrpSpPr>
+      <p:grpSpPr>
+        <a:xfrm>
+          <a:off x="0" y="0"/>
+          <a:ext cx="0" cy="0"/>
+          <a:chOff x="0" y="0"/>
+          <a:chExt cx="0" cy="0"/>
+        </a:xfrm>
+      </p:grpSpPr>
+      <p:sp>
+        <p:nvSpPr>
+          <p:cNvPr id="2" name="Title 1">
+            <a:extLst>
+              <a:ext uri="{FF2B5EF4-FFF2-40B4-BE49-F238E27FC236}">
+                <a16:creationId xmlns:a16="http://schemas.microsoft.com/office/drawing/2014/main" id="{40A3D746-81FE-81F2-37C7-C9B8C464EDFB}"/>
+              </a:ext>
+            </a:extLst>
+          </p:cNvPr>
+          <p:cNvSpPr>
+            <a:spLocks noGrp="1"/>
+          </p:cNvSpPr>
+          <p:nvPr>
+            <p:ph type="title"/>
+          </p:nvPr>
+        </p:nvSpPr>
+        <p:spPr>
+          <a:xfrm>
+            <a:off x="839788" y="457200"/>
+            <a:ext cx="3932237" cy="1600200"/>
+          </a:xfrm>
+        </p:spPr>
+        <p:txBody>
+          <a:bodyPr anchor="b"/>
+          <a:lstStyle>
+            <a:lvl1pPr>
+              <a:defRPr sz="3200"/>
+            </a:lvl1pPr>
+          </a:lstStyle>
+          <a:p>
+            <a:r>
+              <a:rPr lang="en-GB"/>
+              <a:t>Click to edit Master title style</a:t>
+            </a:r>
+            <a:endParaRPr lang="en-US"/>
+          </a:p>
+        </p:txBody>
+      </p:sp>
+      <p:sp>
+        <p:nvSpPr>
+          <p:cNvPr id="3" name="Picture Placeholder 2">
+            <a:extLst>
+              <a:ext uri="{FF2B5EF4-FFF2-40B4-BE49-F238E27FC236}">
+                <a16:creationId xmlns:a16="http://schemas.microsoft.com/office/drawing/2014/main" id="{FE4F1287-24D3-792C-7F19-C0E4AF2EEFFC}"/>
+              </a:ext>
+            </a:extLst>
+          </p:cNvPr>
+          <p:cNvSpPr>
+            <a:spLocks noGrp="1"/>
+          </p:cNvSpPr>
+          <p:nvPr>
+            <p:ph type="pic" idx="1"/>
+          </p:nvPr>
+        </p:nvSpPr>
+        <p:spPr>
+          <a:xfrm>
+            <a:off x="5183188" y="987425"/>
+            <a:ext cx="6172200" cy="4873625"/>
+          </a:xfrm>
+        </p:spPr>
+        <p:txBody>
+          <a:bodyPr/>
+          <a:lstStyle>
+            <a:lvl1pPr marL="0" indent="0">
+              <a:buNone/>
+              <a:defRPr sz="3200"/>
+            </a:lvl1pPr>
+            <a:lvl2pPr marL="457200" indent="0">
+              <a:buNone/>
+              <a:defRPr sz="2800"/>
+            </a:lvl2pPr>
+            <a:lvl3pPr marL="914400" indent="0">
+              <a:buNone/>
+              <a:defRPr sz="2400"/>
+            </a:lvl3pPr>
+            <a:lvl4pPr marL="1371600" indent="0">
+              <a:buNone/>
+              <a:defRPr sz="2000"/>
+            </a:lvl4pPr>
+            <a:lvl5pPr marL="1828800" indent="0">
+              <a:buNone/>
+              <a:defRPr sz="2000"/>
+            </a:lvl5pPr>
+            <a:lvl6pPr marL="2286000" indent="0">
+              <a:buNone/>
+              <a:defRPr sz="2000"/>
+            </a:lvl6pPr>
+            <a:lvl7pPr marL="2743200" indent="0">
+              <a:buNone/>
+              <a:defRPr sz="2000"/>
+            </a:lvl7pPr>
+            <a:lvl8pPr marL="3200400" indent="0">
+              <a:buNone/>
+              <a:defRPr sz="2000"/>
+            </a:lvl8pPr>
+            <a:lvl9pPr marL="3657600" indent="0">
+              <a:buNone/>
+              <a:defRPr sz="2000"/>
+            </a:lvl9pPr>
+          </a:lstStyle>
+          <a:p>
+            <a:endParaRPr lang="en-US"/>
+          </a:p>
+        </p:txBody>
+      </p:sp>
+      <p:sp>
+        <p:nvSpPr>
+          <p:cNvPr id="4" name="Text Placeholder 3">
+            <a:extLst>
+              <a:ext uri="{FF2B5EF4-FFF2-40B4-BE49-F238E27FC236}">
+                <a16:creationId xmlns:a16="http://schemas.microsoft.com/office/drawing/2014/main" id="{35094619-C91F-D6D1-16B3-64B66B91AF83}"/>
+              </a:ext>
+            </a:extLst>
+          </p:cNvPr>
+          <p:cNvSpPr>
+            <a:spLocks noGrp="1"/>
+          </p:cNvSpPr>
+          <p:nvPr>
+            <p:ph type="body" sz="half" idx="2"/>
+          </p:nvPr>
+        </p:nvSpPr>
+        <p:spPr>
+          <a:xfrm>
+            <a:off x="839788" y="2057400"/>
+            <a:ext cx="3932237" cy="3811588"/>
+          </a:xfrm>
+        </p:spPr>
+        <p:txBody>
+          <a:bodyPr/>
+          <a:lstStyle>
+            <a:lvl1pPr marL="0" indent="0">
+              <a:buNone/>
+              <a:defRPr sz="1600"/>
+            </a:lvl1pPr>
+            <a:lvl2pPr marL="457200" indent="0">
+              <a:buNone/>
+              <a:defRPr sz="1400"/>
+            </a:lvl2pPr>
+            <a:lvl3pPr marL="914400" indent="0">
+              <a:buNone/>
+              <a:defRPr sz="1200"/>
+            </a:lvl3pPr>
+            <a:lvl4pPr marL="1371600" indent="0">
+              <a:buNone/>
+              <a:defRPr sz="1000"/>
+            </a:lvl4pPr>
+            <a:lvl5pPr marL="1828800" indent="0">
+              <a:buNone/>
+              <a:defRPr sz="1000"/>
+            </a:lvl5pPr>
+            <a:lvl6pPr marL="2286000" indent="0">
+              <a:buNone/>
+              <a:defRPr sz="1000"/>
+            </a:lvl6pPr>
+            <a:lvl7pPr marL="2743200" indent="0">
+              <a:buNone/>
+              <a:defRPr sz="1000"/>
+            </a:lvl7pPr>
+            <a:lvl8pPr marL="3200400" indent="0">
+              <a:buNone/>
+              <a:defRPr sz="1000"/>
+            </a:lvl8pPr>
+            <a:lvl9pPr marL="3657600" indent="0">
+              <a:buNone/>
+              <a:defRPr sz="1000"/>
+            </a:lvl9pPr>
+          </a:lstStyle>
+          <a:p>
+            <a:pPr lvl="0"/>
+            <a:r>
+              <a:rPr lang="en-GB"/>
+              <a:t>Click to edit Master text styles</a:t>
+            </a:r>
+          </a:p>
+        </p:txBody>
+      </p:sp>
+      <p:sp>
+        <p:nvSpPr>
+          <p:cNvPr id="5" name="Date Placeholder 4">
+            <a:extLst>
+              <a:ext uri="{FF2B5EF4-FFF2-40B4-BE49-F238E27FC236}">
+                <a16:creationId xmlns:a16="http://schemas.microsoft.com/office/drawing/2014/main" id="{1102EF96-41EA-1F4B-1834-AB71FC3D32D0}"/>
+              </a:ext>
+            </a:extLst>
+          </p:cNvPr>
+          <p:cNvSpPr>
+            <a:spLocks noGrp="1"/>
+          </p:cNvSpPr>
+          <p:nvPr>
+            <p:ph type="dt" sz="half" idx="10"/>
+          </p:nvPr>
+        </p:nvSpPr>
+        <p:spPr/>
+        <p:txBody>
+          <a:bodyPr/>
+          <a:lstStyle/>
+          <a:p>
+            <a:fld id="{F9F81469-CC24-CC4F-95EF-B3D146B8A986}" type="datetimeFigureOut">
+              <a:rPr lang="en-US" smtClean="0"/>
+              <a:t>5/4/2022</a:t>
+            </a:fld>
+            <a:endParaRPr lang="en-US"/>
+          </a:p>
+        </p:txBody>
+      </p:sp>
+      <p:sp>
+        <p:nvSpPr>
+          <p:cNvPr id="6" name="Footer Placeholder 5">
+            <a:extLst>
+              <a:ext uri="{FF2B5EF4-FFF2-40B4-BE49-F238E27FC236}">
+                <a16:creationId xmlns:a16="http://schemas.microsoft.com/office/drawing/2014/main" id="{11BC366B-4FA9-7160-8D01-135782BF530C}"/>
+              </a:ext>
+            </a:extLst>
+          </p:cNvPr>
+          <p:cNvSpPr>
+            <a:spLocks noGrp="1"/>
+          </p:cNvSpPr>
+          <p:nvPr>
+            <p:ph type="ftr" sz="quarter" idx="11"/>
+          </p:nvPr>
+        </p:nvSpPr>
+        <p:spPr/>
+        <p:txBody>
+          <a:bodyPr/>
+          <a:lstStyle/>
+          <a:p>
+            <a:endParaRPr lang="en-US"/>
+          </a:p>
+        </p:txBody>
+      </p:sp>
+      <p:sp>
+        <p:nvSpPr>
+          <p:cNvPr id="7" name="Slide Number Placeholder 6">
+            <a:extLst>
+              <a:ext uri="{FF2B5EF4-FFF2-40B4-BE49-F238E27FC236}">
+                <a16:creationId xmlns:a16="http://schemas.microsoft.com/office/drawing/2014/main" id="{CC69C430-B700-FA88-03A1-9239768E4319}"/>
+              </a:ext>
+            </a:extLst>
+          </p:cNvPr>
+          <p:cNvSpPr>
+            <a:spLocks noGrp="1"/>
+          </p:cNvSpPr>
+          <p:nvPr>
+            <p:ph type="sldNum" sz="quarter" idx="12"/>
+          </p:nvPr>
+        </p:nvSpPr>
+        <p:spPr/>
+        <p:txBody>
+          <a:bodyPr/>
+          <a:lstStyle/>
+          <a:p>
+            <a:fld id="{93575E37-BEDC-774E-8E1C-DBE1317195E3}" type="slidenum">
+              <a:rPr lang="en-US" smtClean="0"/>
+              <a:t>‹#›</a:t>
+            </a:fld>
+            <a:endParaRPr lang="en-US"/>
+          </a:p>
+        </p:txBody>
+      </p:sp>
+    </p:spTree>
+    <p:extLst>
+      <p:ext uri="{BB962C8B-B14F-4D97-AF65-F5344CB8AC3E}">
+        <p14:creationId xmlns:p14="http://schemas.microsoft.com/office/powerpoint/2010/main" val="2498185415"/>
+      </p:ext>
+    </p:extLst>
+  </p:cSld>
+  <p:clrMapOvr>
+    <a:masterClrMapping/>
+  </p:clrMapOvr>
+</p:sldLayout>
+</file>
+
+<file path=ppt/slideLayouts/slideLayout27.xml><?xml version="1.0" encoding="utf-8"?>
+<p:sldLayout xmlns:a="http://schemas.openxmlformats.org/drawingml/2006/main" xmlns:r="http://schemas.openxmlformats.org/officeDocument/2006/relationships" xmlns:p="http://schemas.openxmlformats.org/presentationml/2006/main" type="vertTx" preserve="1">
+  <p:cSld name="Title and Vertical Text">
+    <p:spTree>
+      <p:nvGrpSpPr>
+        <p:cNvPr id="1" name=""/>
+        <p:cNvGrpSpPr/>
+        <p:nvPr/>
+      </p:nvGrpSpPr>
+      <p:grpSpPr>
+        <a:xfrm>
+          <a:off x="0" y="0"/>
+          <a:ext cx="0" cy="0"/>
+          <a:chOff x="0" y="0"/>
+          <a:chExt cx="0" cy="0"/>
+        </a:xfrm>
+      </p:grpSpPr>
+      <p:sp>
+        <p:nvSpPr>
+          <p:cNvPr id="2" name="Title 1">
+            <a:extLst>
+              <a:ext uri="{FF2B5EF4-FFF2-40B4-BE49-F238E27FC236}">
+                <a16:creationId xmlns:a16="http://schemas.microsoft.com/office/drawing/2014/main" id="{96A618BD-5F6D-ECB9-96EF-F9A9F6B89A4D}"/>
+              </a:ext>
+            </a:extLst>
+          </p:cNvPr>
+          <p:cNvSpPr>
+            <a:spLocks noGrp="1"/>
+          </p:cNvSpPr>
+          <p:nvPr>
+            <p:ph type="title"/>
+          </p:nvPr>
+        </p:nvSpPr>
+        <p:spPr/>
+        <p:txBody>
+          <a:bodyPr/>
+          <a:lstStyle/>
+          <a:p>
+            <a:r>
+              <a:rPr lang="en-GB"/>
+              <a:t>Click to edit Master title style</a:t>
+            </a:r>
+            <a:endParaRPr lang="en-US"/>
+          </a:p>
+        </p:txBody>
+      </p:sp>
+      <p:sp>
+        <p:nvSpPr>
+          <p:cNvPr id="3" name="Vertical Text Placeholder 2">
+            <a:extLst>
+              <a:ext uri="{FF2B5EF4-FFF2-40B4-BE49-F238E27FC236}">
+                <a16:creationId xmlns:a16="http://schemas.microsoft.com/office/drawing/2014/main" id="{2FC3D736-058B-6D84-5CAC-25051611C6B1}"/>
+              </a:ext>
+            </a:extLst>
+          </p:cNvPr>
+          <p:cNvSpPr>
+            <a:spLocks noGrp="1"/>
+          </p:cNvSpPr>
+          <p:nvPr>
+            <p:ph type="body" orient="vert" idx="1"/>
+          </p:nvPr>
+        </p:nvSpPr>
+        <p:spPr/>
+        <p:txBody>
+          <a:bodyPr vert="eaVert"/>
+          <a:lstStyle/>
+          <a:p>
+            <a:pPr lvl="0"/>
+            <a:r>
+              <a:rPr lang="en-GB"/>
+              <a:t>Click to edit Master text styles</a:t>
+            </a:r>
+          </a:p>
+          <a:p>
+            <a:pPr lvl="1"/>
+            <a:r>
+              <a:rPr lang="en-GB"/>
+              <a:t>Second level</a:t>
+            </a:r>
+          </a:p>
+          <a:p>
+            <a:pPr lvl="2"/>
+            <a:r>
+              <a:rPr lang="en-GB"/>
+              <a:t>Third level</a:t>
+            </a:r>
+          </a:p>
+          <a:p>
+            <a:pPr lvl="3"/>
+            <a:r>
+              <a:rPr lang="en-GB"/>
+              <a:t>Fourth level</a:t>
+            </a:r>
+          </a:p>
+          <a:p>
+            <a:pPr lvl="4"/>
+            <a:r>
+              <a:rPr lang="en-GB"/>
+              <a:t>Fifth level</a:t>
+            </a:r>
+            <a:endParaRPr lang="en-US"/>
+          </a:p>
+        </p:txBody>
+      </p:sp>
+      <p:sp>
+        <p:nvSpPr>
+          <p:cNvPr id="4" name="Date Placeholder 3">
+            <a:extLst>
+              <a:ext uri="{FF2B5EF4-FFF2-40B4-BE49-F238E27FC236}">
+                <a16:creationId xmlns:a16="http://schemas.microsoft.com/office/drawing/2014/main" id="{4DED50E4-F930-B47F-03E0-8EABC2B3EE52}"/>
+              </a:ext>
+            </a:extLst>
+          </p:cNvPr>
+          <p:cNvSpPr>
+            <a:spLocks noGrp="1"/>
+          </p:cNvSpPr>
+          <p:nvPr>
+            <p:ph type="dt" sz="half" idx="10"/>
+          </p:nvPr>
+        </p:nvSpPr>
+        <p:spPr/>
+        <p:txBody>
+          <a:bodyPr/>
+          <a:lstStyle/>
+          <a:p>
+            <a:fld id="{F9F81469-CC24-CC4F-95EF-B3D146B8A986}" type="datetimeFigureOut">
+              <a:rPr lang="en-US" smtClean="0"/>
+              <a:t>5/4/2022</a:t>
+            </a:fld>
+            <a:endParaRPr lang="en-US"/>
+          </a:p>
+        </p:txBody>
+      </p:sp>
+      <p:sp>
+        <p:nvSpPr>
+          <p:cNvPr id="5" name="Footer Placeholder 4">
+            <a:extLst>
+              <a:ext uri="{FF2B5EF4-FFF2-40B4-BE49-F238E27FC236}">
+                <a16:creationId xmlns:a16="http://schemas.microsoft.com/office/drawing/2014/main" id="{A505EF6A-12E8-340A-3FDE-F05167657890}"/>
+              </a:ext>
+            </a:extLst>
+          </p:cNvPr>
+          <p:cNvSpPr>
+            <a:spLocks noGrp="1"/>
+          </p:cNvSpPr>
+          <p:nvPr>
+            <p:ph type="ftr" sz="quarter" idx="11"/>
+          </p:nvPr>
+        </p:nvSpPr>
+        <p:spPr/>
+        <p:txBody>
+          <a:bodyPr/>
+          <a:lstStyle/>
+          <a:p>
+            <a:endParaRPr lang="en-US"/>
+          </a:p>
+        </p:txBody>
+      </p:sp>
+      <p:sp>
+        <p:nvSpPr>
+          <p:cNvPr id="6" name="Slide Number Placeholder 5">
+            <a:extLst>
+              <a:ext uri="{FF2B5EF4-FFF2-40B4-BE49-F238E27FC236}">
+                <a16:creationId xmlns:a16="http://schemas.microsoft.com/office/drawing/2014/main" id="{3D0D7AB3-7932-5924-881F-37934127B712}"/>
+              </a:ext>
+            </a:extLst>
+          </p:cNvPr>
+          <p:cNvSpPr>
+            <a:spLocks noGrp="1"/>
+          </p:cNvSpPr>
+          <p:nvPr>
+            <p:ph type="sldNum" sz="quarter" idx="12"/>
+          </p:nvPr>
+        </p:nvSpPr>
+        <p:spPr/>
+        <p:txBody>
+          <a:bodyPr/>
+          <a:lstStyle/>
+          <a:p>
+            <a:fld id="{93575E37-BEDC-774E-8E1C-DBE1317195E3}" type="slidenum">
+              <a:rPr lang="en-US" smtClean="0"/>
+              <a:t>‹#›</a:t>
+            </a:fld>
+            <a:endParaRPr lang="en-US"/>
+          </a:p>
+        </p:txBody>
+      </p:sp>
+    </p:spTree>
+    <p:extLst>
+      <p:ext uri="{BB962C8B-B14F-4D97-AF65-F5344CB8AC3E}">
+        <p14:creationId xmlns:p14="http://schemas.microsoft.com/office/powerpoint/2010/main" val="3753329053"/>
+      </p:ext>
+    </p:extLst>
+  </p:cSld>
+  <p:clrMapOvr>
+    <a:masterClrMapping/>
+  </p:clrMapOvr>
+</p:sldLayout>
+</file>
+
+<file path=ppt/slideLayouts/slideLayout28.xml><?xml version="1.0" encoding="utf-8"?>
+<p:sldLayout xmlns:a="http://schemas.openxmlformats.org/drawingml/2006/main" xmlns:r="http://schemas.openxmlformats.org/officeDocument/2006/relationships" xmlns:p="http://schemas.openxmlformats.org/presentationml/2006/main" type="vertTitleAndTx" preserve="1">
+  <p:cSld name="Vertical Title and Text">
+    <p:spTree>
+      <p:nvGrpSpPr>
+        <p:cNvPr id="1" name=""/>
+        <p:cNvGrpSpPr/>
+        <p:nvPr/>
+      </p:nvGrpSpPr>
+      <p:grpSpPr>
+        <a:xfrm>
+          <a:off x="0" y="0"/>
+          <a:ext cx="0" cy="0"/>
+          <a:chOff x="0" y="0"/>
+          <a:chExt cx="0" cy="0"/>
+        </a:xfrm>
+      </p:grpSpPr>
+      <p:sp>
+        <p:nvSpPr>
+          <p:cNvPr id="2" name="Vertical Title 1">
+            <a:extLst>
+              <a:ext uri="{FF2B5EF4-FFF2-40B4-BE49-F238E27FC236}">
+                <a16:creationId xmlns:a16="http://schemas.microsoft.com/office/drawing/2014/main" id="{F5E3166C-AC39-D3D3-8E99-D9D185829F5E}"/>
+              </a:ext>
+            </a:extLst>
+          </p:cNvPr>
+          <p:cNvSpPr>
+            <a:spLocks noGrp="1"/>
+          </p:cNvSpPr>
+          <p:nvPr>
+            <p:ph type="title" orient="vert"/>
+          </p:nvPr>
+        </p:nvSpPr>
+        <p:spPr>
+          <a:xfrm>
+            <a:off x="8724900" y="365125"/>
+            <a:ext cx="2628900" cy="5811838"/>
+          </a:xfrm>
+        </p:spPr>
+        <p:txBody>
+          <a:bodyPr vert="eaVert"/>
+          <a:lstStyle/>
+          <a:p>
+            <a:r>
+              <a:rPr lang="en-GB"/>
+              <a:t>Click to edit Master title style</a:t>
+            </a:r>
+            <a:endParaRPr lang="en-US"/>
+          </a:p>
+        </p:txBody>
+      </p:sp>
+      <p:sp>
+        <p:nvSpPr>
+          <p:cNvPr id="3" name="Vertical Text Placeholder 2">
+            <a:extLst>
+              <a:ext uri="{FF2B5EF4-FFF2-40B4-BE49-F238E27FC236}">
+                <a16:creationId xmlns:a16="http://schemas.microsoft.com/office/drawing/2014/main" id="{8F509AA5-FCFE-4289-A7CF-AE240DEF76B7}"/>
+              </a:ext>
+            </a:extLst>
+          </p:cNvPr>
+          <p:cNvSpPr>
+            <a:spLocks noGrp="1"/>
+          </p:cNvSpPr>
+          <p:nvPr>
+            <p:ph type="body" orient="vert" idx="1"/>
+          </p:nvPr>
+        </p:nvSpPr>
+        <p:spPr>
+          <a:xfrm>
+            <a:off x="838200" y="365125"/>
+            <a:ext cx="7734300" cy="5811838"/>
+          </a:xfrm>
+        </p:spPr>
+        <p:txBody>
+          <a:bodyPr vert="eaVert"/>
+          <a:lstStyle/>
+          <a:p>
+            <a:pPr lvl="0"/>
+            <a:r>
+              <a:rPr lang="en-GB"/>
+              <a:t>Click to edit Master text styles</a:t>
+            </a:r>
+          </a:p>
+          <a:p>
+            <a:pPr lvl="1"/>
+            <a:r>
+              <a:rPr lang="en-GB"/>
+              <a:t>Second level</a:t>
+            </a:r>
+          </a:p>
+          <a:p>
+            <a:pPr lvl="2"/>
+            <a:r>
+              <a:rPr lang="en-GB"/>
+              <a:t>Third level</a:t>
+            </a:r>
+          </a:p>
+          <a:p>
+            <a:pPr lvl="3"/>
+            <a:r>
+              <a:rPr lang="en-GB"/>
+              <a:t>Fourth level</a:t>
+            </a:r>
+          </a:p>
+          <a:p>
+            <a:pPr lvl="4"/>
+            <a:r>
+              <a:rPr lang="en-GB"/>
+              <a:t>Fifth level</a:t>
+            </a:r>
+            <a:endParaRPr lang="en-US"/>
+          </a:p>
+        </p:txBody>
+      </p:sp>
+      <p:sp>
+        <p:nvSpPr>
+          <p:cNvPr id="4" name="Date Placeholder 3">
+            <a:extLst>
+              <a:ext uri="{FF2B5EF4-FFF2-40B4-BE49-F238E27FC236}">
+                <a16:creationId xmlns:a16="http://schemas.microsoft.com/office/drawing/2014/main" id="{80069365-D283-EEBC-67E7-A311D26550C9}"/>
+              </a:ext>
+            </a:extLst>
+          </p:cNvPr>
+          <p:cNvSpPr>
+            <a:spLocks noGrp="1"/>
+          </p:cNvSpPr>
+          <p:nvPr>
+            <p:ph type="dt" sz="half" idx="10"/>
+          </p:nvPr>
+        </p:nvSpPr>
+        <p:spPr/>
+        <p:txBody>
+          <a:bodyPr/>
+          <a:lstStyle/>
+          <a:p>
+            <a:fld id="{F9F81469-CC24-CC4F-95EF-B3D146B8A986}" type="datetimeFigureOut">
+              <a:rPr lang="en-US" smtClean="0"/>
+              <a:t>5/4/2022</a:t>
+            </a:fld>
+            <a:endParaRPr lang="en-US"/>
+          </a:p>
+        </p:txBody>
+      </p:sp>
+      <p:sp>
+        <p:nvSpPr>
+          <p:cNvPr id="5" name="Footer Placeholder 4">
+            <a:extLst>
+              <a:ext uri="{FF2B5EF4-FFF2-40B4-BE49-F238E27FC236}">
+                <a16:creationId xmlns:a16="http://schemas.microsoft.com/office/drawing/2014/main" id="{33D0F793-E536-0308-D416-10058B66EF38}"/>
+              </a:ext>
+            </a:extLst>
+          </p:cNvPr>
+          <p:cNvSpPr>
+            <a:spLocks noGrp="1"/>
+          </p:cNvSpPr>
+          <p:nvPr>
+            <p:ph type="ftr" sz="quarter" idx="11"/>
+          </p:nvPr>
+        </p:nvSpPr>
+        <p:spPr/>
+        <p:txBody>
+          <a:bodyPr/>
+          <a:lstStyle/>
+          <a:p>
+            <a:endParaRPr lang="en-US"/>
+          </a:p>
+        </p:txBody>
+      </p:sp>
+      <p:sp>
+        <p:nvSpPr>
+          <p:cNvPr id="6" name="Slide Number Placeholder 5">
+            <a:extLst>
+              <a:ext uri="{FF2B5EF4-FFF2-40B4-BE49-F238E27FC236}">
+                <a16:creationId xmlns:a16="http://schemas.microsoft.com/office/drawing/2014/main" id="{FF167719-48E8-1E7F-52B3-2488FCAC7AAA}"/>
+              </a:ext>
+            </a:extLst>
+          </p:cNvPr>
+          <p:cNvSpPr>
+            <a:spLocks noGrp="1"/>
+          </p:cNvSpPr>
+          <p:nvPr>
+            <p:ph type="sldNum" sz="quarter" idx="12"/>
+          </p:nvPr>
+        </p:nvSpPr>
+        <p:spPr/>
+        <p:txBody>
+          <a:bodyPr/>
+          <a:lstStyle/>
+          <a:p>
+            <a:fld id="{93575E37-BEDC-774E-8E1C-DBE1317195E3}" type="slidenum">
+              <a:rPr lang="en-US" smtClean="0"/>
+              <a:t>‹#›</a:t>
+            </a:fld>
+            <a:endParaRPr lang="en-US"/>
+          </a:p>
+        </p:txBody>
+      </p:sp>
+    </p:spTree>
+    <p:extLst>
+      <p:ext uri="{BB962C8B-B14F-4D97-AF65-F5344CB8AC3E}">
+        <p14:creationId xmlns:p14="http://schemas.microsoft.com/office/powerpoint/2010/main" val="3188107149"/>
       </p:ext>
     </p:extLst>
   </p:cSld>
@@ -8139,7 +10804,7 @@
           <a:p>
             <a:fld id="{48A87A34-81AB-432B-8DAE-1953F412C126}" type="datetimeFigureOut">
               <a:rPr lang="en-US" smtClean="0"/>
-              <a:t>4/25/2022</a:t>
+              <a:t>5/4/2022</a:t>
             </a:fld>
             <a:endParaRPr lang="en-US" dirty="0"/>
           </a:p>
@@ -8371,7 +11036,7 @@
           <a:p>
             <a:fld id="{48A87A34-81AB-432B-8DAE-1953F412C126}" type="datetimeFigureOut">
               <a:rPr lang="en-US" smtClean="0"/>
-              <a:t>4/25/2022</a:t>
+              <a:t>5/4/2022</a:t>
             </a:fld>
             <a:endParaRPr lang="en-US" dirty="0"/>
           </a:p>
@@ -8752,7 +11417,7 @@
           <a:p>
             <a:fld id="{48A87A34-81AB-432B-8DAE-1953F412C126}" type="datetimeFigureOut">
               <a:rPr lang="en-US" smtClean="0"/>
-              <a:t>4/25/2022</a:t>
+              <a:t>5/4/2022</a:t>
             </a:fld>
             <a:endParaRPr lang="en-US" dirty="0"/>
           </a:p>
@@ -8870,7 +11535,7 @@
           <a:p>
             <a:fld id="{48A87A34-81AB-432B-8DAE-1953F412C126}" type="datetimeFigureOut">
               <a:rPr lang="en-US" smtClean="0"/>
-              <a:t>4/25/2022</a:t>
+              <a:t>5/4/2022</a:t>
             </a:fld>
             <a:endParaRPr lang="en-US" dirty="0"/>
           </a:p>
@@ -8965,7 +11630,7 @@
           <a:p>
             <a:fld id="{48A87A34-81AB-432B-8DAE-1953F412C126}" type="datetimeFigureOut">
               <a:rPr lang="en-US" smtClean="0"/>
-              <a:t>4/25/2022</a:t>
+              <a:t>5/4/2022</a:t>
             </a:fld>
             <a:endParaRPr lang="en-US" dirty="0"/>
           </a:p>
@@ -9214,7 +11879,7 @@
           <a:p>
             <a:fld id="{48A87A34-81AB-432B-8DAE-1953F412C126}" type="datetimeFigureOut">
               <a:rPr lang="en-US" smtClean="0"/>
-              <a:t>4/25/2022</a:t>
+              <a:t>5/4/2022</a:t>
             </a:fld>
             <a:endParaRPr lang="en-US" dirty="0"/>
           </a:p>
@@ -9494,7 +12159,7 @@
           <a:p>
             <a:fld id="{48A87A34-81AB-432B-8DAE-1953F412C126}" type="datetimeFigureOut">
               <a:rPr lang="en-US" smtClean="0"/>
-              <a:t>4/25/2022</a:t>
+              <a:t>5/4/2022</a:t>
             </a:fld>
             <a:endParaRPr lang="en-US" dirty="0"/>
           </a:p>
@@ -9620,7 +12285,7 @@
           <a:noFill/>
           <a:extLst>
             <a:ext uri="{909E8E84-426E-40dd-AFC4-6F175D3DCCD1}">
-              <a14:hiddenFill xmlns:a14="http://schemas.microsoft.com/office/drawing/2010/main" xmlns="">
+              <a14:hiddenFill xmlns="" xmlns:a14="http://schemas.microsoft.com/office/drawing/2010/main">
                 <a:solidFill>
                   <a:srgbClr val="FFFFFF"/>
                 </a:solidFill>
@@ -9694,7 +12359,7 @@
               </a:ln>
               <a:extLst>
                 <a:ext uri="{91240B29-F687-4f45-9708-019B960494DF}">
-                  <a14:hiddenLine xmlns:a14="http://schemas.microsoft.com/office/drawing/2010/main" xmlns="" w="9525">
+                  <a14:hiddenLine xmlns="" xmlns:a14="http://schemas.microsoft.com/office/drawing/2010/main" w="9525">
                     <a:solidFill>
                       <a:srgbClr val="000000"/>
                     </a:solidFill>
@@ -9784,7 +12449,7 @@
               </a:ln>
               <a:extLst>
                 <a:ext uri="{91240B29-F687-4f45-9708-019B960494DF}">
-                  <a14:hiddenLine xmlns:a14="http://schemas.microsoft.com/office/drawing/2010/main" xmlns="" w="9525">
+                  <a14:hiddenLine xmlns="" xmlns:a14="http://schemas.microsoft.com/office/drawing/2010/main" w="9525">
                     <a:solidFill>
                       <a:srgbClr val="000000"/>
                     </a:solidFill>
@@ -9874,7 +12539,7 @@
               </a:ln>
               <a:extLst>
                 <a:ext uri="{91240B29-F687-4f45-9708-019B960494DF}">
-                  <a14:hiddenLine xmlns:a14="http://schemas.microsoft.com/office/drawing/2010/main" xmlns="" w="9525">
+                  <a14:hiddenLine xmlns="" xmlns:a14="http://schemas.microsoft.com/office/drawing/2010/main" w="9525">
                     <a:solidFill>
                       <a:srgbClr val="000000"/>
                     </a:solidFill>
@@ -9936,7 +12601,7 @@
               </a:ln>
               <a:extLst>
                 <a:ext uri="{91240B29-F687-4f45-9708-019B960494DF}">
-                  <a14:hiddenLine xmlns:a14="http://schemas.microsoft.com/office/drawing/2010/main" xmlns="" w="9525">
+                  <a14:hiddenLine xmlns="" xmlns:a14="http://schemas.microsoft.com/office/drawing/2010/main" w="9525">
                     <a:solidFill>
                       <a:srgbClr val="000000"/>
                     </a:solidFill>
@@ -10026,7 +12691,7 @@
               </a:ln>
               <a:extLst>
                 <a:ext uri="{91240B29-F687-4f45-9708-019B960494DF}">
-                  <a14:hiddenLine xmlns:a14="http://schemas.microsoft.com/office/drawing/2010/main" xmlns="" w="9525">
+                  <a14:hiddenLine xmlns="" xmlns:a14="http://schemas.microsoft.com/office/drawing/2010/main" w="9525">
                     <a:solidFill>
                       <a:srgbClr val="000000"/>
                     </a:solidFill>
@@ -10088,7 +12753,7 @@
               </a:ln>
               <a:extLst>
                 <a:ext uri="{91240B29-F687-4f45-9708-019B960494DF}">
-                  <a14:hiddenLine xmlns:a14="http://schemas.microsoft.com/office/drawing/2010/main" xmlns="" w="9525">
+                  <a14:hiddenLine xmlns="" xmlns:a14="http://schemas.microsoft.com/office/drawing/2010/main" w="9525">
                     <a:solidFill>
                       <a:srgbClr val="000000"/>
                     </a:solidFill>
@@ -10150,7 +12815,7 @@
               </a:ln>
               <a:extLst>
                 <a:ext uri="{91240B29-F687-4f45-9708-019B960494DF}">
-                  <a14:hiddenLine xmlns:a14="http://schemas.microsoft.com/office/drawing/2010/main" xmlns="" w="9525">
+                  <a14:hiddenLine xmlns="" xmlns:a14="http://schemas.microsoft.com/office/drawing/2010/main" w="9525">
                     <a:solidFill>
                       <a:srgbClr val="000000"/>
                     </a:solidFill>
@@ -10240,7 +12905,7 @@
               </a:ln>
               <a:extLst>
                 <a:ext uri="{91240B29-F687-4f45-9708-019B960494DF}">
-                  <a14:hiddenLine xmlns:a14="http://schemas.microsoft.com/office/drawing/2010/main" xmlns="" w="9525">
+                  <a14:hiddenLine xmlns="" xmlns:a14="http://schemas.microsoft.com/office/drawing/2010/main" w="9525">
                     <a:solidFill>
                       <a:srgbClr val="000000"/>
                     </a:solidFill>
@@ -10330,7 +12995,7 @@
               </a:ln>
               <a:extLst>
                 <a:ext uri="{91240B29-F687-4f45-9708-019B960494DF}">
-                  <a14:hiddenLine xmlns:a14="http://schemas.microsoft.com/office/drawing/2010/main" xmlns="" w="9525">
+                  <a14:hiddenLine xmlns="" xmlns:a14="http://schemas.microsoft.com/office/drawing/2010/main" w="9525">
                     <a:solidFill>
                       <a:srgbClr val="000000"/>
                     </a:solidFill>
@@ -10392,7 +13057,7 @@
               </a:ln>
               <a:extLst>
                 <a:ext uri="{91240B29-F687-4f45-9708-019B960494DF}">
-                  <a14:hiddenLine xmlns:a14="http://schemas.microsoft.com/office/drawing/2010/main" xmlns="" w="9525">
+                  <a14:hiddenLine xmlns="" xmlns:a14="http://schemas.microsoft.com/office/drawing/2010/main" w="9525">
                     <a:solidFill>
                       <a:srgbClr val="000000"/>
                     </a:solidFill>
@@ -10502,7 +13167,7 @@
               </a:ln>
               <a:extLst>
                 <a:ext uri="{91240B29-F687-4f45-9708-019B960494DF}">
-                  <a14:hiddenLine xmlns:a14="http://schemas.microsoft.com/office/drawing/2010/main" xmlns="" w="9525">
+                  <a14:hiddenLine xmlns="" xmlns:a14="http://schemas.microsoft.com/office/drawing/2010/main" w="9525">
                     <a:solidFill>
                       <a:srgbClr val="000000"/>
                     </a:solidFill>
@@ -10586,7 +13251,7 @@
               </a:ln>
               <a:extLst>
                 <a:ext uri="{91240B29-F687-4f45-9708-019B960494DF}">
-                  <a14:hiddenLine xmlns:a14="http://schemas.microsoft.com/office/drawing/2010/main" xmlns="" w="9525">
+                  <a14:hiddenLine xmlns="" xmlns:a14="http://schemas.microsoft.com/office/drawing/2010/main" w="9525">
                     <a:solidFill>
                       <a:srgbClr val="000000"/>
                     </a:solidFill>
@@ -10648,7 +13313,7 @@
               </a:ln>
               <a:extLst>
                 <a:ext uri="{91240B29-F687-4f45-9708-019B960494DF}">
-                  <a14:hiddenLine xmlns:a14="http://schemas.microsoft.com/office/drawing/2010/main" xmlns="" w="9525">
+                  <a14:hiddenLine xmlns="" xmlns:a14="http://schemas.microsoft.com/office/drawing/2010/main" w="9525">
                     <a:solidFill>
                       <a:srgbClr val="000000"/>
                     </a:solidFill>
@@ -10710,7 +13375,7 @@
               </a:ln>
               <a:extLst>
                 <a:ext uri="{91240B29-F687-4f45-9708-019B960494DF}">
-                  <a14:hiddenLine xmlns:a14="http://schemas.microsoft.com/office/drawing/2010/main" xmlns="" w="9525">
+                  <a14:hiddenLine xmlns="" xmlns:a14="http://schemas.microsoft.com/office/drawing/2010/main" w="9525">
                     <a:solidFill>
                       <a:srgbClr val="000000"/>
                     </a:solidFill>
@@ -10800,7 +13465,7 @@
               </a:ln>
               <a:extLst>
                 <a:ext uri="{91240B29-F687-4f45-9708-019B960494DF}">
-                  <a14:hiddenLine xmlns:a14="http://schemas.microsoft.com/office/drawing/2010/main" xmlns="" w="9525">
+                  <a14:hiddenLine xmlns="" xmlns:a14="http://schemas.microsoft.com/office/drawing/2010/main" w="9525">
                     <a:solidFill>
                       <a:srgbClr val="000000"/>
                     </a:solidFill>
@@ -10834,7 +13499,7 @@
               </a:ln>
               <a:extLst>
                 <a:ext uri="{91240B29-F687-4f45-9708-019B960494DF}">
-                  <a14:hiddenLine xmlns:a14="http://schemas.microsoft.com/office/drawing/2010/main" xmlns="" w="9525">
+                  <a14:hiddenLine xmlns="" xmlns:a14="http://schemas.microsoft.com/office/drawing/2010/main" w="9525">
                     <a:solidFill>
                       <a:srgbClr val="000000"/>
                     </a:solidFill>
@@ -10899,7 +13564,7 @@
               </a:ln>
               <a:extLst>
                 <a:ext uri="{91240B29-F687-4f45-9708-019B960494DF}">
-                  <a14:hiddenLine xmlns:a14="http://schemas.microsoft.com/office/drawing/2010/main" xmlns="" w="9525">
+                  <a14:hiddenLine xmlns="" xmlns:a14="http://schemas.microsoft.com/office/drawing/2010/main" w="9525">
                     <a:solidFill>
                       <a:srgbClr val="000000"/>
                     </a:solidFill>
@@ -10989,7 +13654,7 @@
               </a:ln>
               <a:extLst>
                 <a:ext uri="{91240B29-F687-4f45-9708-019B960494DF}">
-                  <a14:hiddenLine xmlns:a14="http://schemas.microsoft.com/office/drawing/2010/main" xmlns="" w="9525">
+                  <a14:hiddenLine xmlns="" xmlns:a14="http://schemas.microsoft.com/office/drawing/2010/main" w="9525">
                     <a:solidFill>
                       <a:srgbClr val="000000"/>
                     </a:solidFill>
@@ -11051,7 +13716,7 @@
               </a:ln>
               <a:extLst>
                 <a:ext uri="{91240B29-F687-4f45-9708-019B960494DF}">
-                  <a14:hiddenLine xmlns:a14="http://schemas.microsoft.com/office/drawing/2010/main" xmlns="" w="9525">
+                  <a14:hiddenLine xmlns="" xmlns:a14="http://schemas.microsoft.com/office/drawing/2010/main" w="9525">
                     <a:solidFill>
                       <a:srgbClr val="000000"/>
                     </a:solidFill>
@@ -11141,7 +13806,7 @@
               </a:ln>
               <a:extLst>
                 <a:ext uri="{91240B29-F687-4f45-9708-019B960494DF}">
-                  <a14:hiddenLine xmlns:a14="http://schemas.microsoft.com/office/drawing/2010/main" xmlns="" w="9525">
+                  <a14:hiddenLine xmlns="" xmlns:a14="http://schemas.microsoft.com/office/drawing/2010/main" w="9525">
                     <a:solidFill>
                       <a:srgbClr val="000000"/>
                     </a:solidFill>
@@ -11206,7 +13871,7 @@
               </a:ln>
               <a:extLst>
                 <a:ext uri="{91240B29-F687-4f45-9708-019B960494DF}">
-                  <a14:hiddenLine xmlns:a14="http://schemas.microsoft.com/office/drawing/2010/main" xmlns="" w="9525">
+                  <a14:hiddenLine xmlns="" xmlns:a14="http://schemas.microsoft.com/office/drawing/2010/main" w="9525">
                     <a:solidFill>
                       <a:srgbClr val="000000"/>
                     </a:solidFill>
@@ -11268,7 +13933,7 @@
               </a:ln>
               <a:extLst>
                 <a:ext uri="{91240B29-F687-4f45-9708-019B960494DF}">
-                  <a14:hiddenLine xmlns:a14="http://schemas.microsoft.com/office/drawing/2010/main" xmlns="" w="9525">
+                  <a14:hiddenLine xmlns="" xmlns:a14="http://schemas.microsoft.com/office/drawing/2010/main" w="9525">
                     <a:solidFill>
                       <a:srgbClr val="000000"/>
                     </a:solidFill>
@@ -11358,7 +14023,7 @@
               </a:ln>
               <a:extLst>
                 <a:ext uri="{91240B29-F687-4f45-9708-019B960494DF}">
-                  <a14:hiddenLine xmlns:a14="http://schemas.microsoft.com/office/drawing/2010/main" xmlns="" w="9525">
+                  <a14:hiddenLine xmlns="" xmlns:a14="http://schemas.microsoft.com/office/drawing/2010/main" w="9525">
                     <a:solidFill>
                       <a:srgbClr val="000000"/>
                     </a:solidFill>
@@ -11448,7 +14113,7 @@
               </a:ln>
               <a:extLst>
                 <a:ext uri="{91240B29-F687-4f45-9708-019B960494DF}">
-                  <a14:hiddenLine xmlns:a14="http://schemas.microsoft.com/office/drawing/2010/main" xmlns="" w="9525">
+                  <a14:hiddenLine xmlns="" xmlns:a14="http://schemas.microsoft.com/office/drawing/2010/main" w="9525">
                     <a:solidFill>
                       <a:srgbClr val="000000"/>
                     </a:solidFill>
@@ -11513,7 +14178,7 @@
               </a:ln>
               <a:extLst>
                 <a:ext uri="{91240B29-F687-4f45-9708-019B960494DF}">
-                  <a14:hiddenLine xmlns:a14="http://schemas.microsoft.com/office/drawing/2010/main" xmlns="" w="9525">
+                  <a14:hiddenLine xmlns="" xmlns:a14="http://schemas.microsoft.com/office/drawing/2010/main" w="9525">
                     <a:solidFill>
                       <a:srgbClr val="000000"/>
                     </a:solidFill>
@@ -11633,7 +14298,7 @@
               </a:ln>
               <a:extLst>
                 <a:ext uri="{91240B29-F687-4f45-9708-019B960494DF}">
-                  <a14:hiddenLine xmlns:a14="http://schemas.microsoft.com/office/drawing/2010/main" xmlns="" w="9525">
+                  <a14:hiddenLine xmlns="" xmlns:a14="http://schemas.microsoft.com/office/drawing/2010/main" w="9525">
                     <a:solidFill>
                       <a:srgbClr val="000000"/>
                     </a:solidFill>
@@ -11714,7 +14379,7 @@
               </a:ln>
               <a:extLst>
                 <a:ext uri="{91240B29-F687-4f45-9708-019B960494DF}">
-                  <a14:hiddenLine xmlns:a14="http://schemas.microsoft.com/office/drawing/2010/main" xmlns="" w="9525">
+                  <a14:hiddenLine xmlns="" xmlns:a14="http://schemas.microsoft.com/office/drawing/2010/main" w="9525">
                     <a:solidFill>
                       <a:srgbClr val="000000"/>
                     </a:solidFill>
@@ -11829,7 +14494,7 @@
               </a:ln>
               <a:extLst>
                 <a:ext uri="{91240B29-F687-4f45-9708-019B960494DF}">
-                  <a14:hiddenLine xmlns:a14="http://schemas.microsoft.com/office/drawing/2010/main" xmlns="" w="9525">
+                  <a14:hiddenLine xmlns="" xmlns:a14="http://schemas.microsoft.com/office/drawing/2010/main" w="9525">
                     <a:solidFill>
                       <a:srgbClr val="000000"/>
                     </a:solidFill>
@@ -11919,7 +14584,7 @@
               </a:ln>
               <a:extLst>
                 <a:ext uri="{91240B29-F687-4f45-9708-019B960494DF}">
-                  <a14:hiddenLine xmlns:a14="http://schemas.microsoft.com/office/drawing/2010/main" xmlns="" w="9525">
+                  <a14:hiddenLine xmlns="" xmlns:a14="http://schemas.microsoft.com/office/drawing/2010/main" w="9525">
                     <a:solidFill>
                       <a:srgbClr val="000000"/>
                     </a:solidFill>
@@ -11984,7 +14649,7 @@
               </a:ln>
               <a:extLst>
                 <a:ext uri="{91240B29-F687-4f45-9708-019B960494DF}">
-                  <a14:hiddenLine xmlns:a14="http://schemas.microsoft.com/office/drawing/2010/main" xmlns="" w="9525">
+                  <a14:hiddenLine xmlns="" xmlns:a14="http://schemas.microsoft.com/office/drawing/2010/main" w="9525">
                     <a:solidFill>
                       <a:srgbClr val="000000"/>
                     </a:solidFill>
@@ -12074,7 +14739,7 @@
               </a:ln>
               <a:extLst>
                 <a:ext uri="{91240B29-F687-4f45-9708-019B960494DF}">
-                  <a14:hiddenLine xmlns:a14="http://schemas.microsoft.com/office/drawing/2010/main" xmlns="" w="9525">
+                  <a14:hiddenLine xmlns="" xmlns:a14="http://schemas.microsoft.com/office/drawing/2010/main" w="9525">
                     <a:solidFill>
                       <a:srgbClr val="000000"/>
                     </a:solidFill>
@@ -12142,7 +14807,7 @@
               </a:ln>
               <a:extLst>
                 <a:ext uri="{91240B29-F687-4f45-9708-019B960494DF}">
-                  <a14:hiddenLine xmlns:a14="http://schemas.microsoft.com/office/drawing/2010/main" xmlns="" w="9525">
+                  <a14:hiddenLine xmlns="" xmlns:a14="http://schemas.microsoft.com/office/drawing/2010/main" w="9525">
                     <a:solidFill>
                       <a:srgbClr val="000000"/>
                     </a:solidFill>
@@ -12232,7 +14897,7 @@
               </a:ln>
               <a:extLst>
                 <a:ext uri="{91240B29-F687-4f45-9708-019B960494DF}">
-                  <a14:hiddenLine xmlns:a14="http://schemas.microsoft.com/office/drawing/2010/main" xmlns="" w="9525">
+                  <a14:hiddenLine xmlns="" xmlns:a14="http://schemas.microsoft.com/office/drawing/2010/main" w="9525">
                     <a:solidFill>
                       <a:srgbClr val="000000"/>
                     </a:solidFill>
@@ -12300,7 +14965,7 @@
               </a:ln>
               <a:extLst>
                 <a:ext uri="{91240B29-F687-4f45-9708-019B960494DF}">
-                  <a14:hiddenLine xmlns:a14="http://schemas.microsoft.com/office/drawing/2010/main" xmlns="" w="9525">
+                  <a14:hiddenLine xmlns="" xmlns:a14="http://schemas.microsoft.com/office/drawing/2010/main" w="9525">
                     <a:solidFill>
                       <a:srgbClr val="000000"/>
                     </a:solidFill>
@@ -12390,7 +15055,7 @@
               </a:ln>
               <a:extLst>
                 <a:ext uri="{91240B29-F687-4f45-9708-019B960494DF}">
-                  <a14:hiddenLine xmlns:a14="http://schemas.microsoft.com/office/drawing/2010/main" xmlns="" w="9525">
+                  <a14:hiddenLine xmlns="" xmlns:a14="http://schemas.microsoft.com/office/drawing/2010/main" w="9525">
                     <a:solidFill>
                       <a:srgbClr val="000000"/>
                     </a:solidFill>
@@ -12424,7 +15089,7 @@
               </a:ln>
               <a:extLst>
                 <a:ext uri="{91240B29-F687-4f45-9708-019B960494DF}">
-                  <a14:hiddenLine xmlns:a14="http://schemas.microsoft.com/office/drawing/2010/main" xmlns="" w="9525">
+                  <a14:hiddenLine xmlns="" xmlns:a14="http://schemas.microsoft.com/office/drawing/2010/main" w="9525">
                     <a:solidFill>
                       <a:srgbClr val="000000"/>
                     </a:solidFill>
@@ -12565,7 +15230,7 @@
             <a:fld id="{48A87A34-81AB-432B-8DAE-1953F412C126}" type="datetimeFigureOut">
               <a:rPr lang="en-US" smtClean="0"/>
               <a:pPr/>
-              <a:t>4/25/2022</a:t>
+              <a:t>5/4/2022</a:t>
             </a:fld>
             <a:endParaRPr lang="en-US" dirty="0"/>
           </a:p>
@@ -12969,6 +15634,576 @@
 </p:sldMaster>
 </file>
 
+<file path=ppt/slideMasters/slideMaster2.xml><?xml version="1.0" encoding="utf-8"?>
+<p:sldMaster xmlns:a="http://schemas.openxmlformats.org/drawingml/2006/main" xmlns:r="http://schemas.openxmlformats.org/officeDocument/2006/relationships" xmlns:p="http://schemas.openxmlformats.org/presentationml/2006/main">
+  <p:cSld>
+    <p:bg>
+      <p:bgRef idx="1001">
+        <a:schemeClr val="bg1"/>
+      </p:bgRef>
+    </p:bg>
+    <p:spTree>
+      <p:nvGrpSpPr>
+        <p:cNvPr id="1" name=""/>
+        <p:cNvGrpSpPr/>
+        <p:nvPr/>
+      </p:nvGrpSpPr>
+      <p:grpSpPr>
+        <a:xfrm>
+          <a:off x="0" y="0"/>
+          <a:ext cx="0" cy="0"/>
+          <a:chOff x="0" y="0"/>
+          <a:chExt cx="0" cy="0"/>
+        </a:xfrm>
+      </p:grpSpPr>
+      <p:sp>
+        <p:nvSpPr>
+          <p:cNvPr id="2" name="Title Placeholder 1">
+            <a:extLst>
+              <a:ext uri="{FF2B5EF4-FFF2-40B4-BE49-F238E27FC236}">
+                <a16:creationId xmlns:a16="http://schemas.microsoft.com/office/drawing/2014/main" id="{82BCB919-A62B-31AF-6170-B1B4269961F8}"/>
+              </a:ext>
+            </a:extLst>
+          </p:cNvPr>
+          <p:cNvSpPr>
+            <a:spLocks noGrp="1"/>
+          </p:cNvSpPr>
+          <p:nvPr>
+            <p:ph type="title"/>
+          </p:nvPr>
+        </p:nvSpPr>
+        <p:spPr>
+          <a:xfrm>
+            <a:off x="838200" y="365125"/>
+            <a:ext cx="10515600" cy="1325563"/>
+          </a:xfrm>
+          <a:prstGeom prst="rect">
+            <a:avLst/>
+          </a:prstGeom>
+        </p:spPr>
+        <p:txBody>
+          <a:bodyPr vert="horz" lIns="91440" tIns="45720" rIns="91440" bIns="45720" rtlCol="0" anchor="ctr">
+            <a:normAutofit/>
+          </a:bodyPr>
+          <a:lstStyle/>
+          <a:p>
+            <a:r>
+              <a:rPr lang="en-GB"/>
+              <a:t>Click to edit Master title style</a:t>
+            </a:r>
+            <a:endParaRPr lang="en-US"/>
+          </a:p>
+        </p:txBody>
+      </p:sp>
+      <p:sp>
+        <p:nvSpPr>
+          <p:cNvPr id="3" name="Text Placeholder 2">
+            <a:extLst>
+              <a:ext uri="{FF2B5EF4-FFF2-40B4-BE49-F238E27FC236}">
+                <a16:creationId xmlns:a16="http://schemas.microsoft.com/office/drawing/2014/main" id="{FE69D3FB-C0DE-77CA-AC08-96BF4EBA08BA}"/>
+              </a:ext>
+            </a:extLst>
+          </p:cNvPr>
+          <p:cNvSpPr>
+            <a:spLocks noGrp="1"/>
+          </p:cNvSpPr>
+          <p:nvPr>
+            <p:ph type="body" idx="1"/>
+          </p:nvPr>
+        </p:nvSpPr>
+        <p:spPr>
+          <a:xfrm>
+            <a:off x="838200" y="1825625"/>
+            <a:ext cx="10515600" cy="4351338"/>
+          </a:xfrm>
+          <a:prstGeom prst="rect">
+            <a:avLst/>
+          </a:prstGeom>
+        </p:spPr>
+        <p:txBody>
+          <a:bodyPr vert="horz" lIns="91440" tIns="45720" rIns="91440" bIns="45720" rtlCol="0">
+            <a:normAutofit/>
+          </a:bodyPr>
+          <a:lstStyle/>
+          <a:p>
+            <a:pPr lvl="0"/>
+            <a:r>
+              <a:rPr lang="en-GB"/>
+              <a:t>Click to edit Master text styles</a:t>
+            </a:r>
+          </a:p>
+          <a:p>
+            <a:pPr lvl="1"/>
+            <a:r>
+              <a:rPr lang="en-GB"/>
+              <a:t>Second level</a:t>
+            </a:r>
+          </a:p>
+          <a:p>
+            <a:pPr lvl="2"/>
+            <a:r>
+              <a:rPr lang="en-GB"/>
+              <a:t>Third level</a:t>
+            </a:r>
+          </a:p>
+          <a:p>
+            <a:pPr lvl="3"/>
+            <a:r>
+              <a:rPr lang="en-GB"/>
+              <a:t>Fourth level</a:t>
+            </a:r>
+          </a:p>
+          <a:p>
+            <a:pPr lvl="4"/>
+            <a:r>
+              <a:rPr lang="en-GB"/>
+              <a:t>Fifth level</a:t>
+            </a:r>
+            <a:endParaRPr lang="en-US"/>
+          </a:p>
+        </p:txBody>
+      </p:sp>
+      <p:sp>
+        <p:nvSpPr>
+          <p:cNvPr id="4" name="Date Placeholder 3">
+            <a:extLst>
+              <a:ext uri="{FF2B5EF4-FFF2-40B4-BE49-F238E27FC236}">
+                <a16:creationId xmlns:a16="http://schemas.microsoft.com/office/drawing/2014/main" id="{22D98E8D-885B-7347-B78E-0B5025252492}"/>
+              </a:ext>
+            </a:extLst>
+          </p:cNvPr>
+          <p:cNvSpPr>
+            <a:spLocks noGrp="1"/>
+          </p:cNvSpPr>
+          <p:nvPr>
+            <p:ph type="dt" sz="half" idx="2"/>
+          </p:nvPr>
+        </p:nvSpPr>
+        <p:spPr>
+          <a:xfrm>
+            <a:off x="838200" y="6356350"/>
+            <a:ext cx="2743200" cy="365125"/>
+          </a:xfrm>
+          <a:prstGeom prst="rect">
+            <a:avLst/>
+          </a:prstGeom>
+        </p:spPr>
+        <p:txBody>
+          <a:bodyPr vert="horz" lIns="91440" tIns="45720" rIns="91440" bIns="45720" rtlCol="0" anchor="ctr"/>
+          <a:lstStyle>
+            <a:lvl1pPr algn="l">
+              <a:defRPr sz="1200">
+                <a:solidFill>
+                  <a:schemeClr val="tx1">
+                    <a:tint val="75000"/>
+                  </a:schemeClr>
+                </a:solidFill>
+              </a:defRPr>
+            </a:lvl1pPr>
+          </a:lstStyle>
+          <a:p>
+            <a:fld id="{F9F81469-CC24-CC4F-95EF-B3D146B8A986}" type="datetimeFigureOut">
+              <a:rPr lang="en-US" smtClean="0"/>
+              <a:t>5/4/2022</a:t>
+            </a:fld>
+            <a:endParaRPr lang="en-US"/>
+          </a:p>
+        </p:txBody>
+      </p:sp>
+      <p:sp>
+        <p:nvSpPr>
+          <p:cNvPr id="5" name="Footer Placeholder 4">
+            <a:extLst>
+              <a:ext uri="{FF2B5EF4-FFF2-40B4-BE49-F238E27FC236}">
+                <a16:creationId xmlns:a16="http://schemas.microsoft.com/office/drawing/2014/main" id="{C3D5D0EA-7280-87CB-123D-199B6E6FC8D2}"/>
+              </a:ext>
+            </a:extLst>
+          </p:cNvPr>
+          <p:cNvSpPr>
+            <a:spLocks noGrp="1"/>
+          </p:cNvSpPr>
+          <p:nvPr>
+            <p:ph type="ftr" sz="quarter" idx="3"/>
+          </p:nvPr>
+        </p:nvSpPr>
+        <p:spPr>
+          <a:xfrm>
+            <a:off x="4038600" y="6356350"/>
+            <a:ext cx="4114800" cy="365125"/>
+          </a:xfrm>
+          <a:prstGeom prst="rect">
+            <a:avLst/>
+          </a:prstGeom>
+        </p:spPr>
+        <p:txBody>
+          <a:bodyPr vert="horz" lIns="91440" tIns="45720" rIns="91440" bIns="45720" rtlCol="0" anchor="ctr"/>
+          <a:lstStyle>
+            <a:lvl1pPr algn="ctr">
+              <a:defRPr sz="1200">
+                <a:solidFill>
+                  <a:schemeClr val="tx1">
+                    <a:tint val="75000"/>
+                  </a:schemeClr>
+                </a:solidFill>
+              </a:defRPr>
+            </a:lvl1pPr>
+          </a:lstStyle>
+          <a:p>
+            <a:endParaRPr lang="en-US"/>
+          </a:p>
+        </p:txBody>
+      </p:sp>
+      <p:sp>
+        <p:nvSpPr>
+          <p:cNvPr id="6" name="Slide Number Placeholder 5">
+            <a:extLst>
+              <a:ext uri="{FF2B5EF4-FFF2-40B4-BE49-F238E27FC236}">
+                <a16:creationId xmlns:a16="http://schemas.microsoft.com/office/drawing/2014/main" id="{8269E0DD-B67D-4EE0-97F3-40843992F4C3}"/>
+              </a:ext>
+            </a:extLst>
+          </p:cNvPr>
+          <p:cNvSpPr>
+            <a:spLocks noGrp="1"/>
+          </p:cNvSpPr>
+          <p:nvPr>
+            <p:ph type="sldNum" sz="quarter" idx="4"/>
+          </p:nvPr>
+        </p:nvSpPr>
+        <p:spPr>
+          <a:xfrm>
+            <a:off x="8610600" y="6356350"/>
+            <a:ext cx="2743200" cy="365125"/>
+          </a:xfrm>
+          <a:prstGeom prst="rect">
+            <a:avLst/>
+          </a:prstGeom>
+        </p:spPr>
+        <p:txBody>
+          <a:bodyPr vert="horz" lIns="91440" tIns="45720" rIns="91440" bIns="45720" rtlCol="0" anchor="ctr"/>
+          <a:lstStyle>
+            <a:lvl1pPr algn="r">
+              <a:defRPr sz="1200">
+                <a:solidFill>
+                  <a:schemeClr val="tx1">
+                    <a:tint val="75000"/>
+                  </a:schemeClr>
+                </a:solidFill>
+              </a:defRPr>
+            </a:lvl1pPr>
+          </a:lstStyle>
+          <a:p>
+            <a:fld id="{93575E37-BEDC-774E-8E1C-DBE1317195E3}" type="slidenum">
+              <a:rPr lang="en-US" smtClean="0"/>
+              <a:t>‹#›</a:t>
+            </a:fld>
+            <a:endParaRPr lang="en-US"/>
+          </a:p>
+        </p:txBody>
+      </p:sp>
+    </p:spTree>
+    <p:extLst>
+      <p:ext uri="{BB962C8B-B14F-4D97-AF65-F5344CB8AC3E}">
+        <p14:creationId xmlns:p14="http://schemas.microsoft.com/office/powerpoint/2010/main" val="1210548507"/>
+      </p:ext>
+    </p:extLst>
+  </p:cSld>
+  <p:clrMap bg1="lt1" tx1="dk1" bg2="lt2" tx2="dk2" accent1="accent1" accent2="accent2" accent3="accent3" accent4="accent4" accent5="accent5" accent6="accent6" hlink="hlink" folHlink="folHlink"/>
+  <p:sldLayoutIdLst>
+    <p:sldLayoutId id="2147483688" r:id="rId1"/>
+    <p:sldLayoutId id="2147483689" r:id="rId2"/>
+    <p:sldLayoutId id="2147483690" r:id="rId3"/>
+    <p:sldLayoutId id="2147483691" r:id="rId4"/>
+    <p:sldLayoutId id="2147483692" r:id="rId5"/>
+    <p:sldLayoutId id="2147483693" r:id="rId6"/>
+    <p:sldLayoutId id="2147483694" r:id="rId7"/>
+    <p:sldLayoutId id="2147483695" r:id="rId8"/>
+    <p:sldLayoutId id="2147483696" r:id="rId9"/>
+    <p:sldLayoutId id="2147483697" r:id="rId10"/>
+    <p:sldLayoutId id="2147483698" r:id="rId11"/>
+  </p:sldLayoutIdLst>
+  <p:txStyles>
+    <p:titleStyle>
+      <a:lvl1pPr algn="l" defTabSz="914400" rtl="0" eaLnBrk="1" latinLnBrk="0" hangingPunct="1">
+        <a:lnSpc>
+          <a:spcPct val="90000"/>
+        </a:lnSpc>
+        <a:spcBef>
+          <a:spcPct val="0"/>
+        </a:spcBef>
+        <a:buNone/>
+        <a:defRPr sz="4400" kern="1200">
+          <a:solidFill>
+            <a:schemeClr val="tx1"/>
+          </a:solidFill>
+          <a:latin typeface="+mj-lt"/>
+          <a:ea typeface="+mj-ea"/>
+          <a:cs typeface="+mj-cs"/>
+        </a:defRPr>
+      </a:lvl1pPr>
+    </p:titleStyle>
+    <p:bodyStyle>
+      <a:lvl1pPr marL="228600" indent="-228600" algn="l" defTabSz="914400" rtl="0" eaLnBrk="1" latinLnBrk="0" hangingPunct="1">
+        <a:lnSpc>
+          <a:spcPct val="90000"/>
+        </a:lnSpc>
+        <a:spcBef>
+          <a:spcPts val="1000"/>
+        </a:spcBef>
+        <a:buFont typeface="Arial" panose="020B0604020202020204" pitchFamily="34" charset="0"/>
+        <a:buChar char="•"/>
+        <a:defRPr sz="2800" kern="1200">
+          <a:solidFill>
+            <a:schemeClr val="tx1"/>
+          </a:solidFill>
+          <a:latin typeface="+mn-lt"/>
+          <a:ea typeface="+mn-ea"/>
+          <a:cs typeface="+mn-cs"/>
+        </a:defRPr>
+      </a:lvl1pPr>
+      <a:lvl2pPr marL="685800" indent="-228600" algn="l" defTabSz="914400" rtl="0" eaLnBrk="1" latinLnBrk="0" hangingPunct="1">
+        <a:lnSpc>
+          <a:spcPct val="90000"/>
+        </a:lnSpc>
+        <a:spcBef>
+          <a:spcPts val="500"/>
+        </a:spcBef>
+        <a:buFont typeface="Arial" panose="020B0604020202020204" pitchFamily="34" charset="0"/>
+        <a:buChar char="•"/>
+        <a:defRPr sz="2400" kern="1200">
+          <a:solidFill>
+            <a:schemeClr val="tx1"/>
+          </a:solidFill>
+          <a:latin typeface="+mn-lt"/>
+          <a:ea typeface="+mn-ea"/>
+          <a:cs typeface="+mn-cs"/>
+        </a:defRPr>
+      </a:lvl2pPr>
+      <a:lvl3pPr marL="1143000" indent="-228600" algn="l" defTabSz="914400" rtl="0" eaLnBrk="1" latinLnBrk="0" hangingPunct="1">
+        <a:lnSpc>
+          <a:spcPct val="90000"/>
+        </a:lnSpc>
+        <a:spcBef>
+          <a:spcPts val="500"/>
+        </a:spcBef>
+        <a:buFont typeface="Arial" panose="020B0604020202020204" pitchFamily="34" charset="0"/>
+        <a:buChar char="•"/>
+        <a:defRPr sz="2000" kern="1200">
+          <a:solidFill>
+            <a:schemeClr val="tx1"/>
+          </a:solidFill>
+          <a:latin typeface="+mn-lt"/>
+          <a:ea typeface="+mn-ea"/>
+          <a:cs typeface="+mn-cs"/>
+        </a:defRPr>
+      </a:lvl3pPr>
+      <a:lvl4pPr marL="1600200" indent="-228600" algn="l" defTabSz="914400" rtl="0" eaLnBrk="1" latinLnBrk="0" hangingPunct="1">
+        <a:lnSpc>
+          <a:spcPct val="90000"/>
+        </a:lnSpc>
+        <a:spcBef>
+          <a:spcPts val="500"/>
+        </a:spcBef>
+        <a:buFont typeface="Arial" panose="020B0604020202020204" pitchFamily="34" charset="0"/>
+        <a:buChar char="•"/>
+        <a:defRPr sz="1800" kern="1200">
+          <a:solidFill>
+            <a:schemeClr val="tx1"/>
+          </a:solidFill>
+          <a:latin typeface="+mn-lt"/>
+          <a:ea typeface="+mn-ea"/>
+          <a:cs typeface="+mn-cs"/>
+        </a:defRPr>
+      </a:lvl4pPr>
+      <a:lvl5pPr marL="2057400" indent="-228600" algn="l" defTabSz="914400" rtl="0" eaLnBrk="1" latinLnBrk="0" hangingPunct="1">
+        <a:lnSpc>
+          <a:spcPct val="90000"/>
+        </a:lnSpc>
+        <a:spcBef>
+          <a:spcPts val="500"/>
+        </a:spcBef>
+        <a:buFont typeface="Arial" panose="020B0604020202020204" pitchFamily="34" charset="0"/>
+        <a:buChar char="•"/>
+        <a:defRPr sz="1800" kern="1200">
+          <a:solidFill>
+            <a:schemeClr val="tx1"/>
+          </a:solidFill>
+          <a:latin typeface="+mn-lt"/>
+          <a:ea typeface="+mn-ea"/>
+          <a:cs typeface="+mn-cs"/>
+        </a:defRPr>
+      </a:lvl5pPr>
+      <a:lvl6pPr marL="2514600" indent="-228600" algn="l" defTabSz="914400" rtl="0" eaLnBrk="1" latinLnBrk="0" hangingPunct="1">
+        <a:lnSpc>
+          <a:spcPct val="90000"/>
+        </a:lnSpc>
+        <a:spcBef>
+          <a:spcPts val="500"/>
+        </a:spcBef>
+        <a:buFont typeface="Arial" panose="020B0604020202020204" pitchFamily="34" charset="0"/>
+        <a:buChar char="•"/>
+        <a:defRPr sz="1800" kern="1200">
+          <a:solidFill>
+            <a:schemeClr val="tx1"/>
+          </a:solidFill>
+          <a:latin typeface="+mn-lt"/>
+          <a:ea typeface="+mn-ea"/>
+          <a:cs typeface="+mn-cs"/>
+        </a:defRPr>
+      </a:lvl6pPr>
+      <a:lvl7pPr marL="2971800" indent="-228600" algn="l" defTabSz="914400" rtl="0" eaLnBrk="1" latinLnBrk="0" hangingPunct="1">
+        <a:lnSpc>
+          <a:spcPct val="90000"/>
+        </a:lnSpc>
+        <a:spcBef>
+          <a:spcPts val="500"/>
+        </a:spcBef>
+        <a:buFont typeface="Arial" panose="020B0604020202020204" pitchFamily="34" charset="0"/>
+        <a:buChar char="•"/>
+        <a:defRPr sz="1800" kern="1200">
+          <a:solidFill>
+            <a:schemeClr val="tx1"/>
+          </a:solidFill>
+          <a:latin typeface="+mn-lt"/>
+          <a:ea typeface="+mn-ea"/>
+          <a:cs typeface="+mn-cs"/>
+        </a:defRPr>
+      </a:lvl7pPr>
+      <a:lvl8pPr marL="3429000" indent="-228600" algn="l" defTabSz="914400" rtl="0" eaLnBrk="1" latinLnBrk="0" hangingPunct="1">
+        <a:lnSpc>
+          <a:spcPct val="90000"/>
+        </a:lnSpc>
+        <a:spcBef>
+          <a:spcPts val="500"/>
+        </a:spcBef>
+        <a:buFont typeface="Arial" panose="020B0604020202020204" pitchFamily="34" charset="0"/>
+        <a:buChar char="•"/>
+        <a:defRPr sz="1800" kern="1200">
+          <a:solidFill>
+            <a:schemeClr val="tx1"/>
+          </a:solidFill>
+          <a:latin typeface="+mn-lt"/>
+          <a:ea typeface="+mn-ea"/>
+          <a:cs typeface="+mn-cs"/>
+        </a:defRPr>
+      </a:lvl8pPr>
+      <a:lvl9pPr marL="3886200" indent="-228600" algn="l" defTabSz="914400" rtl="0" eaLnBrk="1" latinLnBrk="0" hangingPunct="1">
+        <a:lnSpc>
+          <a:spcPct val="90000"/>
+        </a:lnSpc>
+        <a:spcBef>
+          <a:spcPts val="500"/>
+        </a:spcBef>
+        <a:buFont typeface="Arial" panose="020B0604020202020204" pitchFamily="34" charset="0"/>
+        <a:buChar char="•"/>
+        <a:defRPr sz="1800" kern="1200">
+          <a:solidFill>
+            <a:schemeClr val="tx1"/>
+          </a:solidFill>
+          <a:latin typeface="+mn-lt"/>
+          <a:ea typeface="+mn-ea"/>
+          <a:cs typeface="+mn-cs"/>
+        </a:defRPr>
+      </a:lvl9pPr>
+    </p:bodyStyle>
+    <p:otherStyle>
+      <a:defPPr>
+        <a:defRPr lang="en-US"/>
+      </a:defPPr>
+      <a:lvl1pPr marL="0" algn="l" defTabSz="914400" rtl="0" eaLnBrk="1" latinLnBrk="0" hangingPunct="1">
+        <a:defRPr sz="1800" kern="1200">
+          <a:solidFill>
+            <a:schemeClr val="tx1"/>
+          </a:solidFill>
+          <a:latin typeface="+mn-lt"/>
+          <a:ea typeface="+mn-ea"/>
+          <a:cs typeface="+mn-cs"/>
+        </a:defRPr>
+      </a:lvl1pPr>
+      <a:lvl2pPr marL="457200" algn="l" defTabSz="914400" rtl="0" eaLnBrk="1" latinLnBrk="0" hangingPunct="1">
+        <a:defRPr sz="1800" kern="1200">
+          <a:solidFill>
+            <a:schemeClr val="tx1"/>
+          </a:solidFill>
+          <a:latin typeface="+mn-lt"/>
+          <a:ea typeface="+mn-ea"/>
+          <a:cs typeface="+mn-cs"/>
+        </a:defRPr>
+      </a:lvl2pPr>
+      <a:lvl3pPr marL="914400" algn="l" defTabSz="914400" rtl="0" eaLnBrk="1" latinLnBrk="0" hangingPunct="1">
+        <a:defRPr sz="1800" kern="1200">
+          <a:solidFill>
+            <a:schemeClr val="tx1"/>
+          </a:solidFill>
+          <a:latin typeface="+mn-lt"/>
+          <a:ea typeface="+mn-ea"/>
+          <a:cs typeface="+mn-cs"/>
+        </a:defRPr>
+      </a:lvl3pPr>
+      <a:lvl4pPr marL="1371600" algn="l" defTabSz="914400" rtl="0" eaLnBrk="1" latinLnBrk="0" hangingPunct="1">
+        <a:defRPr sz="1800" kern="1200">
+          <a:solidFill>
+            <a:schemeClr val="tx1"/>
+          </a:solidFill>
+          <a:latin typeface="+mn-lt"/>
+          <a:ea typeface="+mn-ea"/>
+          <a:cs typeface="+mn-cs"/>
+        </a:defRPr>
+      </a:lvl4pPr>
+      <a:lvl5pPr marL="1828800" algn="l" defTabSz="914400" rtl="0" eaLnBrk="1" latinLnBrk="0" hangingPunct="1">
+        <a:defRPr sz="1800" kern="1200">
+          <a:solidFill>
+            <a:schemeClr val="tx1"/>
+          </a:solidFill>
+          <a:latin typeface="+mn-lt"/>
+          <a:ea typeface="+mn-ea"/>
+          <a:cs typeface="+mn-cs"/>
+        </a:defRPr>
+      </a:lvl5pPr>
+      <a:lvl6pPr marL="2286000" algn="l" defTabSz="914400" rtl="0" eaLnBrk="1" latinLnBrk="0" hangingPunct="1">
+        <a:defRPr sz="1800" kern="1200">
+          <a:solidFill>
+            <a:schemeClr val="tx1"/>
+          </a:solidFill>
+          <a:latin typeface="+mn-lt"/>
+          <a:ea typeface="+mn-ea"/>
+          <a:cs typeface="+mn-cs"/>
+        </a:defRPr>
+      </a:lvl6pPr>
+      <a:lvl7pPr marL="2743200" algn="l" defTabSz="914400" rtl="0" eaLnBrk="1" latinLnBrk="0" hangingPunct="1">
+        <a:defRPr sz="1800" kern="1200">
+          <a:solidFill>
+            <a:schemeClr val="tx1"/>
+          </a:solidFill>
+          <a:latin typeface="+mn-lt"/>
+          <a:ea typeface="+mn-ea"/>
+          <a:cs typeface="+mn-cs"/>
+        </a:defRPr>
+      </a:lvl7pPr>
+      <a:lvl8pPr marL="3200400" algn="l" defTabSz="914400" rtl="0" eaLnBrk="1" latinLnBrk="0" hangingPunct="1">
+        <a:defRPr sz="1800" kern="1200">
+          <a:solidFill>
+            <a:schemeClr val="tx1"/>
+          </a:solidFill>
+          <a:latin typeface="+mn-lt"/>
+          <a:ea typeface="+mn-ea"/>
+          <a:cs typeface="+mn-cs"/>
+        </a:defRPr>
+      </a:lvl8pPr>
+      <a:lvl9pPr marL="3657600" algn="l" defTabSz="914400" rtl="0" eaLnBrk="1" latinLnBrk="0" hangingPunct="1">
+        <a:defRPr sz="1800" kern="1200">
+          <a:solidFill>
+            <a:schemeClr val="tx1"/>
+          </a:solidFill>
+          <a:latin typeface="+mn-lt"/>
+          <a:ea typeface="+mn-ea"/>
+          <a:cs typeface="+mn-cs"/>
+        </a:defRPr>
+      </a:lvl9pPr>
+    </p:otherStyle>
+  </p:txStyles>
+</p:sldMaster>
+</file>
+
 <file path=ppt/slides/slide1.xml><?xml version="1.0" encoding="utf-8"?>
 <p:sld xmlns:a="http://schemas.openxmlformats.org/drawingml/2006/main" xmlns:r="http://schemas.openxmlformats.org/officeDocument/2006/relationships" xmlns:p="http://schemas.openxmlformats.org/presentationml/2006/main">
   <p:cSld>
@@ -13086,6 +16321,2645 @@
     <p:extLst>
       <p:ext uri="{BB962C8B-B14F-4D97-AF65-F5344CB8AC3E}">
         <p14:creationId xmlns:p14="http://schemas.microsoft.com/office/powerpoint/2010/main" val="1819359268"/>
+      </p:ext>
+    </p:extLst>
+  </p:cSld>
+  <p:clrMapOvr>
+    <a:masterClrMapping/>
+  </p:clrMapOvr>
+</p:sld>
+</file>
+
+<file path=ppt/slides/slide10.xml><?xml version="1.0" encoding="utf-8"?>
+<p:sld xmlns:a="http://schemas.openxmlformats.org/drawingml/2006/main" xmlns:r="http://schemas.openxmlformats.org/officeDocument/2006/relationships" xmlns:p="http://schemas.openxmlformats.org/presentationml/2006/main">
+  <p:cSld>
+    <p:spTree>
+      <p:nvGrpSpPr>
+        <p:cNvPr id="1" name=""/>
+        <p:cNvGrpSpPr/>
+        <p:nvPr/>
+      </p:nvGrpSpPr>
+      <p:grpSpPr>
+        <a:xfrm>
+          <a:off x="0" y="0"/>
+          <a:ext cx="0" cy="0"/>
+          <a:chOff x="0" y="0"/>
+          <a:chExt cx="0" cy="0"/>
+        </a:xfrm>
+      </p:grpSpPr>
+      <p:sp>
+        <p:nvSpPr>
+          <p:cNvPr id="2" name="Title 1">
+            <a:extLst>
+              <a:ext uri="{FF2B5EF4-FFF2-40B4-BE49-F238E27FC236}">
+                <a16:creationId xmlns:a16="http://schemas.microsoft.com/office/drawing/2014/main" id="{A85884D9-A1FC-4354-9137-93625005AB4A}"/>
+              </a:ext>
+            </a:extLst>
+          </p:cNvPr>
+          <p:cNvSpPr>
+            <a:spLocks noGrp="1"/>
+          </p:cNvSpPr>
+          <p:nvPr>
+            <p:ph type="title"/>
+          </p:nvPr>
+        </p:nvSpPr>
+        <p:spPr>
+          <a:xfrm>
+            <a:off x="1141412" y="470844"/>
+            <a:ext cx="9905998" cy="1191910"/>
+          </a:xfrm>
+        </p:spPr>
+        <p:txBody>
+          <a:bodyPr>
+            <a:normAutofit fontScale="90000"/>
+          </a:bodyPr>
+          <a:lstStyle/>
+          <a:p>
+            <a:r>
+              <a:rPr lang="en-GB" dirty="0">
+                <a:solidFill>
+                  <a:sysClr val="windowText" lastClr="000000"/>
+                </a:solidFill>
+              </a:rPr>
+              <a:t>Something non-technical that you learned during the project</a:t>
+            </a:r>
+            <a:br>
+              <a:rPr lang="en-GB" dirty="0">
+                <a:solidFill>
+                  <a:sysClr val="windowText" lastClr="000000"/>
+                </a:solidFill>
+              </a:rPr>
+            </a:br>
+            <a:r>
+              <a:rPr lang="en-GB" sz="2000" b="1" dirty="0">
+                <a:solidFill>
+                  <a:schemeClr val="accent2">
+                    <a:lumMod val="75000"/>
+                  </a:schemeClr>
+                </a:solidFill>
+                <a:effectLst/>
+                <a:latin typeface="Calibri" panose="020F0502020204030204" pitchFamily="34" charset="0"/>
+                <a:ea typeface="Calibri" panose="020F0502020204030204" pitchFamily="34" charset="0"/>
+                <a:cs typeface="Times New Roman" panose="02020603050405020304" pitchFamily="18" charset="0"/>
+              </a:rPr>
+              <a:t>Amrit pal Singh</a:t>
+            </a:r>
+            <a:endParaRPr lang="en-GB" b="1" dirty="0">
+              <a:solidFill>
+                <a:schemeClr val="accent2">
+                  <a:lumMod val="75000"/>
+                </a:schemeClr>
+              </a:solidFill>
+            </a:endParaRPr>
+          </a:p>
+        </p:txBody>
+      </p:sp>
+      <p:sp>
+        <p:nvSpPr>
+          <p:cNvPr id="3" name="Content Placeholder 2">
+            <a:extLst>
+              <a:ext uri="{FF2B5EF4-FFF2-40B4-BE49-F238E27FC236}">
+                <a16:creationId xmlns:a16="http://schemas.microsoft.com/office/drawing/2014/main" id="{A2D84743-A9BA-4422-9790-8ECEF3A2CEDC}"/>
+              </a:ext>
+            </a:extLst>
+          </p:cNvPr>
+          <p:cNvSpPr>
+            <a:spLocks noGrp="1"/>
+          </p:cNvSpPr>
+          <p:nvPr>
+            <p:ph idx="1"/>
+          </p:nvPr>
+        </p:nvSpPr>
+        <p:spPr>
+          <a:xfrm>
+            <a:off x="1141413" y="2173287"/>
+            <a:ext cx="8002588" cy="3541714"/>
+          </a:xfrm>
+        </p:spPr>
+        <p:txBody>
+          <a:bodyPr>
+            <a:normAutofit/>
+          </a:bodyPr>
+          <a:lstStyle/>
+          <a:p>
+            <a:r>
+              <a:rPr lang="en-US" dirty="0">
+                <a:solidFill>
+                  <a:sysClr val="windowText" lastClr="000000"/>
+                </a:solidFill>
+              </a:rPr>
+              <a:t>Group work allows a group member to give their viewpoints.</a:t>
+            </a:r>
+          </a:p>
+          <a:p>
+            <a:r>
+              <a:rPr lang="en-US" dirty="0">
+                <a:solidFill>
+                  <a:sysClr val="windowText" lastClr="000000"/>
+                </a:solidFill>
+              </a:rPr>
+              <a:t>Planning phase is really important for a group project.</a:t>
+            </a:r>
+          </a:p>
+          <a:p>
+            <a:r>
+              <a:rPr lang="en-US" dirty="0">
+                <a:solidFill>
+                  <a:sysClr val="windowText" lastClr="000000"/>
+                </a:solidFill>
+              </a:rPr>
+              <a:t>Face-to-face meetings are more effective compared to virtual meetings.</a:t>
+            </a:r>
+          </a:p>
+          <a:p>
+            <a:r>
+              <a:rPr lang="en-US" dirty="0">
+                <a:solidFill>
+                  <a:sysClr val="windowText" lastClr="000000"/>
+                </a:solidFill>
+              </a:rPr>
+              <a:t>Estimating the time frame and weight for the task is an important aspect. </a:t>
+            </a:r>
+          </a:p>
+        </p:txBody>
+      </p:sp>
+      <p:pic>
+        <p:nvPicPr>
+          <p:cNvPr id="5" name="Picture 4">
+            <a:extLst>
+              <a:ext uri="{FF2B5EF4-FFF2-40B4-BE49-F238E27FC236}">
+                <a16:creationId xmlns:a16="http://schemas.microsoft.com/office/drawing/2014/main" id="{9A774FA7-BFDA-41C3-9214-52CFC06D6FAD}"/>
+              </a:ext>
+            </a:extLst>
+          </p:cNvPr>
+          <p:cNvPicPr>
+            <a:picLocks noChangeAspect="1"/>
+          </p:cNvPicPr>
+          <p:nvPr/>
+        </p:nvPicPr>
+        <p:blipFill rotWithShape="1">
+          <a:blip r:embed="rId2"/>
+          <a:srcRect l="27045" r="23810"/>
+          <a:stretch/>
+        </p:blipFill>
+        <p:spPr>
+          <a:xfrm>
+            <a:off x="9239416" y="2354940"/>
+            <a:ext cx="1636934" cy="1665404"/>
+          </a:xfrm>
+          <a:prstGeom prst="rect">
+            <a:avLst/>
+          </a:prstGeom>
+          <a:ln>
+            <a:noFill/>
+          </a:ln>
+          <a:effectLst>
+            <a:outerShdw blurRad="292100" dist="139700" dir="2700000" algn="tl" rotWithShape="0">
+              <a:srgbClr val="333333">
+                <a:alpha val="65000"/>
+              </a:srgbClr>
+            </a:outerShdw>
+          </a:effectLst>
+        </p:spPr>
+      </p:pic>
+      <p:pic>
+        <p:nvPicPr>
+          <p:cNvPr id="6" name="Picture 5">
+            <a:extLst>
+              <a:ext uri="{FF2B5EF4-FFF2-40B4-BE49-F238E27FC236}">
+                <a16:creationId xmlns:a16="http://schemas.microsoft.com/office/drawing/2014/main" id="{95F69C76-4F9F-5D2E-D61A-EA0B06110EBA}"/>
+              </a:ext>
+            </a:extLst>
+          </p:cNvPr>
+          <p:cNvPicPr>
+            <a:picLocks noChangeAspect="1"/>
+          </p:cNvPicPr>
+          <p:nvPr/>
+        </p:nvPicPr>
+        <p:blipFill>
+          <a:blip r:embed="rId3"/>
+          <a:stretch>
+            <a:fillRect/>
+          </a:stretch>
+        </p:blipFill>
+        <p:spPr>
+          <a:xfrm>
+            <a:off x="6762916" y="5196531"/>
+            <a:ext cx="2476500" cy="1190625"/>
+          </a:xfrm>
+          <a:prstGeom prst="rect">
+            <a:avLst/>
+          </a:prstGeom>
+          <a:ln>
+            <a:noFill/>
+          </a:ln>
+          <a:effectLst>
+            <a:outerShdw blurRad="292100" dist="139700" dir="2700000" algn="tl" rotWithShape="0">
+              <a:srgbClr val="333333">
+                <a:alpha val="65000"/>
+              </a:srgbClr>
+            </a:outerShdw>
+          </a:effectLst>
+        </p:spPr>
+      </p:pic>
+    </p:spTree>
+    <p:extLst>
+      <p:ext uri="{BB962C8B-B14F-4D97-AF65-F5344CB8AC3E}">
+        <p14:creationId xmlns:p14="http://schemas.microsoft.com/office/powerpoint/2010/main" val="3154496350"/>
+      </p:ext>
+    </p:extLst>
+  </p:cSld>
+  <p:clrMapOvr>
+    <a:masterClrMapping/>
+  </p:clrMapOvr>
+</p:sld>
+</file>
+
+<file path=ppt/slides/slide11.xml><?xml version="1.0" encoding="utf-8"?>
+<p:sld xmlns:a="http://schemas.openxmlformats.org/drawingml/2006/main" xmlns:r="http://schemas.openxmlformats.org/officeDocument/2006/relationships" xmlns:p="http://schemas.openxmlformats.org/presentationml/2006/main">
+  <p:cSld>
+    <p:spTree>
+      <p:nvGrpSpPr>
+        <p:cNvPr id="1" name=""/>
+        <p:cNvGrpSpPr/>
+        <p:nvPr/>
+      </p:nvGrpSpPr>
+      <p:grpSpPr>
+        <a:xfrm>
+          <a:off x="0" y="0"/>
+          <a:ext cx="0" cy="0"/>
+          <a:chOff x="0" y="0"/>
+          <a:chExt cx="0" cy="0"/>
+        </a:xfrm>
+      </p:grpSpPr>
+      <p:sp>
+        <p:nvSpPr>
+          <p:cNvPr id="3" name="Content Placeholder 2">
+            <a:extLst>
+              <a:ext uri="{FF2B5EF4-FFF2-40B4-BE49-F238E27FC236}">
+                <a16:creationId xmlns:a16="http://schemas.microsoft.com/office/drawing/2014/main" id="{A2D84743-A9BA-4422-9790-8ECEF3A2CEDC}"/>
+              </a:ext>
+            </a:extLst>
+          </p:cNvPr>
+          <p:cNvSpPr>
+            <a:spLocks noGrp="1"/>
+          </p:cNvSpPr>
+          <p:nvPr>
+            <p:ph idx="1"/>
+          </p:nvPr>
+        </p:nvSpPr>
+        <p:spPr>
+          <a:xfrm>
+            <a:off x="1141413" y="2144712"/>
+            <a:ext cx="7414190" cy="3541714"/>
+          </a:xfrm>
+        </p:spPr>
+        <p:txBody>
+          <a:bodyPr>
+            <a:normAutofit/>
+          </a:bodyPr>
+          <a:lstStyle/>
+          <a:p>
+            <a:r>
+              <a:rPr lang="en-US" dirty="0">
+                <a:solidFill>
+                  <a:sysClr val="windowText" lastClr="000000"/>
+                </a:solidFill>
+              </a:rPr>
+              <a:t>Precise testing should be conducted for every feature implemented.</a:t>
+            </a:r>
+          </a:p>
+          <a:p>
+            <a:r>
+              <a:rPr lang="en-US" dirty="0">
+                <a:solidFill>
+                  <a:sysClr val="windowText" lastClr="000000"/>
+                </a:solidFill>
+              </a:rPr>
+              <a:t>Regular meetings and planning are an essential part of a group project.</a:t>
+            </a:r>
+          </a:p>
+          <a:p>
+            <a:r>
+              <a:rPr lang="en-US" dirty="0">
+                <a:solidFill>
+                  <a:sysClr val="windowText" lastClr="000000"/>
+                </a:solidFill>
+              </a:rPr>
+              <a:t>Scrum Master should know the strengths of everyone to give work accordingly.</a:t>
+            </a:r>
+          </a:p>
+        </p:txBody>
+      </p:sp>
+      <p:pic>
+        <p:nvPicPr>
+          <p:cNvPr id="5" name="Picture 4">
+            <a:extLst>
+              <a:ext uri="{FF2B5EF4-FFF2-40B4-BE49-F238E27FC236}">
+                <a16:creationId xmlns:a16="http://schemas.microsoft.com/office/drawing/2014/main" id="{106832C7-E290-41FC-AED2-716D22FB6ED1}"/>
+              </a:ext>
+            </a:extLst>
+          </p:cNvPr>
+          <p:cNvPicPr>
+            <a:picLocks noChangeAspect="1"/>
+          </p:cNvPicPr>
+          <p:nvPr/>
+        </p:nvPicPr>
+        <p:blipFill rotWithShape="1">
+          <a:blip r:embed="rId2"/>
+          <a:srcRect l="20690" t="7041" r="20875" b="6017"/>
+          <a:stretch/>
+        </p:blipFill>
+        <p:spPr>
+          <a:xfrm>
+            <a:off x="9024729" y="2249487"/>
+            <a:ext cx="2258170" cy="2239849"/>
+          </a:xfrm>
+          <a:prstGeom prst="rect">
+            <a:avLst/>
+          </a:prstGeom>
+          <a:ln>
+            <a:noFill/>
+          </a:ln>
+          <a:effectLst>
+            <a:outerShdw blurRad="292100" dist="139700" dir="2700000" algn="tl" rotWithShape="0">
+              <a:srgbClr val="333333">
+                <a:alpha val="65000"/>
+              </a:srgbClr>
+            </a:outerShdw>
+          </a:effectLst>
+        </p:spPr>
+      </p:pic>
+      <p:pic>
+        <p:nvPicPr>
+          <p:cNvPr id="6" name="Picture 5">
+            <a:extLst>
+              <a:ext uri="{FF2B5EF4-FFF2-40B4-BE49-F238E27FC236}">
+                <a16:creationId xmlns:a16="http://schemas.microsoft.com/office/drawing/2014/main" id="{2FC46D98-1592-D7EE-EA1C-AEC0C6F625C1}"/>
+              </a:ext>
+            </a:extLst>
+          </p:cNvPr>
+          <p:cNvPicPr>
+            <a:picLocks noChangeAspect="1"/>
+          </p:cNvPicPr>
+          <p:nvPr/>
+        </p:nvPicPr>
+        <p:blipFill>
+          <a:blip r:embed="rId3"/>
+          <a:stretch>
+            <a:fillRect/>
+          </a:stretch>
+        </p:blipFill>
+        <p:spPr>
+          <a:xfrm>
+            <a:off x="5860111" y="4786684"/>
+            <a:ext cx="2337684" cy="1753263"/>
+          </a:xfrm>
+          <a:prstGeom prst="roundRect">
+            <a:avLst>
+              <a:gd name="adj" fmla="val 16667"/>
+            </a:avLst>
+          </a:prstGeom>
+          <a:ln>
+            <a:noFill/>
+          </a:ln>
+          <a:effectLst>
+            <a:outerShdw blurRad="76200" dist="38100" dir="7800000" algn="tl" rotWithShape="0">
+              <a:srgbClr val="000000">
+                <a:alpha val="40000"/>
+              </a:srgbClr>
+            </a:outerShdw>
+          </a:effectLst>
+          <a:scene3d>
+            <a:camera prst="orthographicFront"/>
+            <a:lightRig rig="contrasting" dir="t">
+              <a:rot lat="0" lon="0" rev="4200000"/>
+            </a:lightRig>
+          </a:scene3d>
+          <a:sp3d prstMaterial="plastic">
+            <a:bevelT w="381000" h="114300" prst="relaxedInset"/>
+            <a:contourClr>
+              <a:srgbClr val="969696"/>
+            </a:contourClr>
+          </a:sp3d>
+        </p:spPr>
+      </p:pic>
+      <p:sp>
+        <p:nvSpPr>
+          <p:cNvPr id="9" name="Title 1">
+            <a:extLst>
+              <a:ext uri="{FF2B5EF4-FFF2-40B4-BE49-F238E27FC236}">
+                <a16:creationId xmlns:a16="http://schemas.microsoft.com/office/drawing/2014/main" id="{AF28E04F-8B3E-D1CD-ED32-2FB0DF8BE744}"/>
+              </a:ext>
+            </a:extLst>
+          </p:cNvPr>
+          <p:cNvSpPr txBox="1">
+            <a:spLocks/>
+          </p:cNvSpPr>
+          <p:nvPr/>
+        </p:nvSpPr>
+        <p:spPr>
+          <a:xfrm>
+            <a:off x="1141413" y="556569"/>
+            <a:ext cx="9905998" cy="1191910"/>
+          </a:xfrm>
+          <a:prstGeom prst="rect">
+            <a:avLst/>
+          </a:prstGeom>
+        </p:spPr>
+        <p:txBody>
+          <a:bodyPr vert="horz" lIns="91440" tIns="45720" rIns="91440" bIns="45720" rtlCol="0" anchor="ctr">
+            <a:normAutofit fontScale="90000" lnSpcReduction="10000"/>
+          </a:bodyPr>
+          <a:lstStyle>
+            <a:lvl1pPr algn="l" defTabSz="914400" rtl="0" eaLnBrk="1" latinLnBrk="0" hangingPunct="1">
+              <a:lnSpc>
+                <a:spcPct val="90000"/>
+              </a:lnSpc>
+              <a:spcBef>
+                <a:spcPct val="0"/>
+              </a:spcBef>
+              <a:buNone/>
+              <a:defRPr sz="3600" kern="1200" cap="all" baseline="0">
+                <a:solidFill>
+                  <a:schemeClr val="tx1"/>
+                </a:solidFill>
+                <a:latin typeface="+mj-lt"/>
+                <a:ea typeface="+mj-ea"/>
+                <a:cs typeface="+mj-cs"/>
+              </a:defRPr>
+            </a:lvl1pPr>
+          </a:lstStyle>
+          <a:p>
+            <a:r>
+              <a:rPr lang="en-GB" dirty="0">
+                <a:solidFill>
+                  <a:sysClr val="windowText" lastClr="000000"/>
+                </a:solidFill>
+              </a:rPr>
+              <a:t>Something non-technical that you learned during the project</a:t>
+            </a:r>
+            <a:br>
+              <a:rPr lang="en-GB" dirty="0">
+                <a:solidFill>
+                  <a:sysClr val="windowText" lastClr="000000"/>
+                </a:solidFill>
+              </a:rPr>
+            </a:br>
+            <a:r>
+              <a:rPr lang="en-GB" sz="2000" b="1" dirty="0">
+                <a:solidFill>
+                  <a:schemeClr val="accent2">
+                    <a:lumMod val="75000"/>
+                  </a:schemeClr>
+                </a:solidFill>
+                <a:latin typeface="Calibri" panose="020F0502020204030204" pitchFamily="34" charset="0"/>
+                <a:ea typeface="Calibri" panose="020F0502020204030204" pitchFamily="34" charset="0"/>
+                <a:cs typeface="Times New Roman" panose="02020603050405020304" pitchFamily="18" charset="0"/>
+              </a:rPr>
+              <a:t>Amrit pal Singh</a:t>
+            </a:r>
+            <a:endParaRPr lang="en-GB" b="1" dirty="0">
+              <a:solidFill>
+                <a:schemeClr val="accent2">
+                  <a:lumMod val="75000"/>
+                </a:schemeClr>
+              </a:solidFill>
+            </a:endParaRPr>
+          </a:p>
+        </p:txBody>
+      </p:sp>
+    </p:spTree>
+    <p:extLst>
+      <p:ext uri="{BB962C8B-B14F-4D97-AF65-F5344CB8AC3E}">
+        <p14:creationId xmlns:p14="http://schemas.microsoft.com/office/powerpoint/2010/main" val="2314961581"/>
+      </p:ext>
+    </p:extLst>
+  </p:cSld>
+  <p:clrMapOvr>
+    <a:masterClrMapping/>
+  </p:clrMapOvr>
+</p:sld>
+</file>
+
+<file path=ppt/slides/slide12.xml><?xml version="1.0" encoding="utf-8"?>
+<p:sld xmlns:a="http://schemas.openxmlformats.org/drawingml/2006/main" xmlns:r="http://schemas.openxmlformats.org/officeDocument/2006/relationships" xmlns:p="http://schemas.openxmlformats.org/presentationml/2006/main">
+  <p:cSld>
+    <p:spTree>
+      <p:nvGrpSpPr>
+        <p:cNvPr id="1" name=""/>
+        <p:cNvGrpSpPr/>
+        <p:nvPr/>
+      </p:nvGrpSpPr>
+      <p:grpSpPr>
+        <a:xfrm>
+          <a:off x="0" y="0"/>
+          <a:ext cx="0" cy="0"/>
+          <a:chOff x="0" y="0"/>
+          <a:chExt cx="0" cy="0"/>
+        </a:xfrm>
+      </p:grpSpPr>
+      <p:sp>
+        <p:nvSpPr>
+          <p:cNvPr id="2" name="Title 1">
+            <a:extLst>
+              <a:ext uri="{FF2B5EF4-FFF2-40B4-BE49-F238E27FC236}">
+                <a16:creationId xmlns:a16="http://schemas.microsoft.com/office/drawing/2014/main" id="{E8B32B34-2EB6-4279-8CE3-AABDACBCD949}"/>
+              </a:ext>
+            </a:extLst>
+          </p:cNvPr>
+          <p:cNvSpPr>
+            <a:spLocks noGrp="1"/>
+          </p:cNvSpPr>
+          <p:nvPr>
+            <p:ph type="ctrTitle"/>
+          </p:nvPr>
+        </p:nvSpPr>
+        <p:spPr/>
+        <p:txBody>
+          <a:bodyPr/>
+          <a:lstStyle/>
+          <a:p>
+            <a:pPr algn="ctr"/>
+            <a:r>
+              <a:rPr lang="en-GB" dirty="0">
+                <a:solidFill>
+                  <a:schemeClr val="bg1"/>
+                </a:solidFill>
+                <a:latin typeface="Rockwell" panose="02060603020205020403" pitchFamily="18" charset="0"/>
+              </a:rPr>
+              <a:t>Taking it Further</a:t>
+            </a:r>
+          </a:p>
+        </p:txBody>
+      </p:sp>
+      <p:sp>
+        <p:nvSpPr>
+          <p:cNvPr id="3" name="Subtitle 2">
+            <a:extLst>
+              <a:ext uri="{FF2B5EF4-FFF2-40B4-BE49-F238E27FC236}">
+                <a16:creationId xmlns:a16="http://schemas.microsoft.com/office/drawing/2014/main" id="{DDCB118B-6BFA-4438-B926-C128F78444B4}"/>
+              </a:ext>
+            </a:extLst>
+          </p:cNvPr>
+          <p:cNvSpPr>
+            <a:spLocks noGrp="1"/>
+          </p:cNvSpPr>
+          <p:nvPr>
+            <p:ph type="subTitle" idx="1"/>
+          </p:nvPr>
+        </p:nvSpPr>
+        <p:spPr/>
+        <p:txBody>
+          <a:bodyPr/>
+          <a:lstStyle/>
+          <a:p>
+            <a:pPr algn="ctr"/>
+            <a:r>
+              <a:rPr lang="en-GB" dirty="0">
+                <a:solidFill>
+                  <a:schemeClr val="bg1"/>
+                </a:solidFill>
+                <a:latin typeface="+mj-lt"/>
+              </a:rPr>
+              <a:t>Ellie Palmer, Group 04-C</a:t>
+            </a:r>
+          </a:p>
+        </p:txBody>
+      </p:sp>
+    </p:spTree>
+    <p:extLst>
+      <p:ext uri="{BB962C8B-B14F-4D97-AF65-F5344CB8AC3E}">
+        <p14:creationId xmlns:p14="http://schemas.microsoft.com/office/powerpoint/2010/main" val="1373447447"/>
+      </p:ext>
+    </p:extLst>
+  </p:cSld>
+  <p:clrMapOvr>
+    <a:masterClrMapping/>
+  </p:clrMapOvr>
+</p:sld>
+</file>
+
+<file path=ppt/slides/slide13.xml><?xml version="1.0" encoding="utf-8"?>
+<p:sld xmlns:a="http://schemas.openxmlformats.org/drawingml/2006/main" xmlns:r="http://schemas.openxmlformats.org/officeDocument/2006/relationships" xmlns:p="http://schemas.openxmlformats.org/presentationml/2006/main">
+  <p:cSld>
+    <p:spTree>
+      <p:nvGrpSpPr>
+        <p:cNvPr id="1" name=""/>
+        <p:cNvGrpSpPr/>
+        <p:nvPr/>
+      </p:nvGrpSpPr>
+      <p:grpSpPr>
+        <a:xfrm>
+          <a:off x="0" y="0"/>
+          <a:ext cx="0" cy="0"/>
+          <a:chOff x="0" y="0"/>
+          <a:chExt cx="0" cy="0"/>
+        </a:xfrm>
+      </p:grpSpPr>
+      <p:sp>
+        <p:nvSpPr>
+          <p:cNvPr id="2" name="Title 1">
+            <a:extLst>
+              <a:ext uri="{FF2B5EF4-FFF2-40B4-BE49-F238E27FC236}">
+                <a16:creationId xmlns:a16="http://schemas.microsoft.com/office/drawing/2014/main" id="{42D4FD7B-3407-4D55-A5C7-AB241DD11C09}"/>
+              </a:ext>
+            </a:extLst>
+          </p:cNvPr>
+          <p:cNvSpPr>
+            <a:spLocks noGrp="1"/>
+          </p:cNvSpPr>
+          <p:nvPr>
+            <p:ph type="title"/>
+          </p:nvPr>
+        </p:nvSpPr>
+        <p:spPr/>
+        <p:txBody>
+          <a:bodyPr/>
+          <a:lstStyle/>
+          <a:p>
+            <a:r>
+              <a:rPr lang="en-GB" dirty="0">
+                <a:solidFill>
+                  <a:schemeClr val="bg1"/>
+                </a:solidFill>
+                <a:latin typeface="+mn-lt"/>
+              </a:rPr>
+              <a:t>Possibilities for Expansion:</a:t>
+            </a:r>
+          </a:p>
+        </p:txBody>
+      </p:sp>
+      <p:sp>
+        <p:nvSpPr>
+          <p:cNvPr id="3" name="Content Placeholder 2">
+            <a:extLst>
+              <a:ext uri="{FF2B5EF4-FFF2-40B4-BE49-F238E27FC236}">
+                <a16:creationId xmlns:a16="http://schemas.microsoft.com/office/drawing/2014/main" id="{5D3F981E-7EEF-4362-8A4B-44D1BDB5D13E}"/>
+              </a:ext>
+            </a:extLst>
+          </p:cNvPr>
+          <p:cNvSpPr>
+            <a:spLocks noGrp="1"/>
+          </p:cNvSpPr>
+          <p:nvPr>
+            <p:ph idx="1"/>
+          </p:nvPr>
+        </p:nvSpPr>
+        <p:spPr>
+          <a:xfrm>
+            <a:off x="1141412" y="2249487"/>
+            <a:ext cx="9905999" cy="2117240"/>
+          </a:xfrm>
+        </p:spPr>
+        <p:txBody>
+          <a:bodyPr>
+            <a:normAutofit/>
+          </a:bodyPr>
+          <a:lstStyle/>
+          <a:p>
+            <a:r>
+              <a:rPr lang="en-GB" dirty="0">
+                <a:solidFill>
+                  <a:schemeClr val="bg1"/>
+                </a:solidFill>
+                <a:latin typeface="Rockwell" panose="02060603020205020403" pitchFamily="18" charset="0"/>
+              </a:rPr>
+              <a:t>Details and fine-tuning for authenticity</a:t>
+            </a:r>
+          </a:p>
+          <a:p>
+            <a:r>
+              <a:rPr lang="en-GB" dirty="0">
+                <a:solidFill>
+                  <a:schemeClr val="bg1"/>
+                </a:solidFill>
+                <a:latin typeface="Rockwell" panose="02060603020205020403" pitchFamily="18" charset="0"/>
+              </a:rPr>
+              <a:t>Evaluating previous features to include or rework into project</a:t>
+            </a:r>
+          </a:p>
+          <a:p>
+            <a:r>
+              <a:rPr lang="en-GB" dirty="0">
+                <a:solidFill>
+                  <a:schemeClr val="bg1"/>
+                </a:solidFill>
+                <a:latin typeface="Rockwell" panose="02060603020205020403" pitchFamily="18" charset="0"/>
+              </a:rPr>
+              <a:t>Work on debugging any possible problems that could arise after release</a:t>
+            </a:r>
+          </a:p>
+        </p:txBody>
+      </p:sp>
+      <p:sp>
+        <p:nvSpPr>
+          <p:cNvPr id="4" name="TextBox 3">
+            <a:extLst>
+              <a:ext uri="{FF2B5EF4-FFF2-40B4-BE49-F238E27FC236}">
+                <a16:creationId xmlns:a16="http://schemas.microsoft.com/office/drawing/2014/main" id="{581D1E1F-AFE7-C21D-BF22-C7D7B91267AA}"/>
+              </a:ext>
+            </a:extLst>
+          </p:cNvPr>
+          <p:cNvSpPr txBox="1"/>
+          <p:nvPr/>
+        </p:nvSpPr>
+        <p:spPr>
+          <a:xfrm>
+            <a:off x="1141412" y="4760913"/>
+            <a:ext cx="9905998" cy="939809"/>
+          </a:xfrm>
+          <a:prstGeom prst="rect">
+            <a:avLst/>
+          </a:prstGeom>
+          <a:noFill/>
+        </p:spPr>
+        <p:txBody>
+          <a:bodyPr wrap="square" rtlCol="0">
+            <a:spAutoFit/>
+          </a:bodyPr>
+          <a:lstStyle/>
+          <a:p>
+            <a:pPr marL="234000" indent="-234000">
+              <a:lnSpc>
+                <a:spcPct val="120000"/>
+              </a:lnSpc>
+              <a:spcBef>
+                <a:spcPts val="1200"/>
+              </a:spcBef>
+              <a:buSzPct val="125000"/>
+              <a:buFont typeface="Arial" panose="020B0604020202020204" pitchFamily="34" charset="0"/>
+              <a:buChar char="•"/>
+            </a:pPr>
+            <a:r>
+              <a:rPr lang="en-GB" sz="2400" dirty="0">
+                <a:solidFill>
+                  <a:schemeClr val="bg1"/>
+                </a:solidFill>
+                <a:latin typeface="Rockwell" panose="02060603020205020403" pitchFamily="18" charset="0"/>
+              </a:rPr>
+              <a:t>Before any other additions, user feedback must be taken into consideration throughout the implementation </a:t>
+            </a:r>
+            <a:r>
+              <a:rPr lang="en-GB" sz="2400" dirty="0">
+                <a:latin typeface="Rockwell" panose="02060603020205020403" pitchFamily="18" charset="0"/>
+              </a:rPr>
+              <a:t>process</a:t>
+            </a:r>
+          </a:p>
+        </p:txBody>
+      </p:sp>
+    </p:spTree>
+    <p:extLst>
+      <p:ext uri="{BB962C8B-B14F-4D97-AF65-F5344CB8AC3E}">
+        <p14:creationId xmlns:p14="http://schemas.microsoft.com/office/powerpoint/2010/main" val="415871177"/>
+      </p:ext>
+    </p:extLst>
+  </p:cSld>
+  <p:clrMapOvr>
+    <a:masterClrMapping/>
+  </p:clrMapOvr>
+</p:sld>
+</file>
+
+<file path=ppt/slides/slide14.xml><?xml version="1.0" encoding="utf-8"?>
+<p:sld xmlns:a="http://schemas.openxmlformats.org/drawingml/2006/main" xmlns:r="http://schemas.openxmlformats.org/officeDocument/2006/relationships" xmlns:p="http://schemas.openxmlformats.org/presentationml/2006/main">
+  <p:cSld>
+    <p:spTree>
+      <p:nvGrpSpPr>
+        <p:cNvPr id="1" name=""/>
+        <p:cNvGrpSpPr/>
+        <p:nvPr/>
+      </p:nvGrpSpPr>
+      <p:grpSpPr>
+        <a:xfrm>
+          <a:off x="0" y="0"/>
+          <a:ext cx="0" cy="0"/>
+          <a:chOff x="0" y="0"/>
+          <a:chExt cx="0" cy="0"/>
+        </a:xfrm>
+      </p:grpSpPr>
+      <p:sp>
+        <p:nvSpPr>
+          <p:cNvPr id="2" name="Title 1">
+            <a:extLst>
+              <a:ext uri="{FF2B5EF4-FFF2-40B4-BE49-F238E27FC236}">
+                <a16:creationId xmlns:a16="http://schemas.microsoft.com/office/drawing/2014/main" id="{AED5999C-16E5-A4A2-F6B0-5CDA5BA8086B}"/>
+              </a:ext>
+            </a:extLst>
+          </p:cNvPr>
+          <p:cNvSpPr>
+            <a:spLocks noGrp="1"/>
+          </p:cNvSpPr>
+          <p:nvPr>
+            <p:ph type="title"/>
+          </p:nvPr>
+        </p:nvSpPr>
+        <p:spPr/>
+        <p:txBody>
+          <a:bodyPr/>
+          <a:lstStyle/>
+          <a:p>
+            <a:r>
+              <a:rPr lang="en-GB" dirty="0">
+                <a:solidFill>
+                  <a:schemeClr val="bg1"/>
+                </a:solidFill>
+              </a:rPr>
+              <a:t>User Feedback</a:t>
+            </a:r>
+          </a:p>
+        </p:txBody>
+      </p:sp>
+      <p:sp>
+        <p:nvSpPr>
+          <p:cNvPr id="3" name="Content Placeholder 2">
+            <a:extLst>
+              <a:ext uri="{FF2B5EF4-FFF2-40B4-BE49-F238E27FC236}">
+                <a16:creationId xmlns:a16="http://schemas.microsoft.com/office/drawing/2014/main" id="{E1990928-6BBD-811E-DD3B-DB41C7C9A7CF}"/>
+              </a:ext>
+            </a:extLst>
+          </p:cNvPr>
+          <p:cNvSpPr>
+            <a:spLocks noGrp="1"/>
+          </p:cNvSpPr>
+          <p:nvPr>
+            <p:ph idx="1"/>
+          </p:nvPr>
+        </p:nvSpPr>
+        <p:spPr/>
+        <p:txBody>
+          <a:bodyPr>
+            <a:normAutofit lnSpcReduction="10000"/>
+          </a:bodyPr>
+          <a:lstStyle/>
+          <a:p>
+            <a:r>
+              <a:rPr lang="en-GB" dirty="0">
+                <a:solidFill>
+                  <a:schemeClr val="bg1"/>
+                </a:solidFill>
+                <a:latin typeface="Rockwell" panose="02060603020205020403" pitchFamily="18" charset="0"/>
+              </a:rPr>
+              <a:t>Can be used for finding bugs and learning where to improve</a:t>
+            </a:r>
+          </a:p>
+          <a:p>
+            <a:r>
+              <a:rPr lang="en-GB" dirty="0">
+                <a:solidFill>
+                  <a:schemeClr val="bg1"/>
+                </a:solidFill>
+                <a:latin typeface="Rockwell" panose="02060603020205020403" pitchFamily="18" charset="0"/>
+              </a:rPr>
+              <a:t>Bug reporting feature or contact information</a:t>
+            </a:r>
+          </a:p>
+          <a:p>
+            <a:endParaRPr lang="en-GB" dirty="0">
+              <a:solidFill>
+                <a:schemeClr val="bg1"/>
+              </a:solidFill>
+              <a:latin typeface="Rockwell" panose="02060603020205020403" pitchFamily="18" charset="0"/>
+            </a:endParaRPr>
+          </a:p>
+          <a:p>
+            <a:r>
+              <a:rPr lang="en-GB" dirty="0">
+                <a:solidFill>
+                  <a:schemeClr val="bg1"/>
+                </a:solidFill>
+                <a:latin typeface="Rockwell" panose="02060603020205020403" pitchFamily="18" charset="0"/>
+              </a:rPr>
+              <a:t>Design features that are needing the most improvement will be improved first</a:t>
+            </a:r>
+          </a:p>
+          <a:p>
+            <a:r>
+              <a:rPr lang="en-GB" dirty="0">
+                <a:solidFill>
+                  <a:schemeClr val="bg1"/>
+                </a:solidFill>
+                <a:latin typeface="Rockwell" panose="02060603020205020403" pitchFamily="18" charset="0"/>
+              </a:rPr>
+              <a:t>Features to pick and add to will be decided primarily based on user feedback</a:t>
+            </a:r>
+          </a:p>
+        </p:txBody>
+      </p:sp>
+    </p:spTree>
+    <p:extLst>
+      <p:ext uri="{BB962C8B-B14F-4D97-AF65-F5344CB8AC3E}">
+        <p14:creationId xmlns:p14="http://schemas.microsoft.com/office/powerpoint/2010/main" val="947078580"/>
+      </p:ext>
+    </p:extLst>
+  </p:cSld>
+  <p:clrMapOvr>
+    <a:masterClrMapping/>
+  </p:clrMapOvr>
+</p:sld>
+</file>
+
+<file path=ppt/slides/slide15.xml><?xml version="1.0" encoding="utf-8"?>
+<p:sld xmlns:a="http://schemas.openxmlformats.org/drawingml/2006/main" xmlns:r="http://schemas.openxmlformats.org/officeDocument/2006/relationships" xmlns:p="http://schemas.openxmlformats.org/presentationml/2006/main">
+  <p:cSld>
+    <p:spTree>
+      <p:nvGrpSpPr>
+        <p:cNvPr id="1" name=""/>
+        <p:cNvGrpSpPr/>
+        <p:nvPr/>
+      </p:nvGrpSpPr>
+      <p:grpSpPr>
+        <a:xfrm>
+          <a:off x="0" y="0"/>
+          <a:ext cx="0" cy="0"/>
+          <a:chOff x="0" y="0"/>
+          <a:chExt cx="0" cy="0"/>
+        </a:xfrm>
+      </p:grpSpPr>
+      <p:sp>
+        <p:nvSpPr>
+          <p:cNvPr id="2" name="Title 1">
+            <a:extLst>
+              <a:ext uri="{FF2B5EF4-FFF2-40B4-BE49-F238E27FC236}">
+                <a16:creationId xmlns:a16="http://schemas.microsoft.com/office/drawing/2014/main" id="{5BC2DC24-E0BE-7CC8-E493-56DD78799004}"/>
+              </a:ext>
+            </a:extLst>
+          </p:cNvPr>
+          <p:cNvSpPr>
+            <a:spLocks noGrp="1"/>
+          </p:cNvSpPr>
+          <p:nvPr>
+            <p:ph type="title"/>
+          </p:nvPr>
+        </p:nvSpPr>
+        <p:spPr/>
+        <p:txBody>
+          <a:bodyPr/>
+          <a:lstStyle/>
+          <a:p>
+            <a:r>
+              <a:rPr lang="en-GB" dirty="0">
+                <a:solidFill>
+                  <a:schemeClr val="bg1"/>
+                </a:solidFill>
+                <a:latin typeface="+mn-lt"/>
+              </a:rPr>
+              <a:t>Examples of features to implement: </a:t>
+            </a:r>
+          </a:p>
+        </p:txBody>
+      </p:sp>
+      <p:sp>
+        <p:nvSpPr>
+          <p:cNvPr id="3" name="Content Placeholder 2">
+            <a:extLst>
+              <a:ext uri="{FF2B5EF4-FFF2-40B4-BE49-F238E27FC236}">
+                <a16:creationId xmlns:a16="http://schemas.microsoft.com/office/drawing/2014/main" id="{C1025DB8-32AF-4BED-E696-BB031FA192B9}"/>
+              </a:ext>
+            </a:extLst>
+          </p:cNvPr>
+          <p:cNvSpPr>
+            <a:spLocks noGrp="1"/>
+          </p:cNvSpPr>
+          <p:nvPr>
+            <p:ph idx="1"/>
+          </p:nvPr>
+        </p:nvSpPr>
+        <p:spPr/>
+        <p:txBody>
+          <a:bodyPr/>
+          <a:lstStyle/>
+          <a:p>
+            <a:r>
+              <a:rPr lang="en-GB" dirty="0">
+                <a:solidFill>
+                  <a:schemeClr val="bg1"/>
+                </a:solidFill>
+                <a:latin typeface="Rockwell" panose="02060603020205020403" pitchFamily="18" charset="0"/>
+              </a:rPr>
+              <a:t>Pixel art of different places across campus that display according to the user’s activity, e.g. the Library for studying.</a:t>
+            </a:r>
+          </a:p>
+          <a:p>
+            <a:r>
+              <a:rPr lang="en-GB" dirty="0">
+                <a:solidFill>
+                  <a:schemeClr val="bg1"/>
+                </a:solidFill>
+                <a:latin typeface="Rockwell" panose="02060603020205020403" pitchFamily="18" charset="0"/>
+              </a:rPr>
+              <a:t>Description of the simulator and designer information (such as contact details) on the splash screen.</a:t>
+            </a:r>
+          </a:p>
+          <a:p>
+            <a:r>
+              <a:rPr lang="en-GB" dirty="0">
+                <a:solidFill>
+                  <a:schemeClr val="bg1"/>
+                </a:solidFill>
+                <a:latin typeface="Rockwell" panose="02060603020205020403" pitchFamily="18" charset="0"/>
+              </a:rPr>
+              <a:t>Choice of using colours or grayscale themes to assist people with optical or other disabilities.</a:t>
+            </a:r>
+          </a:p>
+        </p:txBody>
+      </p:sp>
+    </p:spTree>
+    <p:extLst>
+      <p:ext uri="{BB962C8B-B14F-4D97-AF65-F5344CB8AC3E}">
+        <p14:creationId xmlns:p14="http://schemas.microsoft.com/office/powerpoint/2010/main" val="2135596264"/>
+      </p:ext>
+    </p:extLst>
+  </p:cSld>
+  <p:clrMapOvr>
+    <a:masterClrMapping/>
+  </p:clrMapOvr>
+</p:sld>
+</file>
+
+<file path=ppt/slides/slide16.xml><?xml version="1.0" encoding="utf-8"?>
+<p:sld xmlns:a="http://schemas.openxmlformats.org/drawingml/2006/main" xmlns:r="http://schemas.openxmlformats.org/officeDocument/2006/relationships" xmlns:p="http://schemas.openxmlformats.org/presentationml/2006/main">
+  <p:cSld>
+    <p:spTree>
+      <p:nvGrpSpPr>
+        <p:cNvPr id="1" name=""/>
+        <p:cNvGrpSpPr/>
+        <p:nvPr/>
+      </p:nvGrpSpPr>
+      <p:grpSpPr>
+        <a:xfrm>
+          <a:off x="0" y="0"/>
+          <a:ext cx="0" cy="0"/>
+          <a:chOff x="0" y="0"/>
+          <a:chExt cx="0" cy="0"/>
+        </a:xfrm>
+      </p:grpSpPr>
+      <p:sp>
+        <p:nvSpPr>
+          <p:cNvPr id="2" name="Title 1">
+            <a:extLst>
+              <a:ext uri="{FF2B5EF4-FFF2-40B4-BE49-F238E27FC236}">
+                <a16:creationId xmlns:a16="http://schemas.microsoft.com/office/drawing/2014/main" id="{C21503F7-58F3-78D7-2A64-F5F925ACF31B}"/>
+              </a:ext>
+            </a:extLst>
+          </p:cNvPr>
+          <p:cNvSpPr>
+            <a:spLocks noGrp="1"/>
+          </p:cNvSpPr>
+          <p:nvPr>
+            <p:ph type="ctrTitle"/>
+          </p:nvPr>
+        </p:nvSpPr>
+        <p:spPr>
+          <a:xfrm>
+            <a:off x="1524000" y="3012961"/>
+            <a:ext cx="9144000" cy="832077"/>
+          </a:xfrm>
+        </p:spPr>
+        <p:txBody>
+          <a:bodyPr>
+            <a:normAutofit/>
+          </a:bodyPr>
+          <a:lstStyle/>
+          <a:p>
+            <a:r>
+              <a:rPr lang="en-US" sz="4000" dirty="0"/>
+              <a:t>Overview of the purpose of the project.</a:t>
+            </a:r>
+          </a:p>
+        </p:txBody>
+      </p:sp>
+    </p:spTree>
+    <p:extLst>
+      <p:ext uri="{BB962C8B-B14F-4D97-AF65-F5344CB8AC3E}">
+        <p14:creationId xmlns:p14="http://schemas.microsoft.com/office/powerpoint/2010/main" val="1621100686"/>
+      </p:ext>
+    </p:extLst>
+  </p:cSld>
+  <p:clrMapOvr>
+    <a:masterClrMapping/>
+  </p:clrMapOvr>
+</p:sld>
+</file>
+
+<file path=ppt/slides/slide17.xml><?xml version="1.0" encoding="utf-8"?>
+<p:sld xmlns:a="http://schemas.openxmlformats.org/drawingml/2006/main" xmlns:r="http://schemas.openxmlformats.org/officeDocument/2006/relationships" xmlns:p="http://schemas.openxmlformats.org/presentationml/2006/main">
+  <p:cSld>
+    <p:bg>
+      <p:bgPr>
+        <a:solidFill>
+          <a:schemeClr val="bg1"/>
+        </a:solidFill>
+        <a:effectLst/>
+      </p:bgPr>
+    </p:bg>
+    <p:spTree>
+      <p:nvGrpSpPr>
+        <p:cNvPr id="1" name=""/>
+        <p:cNvGrpSpPr/>
+        <p:nvPr/>
+      </p:nvGrpSpPr>
+      <p:grpSpPr>
+        <a:xfrm>
+          <a:off x="0" y="0"/>
+          <a:ext cx="0" cy="0"/>
+          <a:chOff x="0" y="0"/>
+          <a:chExt cx="0" cy="0"/>
+        </a:xfrm>
+      </p:grpSpPr>
+      <p:sp>
+        <p:nvSpPr>
+          <p:cNvPr id="8" name="Rectangle 7">
+            <a:extLst>
+              <a:ext uri="{FF2B5EF4-FFF2-40B4-BE49-F238E27FC236}">
+                <a16:creationId xmlns:a16="http://schemas.microsoft.com/office/drawing/2014/main" id="{2B566528-1B12-4246-9431-5C2D7D081168}"/>
+              </a:ext>
+              <a:ext uri="{C183D7F6-B498-43B3-948B-1728B52AA6E4}">
+                <adec:decorative xmlns:adec="http://schemas.microsoft.com/office/drawing/2017/decorative" val="1"/>
+              </a:ext>
+            </a:extLst>
+          </p:cNvPr>
+          <p:cNvSpPr>
+            <a:spLocks noGrp="1" noRot="1" noChangeAspect="1" noMove="1" noResize="1" noEditPoints="1" noAdjustHandles="1" noChangeArrowheads="1" noChangeShapeType="1" noTextEdit="1"/>
+          </p:cNvSpPr>
+          <p:nvPr>
+            <p:extLst>
+              <p:ext uri="{386F3935-93C4-4BCD-93E2-E3B085C9AB24}">
+                <p16:designElem xmlns:p16="http://schemas.microsoft.com/office/powerpoint/2015/main" val="1"/>
+              </p:ext>
+            </p:extLst>
+          </p:nvPr>
+        </p:nvSpPr>
+        <p:spPr>
+          <a:xfrm>
+            <a:off x="0" y="0"/>
+            <a:ext cx="12192000" cy="6858000"/>
+          </a:xfrm>
+          <a:prstGeom prst="rect">
+            <a:avLst/>
+          </a:prstGeom>
+          <a:solidFill>
+            <a:schemeClr val="bg1"/>
+          </a:solidFill>
+          <a:ln>
+            <a:noFill/>
+          </a:ln>
+        </p:spPr>
+        <p:style>
+          <a:lnRef idx="2">
+            <a:schemeClr val="accent1">
+              <a:shade val="50000"/>
+            </a:schemeClr>
+          </a:lnRef>
+          <a:fillRef idx="1">
+            <a:schemeClr val="accent1"/>
+          </a:fillRef>
+          <a:effectRef idx="0">
+            <a:schemeClr val="accent1"/>
+          </a:effectRef>
+          <a:fontRef idx="minor">
+            <a:schemeClr val="lt1"/>
+          </a:fontRef>
+        </p:style>
+        <p:txBody>
+          <a:bodyPr rtlCol="0" anchor="ctr"/>
+          <a:lstStyle/>
+          <a:p>
+            <a:pPr marL="0" marR="0" lvl="0" indent="0" algn="ctr" defTabSz="914400" rtl="0" eaLnBrk="1" fontAlgn="auto" latinLnBrk="0" hangingPunct="1">
+              <a:lnSpc>
+                <a:spcPct val="100000"/>
+              </a:lnSpc>
+              <a:spcBef>
+                <a:spcPts val="0"/>
+              </a:spcBef>
+              <a:spcAft>
+                <a:spcPts val="0"/>
+              </a:spcAft>
+              <a:buClrTx/>
+              <a:buSzTx/>
+              <a:buFontTx/>
+              <a:buNone/>
+              <a:tabLst/>
+              <a:defRPr/>
+            </a:pPr>
+            <a:endParaRPr kumimoji="0" lang="en-US" sz="1800" b="0" i="0" u="none" strike="noStrike" kern="1200" cap="none" spc="0" normalizeH="0" baseline="0" noProof="0" dirty="0">
+              <a:ln>
+                <a:noFill/>
+              </a:ln>
+              <a:solidFill>
+                <a:prstClr val="white"/>
+              </a:solidFill>
+              <a:effectLst/>
+              <a:uLnTx/>
+              <a:uFillTx/>
+              <a:latin typeface="Calibri" panose="020F0502020204030204"/>
+              <a:ea typeface="+mn-ea"/>
+              <a:cs typeface="+mn-cs"/>
+            </a:endParaRPr>
+          </a:p>
+        </p:txBody>
+      </p:sp>
+      <p:sp>
+        <p:nvSpPr>
+          <p:cNvPr id="23" name="Content Placeholder 2">
+            <a:extLst>
+              <a:ext uri="{FF2B5EF4-FFF2-40B4-BE49-F238E27FC236}">
+                <a16:creationId xmlns:a16="http://schemas.microsoft.com/office/drawing/2014/main" id="{EDE59BC9-370D-3228-991F-DF9C23A168EF}"/>
+              </a:ext>
+            </a:extLst>
+          </p:cNvPr>
+          <p:cNvSpPr>
+            <a:spLocks noGrp="1"/>
+          </p:cNvSpPr>
+          <p:nvPr>
+            <p:ph idx="1"/>
+          </p:nvPr>
+        </p:nvSpPr>
+        <p:spPr>
+          <a:xfrm>
+            <a:off x="643467" y="1782981"/>
+            <a:ext cx="10905066" cy="4393982"/>
+          </a:xfrm>
+        </p:spPr>
+        <p:txBody>
+          <a:bodyPr>
+            <a:normAutofit/>
+          </a:bodyPr>
+          <a:lstStyle/>
+          <a:p>
+            <a:r>
+              <a:rPr lang="en-US" sz="3200" dirty="0"/>
+              <a:t>Why was the project carried out?</a:t>
+            </a:r>
+          </a:p>
+          <a:p>
+            <a:r>
+              <a:rPr lang="en-US" sz="3200" dirty="0"/>
+              <a:t>What is the aim of the project?</a:t>
+            </a:r>
+          </a:p>
+        </p:txBody>
+      </p:sp>
+      <p:sp>
+        <p:nvSpPr>
+          <p:cNvPr id="10" name="Rectangle 9">
+            <a:extLst>
+              <a:ext uri="{FF2B5EF4-FFF2-40B4-BE49-F238E27FC236}">
+                <a16:creationId xmlns:a16="http://schemas.microsoft.com/office/drawing/2014/main" id="{2E80C965-DB6D-4F81-9E9E-B027384D0BD6}"/>
+              </a:ext>
+              <a:ext uri="{C183D7F6-B498-43B3-948B-1728B52AA6E4}">
+                <adec:decorative xmlns:adec="http://schemas.microsoft.com/office/drawing/2017/decorative" val="1"/>
+              </a:ext>
+            </a:extLst>
+          </p:cNvPr>
+          <p:cNvSpPr>
+            <a:spLocks noGrp="1" noRot="1" noChangeAspect="1" noMove="1" noResize="1" noEditPoints="1" noAdjustHandles="1" noChangeArrowheads="1" noChangeShapeType="1" noTextEdit="1"/>
+          </p:cNvSpPr>
+          <p:nvPr>
+            <p:extLst>
+              <p:ext uri="{386F3935-93C4-4BCD-93E2-E3B085C9AB24}">
+                <p16:designElem xmlns:p16="http://schemas.microsoft.com/office/powerpoint/2015/main" val="1"/>
+              </p:ext>
+            </p:extLst>
+          </p:nvPr>
+        </p:nvSpPr>
+        <p:spPr>
+          <a:xfrm rot="2700000">
+            <a:off x="11052629" y="2120024"/>
+            <a:ext cx="645368" cy="645368"/>
+          </a:xfrm>
+          <a:prstGeom prst="rect">
+            <a:avLst/>
+          </a:prstGeom>
+          <a:solidFill>
+            <a:schemeClr val="accent4">
+              <a:alpha val="30000"/>
+            </a:schemeClr>
+          </a:solidFill>
+          <a:ln>
+            <a:noFill/>
+          </a:ln>
+        </p:spPr>
+        <p:style>
+          <a:lnRef idx="2">
+            <a:schemeClr val="accent1">
+              <a:shade val="50000"/>
+            </a:schemeClr>
+          </a:lnRef>
+          <a:fillRef idx="1">
+            <a:schemeClr val="accent1"/>
+          </a:fillRef>
+          <a:effectRef idx="0">
+            <a:schemeClr val="accent1"/>
+          </a:effectRef>
+          <a:fontRef idx="minor">
+            <a:schemeClr val="lt1"/>
+          </a:fontRef>
+        </p:style>
+        <p:txBody>
+          <a:bodyPr rtlCol="0" anchor="ctr"/>
+          <a:lstStyle/>
+          <a:p>
+            <a:pPr marL="0" marR="0" lvl="0" indent="0" algn="ctr" defTabSz="914400" rtl="0" eaLnBrk="1" fontAlgn="auto" latinLnBrk="0" hangingPunct="1">
+              <a:lnSpc>
+                <a:spcPct val="100000"/>
+              </a:lnSpc>
+              <a:spcBef>
+                <a:spcPts val="0"/>
+              </a:spcBef>
+              <a:spcAft>
+                <a:spcPts val="0"/>
+              </a:spcAft>
+              <a:buClrTx/>
+              <a:buSzTx/>
+              <a:buFontTx/>
+              <a:buNone/>
+              <a:tabLst/>
+              <a:defRPr/>
+            </a:pPr>
+            <a:endParaRPr kumimoji="0" lang="en-US" sz="1800" b="0" i="0" u="none" strike="noStrike" kern="1200" cap="none" spc="0" normalizeH="0" baseline="0" noProof="0">
+              <a:ln>
+                <a:noFill/>
+              </a:ln>
+              <a:solidFill>
+                <a:prstClr val="white"/>
+              </a:solidFill>
+              <a:effectLst/>
+              <a:uLnTx/>
+              <a:uFillTx/>
+              <a:latin typeface="Calibri" panose="020F0502020204030204"/>
+              <a:ea typeface="+mn-ea"/>
+              <a:cs typeface="+mn-cs"/>
+            </a:endParaRPr>
+          </a:p>
+        </p:txBody>
+      </p:sp>
+      <p:sp>
+        <p:nvSpPr>
+          <p:cNvPr id="12" name="Isosceles Triangle 11">
+            <a:extLst>
+              <a:ext uri="{FF2B5EF4-FFF2-40B4-BE49-F238E27FC236}">
+                <a16:creationId xmlns:a16="http://schemas.microsoft.com/office/drawing/2014/main" id="{A580F890-B085-4E95-96AA-55AEBEC5CE6E}"/>
+              </a:ext>
+              <a:ext uri="{C183D7F6-B498-43B3-948B-1728B52AA6E4}">
+                <adec:decorative xmlns:adec="http://schemas.microsoft.com/office/drawing/2017/decorative" val="1"/>
+              </a:ext>
+            </a:extLst>
+          </p:cNvPr>
+          <p:cNvSpPr>
+            <a:spLocks noGrp="1" noRot="1" noChangeAspect="1" noMove="1" noResize="1" noEditPoints="1" noAdjustHandles="1" noChangeArrowheads="1" noChangeShapeType="1" noTextEdit="1"/>
+          </p:cNvSpPr>
+          <p:nvPr>
+            <p:extLst>
+              <p:ext uri="{386F3935-93C4-4BCD-93E2-E3B085C9AB24}">
+                <p16:designElem xmlns:p16="http://schemas.microsoft.com/office/powerpoint/2015/main" val="1"/>
+              </p:ext>
+            </p:extLst>
+          </p:nvPr>
+        </p:nvSpPr>
+        <p:spPr>
+          <a:xfrm rot="16200000">
+            <a:off x="10289068" y="1343027"/>
+            <a:ext cx="2532832" cy="1273032"/>
+          </a:xfrm>
+          <a:prstGeom prst="triangle">
+            <a:avLst>
+              <a:gd name="adj" fmla="val 50000"/>
+            </a:avLst>
+          </a:prstGeom>
+          <a:solidFill>
+            <a:schemeClr val="accent4">
+              <a:alpha val="30000"/>
+            </a:schemeClr>
+          </a:solidFill>
+          <a:ln>
+            <a:noFill/>
+          </a:ln>
+        </p:spPr>
+        <p:style>
+          <a:lnRef idx="2">
+            <a:schemeClr val="accent1">
+              <a:shade val="50000"/>
+            </a:schemeClr>
+          </a:lnRef>
+          <a:fillRef idx="1">
+            <a:schemeClr val="accent1"/>
+          </a:fillRef>
+          <a:effectRef idx="0">
+            <a:schemeClr val="accent1"/>
+          </a:effectRef>
+          <a:fontRef idx="minor">
+            <a:schemeClr val="lt1"/>
+          </a:fontRef>
+        </p:style>
+        <p:txBody>
+          <a:bodyPr rtlCol="0" anchor="ctr"/>
+          <a:lstStyle/>
+          <a:p>
+            <a:pPr marL="0" marR="0" lvl="0" indent="0" algn="ctr" defTabSz="914400" rtl="0" eaLnBrk="1" fontAlgn="auto" latinLnBrk="0" hangingPunct="1">
+              <a:lnSpc>
+                <a:spcPct val="100000"/>
+              </a:lnSpc>
+              <a:spcBef>
+                <a:spcPts val="0"/>
+              </a:spcBef>
+              <a:spcAft>
+                <a:spcPts val="0"/>
+              </a:spcAft>
+              <a:buClrTx/>
+              <a:buSzTx/>
+              <a:buFontTx/>
+              <a:buNone/>
+              <a:tabLst/>
+              <a:defRPr/>
+            </a:pPr>
+            <a:endParaRPr kumimoji="0" lang="en-US" sz="1800" b="0" i="0" u="none" strike="noStrike" kern="1200" cap="none" spc="0" normalizeH="0" baseline="0" noProof="0">
+              <a:ln>
+                <a:noFill/>
+              </a:ln>
+              <a:solidFill>
+                <a:prstClr val="white"/>
+              </a:solidFill>
+              <a:effectLst/>
+              <a:uLnTx/>
+              <a:uFillTx/>
+              <a:latin typeface="Calibri" panose="020F0502020204030204"/>
+              <a:ea typeface="+mn-ea"/>
+              <a:cs typeface="+mn-cs"/>
+            </a:endParaRPr>
+          </a:p>
+        </p:txBody>
+      </p:sp>
+      <p:sp>
+        <p:nvSpPr>
+          <p:cNvPr id="14" name="Isosceles Triangle 13">
+            <a:extLst>
+              <a:ext uri="{FF2B5EF4-FFF2-40B4-BE49-F238E27FC236}">
+                <a16:creationId xmlns:a16="http://schemas.microsoft.com/office/drawing/2014/main" id="{D3F51FEB-38FB-4F6C-9F7B-2F2AFAB65463}"/>
+              </a:ext>
+              <a:ext uri="{C183D7F6-B498-43B3-948B-1728B52AA6E4}">
+                <adec:decorative xmlns:adec="http://schemas.microsoft.com/office/drawing/2017/decorative" val="1"/>
+              </a:ext>
+            </a:extLst>
+          </p:cNvPr>
+          <p:cNvSpPr>
+            <a:spLocks noGrp="1" noRot="1" noChangeAspect="1" noMove="1" noResize="1" noEditPoints="1" noAdjustHandles="1" noChangeArrowheads="1" noChangeShapeType="1" noTextEdit="1"/>
+          </p:cNvSpPr>
+          <p:nvPr>
+            <p:extLst>
+              <p:ext uri="{386F3935-93C4-4BCD-93E2-E3B085C9AB24}">
+                <p16:designElem xmlns:p16="http://schemas.microsoft.com/office/powerpoint/2015/main" val="1"/>
+              </p:ext>
+            </p:extLst>
+          </p:nvPr>
+        </p:nvSpPr>
+        <p:spPr>
+          <a:xfrm rot="5400000">
+            <a:off x="-501760" y="5103257"/>
+            <a:ext cx="2017580" cy="1014060"/>
+          </a:xfrm>
+          <a:prstGeom prst="triangle">
+            <a:avLst>
+              <a:gd name="adj" fmla="val 50000"/>
+            </a:avLst>
+          </a:prstGeom>
+          <a:solidFill>
+            <a:schemeClr val="accent1">
+              <a:alpha val="30000"/>
+            </a:schemeClr>
+          </a:solidFill>
+          <a:ln>
+            <a:noFill/>
+          </a:ln>
+        </p:spPr>
+        <p:style>
+          <a:lnRef idx="2">
+            <a:schemeClr val="accent1">
+              <a:shade val="50000"/>
+            </a:schemeClr>
+          </a:lnRef>
+          <a:fillRef idx="1">
+            <a:schemeClr val="accent1"/>
+          </a:fillRef>
+          <a:effectRef idx="0">
+            <a:schemeClr val="accent1"/>
+          </a:effectRef>
+          <a:fontRef idx="minor">
+            <a:schemeClr val="lt1"/>
+          </a:fontRef>
+        </p:style>
+        <p:txBody>
+          <a:bodyPr wrap="square" rtlCol="0" anchor="ctr">
+            <a:noAutofit/>
+          </a:bodyPr>
+          <a:lstStyle/>
+          <a:p>
+            <a:pPr marL="0" marR="0" lvl="0" indent="0" algn="ctr" defTabSz="914400" rtl="0" eaLnBrk="1" fontAlgn="auto" latinLnBrk="0" hangingPunct="1">
+              <a:lnSpc>
+                <a:spcPct val="100000"/>
+              </a:lnSpc>
+              <a:spcBef>
+                <a:spcPts val="0"/>
+              </a:spcBef>
+              <a:spcAft>
+                <a:spcPts val="0"/>
+              </a:spcAft>
+              <a:buClrTx/>
+              <a:buSzTx/>
+              <a:buFontTx/>
+              <a:buNone/>
+              <a:tabLst/>
+              <a:defRPr/>
+            </a:pPr>
+            <a:endParaRPr kumimoji="0" lang="en-US" sz="1800" b="0" i="0" u="none" strike="noStrike" kern="1200" cap="none" spc="0" normalizeH="0" baseline="0" noProof="0">
+              <a:ln>
+                <a:noFill/>
+              </a:ln>
+              <a:solidFill>
+                <a:prstClr val="white"/>
+              </a:solidFill>
+              <a:effectLst/>
+              <a:uLnTx/>
+              <a:uFillTx/>
+              <a:latin typeface="Calibri" panose="020F0502020204030204"/>
+              <a:ea typeface="+mn-ea"/>
+              <a:cs typeface="+mn-cs"/>
+            </a:endParaRPr>
+          </a:p>
+        </p:txBody>
+      </p:sp>
+      <p:sp>
+        <p:nvSpPr>
+          <p:cNvPr id="16" name="Rectangle 15">
+            <a:extLst>
+              <a:ext uri="{FF2B5EF4-FFF2-40B4-BE49-F238E27FC236}">
+                <a16:creationId xmlns:a16="http://schemas.microsoft.com/office/drawing/2014/main" id="{1E547BA6-BAE0-43BB-A7CA-60F69CE252F0}"/>
+              </a:ext>
+              <a:ext uri="{C183D7F6-B498-43B3-948B-1728B52AA6E4}">
+                <adec:decorative xmlns:adec="http://schemas.microsoft.com/office/drawing/2017/decorative" val="1"/>
+              </a:ext>
+            </a:extLst>
+          </p:cNvPr>
+          <p:cNvSpPr>
+            <a:spLocks noGrp="1" noRot="1" noChangeAspect="1" noMove="1" noResize="1" noEditPoints="1" noAdjustHandles="1" noChangeArrowheads="1" noChangeShapeType="1" noTextEdit="1"/>
+          </p:cNvSpPr>
+          <p:nvPr>
+            <p:extLst>
+              <p:ext uri="{386F3935-93C4-4BCD-93E2-E3B085C9AB24}">
+                <p16:designElem xmlns:p16="http://schemas.microsoft.com/office/powerpoint/2015/main" val="1"/>
+              </p:ext>
+            </p:extLst>
+          </p:nvPr>
+        </p:nvSpPr>
+        <p:spPr>
+          <a:xfrm rot="2700000">
+            <a:off x="427916" y="5728708"/>
+            <a:ext cx="485578" cy="485578"/>
+          </a:xfrm>
+          <a:prstGeom prst="rect">
+            <a:avLst/>
+          </a:prstGeom>
+          <a:solidFill>
+            <a:schemeClr val="accent1">
+              <a:alpha val="30000"/>
+            </a:schemeClr>
+          </a:solidFill>
+          <a:ln>
+            <a:noFill/>
+          </a:ln>
+        </p:spPr>
+        <p:style>
+          <a:lnRef idx="2">
+            <a:schemeClr val="accent1">
+              <a:shade val="50000"/>
+            </a:schemeClr>
+          </a:lnRef>
+          <a:fillRef idx="1">
+            <a:schemeClr val="accent1"/>
+          </a:fillRef>
+          <a:effectRef idx="0">
+            <a:schemeClr val="accent1"/>
+          </a:effectRef>
+          <a:fontRef idx="minor">
+            <a:schemeClr val="lt1"/>
+          </a:fontRef>
+        </p:style>
+        <p:txBody>
+          <a:bodyPr wrap="square" rtlCol="0" anchor="ctr">
+            <a:noAutofit/>
+          </a:bodyPr>
+          <a:lstStyle/>
+          <a:p>
+            <a:pPr marL="0" marR="0" lvl="0" indent="0" algn="ctr" defTabSz="914400" rtl="0" eaLnBrk="1" fontAlgn="auto" latinLnBrk="0" hangingPunct="1">
+              <a:lnSpc>
+                <a:spcPct val="100000"/>
+              </a:lnSpc>
+              <a:spcBef>
+                <a:spcPts val="0"/>
+              </a:spcBef>
+              <a:spcAft>
+                <a:spcPts val="0"/>
+              </a:spcAft>
+              <a:buClrTx/>
+              <a:buSzTx/>
+              <a:buFontTx/>
+              <a:buNone/>
+              <a:tabLst/>
+              <a:defRPr/>
+            </a:pPr>
+            <a:endParaRPr kumimoji="0" lang="en-US" sz="1800" b="0" i="0" u="none" strike="noStrike" kern="1200" cap="none" spc="0" normalizeH="0" baseline="0" noProof="0">
+              <a:ln>
+                <a:noFill/>
+              </a:ln>
+              <a:solidFill>
+                <a:prstClr val="white"/>
+              </a:solidFill>
+              <a:effectLst/>
+              <a:uLnTx/>
+              <a:uFillTx/>
+              <a:latin typeface="Calibri" panose="020F0502020204030204"/>
+              <a:ea typeface="+mn-ea"/>
+              <a:cs typeface="+mn-cs"/>
+            </a:endParaRPr>
+          </a:p>
+        </p:txBody>
+      </p:sp>
+    </p:spTree>
+    <p:extLst>
+      <p:ext uri="{BB962C8B-B14F-4D97-AF65-F5344CB8AC3E}">
+        <p14:creationId xmlns:p14="http://schemas.microsoft.com/office/powerpoint/2010/main" val="4279989915"/>
+      </p:ext>
+    </p:extLst>
+  </p:cSld>
+  <p:clrMapOvr>
+    <a:masterClrMapping/>
+  </p:clrMapOvr>
+</p:sld>
+</file>
+
+<file path=ppt/slides/slide18.xml><?xml version="1.0" encoding="utf-8"?>
+<p:sld xmlns:a="http://schemas.openxmlformats.org/drawingml/2006/main" xmlns:r="http://schemas.openxmlformats.org/officeDocument/2006/relationships" xmlns:p="http://schemas.openxmlformats.org/presentationml/2006/main">
+  <p:cSld>
+    <p:bg>
+      <p:bgPr>
+        <a:solidFill>
+          <a:schemeClr val="bg1"/>
+        </a:solidFill>
+        <a:effectLst/>
+      </p:bgPr>
+    </p:bg>
+    <p:spTree>
+      <p:nvGrpSpPr>
+        <p:cNvPr id="1" name=""/>
+        <p:cNvGrpSpPr/>
+        <p:nvPr/>
+      </p:nvGrpSpPr>
+      <p:grpSpPr>
+        <a:xfrm>
+          <a:off x="0" y="0"/>
+          <a:ext cx="0" cy="0"/>
+          <a:chOff x="0" y="0"/>
+          <a:chExt cx="0" cy="0"/>
+        </a:xfrm>
+      </p:grpSpPr>
+      <p:sp>
+        <p:nvSpPr>
+          <p:cNvPr id="8" name="Rectangle 7">
+            <a:extLst>
+              <a:ext uri="{FF2B5EF4-FFF2-40B4-BE49-F238E27FC236}">
+                <a16:creationId xmlns:a16="http://schemas.microsoft.com/office/drawing/2014/main" id="{2B566528-1B12-4246-9431-5C2D7D081168}"/>
+              </a:ext>
+              <a:ext uri="{C183D7F6-B498-43B3-948B-1728B52AA6E4}">
+                <adec:decorative xmlns:adec="http://schemas.microsoft.com/office/drawing/2017/decorative" val="1"/>
+              </a:ext>
+            </a:extLst>
+          </p:cNvPr>
+          <p:cNvSpPr>
+            <a:spLocks noGrp="1" noRot="1" noChangeAspect="1" noMove="1" noResize="1" noEditPoints="1" noAdjustHandles="1" noChangeArrowheads="1" noChangeShapeType="1" noTextEdit="1"/>
+          </p:cNvSpPr>
+          <p:nvPr>
+            <p:extLst>
+              <p:ext uri="{386F3935-93C4-4BCD-93E2-E3B085C9AB24}">
+                <p16:designElem xmlns:p16="http://schemas.microsoft.com/office/powerpoint/2015/main" val="1"/>
+              </p:ext>
+            </p:extLst>
+          </p:nvPr>
+        </p:nvSpPr>
+        <p:spPr>
+          <a:xfrm>
+            <a:off x="0" y="0"/>
+            <a:ext cx="12192000" cy="6858000"/>
+          </a:xfrm>
+          <a:prstGeom prst="rect">
+            <a:avLst/>
+          </a:prstGeom>
+          <a:solidFill>
+            <a:schemeClr val="bg1"/>
+          </a:solidFill>
+          <a:ln>
+            <a:noFill/>
+          </a:ln>
+        </p:spPr>
+        <p:style>
+          <a:lnRef idx="2">
+            <a:schemeClr val="accent1">
+              <a:shade val="50000"/>
+            </a:schemeClr>
+          </a:lnRef>
+          <a:fillRef idx="1">
+            <a:schemeClr val="accent1"/>
+          </a:fillRef>
+          <a:effectRef idx="0">
+            <a:schemeClr val="accent1"/>
+          </a:effectRef>
+          <a:fontRef idx="minor">
+            <a:schemeClr val="lt1"/>
+          </a:fontRef>
+        </p:style>
+        <p:txBody>
+          <a:bodyPr rtlCol="0" anchor="ctr"/>
+          <a:lstStyle/>
+          <a:p>
+            <a:pPr marL="0" marR="0" lvl="0" indent="0" algn="ctr" defTabSz="914400" rtl="0" eaLnBrk="1" fontAlgn="auto" latinLnBrk="0" hangingPunct="1">
+              <a:lnSpc>
+                <a:spcPct val="100000"/>
+              </a:lnSpc>
+              <a:spcBef>
+                <a:spcPts val="0"/>
+              </a:spcBef>
+              <a:spcAft>
+                <a:spcPts val="0"/>
+              </a:spcAft>
+              <a:buClrTx/>
+              <a:buSzTx/>
+              <a:buFontTx/>
+              <a:buNone/>
+              <a:tabLst/>
+              <a:defRPr/>
+            </a:pPr>
+            <a:endParaRPr kumimoji="0" lang="en-US" sz="1800" b="0" i="0" u="none" strike="noStrike" kern="1200" cap="none" spc="0" normalizeH="0" baseline="0" noProof="0" dirty="0">
+              <a:ln>
+                <a:noFill/>
+              </a:ln>
+              <a:solidFill>
+                <a:prstClr val="white"/>
+              </a:solidFill>
+              <a:effectLst/>
+              <a:uLnTx/>
+              <a:uFillTx/>
+              <a:latin typeface="Calibri" panose="020F0502020204030204"/>
+              <a:ea typeface="+mn-ea"/>
+              <a:cs typeface="+mn-cs"/>
+            </a:endParaRPr>
+          </a:p>
+        </p:txBody>
+      </p:sp>
+      <p:sp>
+        <p:nvSpPr>
+          <p:cNvPr id="2" name="Title 1">
+            <a:extLst>
+              <a:ext uri="{FF2B5EF4-FFF2-40B4-BE49-F238E27FC236}">
+                <a16:creationId xmlns:a16="http://schemas.microsoft.com/office/drawing/2014/main" id="{658D5F11-6DA8-944F-F389-1711E7945E93}"/>
+              </a:ext>
+            </a:extLst>
+          </p:cNvPr>
+          <p:cNvSpPr>
+            <a:spLocks noGrp="1"/>
+          </p:cNvSpPr>
+          <p:nvPr>
+            <p:ph type="title"/>
+          </p:nvPr>
+        </p:nvSpPr>
+        <p:spPr>
+          <a:xfrm>
+            <a:off x="643467" y="321734"/>
+            <a:ext cx="10905066" cy="1135737"/>
+          </a:xfrm>
+        </p:spPr>
+        <p:txBody>
+          <a:bodyPr>
+            <a:normAutofit/>
+          </a:bodyPr>
+          <a:lstStyle/>
+          <a:p>
+            <a:r>
+              <a:rPr lang="en-US" sz="3600" dirty="0"/>
+              <a:t>Why was the project carried out?</a:t>
+            </a:r>
+            <a:br>
+              <a:rPr lang="en-US" sz="3600" dirty="0"/>
+            </a:br>
+            <a:endParaRPr lang="en-US" sz="3600" dirty="0"/>
+          </a:p>
+        </p:txBody>
+      </p:sp>
+      <p:sp>
+        <p:nvSpPr>
+          <p:cNvPr id="3" name="Content Placeholder 2">
+            <a:extLst>
+              <a:ext uri="{FF2B5EF4-FFF2-40B4-BE49-F238E27FC236}">
+                <a16:creationId xmlns:a16="http://schemas.microsoft.com/office/drawing/2014/main" id="{C77A19A6-3D6B-39EA-FFA8-06C1967C295C}"/>
+              </a:ext>
+            </a:extLst>
+          </p:cNvPr>
+          <p:cNvSpPr>
+            <a:spLocks noGrp="1"/>
+          </p:cNvSpPr>
+          <p:nvPr>
+            <p:ph idx="1"/>
+          </p:nvPr>
+        </p:nvSpPr>
+        <p:spPr>
+          <a:xfrm>
+            <a:off x="926592" y="1628999"/>
+            <a:ext cx="10905066" cy="4393982"/>
+          </a:xfrm>
+        </p:spPr>
+        <p:txBody>
+          <a:bodyPr anchor="t">
+            <a:normAutofit/>
+          </a:bodyPr>
+          <a:lstStyle/>
+          <a:p>
+            <a:pPr>
+              <a:lnSpc>
+                <a:spcPct val="200000"/>
+              </a:lnSpc>
+            </a:pPr>
+            <a:r>
+              <a:rPr lang="en-US" sz="3200" dirty="0"/>
+              <a:t>No prior experience</a:t>
+            </a:r>
+          </a:p>
+          <a:p>
+            <a:pPr>
+              <a:lnSpc>
+                <a:spcPct val="200000"/>
+              </a:lnSpc>
+            </a:pPr>
+            <a:r>
+              <a:rPr lang="en-US" sz="3200" dirty="0"/>
+              <a:t>Awareness </a:t>
+            </a:r>
+          </a:p>
+          <a:p>
+            <a:pPr>
+              <a:lnSpc>
+                <a:spcPct val="200000"/>
+              </a:lnSpc>
+            </a:pPr>
+            <a:r>
+              <a:rPr lang="en-US" sz="3200" dirty="0"/>
+              <a:t>Uncertainty</a:t>
+            </a:r>
+          </a:p>
+        </p:txBody>
+      </p:sp>
+      <p:sp>
+        <p:nvSpPr>
+          <p:cNvPr id="10" name="Rectangle 9">
+            <a:extLst>
+              <a:ext uri="{FF2B5EF4-FFF2-40B4-BE49-F238E27FC236}">
+                <a16:creationId xmlns:a16="http://schemas.microsoft.com/office/drawing/2014/main" id="{2E80C965-DB6D-4F81-9E9E-B027384D0BD6}"/>
+              </a:ext>
+              <a:ext uri="{C183D7F6-B498-43B3-948B-1728B52AA6E4}">
+                <adec:decorative xmlns:adec="http://schemas.microsoft.com/office/drawing/2017/decorative" val="1"/>
+              </a:ext>
+            </a:extLst>
+          </p:cNvPr>
+          <p:cNvSpPr>
+            <a:spLocks noGrp="1" noRot="1" noChangeAspect="1" noMove="1" noResize="1" noEditPoints="1" noAdjustHandles="1" noChangeArrowheads="1" noChangeShapeType="1" noTextEdit="1"/>
+          </p:cNvSpPr>
+          <p:nvPr>
+            <p:extLst>
+              <p:ext uri="{386F3935-93C4-4BCD-93E2-E3B085C9AB24}">
+                <p16:designElem xmlns:p16="http://schemas.microsoft.com/office/powerpoint/2015/main" val="1"/>
+              </p:ext>
+            </p:extLst>
+          </p:nvPr>
+        </p:nvSpPr>
+        <p:spPr>
+          <a:xfrm rot="2700000">
+            <a:off x="11052629" y="2120024"/>
+            <a:ext cx="645368" cy="645368"/>
+          </a:xfrm>
+          <a:prstGeom prst="rect">
+            <a:avLst/>
+          </a:prstGeom>
+          <a:solidFill>
+            <a:schemeClr val="accent4">
+              <a:alpha val="30000"/>
+            </a:schemeClr>
+          </a:solidFill>
+          <a:ln>
+            <a:noFill/>
+          </a:ln>
+        </p:spPr>
+        <p:style>
+          <a:lnRef idx="2">
+            <a:schemeClr val="accent1">
+              <a:shade val="50000"/>
+            </a:schemeClr>
+          </a:lnRef>
+          <a:fillRef idx="1">
+            <a:schemeClr val="accent1"/>
+          </a:fillRef>
+          <a:effectRef idx="0">
+            <a:schemeClr val="accent1"/>
+          </a:effectRef>
+          <a:fontRef idx="minor">
+            <a:schemeClr val="lt1"/>
+          </a:fontRef>
+        </p:style>
+        <p:txBody>
+          <a:bodyPr rtlCol="0" anchor="ctr"/>
+          <a:lstStyle/>
+          <a:p>
+            <a:pPr marL="0" marR="0" lvl="0" indent="0" algn="ctr" defTabSz="914400" rtl="0" eaLnBrk="1" fontAlgn="auto" latinLnBrk="0" hangingPunct="1">
+              <a:lnSpc>
+                <a:spcPct val="100000"/>
+              </a:lnSpc>
+              <a:spcBef>
+                <a:spcPts val="0"/>
+              </a:spcBef>
+              <a:spcAft>
+                <a:spcPts val="0"/>
+              </a:spcAft>
+              <a:buClrTx/>
+              <a:buSzTx/>
+              <a:buFontTx/>
+              <a:buNone/>
+              <a:tabLst/>
+              <a:defRPr/>
+            </a:pPr>
+            <a:endParaRPr kumimoji="0" lang="en-US" sz="1800" b="0" i="0" u="none" strike="noStrike" kern="1200" cap="none" spc="0" normalizeH="0" baseline="0" noProof="0">
+              <a:ln>
+                <a:noFill/>
+              </a:ln>
+              <a:solidFill>
+                <a:prstClr val="white"/>
+              </a:solidFill>
+              <a:effectLst/>
+              <a:uLnTx/>
+              <a:uFillTx/>
+              <a:latin typeface="Calibri" panose="020F0502020204030204"/>
+              <a:ea typeface="+mn-ea"/>
+              <a:cs typeface="+mn-cs"/>
+            </a:endParaRPr>
+          </a:p>
+        </p:txBody>
+      </p:sp>
+      <p:sp>
+        <p:nvSpPr>
+          <p:cNvPr id="12" name="Isosceles Triangle 11">
+            <a:extLst>
+              <a:ext uri="{FF2B5EF4-FFF2-40B4-BE49-F238E27FC236}">
+                <a16:creationId xmlns:a16="http://schemas.microsoft.com/office/drawing/2014/main" id="{A580F890-B085-4E95-96AA-55AEBEC5CE6E}"/>
+              </a:ext>
+              <a:ext uri="{C183D7F6-B498-43B3-948B-1728B52AA6E4}">
+                <adec:decorative xmlns:adec="http://schemas.microsoft.com/office/drawing/2017/decorative" val="1"/>
+              </a:ext>
+            </a:extLst>
+          </p:cNvPr>
+          <p:cNvSpPr>
+            <a:spLocks noGrp="1" noRot="1" noChangeAspect="1" noMove="1" noResize="1" noEditPoints="1" noAdjustHandles="1" noChangeArrowheads="1" noChangeShapeType="1" noTextEdit="1"/>
+          </p:cNvSpPr>
+          <p:nvPr>
+            <p:extLst>
+              <p:ext uri="{386F3935-93C4-4BCD-93E2-E3B085C9AB24}">
+                <p16:designElem xmlns:p16="http://schemas.microsoft.com/office/powerpoint/2015/main" val="1"/>
+              </p:ext>
+            </p:extLst>
+          </p:nvPr>
+        </p:nvSpPr>
+        <p:spPr>
+          <a:xfrm rot="16200000">
+            <a:off x="10289068" y="1343027"/>
+            <a:ext cx="2532832" cy="1273032"/>
+          </a:xfrm>
+          <a:prstGeom prst="triangle">
+            <a:avLst>
+              <a:gd name="adj" fmla="val 50000"/>
+            </a:avLst>
+          </a:prstGeom>
+          <a:solidFill>
+            <a:schemeClr val="accent4">
+              <a:alpha val="30000"/>
+            </a:schemeClr>
+          </a:solidFill>
+          <a:ln>
+            <a:noFill/>
+          </a:ln>
+        </p:spPr>
+        <p:style>
+          <a:lnRef idx="2">
+            <a:schemeClr val="accent1">
+              <a:shade val="50000"/>
+            </a:schemeClr>
+          </a:lnRef>
+          <a:fillRef idx="1">
+            <a:schemeClr val="accent1"/>
+          </a:fillRef>
+          <a:effectRef idx="0">
+            <a:schemeClr val="accent1"/>
+          </a:effectRef>
+          <a:fontRef idx="minor">
+            <a:schemeClr val="lt1"/>
+          </a:fontRef>
+        </p:style>
+        <p:txBody>
+          <a:bodyPr rtlCol="0" anchor="ctr"/>
+          <a:lstStyle/>
+          <a:p>
+            <a:pPr marL="0" marR="0" lvl="0" indent="0" algn="ctr" defTabSz="914400" rtl="0" eaLnBrk="1" fontAlgn="auto" latinLnBrk="0" hangingPunct="1">
+              <a:lnSpc>
+                <a:spcPct val="100000"/>
+              </a:lnSpc>
+              <a:spcBef>
+                <a:spcPts val="0"/>
+              </a:spcBef>
+              <a:spcAft>
+                <a:spcPts val="0"/>
+              </a:spcAft>
+              <a:buClrTx/>
+              <a:buSzTx/>
+              <a:buFontTx/>
+              <a:buNone/>
+              <a:tabLst/>
+              <a:defRPr/>
+            </a:pPr>
+            <a:endParaRPr kumimoji="0" lang="en-US" sz="1800" b="0" i="0" u="none" strike="noStrike" kern="1200" cap="none" spc="0" normalizeH="0" baseline="0" noProof="0">
+              <a:ln>
+                <a:noFill/>
+              </a:ln>
+              <a:solidFill>
+                <a:prstClr val="white"/>
+              </a:solidFill>
+              <a:effectLst/>
+              <a:uLnTx/>
+              <a:uFillTx/>
+              <a:latin typeface="Calibri" panose="020F0502020204030204"/>
+              <a:ea typeface="+mn-ea"/>
+              <a:cs typeface="+mn-cs"/>
+            </a:endParaRPr>
+          </a:p>
+        </p:txBody>
+      </p:sp>
+      <p:sp>
+        <p:nvSpPr>
+          <p:cNvPr id="14" name="Isosceles Triangle 13">
+            <a:extLst>
+              <a:ext uri="{FF2B5EF4-FFF2-40B4-BE49-F238E27FC236}">
+                <a16:creationId xmlns:a16="http://schemas.microsoft.com/office/drawing/2014/main" id="{D3F51FEB-38FB-4F6C-9F7B-2F2AFAB65463}"/>
+              </a:ext>
+              <a:ext uri="{C183D7F6-B498-43B3-948B-1728B52AA6E4}">
+                <adec:decorative xmlns:adec="http://schemas.microsoft.com/office/drawing/2017/decorative" val="1"/>
+              </a:ext>
+            </a:extLst>
+          </p:cNvPr>
+          <p:cNvSpPr>
+            <a:spLocks noGrp="1" noRot="1" noChangeAspect="1" noMove="1" noResize="1" noEditPoints="1" noAdjustHandles="1" noChangeArrowheads="1" noChangeShapeType="1" noTextEdit="1"/>
+          </p:cNvSpPr>
+          <p:nvPr>
+            <p:extLst>
+              <p:ext uri="{386F3935-93C4-4BCD-93E2-E3B085C9AB24}">
+                <p16:designElem xmlns:p16="http://schemas.microsoft.com/office/powerpoint/2015/main" val="1"/>
+              </p:ext>
+            </p:extLst>
+          </p:nvPr>
+        </p:nvSpPr>
+        <p:spPr>
+          <a:xfrm rot="5400000">
+            <a:off x="-501760" y="5103257"/>
+            <a:ext cx="2017580" cy="1014060"/>
+          </a:xfrm>
+          <a:prstGeom prst="triangle">
+            <a:avLst>
+              <a:gd name="adj" fmla="val 50000"/>
+            </a:avLst>
+          </a:prstGeom>
+          <a:solidFill>
+            <a:schemeClr val="accent1">
+              <a:alpha val="30000"/>
+            </a:schemeClr>
+          </a:solidFill>
+          <a:ln>
+            <a:noFill/>
+          </a:ln>
+        </p:spPr>
+        <p:style>
+          <a:lnRef idx="2">
+            <a:schemeClr val="accent1">
+              <a:shade val="50000"/>
+            </a:schemeClr>
+          </a:lnRef>
+          <a:fillRef idx="1">
+            <a:schemeClr val="accent1"/>
+          </a:fillRef>
+          <a:effectRef idx="0">
+            <a:schemeClr val="accent1"/>
+          </a:effectRef>
+          <a:fontRef idx="minor">
+            <a:schemeClr val="lt1"/>
+          </a:fontRef>
+        </p:style>
+        <p:txBody>
+          <a:bodyPr wrap="square" rtlCol="0" anchor="ctr">
+            <a:noAutofit/>
+          </a:bodyPr>
+          <a:lstStyle/>
+          <a:p>
+            <a:pPr marL="0" marR="0" lvl="0" indent="0" algn="ctr" defTabSz="914400" rtl="0" eaLnBrk="1" fontAlgn="auto" latinLnBrk="0" hangingPunct="1">
+              <a:lnSpc>
+                <a:spcPct val="100000"/>
+              </a:lnSpc>
+              <a:spcBef>
+                <a:spcPts val="0"/>
+              </a:spcBef>
+              <a:spcAft>
+                <a:spcPts val="0"/>
+              </a:spcAft>
+              <a:buClrTx/>
+              <a:buSzTx/>
+              <a:buFontTx/>
+              <a:buNone/>
+              <a:tabLst/>
+              <a:defRPr/>
+            </a:pPr>
+            <a:endParaRPr kumimoji="0" lang="en-US" sz="1800" b="0" i="0" u="none" strike="noStrike" kern="1200" cap="none" spc="0" normalizeH="0" baseline="0" noProof="0">
+              <a:ln>
+                <a:noFill/>
+              </a:ln>
+              <a:solidFill>
+                <a:prstClr val="white"/>
+              </a:solidFill>
+              <a:effectLst/>
+              <a:uLnTx/>
+              <a:uFillTx/>
+              <a:latin typeface="Calibri" panose="020F0502020204030204"/>
+              <a:ea typeface="+mn-ea"/>
+              <a:cs typeface="+mn-cs"/>
+            </a:endParaRPr>
+          </a:p>
+        </p:txBody>
+      </p:sp>
+      <p:sp>
+        <p:nvSpPr>
+          <p:cNvPr id="16" name="Rectangle 15">
+            <a:extLst>
+              <a:ext uri="{FF2B5EF4-FFF2-40B4-BE49-F238E27FC236}">
+                <a16:creationId xmlns:a16="http://schemas.microsoft.com/office/drawing/2014/main" id="{1E547BA6-BAE0-43BB-A7CA-60F69CE252F0}"/>
+              </a:ext>
+              <a:ext uri="{C183D7F6-B498-43B3-948B-1728B52AA6E4}">
+                <adec:decorative xmlns:adec="http://schemas.microsoft.com/office/drawing/2017/decorative" val="1"/>
+              </a:ext>
+            </a:extLst>
+          </p:cNvPr>
+          <p:cNvSpPr>
+            <a:spLocks noGrp="1" noRot="1" noChangeAspect="1" noMove="1" noResize="1" noEditPoints="1" noAdjustHandles="1" noChangeArrowheads="1" noChangeShapeType="1" noTextEdit="1"/>
+          </p:cNvSpPr>
+          <p:nvPr>
+            <p:extLst>
+              <p:ext uri="{386F3935-93C4-4BCD-93E2-E3B085C9AB24}">
+                <p16:designElem xmlns:p16="http://schemas.microsoft.com/office/powerpoint/2015/main" val="1"/>
+              </p:ext>
+            </p:extLst>
+          </p:nvPr>
+        </p:nvSpPr>
+        <p:spPr>
+          <a:xfrm rot="2700000">
+            <a:off x="427916" y="5728708"/>
+            <a:ext cx="485578" cy="485578"/>
+          </a:xfrm>
+          <a:prstGeom prst="rect">
+            <a:avLst/>
+          </a:prstGeom>
+          <a:solidFill>
+            <a:schemeClr val="accent1">
+              <a:alpha val="30000"/>
+            </a:schemeClr>
+          </a:solidFill>
+          <a:ln>
+            <a:noFill/>
+          </a:ln>
+        </p:spPr>
+        <p:style>
+          <a:lnRef idx="2">
+            <a:schemeClr val="accent1">
+              <a:shade val="50000"/>
+            </a:schemeClr>
+          </a:lnRef>
+          <a:fillRef idx="1">
+            <a:schemeClr val="accent1"/>
+          </a:fillRef>
+          <a:effectRef idx="0">
+            <a:schemeClr val="accent1"/>
+          </a:effectRef>
+          <a:fontRef idx="minor">
+            <a:schemeClr val="lt1"/>
+          </a:fontRef>
+        </p:style>
+        <p:txBody>
+          <a:bodyPr wrap="square" rtlCol="0" anchor="ctr">
+            <a:noAutofit/>
+          </a:bodyPr>
+          <a:lstStyle/>
+          <a:p>
+            <a:pPr marL="0" marR="0" lvl="0" indent="0" algn="ctr" defTabSz="914400" rtl="0" eaLnBrk="1" fontAlgn="auto" latinLnBrk="0" hangingPunct="1">
+              <a:lnSpc>
+                <a:spcPct val="100000"/>
+              </a:lnSpc>
+              <a:spcBef>
+                <a:spcPts val="0"/>
+              </a:spcBef>
+              <a:spcAft>
+                <a:spcPts val="0"/>
+              </a:spcAft>
+              <a:buClrTx/>
+              <a:buSzTx/>
+              <a:buFontTx/>
+              <a:buNone/>
+              <a:tabLst/>
+              <a:defRPr/>
+            </a:pPr>
+            <a:endParaRPr kumimoji="0" lang="en-US" sz="1800" b="0" i="0" u="none" strike="noStrike" kern="1200" cap="none" spc="0" normalizeH="0" baseline="0" noProof="0">
+              <a:ln>
+                <a:noFill/>
+              </a:ln>
+              <a:solidFill>
+                <a:prstClr val="white"/>
+              </a:solidFill>
+              <a:effectLst/>
+              <a:uLnTx/>
+              <a:uFillTx/>
+              <a:latin typeface="Calibri" panose="020F0502020204030204"/>
+              <a:ea typeface="+mn-ea"/>
+              <a:cs typeface="+mn-cs"/>
+            </a:endParaRPr>
+          </a:p>
+        </p:txBody>
+      </p:sp>
+      <p:pic>
+        <p:nvPicPr>
+          <p:cNvPr id="6" name="Picture 5">
+            <a:extLst>
+              <a:ext uri="{FF2B5EF4-FFF2-40B4-BE49-F238E27FC236}">
+                <a16:creationId xmlns:a16="http://schemas.microsoft.com/office/drawing/2014/main" id="{C8336A03-293D-A2DF-935D-3D11303C9B14}"/>
+              </a:ext>
+            </a:extLst>
+          </p:cNvPr>
+          <p:cNvPicPr>
+            <a:picLocks noChangeAspect="1"/>
+          </p:cNvPicPr>
+          <p:nvPr/>
+        </p:nvPicPr>
+        <p:blipFill rotWithShape="1">
+          <a:blip r:embed="rId2"/>
+          <a:srcRect r="4502" b="11286"/>
+          <a:stretch/>
+        </p:blipFill>
+        <p:spPr>
+          <a:xfrm>
+            <a:off x="4656436" y="1032903"/>
+            <a:ext cx="6064116" cy="4393982"/>
+          </a:xfrm>
+          <a:prstGeom prst="rect">
+            <a:avLst/>
+          </a:prstGeom>
+        </p:spPr>
+      </p:pic>
+      <p:sp>
+        <p:nvSpPr>
+          <p:cNvPr id="7" name="TextBox 6">
+            <a:extLst>
+              <a:ext uri="{FF2B5EF4-FFF2-40B4-BE49-F238E27FC236}">
+                <a16:creationId xmlns:a16="http://schemas.microsoft.com/office/drawing/2014/main" id="{50481302-10EE-1282-48A7-8BFAEFA6A0F3}"/>
+              </a:ext>
+            </a:extLst>
+          </p:cNvPr>
+          <p:cNvSpPr txBox="1"/>
+          <p:nvPr/>
+        </p:nvSpPr>
+        <p:spPr>
+          <a:xfrm>
+            <a:off x="9625340" y="6314853"/>
+            <a:ext cx="1860331" cy="369332"/>
+          </a:xfrm>
+          <a:prstGeom prst="rect">
+            <a:avLst/>
+          </a:prstGeom>
+          <a:noFill/>
+        </p:spPr>
+        <p:txBody>
+          <a:bodyPr wrap="square" rtlCol="0">
+            <a:spAutoFit/>
+          </a:bodyPr>
+          <a:lstStyle/>
+          <a:p>
+            <a:pPr marL="0" marR="0" lvl="0" indent="0" algn="l" defTabSz="914400" rtl="0" eaLnBrk="1" fontAlgn="auto" latinLnBrk="0" hangingPunct="1">
+              <a:lnSpc>
+                <a:spcPct val="100000"/>
+              </a:lnSpc>
+              <a:spcBef>
+                <a:spcPts val="0"/>
+              </a:spcBef>
+              <a:spcAft>
+                <a:spcPts val="0"/>
+              </a:spcAft>
+              <a:buClrTx/>
+              <a:buSzTx/>
+              <a:buFontTx/>
+              <a:buNone/>
+              <a:tabLst/>
+              <a:defRPr/>
+            </a:pPr>
+            <a:r>
+              <a:rPr kumimoji="0" lang="en-US" sz="1800" b="0" i="0" u="none" strike="noStrike" kern="1200" cap="none" spc="0" normalizeH="0" baseline="0" noProof="0" dirty="0">
+                <a:ln>
+                  <a:noFill/>
+                </a:ln>
+                <a:solidFill>
+                  <a:prstClr val="black"/>
+                </a:solidFill>
+                <a:effectLst/>
+                <a:uLnTx/>
+                <a:uFillTx/>
+                <a:latin typeface="Calibri" panose="020F0502020204030204"/>
+                <a:ea typeface="+mn-ea"/>
+                <a:cs typeface="+mn-cs"/>
+                <a:hlinkClick r:id="rId3"/>
+              </a:rPr>
+              <a:t>Image reference</a:t>
+            </a:r>
+            <a:endParaRPr kumimoji="0" lang="en-US" sz="1800" b="0" i="0" u="none" strike="noStrike" kern="1200" cap="none" spc="0" normalizeH="0" baseline="0" noProof="0" dirty="0">
+              <a:ln>
+                <a:noFill/>
+              </a:ln>
+              <a:solidFill>
+                <a:prstClr val="black"/>
+              </a:solidFill>
+              <a:effectLst/>
+              <a:uLnTx/>
+              <a:uFillTx/>
+              <a:latin typeface="Calibri" panose="020F0502020204030204"/>
+              <a:ea typeface="+mn-ea"/>
+              <a:cs typeface="+mn-cs"/>
+            </a:endParaRPr>
+          </a:p>
+        </p:txBody>
+      </p:sp>
+    </p:spTree>
+    <p:extLst>
+      <p:ext uri="{BB962C8B-B14F-4D97-AF65-F5344CB8AC3E}">
+        <p14:creationId xmlns:p14="http://schemas.microsoft.com/office/powerpoint/2010/main" val="2463831492"/>
+      </p:ext>
+    </p:extLst>
+  </p:cSld>
+  <p:clrMapOvr>
+    <a:masterClrMapping/>
+  </p:clrMapOvr>
+</p:sld>
+</file>
+
+<file path=ppt/slides/slide19.xml><?xml version="1.0" encoding="utf-8"?>
+<p:sld xmlns:a="http://schemas.openxmlformats.org/drawingml/2006/main" xmlns:r="http://schemas.openxmlformats.org/officeDocument/2006/relationships" xmlns:p="http://schemas.openxmlformats.org/presentationml/2006/main">
+  <p:cSld>
+    <p:spTree>
+      <p:nvGrpSpPr>
+        <p:cNvPr id="1" name=""/>
+        <p:cNvGrpSpPr/>
+        <p:nvPr/>
+      </p:nvGrpSpPr>
+      <p:grpSpPr>
+        <a:xfrm>
+          <a:off x="0" y="0"/>
+          <a:ext cx="0" cy="0"/>
+          <a:chOff x="0" y="0"/>
+          <a:chExt cx="0" cy="0"/>
+        </a:xfrm>
+      </p:grpSpPr>
+      <p:sp>
+        <p:nvSpPr>
+          <p:cNvPr id="2" name="Title 1">
+            <a:extLst>
+              <a:ext uri="{FF2B5EF4-FFF2-40B4-BE49-F238E27FC236}">
+                <a16:creationId xmlns:a16="http://schemas.microsoft.com/office/drawing/2014/main" id="{7F6A2939-E001-AA5D-495F-9375CD78407E}"/>
+              </a:ext>
+            </a:extLst>
+          </p:cNvPr>
+          <p:cNvSpPr>
+            <a:spLocks noGrp="1"/>
+          </p:cNvSpPr>
+          <p:nvPr>
+            <p:ph type="title"/>
+          </p:nvPr>
+        </p:nvSpPr>
+        <p:spPr/>
+        <p:txBody>
+          <a:bodyPr/>
+          <a:lstStyle/>
+          <a:p>
+            <a:r>
+              <a:rPr lang="en-US" dirty="0"/>
+              <a:t>What is the aim of the project?</a:t>
+            </a:r>
+            <a:br>
+              <a:rPr lang="en-US" dirty="0"/>
+            </a:br>
+            <a:endParaRPr lang="en-US" dirty="0"/>
+          </a:p>
+        </p:txBody>
+      </p:sp>
+      <p:sp>
+        <p:nvSpPr>
+          <p:cNvPr id="3" name="Content Placeholder 2">
+            <a:extLst>
+              <a:ext uri="{FF2B5EF4-FFF2-40B4-BE49-F238E27FC236}">
+                <a16:creationId xmlns:a16="http://schemas.microsoft.com/office/drawing/2014/main" id="{CD220D40-D768-F4B2-3FF8-FD1889D92C92}"/>
+              </a:ext>
+            </a:extLst>
+          </p:cNvPr>
+          <p:cNvSpPr>
+            <a:spLocks noGrp="1"/>
+          </p:cNvSpPr>
+          <p:nvPr>
+            <p:ph idx="1"/>
+          </p:nvPr>
+        </p:nvSpPr>
+        <p:spPr>
+          <a:xfrm>
+            <a:off x="838200" y="2129549"/>
+            <a:ext cx="5688724" cy="4351338"/>
+          </a:xfrm>
+        </p:spPr>
+        <p:txBody>
+          <a:bodyPr/>
+          <a:lstStyle/>
+          <a:p>
+            <a:pPr>
+              <a:lnSpc>
+                <a:spcPct val="200000"/>
+              </a:lnSpc>
+            </a:pPr>
+            <a:r>
+              <a:rPr lang="en-US" dirty="0"/>
+              <a:t>Experience</a:t>
+            </a:r>
+          </a:p>
+          <a:p>
+            <a:pPr>
+              <a:lnSpc>
+                <a:spcPct val="200000"/>
+              </a:lnSpc>
+            </a:pPr>
+            <a:r>
+              <a:rPr lang="en-US" dirty="0"/>
+              <a:t>Clear Understanding </a:t>
+            </a:r>
+          </a:p>
+          <a:p>
+            <a:pPr>
+              <a:lnSpc>
+                <a:spcPct val="200000"/>
+              </a:lnSpc>
+            </a:pPr>
+            <a:r>
+              <a:rPr lang="en-US" dirty="0"/>
+              <a:t>Encourage ungrading approach </a:t>
+            </a:r>
+          </a:p>
+        </p:txBody>
+      </p:sp>
+      <p:pic>
+        <p:nvPicPr>
+          <p:cNvPr id="2050" name="Picture 2" descr="Confused kid cartoon Images, Stock Photos &amp; Vectors | Shutterstock">
+            <a:extLst>
+              <a:ext uri="{FF2B5EF4-FFF2-40B4-BE49-F238E27FC236}">
+                <a16:creationId xmlns:a16="http://schemas.microsoft.com/office/drawing/2014/main" id="{3BDDD7C3-9FA9-30FE-71E3-5DE628166CEA}"/>
+              </a:ext>
+            </a:extLst>
+          </p:cNvPr>
+          <p:cNvPicPr>
+            <a:picLocks noChangeAspect="1" noChangeArrowheads="1"/>
+          </p:cNvPicPr>
+          <p:nvPr/>
+        </p:nvPicPr>
+        <p:blipFill rotWithShape="1">
+          <a:blip r:embed="rId2">
+            <a:extLst>
+              <a:ext uri="{28A0092B-C50C-407E-A947-70E740481C1C}">
+                <a14:useLocalDpi xmlns:a14="http://schemas.microsoft.com/office/drawing/2010/main" val="0"/>
+              </a:ext>
+            </a:extLst>
+          </a:blip>
+          <a:srcRect b="5172"/>
+          <a:stretch/>
+        </p:blipFill>
+        <p:spPr bwMode="auto">
+          <a:xfrm>
+            <a:off x="6096000" y="1564419"/>
+            <a:ext cx="5688723" cy="4126933"/>
+          </a:xfrm>
+          <a:prstGeom prst="rect">
+            <a:avLst/>
+          </a:prstGeom>
+          <a:noFill/>
+          <a:extLst>
+            <a:ext uri="{909E8E84-426E-40DD-AFC4-6F175D3DCCD1}">
+              <a14:hiddenFill xmlns:a14="http://schemas.microsoft.com/office/drawing/2010/main">
+                <a:solidFill>
+                  <a:srgbClr val="FFFFFF"/>
+                </a:solidFill>
+              </a14:hiddenFill>
+            </a:ext>
+          </a:extLst>
+        </p:spPr>
+      </p:pic>
+      <p:sp>
+        <p:nvSpPr>
+          <p:cNvPr id="4" name="TextBox 3">
+            <a:extLst>
+              <a:ext uri="{FF2B5EF4-FFF2-40B4-BE49-F238E27FC236}">
+                <a16:creationId xmlns:a16="http://schemas.microsoft.com/office/drawing/2014/main" id="{26B017B9-43A2-4AA5-AE61-BE06AD84C5F1}"/>
+              </a:ext>
+            </a:extLst>
+          </p:cNvPr>
+          <p:cNvSpPr txBox="1"/>
+          <p:nvPr/>
+        </p:nvSpPr>
+        <p:spPr>
+          <a:xfrm>
+            <a:off x="9572297" y="6123543"/>
+            <a:ext cx="1781503" cy="369332"/>
+          </a:xfrm>
+          <a:prstGeom prst="rect">
+            <a:avLst/>
+          </a:prstGeom>
+          <a:noFill/>
+        </p:spPr>
+        <p:txBody>
+          <a:bodyPr wrap="square" rtlCol="0">
+            <a:spAutoFit/>
+          </a:bodyPr>
+          <a:lstStyle/>
+          <a:p>
+            <a:pPr marL="0" marR="0" lvl="0" indent="0" algn="l" defTabSz="914400" rtl="0" eaLnBrk="1" fontAlgn="auto" latinLnBrk="0" hangingPunct="1">
+              <a:lnSpc>
+                <a:spcPct val="100000"/>
+              </a:lnSpc>
+              <a:spcBef>
+                <a:spcPts val="0"/>
+              </a:spcBef>
+              <a:spcAft>
+                <a:spcPts val="0"/>
+              </a:spcAft>
+              <a:buClrTx/>
+              <a:buSzTx/>
+              <a:buFontTx/>
+              <a:buNone/>
+              <a:tabLst/>
+              <a:defRPr/>
+            </a:pPr>
+            <a:r>
+              <a:rPr kumimoji="0" lang="en-US" sz="1800" b="0" i="0" u="none" strike="noStrike" kern="1200" cap="none" spc="0" normalizeH="0" baseline="0" noProof="0" dirty="0">
+                <a:ln>
+                  <a:noFill/>
+                </a:ln>
+                <a:solidFill>
+                  <a:prstClr val="black"/>
+                </a:solidFill>
+                <a:effectLst/>
+                <a:uLnTx/>
+                <a:uFillTx/>
+                <a:latin typeface="Calibri" panose="020F0502020204030204"/>
+                <a:ea typeface="+mn-ea"/>
+                <a:cs typeface="+mn-cs"/>
+                <a:hlinkClick r:id="rId3"/>
+              </a:rPr>
+              <a:t>Image reference</a:t>
+            </a:r>
+            <a:endParaRPr kumimoji="0" lang="en-US" sz="1800" b="0" i="0" u="none" strike="noStrike" kern="1200" cap="none" spc="0" normalizeH="0" baseline="0" noProof="0" dirty="0">
+              <a:ln>
+                <a:noFill/>
+              </a:ln>
+              <a:solidFill>
+                <a:prstClr val="black"/>
+              </a:solidFill>
+              <a:effectLst/>
+              <a:uLnTx/>
+              <a:uFillTx/>
+              <a:latin typeface="Calibri" panose="020F0502020204030204"/>
+              <a:ea typeface="+mn-ea"/>
+              <a:cs typeface="+mn-cs"/>
+            </a:endParaRPr>
+          </a:p>
+        </p:txBody>
+      </p:sp>
+    </p:spTree>
+    <p:extLst>
+      <p:ext uri="{BB962C8B-B14F-4D97-AF65-F5344CB8AC3E}">
+        <p14:creationId xmlns:p14="http://schemas.microsoft.com/office/powerpoint/2010/main" val="4210519583"/>
       </p:ext>
     </p:extLst>
   </p:cSld>
@@ -13151,35 +19025,6 @@
       </p:sp>
       <p:sp>
         <p:nvSpPr>
-          <p:cNvPr id="3" name="Content Placeholder 2">
-            <a:extLst>
-              <a:ext uri="{FF2B5EF4-FFF2-40B4-BE49-F238E27FC236}">
-                <a16:creationId xmlns:a16="http://schemas.microsoft.com/office/drawing/2014/main" id="{A2D84743-A9BA-4422-9790-8ECEF3A2CEDC}"/>
-              </a:ext>
-            </a:extLst>
-          </p:cNvPr>
-          <p:cNvSpPr>
-            <a:spLocks noGrp="1"/>
-          </p:cNvSpPr>
-          <p:nvPr>
-            <p:ph idx="1"/>
-          </p:nvPr>
-        </p:nvSpPr>
-        <p:spPr/>
-        <p:txBody>
-          <a:bodyPr/>
-          <a:lstStyle/>
-          <a:p>
-            <a:endParaRPr lang="en-GB" dirty="0">
-              <a:solidFill>
-                <a:sysClr val="windowText" lastClr="000000"/>
-              </a:solidFill>
-            </a:endParaRPr>
-          </a:p>
-        </p:txBody>
-      </p:sp>
-      <p:sp>
-        <p:nvSpPr>
           <p:cNvPr id="4" name="Title 1">
             <a:extLst>
               <a:ext uri="{FF2B5EF4-FFF2-40B4-BE49-F238E27FC236}">
@@ -13236,6 +19081,156 @@
           </a:p>
         </p:txBody>
       </p:sp>
+      <p:pic>
+        <p:nvPicPr>
+          <p:cNvPr id="1026" name="Picture 2" descr="Is Python programming language d... - Opinion - What Mobile">
+            <a:extLst>
+              <a:ext uri="{FF2B5EF4-FFF2-40B4-BE49-F238E27FC236}">
+                <a16:creationId xmlns:a16="http://schemas.microsoft.com/office/drawing/2014/main" id="{C89BC072-D85A-4557-A9BD-72601BBDAC76}"/>
+              </a:ext>
+            </a:extLst>
+          </p:cNvPr>
+          <p:cNvPicPr>
+            <a:picLocks noGrp="1" noChangeAspect="1" noChangeArrowheads="1"/>
+          </p:cNvPicPr>
+          <p:nvPr>
+            <p:ph idx="1"/>
+          </p:nvPr>
+        </p:nvPicPr>
+        <p:blipFill rotWithShape="1">
+          <a:blip r:embed="rId2">
+            <a:extLst>
+              <a:ext uri="{28A0092B-C50C-407E-A947-70E740481C1C}">
+                <a14:useLocalDpi xmlns:a14="http://schemas.microsoft.com/office/drawing/2010/main" val="0"/>
+              </a:ext>
+            </a:extLst>
+          </a:blip>
+          <a:srcRect l="25906" r="24311"/>
+          <a:stretch/>
+        </p:blipFill>
+        <p:spPr bwMode="auto">
+          <a:xfrm>
+            <a:off x="4928254" y="1943101"/>
+            <a:ext cx="2880000" cy="3860961"/>
+          </a:xfrm>
+          <a:prstGeom prst="rect">
+            <a:avLst/>
+          </a:prstGeom>
+          <a:noFill/>
+          <a:extLst>
+            <a:ext uri="{909E8E84-426E-40DD-AFC4-6F175D3DCCD1}">
+              <a14:hiddenFill xmlns:a14="http://schemas.microsoft.com/office/drawing/2010/main">
+                <a:solidFill>
+                  <a:srgbClr val="FFFFFF"/>
+                </a:solidFill>
+              </a14:hiddenFill>
+            </a:ext>
+          </a:extLst>
+        </p:spPr>
+      </p:pic>
+      <p:pic>
+        <p:nvPicPr>
+          <p:cNvPr id="3" name="Picture 2">
+            <a:extLst>
+              <a:ext uri="{FF2B5EF4-FFF2-40B4-BE49-F238E27FC236}">
+                <a16:creationId xmlns:a16="http://schemas.microsoft.com/office/drawing/2014/main" id="{E62D000A-030C-44FB-9696-5026BB4744D0}"/>
+              </a:ext>
+            </a:extLst>
+          </p:cNvPr>
+          <p:cNvPicPr>
+            <a:picLocks noChangeAspect="1" noChangeArrowheads="1"/>
+          </p:cNvPicPr>
+          <p:nvPr/>
+        </p:nvPicPr>
+        <p:blipFill>
+          <a:blip r:embed="rId3">
+            <a:extLst>
+              <a:ext uri="{28A0092B-C50C-407E-A947-70E740481C1C}">
+                <a14:useLocalDpi xmlns:a14="http://schemas.microsoft.com/office/drawing/2010/main" val="0"/>
+              </a:ext>
+            </a:extLst>
+          </a:blip>
+          <a:srcRect/>
+          <a:stretch>
+            <a:fillRect/>
+          </a:stretch>
+        </p:blipFill>
+        <p:spPr bwMode="auto">
+          <a:xfrm>
+            <a:off x="399410" y="2495550"/>
+            <a:ext cx="4528844" cy="2147427"/>
+          </a:xfrm>
+          <a:prstGeom prst="rect">
+            <a:avLst/>
+          </a:prstGeom>
+          <a:noFill/>
+          <a:extLst>
+            <a:ext uri="{909E8E84-426E-40DD-AFC4-6F175D3DCCD1}">
+              <a14:hiddenFill xmlns:a14="http://schemas.microsoft.com/office/drawing/2010/main">
+                <a:solidFill>
+                  <a:srgbClr val="FFFFFF"/>
+                </a:solidFill>
+              </a14:hiddenFill>
+            </a:ext>
+          </a:extLst>
+        </p:spPr>
+      </p:pic>
+      <p:pic>
+        <p:nvPicPr>
+          <p:cNvPr id="7" name="Picture 2" descr="Tkinter png images | PNGWing">
+            <a:extLst>
+              <a:ext uri="{FF2B5EF4-FFF2-40B4-BE49-F238E27FC236}">
+                <a16:creationId xmlns:a16="http://schemas.microsoft.com/office/drawing/2014/main" id="{76D7CDDD-39CC-0C61-A663-28645DFCFFC7}"/>
+              </a:ext>
+            </a:extLst>
+          </p:cNvPr>
+          <p:cNvPicPr>
+            <a:picLocks noChangeAspect="1" noChangeArrowheads="1"/>
+          </p:cNvPicPr>
+          <p:nvPr/>
+        </p:nvPicPr>
+        <p:blipFill>
+          <a:blip r:embed="rId4">
+            <a:extLst>
+              <a:ext uri="{BEBA8EAE-BF5A-486C-A8C5-ECC9F3942E4B}">
+                <a14:imgProps xmlns:a14="http://schemas.microsoft.com/office/drawing/2010/main">
+                  <a14:imgLayer r:embed="rId5">
+                    <a14:imgEffect>
+                      <a14:backgroundRemoval t="10000" b="90000" l="10000" r="90000"/>
+                    </a14:imgEffect>
+                  </a14:imgLayer>
+                </a14:imgProps>
+              </a:ext>
+              <a:ext uri="{28A0092B-C50C-407E-A947-70E740481C1C}">
+                <a14:useLocalDpi xmlns:a14="http://schemas.microsoft.com/office/drawing/2010/main" val="0"/>
+              </a:ext>
+            </a:extLst>
+          </a:blip>
+          <a:srcRect/>
+          <a:stretch>
+            <a:fillRect/>
+          </a:stretch>
+        </p:blipFill>
+        <p:spPr bwMode="auto">
+          <a:xfrm>
+            <a:off x="8296275" y="1943101"/>
+            <a:ext cx="3496315" cy="3860961"/>
+          </a:xfrm>
+          <a:prstGeom prst="rect">
+            <a:avLst/>
+          </a:prstGeom>
+          <a:noFill/>
+          <a:extLst>
+            <a:ext uri="{909E8E84-426E-40DD-AFC4-6F175D3DCCD1}">
+              <a14:hiddenFill xmlns:a14="http://schemas.microsoft.com/office/drawing/2010/main">
+                <a:solidFill>
+                  <a:srgbClr val="FFFFFF"/>
+                </a:solidFill>
+              </a14:hiddenFill>
+            </a:ext>
+          </a:extLst>
+        </p:spPr>
+      </p:pic>
     </p:spTree>
     <p:extLst>
       <p:ext uri="{BB962C8B-B14F-4D97-AF65-F5344CB8AC3E}">
@@ -13287,11 +19282,14 @@
           <a:bodyPr/>
           <a:lstStyle/>
           <a:p>
-            <a:endParaRPr lang="en-GB" dirty="0">
-              <a:solidFill>
-                <a:schemeClr val="bg1"/>
-              </a:solidFill>
-            </a:endParaRPr>
+            <a:r>
+              <a:rPr lang="en-GB" dirty="0">
+                <a:solidFill>
+                  <a:schemeClr val="bg1"/>
+                </a:solidFill>
+              </a:rPr>
+              <a:t>Python</a:t>
+            </a:r>
           </a:p>
         </p:txBody>
       </p:sp>
@@ -13316,6 +19314,361 @@
           <a:bodyPr/>
           <a:lstStyle/>
           <a:p>
+            <a:r>
+              <a:rPr lang="en-GB" dirty="0">
+                <a:solidFill>
+                  <a:schemeClr val="bg1"/>
+                </a:solidFill>
+              </a:rPr>
+              <a:t>Our program was written in Python.</a:t>
+            </a:r>
+          </a:p>
+          <a:p>
+            <a:r>
+              <a:rPr lang="en-GB" dirty="0">
+                <a:solidFill>
+                  <a:schemeClr val="bg1"/>
+                </a:solidFill>
+              </a:rPr>
+              <a:t>We chose this language due to its flexibility and our previous experience with it.</a:t>
+            </a:r>
+          </a:p>
+          <a:p>
+            <a:r>
+              <a:rPr lang="en-GB" dirty="0">
+                <a:solidFill>
+                  <a:schemeClr val="bg1"/>
+                </a:solidFill>
+              </a:rPr>
+              <a:t>It has many useful libraries and is easier to use than more syntactically complex languages like Java or C++.</a:t>
+            </a:r>
+          </a:p>
+          <a:p>
+            <a:r>
+              <a:rPr lang="en-GB" dirty="0">
+                <a:solidFill>
+                  <a:schemeClr val="bg1"/>
+                </a:solidFill>
+              </a:rPr>
+              <a:t>Allowed us to use a mix of OOP and functional programming.</a:t>
+            </a:r>
+          </a:p>
+        </p:txBody>
+      </p:sp>
+      <p:pic>
+        <p:nvPicPr>
+          <p:cNvPr id="2052" name="Picture 4" descr="Python (programming language) - Wikipedia">
+            <a:extLst>
+              <a:ext uri="{FF2B5EF4-FFF2-40B4-BE49-F238E27FC236}">
+                <a16:creationId xmlns:a16="http://schemas.microsoft.com/office/drawing/2014/main" id="{B4E1BD8A-A9D1-46C9-8502-C15A78025D69}"/>
+              </a:ext>
+            </a:extLst>
+          </p:cNvPr>
+          <p:cNvPicPr>
+            <a:picLocks noChangeAspect="1" noChangeArrowheads="1"/>
+          </p:cNvPicPr>
+          <p:nvPr/>
+        </p:nvPicPr>
+        <p:blipFill>
+          <a:blip r:embed="rId2">
+            <a:extLst>
+              <a:ext uri="{28A0092B-C50C-407E-A947-70E740481C1C}">
+                <a14:useLocalDpi xmlns:a14="http://schemas.microsoft.com/office/drawing/2010/main" val="0"/>
+              </a:ext>
+            </a:extLst>
+          </a:blip>
+          <a:srcRect/>
+          <a:stretch>
+            <a:fillRect/>
+          </a:stretch>
+        </p:blipFill>
+        <p:spPr bwMode="auto">
+          <a:xfrm>
+            <a:off x="3142296" y="787096"/>
+            <a:ext cx="1141413" cy="1141413"/>
+          </a:xfrm>
+          <a:prstGeom prst="rect">
+            <a:avLst/>
+          </a:prstGeom>
+          <a:noFill/>
+          <a:extLst>
+            <a:ext uri="{909E8E84-426E-40DD-AFC4-6F175D3DCCD1}">
+              <a14:hiddenFill xmlns:a14="http://schemas.microsoft.com/office/drawing/2010/main">
+                <a:solidFill>
+                  <a:srgbClr val="FFFFFF"/>
+                </a:solidFill>
+              </a14:hiddenFill>
+            </a:ext>
+          </a:extLst>
+        </p:spPr>
+      </p:pic>
+    </p:spTree>
+    <p:extLst>
+      <p:ext uri="{BB962C8B-B14F-4D97-AF65-F5344CB8AC3E}">
+        <p14:creationId xmlns:p14="http://schemas.microsoft.com/office/powerpoint/2010/main" val="2972128714"/>
+      </p:ext>
+    </p:extLst>
+  </p:cSld>
+  <p:clrMapOvr>
+    <a:masterClrMapping/>
+  </p:clrMapOvr>
+</p:sld>
+</file>
+
+<file path=ppt/slides/slide4.xml><?xml version="1.0" encoding="utf-8"?>
+<p:sld xmlns:a="http://schemas.openxmlformats.org/drawingml/2006/main" xmlns:r="http://schemas.openxmlformats.org/officeDocument/2006/relationships" xmlns:p="http://schemas.openxmlformats.org/presentationml/2006/main">
+  <p:cSld>
+    <p:spTree>
+      <p:nvGrpSpPr>
+        <p:cNvPr id="1" name=""/>
+        <p:cNvGrpSpPr/>
+        <p:nvPr/>
+      </p:nvGrpSpPr>
+      <p:grpSpPr>
+        <a:xfrm>
+          <a:off x="0" y="0"/>
+          <a:ext cx="0" cy="0"/>
+          <a:chOff x="0" y="0"/>
+          <a:chExt cx="0" cy="0"/>
+        </a:xfrm>
+      </p:grpSpPr>
+      <p:sp>
+        <p:nvSpPr>
+          <p:cNvPr id="2" name="Title 1">
+            <a:extLst>
+              <a:ext uri="{FF2B5EF4-FFF2-40B4-BE49-F238E27FC236}">
+                <a16:creationId xmlns:a16="http://schemas.microsoft.com/office/drawing/2014/main" id="{329D65A2-6218-41BF-947C-602A6876E172}"/>
+              </a:ext>
+            </a:extLst>
+          </p:cNvPr>
+          <p:cNvSpPr>
+            <a:spLocks noGrp="1"/>
+          </p:cNvSpPr>
+          <p:nvPr>
+            <p:ph type="title"/>
+          </p:nvPr>
+        </p:nvSpPr>
+        <p:spPr/>
+        <p:txBody>
+          <a:bodyPr/>
+          <a:lstStyle/>
+          <a:p>
+            <a:r>
+              <a:rPr lang="en-GB" dirty="0">
+                <a:solidFill>
+                  <a:schemeClr val="bg1"/>
+                </a:solidFill>
+              </a:rPr>
+              <a:t>Python – usage</a:t>
+            </a:r>
+          </a:p>
+        </p:txBody>
+      </p:sp>
+      <p:sp>
+        <p:nvSpPr>
+          <p:cNvPr id="3" name="Content Placeholder 2">
+            <a:extLst>
+              <a:ext uri="{FF2B5EF4-FFF2-40B4-BE49-F238E27FC236}">
+                <a16:creationId xmlns:a16="http://schemas.microsoft.com/office/drawing/2014/main" id="{A73B52EA-8760-409C-B412-B6129F797447}"/>
+              </a:ext>
+            </a:extLst>
+          </p:cNvPr>
+          <p:cNvSpPr>
+            <a:spLocks noGrp="1"/>
+          </p:cNvSpPr>
+          <p:nvPr>
+            <p:ph idx="1"/>
+          </p:nvPr>
+        </p:nvSpPr>
+        <p:spPr>
+          <a:xfrm>
+            <a:off x="1141412" y="2249486"/>
+            <a:ext cx="3686809" cy="3821417"/>
+          </a:xfrm>
+        </p:spPr>
+        <p:txBody>
+          <a:bodyPr>
+            <a:normAutofit fontScale="70000" lnSpcReduction="20000"/>
+          </a:bodyPr>
+          <a:lstStyle/>
+          <a:p>
+            <a:r>
+              <a:rPr lang="en-GB" dirty="0">
+                <a:solidFill>
+                  <a:schemeClr val="bg1"/>
+                </a:solidFill>
+              </a:rPr>
+              <a:t>All aspects of simulator written using Python code.</a:t>
+            </a:r>
+          </a:p>
+          <a:p>
+            <a:r>
+              <a:rPr lang="en-GB" dirty="0">
+                <a:solidFill>
+                  <a:schemeClr val="bg1"/>
+                </a:solidFill>
+              </a:rPr>
+              <a:t>We used OOP for the main file, with the code for the main screens, setup and in-game mechanics.</a:t>
+            </a:r>
+          </a:p>
+          <a:p>
+            <a:r>
+              <a:rPr lang="en-GB" dirty="0">
+                <a:solidFill>
+                  <a:schemeClr val="bg1"/>
+                </a:solidFill>
+              </a:rPr>
+              <a:t>We used functional programming for modular aspects like the grade calculator and avatar customisation</a:t>
+            </a:r>
+          </a:p>
+          <a:p>
+            <a:r>
+              <a:rPr lang="en-GB" dirty="0">
+                <a:solidFill>
+                  <a:schemeClr val="bg1"/>
+                </a:solidFill>
+              </a:rPr>
+              <a:t>This also allowed us to work on different parts of the simulator separately with minimal code conflicts.</a:t>
+            </a:r>
+          </a:p>
+        </p:txBody>
+      </p:sp>
+      <p:pic>
+        <p:nvPicPr>
+          <p:cNvPr id="2052" name="Picture 4" descr="Python (programming language) - Wikipedia">
+            <a:extLst>
+              <a:ext uri="{FF2B5EF4-FFF2-40B4-BE49-F238E27FC236}">
+                <a16:creationId xmlns:a16="http://schemas.microsoft.com/office/drawing/2014/main" id="{B4E1BD8A-A9D1-46C9-8502-C15A78025D69}"/>
+              </a:ext>
+            </a:extLst>
+          </p:cNvPr>
+          <p:cNvPicPr>
+            <a:picLocks noChangeAspect="1" noChangeArrowheads="1"/>
+          </p:cNvPicPr>
+          <p:nvPr/>
+        </p:nvPicPr>
+        <p:blipFill>
+          <a:blip r:embed="rId2">
+            <a:extLst>
+              <a:ext uri="{28A0092B-C50C-407E-A947-70E740481C1C}">
+                <a14:useLocalDpi xmlns:a14="http://schemas.microsoft.com/office/drawing/2010/main" val="0"/>
+              </a:ext>
+            </a:extLst>
+          </a:blip>
+          <a:srcRect/>
+          <a:stretch>
+            <a:fillRect/>
+          </a:stretch>
+        </p:blipFill>
+        <p:spPr bwMode="auto">
+          <a:xfrm>
+            <a:off x="4828221" y="787096"/>
+            <a:ext cx="1141413" cy="1141413"/>
+          </a:xfrm>
+          <a:prstGeom prst="rect">
+            <a:avLst/>
+          </a:prstGeom>
+          <a:noFill/>
+          <a:extLst>
+            <a:ext uri="{909E8E84-426E-40DD-AFC4-6F175D3DCCD1}">
+              <a14:hiddenFill xmlns:a14="http://schemas.microsoft.com/office/drawing/2010/main">
+                <a:solidFill>
+                  <a:srgbClr val="FFFFFF"/>
+                </a:solidFill>
+              </a14:hiddenFill>
+            </a:ext>
+          </a:extLst>
+        </p:spPr>
+      </p:pic>
+      <p:pic>
+        <p:nvPicPr>
+          <p:cNvPr id="5" name="Picture 4">
+            <a:extLst>
+              <a:ext uri="{FF2B5EF4-FFF2-40B4-BE49-F238E27FC236}">
+                <a16:creationId xmlns:a16="http://schemas.microsoft.com/office/drawing/2014/main" id="{43BB3F99-59F4-4497-BB93-66D125F662CE}"/>
+              </a:ext>
+            </a:extLst>
+          </p:cNvPr>
+          <p:cNvPicPr>
+            <a:picLocks noChangeAspect="1"/>
+          </p:cNvPicPr>
+          <p:nvPr/>
+        </p:nvPicPr>
+        <p:blipFill>
+          <a:blip r:embed="rId3"/>
+          <a:stretch>
+            <a:fillRect/>
+          </a:stretch>
+        </p:blipFill>
+        <p:spPr>
+          <a:xfrm>
+            <a:off x="4828221" y="2159944"/>
+            <a:ext cx="6829284" cy="4000499"/>
+          </a:xfrm>
+          <a:prstGeom prst="rect">
+            <a:avLst/>
+          </a:prstGeom>
+        </p:spPr>
+      </p:pic>
+    </p:spTree>
+    <p:extLst>
+      <p:ext uri="{BB962C8B-B14F-4D97-AF65-F5344CB8AC3E}">
+        <p14:creationId xmlns:p14="http://schemas.microsoft.com/office/powerpoint/2010/main" val="3698871767"/>
+      </p:ext>
+    </p:extLst>
+  </p:cSld>
+  <p:clrMapOvr>
+    <a:masterClrMapping/>
+  </p:clrMapOvr>
+</p:sld>
+</file>
+
+<file path=ppt/slides/slide5.xml><?xml version="1.0" encoding="utf-8"?>
+<p:sld xmlns:a="http://schemas.openxmlformats.org/drawingml/2006/main" xmlns:r="http://schemas.openxmlformats.org/officeDocument/2006/relationships" xmlns:p="http://schemas.openxmlformats.org/presentationml/2006/main">
+  <p:cSld>
+    <p:spTree>
+      <p:nvGrpSpPr>
+        <p:cNvPr id="1" name=""/>
+        <p:cNvGrpSpPr/>
+        <p:nvPr/>
+      </p:nvGrpSpPr>
+      <p:grpSpPr>
+        <a:xfrm>
+          <a:off x="0" y="0"/>
+          <a:ext cx="0" cy="0"/>
+          <a:chOff x="0" y="0"/>
+          <a:chExt cx="0" cy="0"/>
+        </a:xfrm>
+      </p:grpSpPr>
+      <p:sp>
+        <p:nvSpPr>
+          <p:cNvPr id="2" name="Title 1">
+            <a:extLst>
+              <a:ext uri="{FF2B5EF4-FFF2-40B4-BE49-F238E27FC236}">
+                <a16:creationId xmlns:a16="http://schemas.microsoft.com/office/drawing/2014/main" id="{329D65A2-6218-41BF-947C-602A6876E172}"/>
+              </a:ext>
+            </a:extLst>
+          </p:cNvPr>
+          <p:cNvSpPr>
+            <a:spLocks noGrp="1"/>
+          </p:cNvSpPr>
+          <p:nvPr>
+            <p:ph type="title"/>
+          </p:nvPr>
+        </p:nvSpPr>
+        <p:spPr/>
+        <p:txBody>
+          <a:bodyPr/>
+          <a:lstStyle/>
+          <a:p>
+            <a:r>
+              <a:rPr lang="en-GB" dirty="0" err="1">
+                <a:solidFill>
+                  <a:schemeClr val="bg1"/>
+                </a:solidFill>
+              </a:rPr>
+              <a:t>tkinter</a:t>
+            </a:r>
             <a:endParaRPr lang="en-GB" dirty="0">
               <a:solidFill>
                 <a:schemeClr val="bg1"/>
@@ -13324,10 +19677,1239 @@
           </a:p>
         </p:txBody>
       </p:sp>
+      <p:sp>
+        <p:nvSpPr>
+          <p:cNvPr id="3" name="Content Placeholder 2">
+            <a:extLst>
+              <a:ext uri="{FF2B5EF4-FFF2-40B4-BE49-F238E27FC236}">
+                <a16:creationId xmlns:a16="http://schemas.microsoft.com/office/drawing/2014/main" id="{A73B52EA-8760-409C-B412-B6129F797447}"/>
+              </a:ext>
+            </a:extLst>
+          </p:cNvPr>
+          <p:cNvSpPr>
+            <a:spLocks noGrp="1"/>
+          </p:cNvSpPr>
+          <p:nvPr>
+            <p:ph idx="1"/>
+          </p:nvPr>
+        </p:nvSpPr>
+        <p:spPr/>
+        <p:txBody>
+          <a:bodyPr/>
+          <a:lstStyle/>
+          <a:p>
+            <a:r>
+              <a:rPr lang="en-GB" dirty="0">
+                <a:solidFill>
+                  <a:schemeClr val="bg1"/>
+                </a:solidFill>
+              </a:rPr>
+              <a:t>The Python Tkinter library was used for all of our interfaces.</a:t>
+            </a:r>
+          </a:p>
+          <a:p>
+            <a:r>
+              <a:rPr lang="en-GB" dirty="0">
+                <a:solidFill>
+                  <a:schemeClr val="bg1"/>
+                </a:solidFill>
+              </a:rPr>
+              <a:t>We chose it due to its adaptability and the previous experience of members.</a:t>
+            </a:r>
+          </a:p>
+          <a:p>
+            <a:r>
+              <a:rPr lang="en-GB" dirty="0">
+                <a:solidFill>
+                  <a:schemeClr val="bg1"/>
+                </a:solidFill>
+              </a:rPr>
+              <a:t>It also can be easily used with an object-oriented approach, which made our code extremely modular and organised.</a:t>
+            </a:r>
+          </a:p>
+          <a:p>
+            <a:r>
+              <a:rPr lang="en-GB" dirty="0">
+                <a:solidFill>
+                  <a:schemeClr val="bg1"/>
+                </a:solidFill>
+              </a:rPr>
+              <a:t>We wanted to use a totally offline simulator with simple installation, so used a Tkinter-based GUI instead of something like a webapp.</a:t>
+            </a:r>
+          </a:p>
+        </p:txBody>
+      </p:sp>
+      <p:pic>
+        <p:nvPicPr>
+          <p:cNvPr id="3074" name="Picture 2" descr="Tkinter png images | PNGWing">
+            <a:extLst>
+              <a:ext uri="{FF2B5EF4-FFF2-40B4-BE49-F238E27FC236}">
+                <a16:creationId xmlns:a16="http://schemas.microsoft.com/office/drawing/2014/main" id="{EF7EA563-2D86-4C4E-84C7-F1E6A96B9EFB}"/>
+              </a:ext>
+            </a:extLst>
+          </p:cNvPr>
+          <p:cNvPicPr>
+            <a:picLocks noChangeAspect="1" noChangeArrowheads="1"/>
+          </p:cNvPicPr>
+          <p:nvPr/>
+        </p:nvPicPr>
+        <p:blipFill>
+          <a:blip r:embed="rId2">
+            <a:extLst>
+              <a:ext uri="{BEBA8EAE-BF5A-486C-A8C5-ECC9F3942E4B}">
+                <a14:imgProps xmlns:a14="http://schemas.microsoft.com/office/drawing/2010/main">
+                  <a14:imgLayer r:embed="rId3">
+                    <a14:imgEffect>
+                      <a14:backgroundRemoval t="10000" b="90000" l="10000" r="90000"/>
+                    </a14:imgEffect>
+                  </a14:imgLayer>
+                </a14:imgProps>
+              </a:ext>
+              <a:ext uri="{28A0092B-C50C-407E-A947-70E740481C1C}">
+                <a14:useLocalDpi xmlns:a14="http://schemas.microsoft.com/office/drawing/2010/main" val="0"/>
+              </a:ext>
+            </a:extLst>
+          </a:blip>
+          <a:srcRect/>
+          <a:stretch>
+            <a:fillRect/>
+          </a:stretch>
+        </p:blipFill>
+        <p:spPr bwMode="auto">
+          <a:xfrm>
+            <a:off x="2646844" y="457566"/>
+            <a:ext cx="1553681" cy="1715721"/>
+          </a:xfrm>
+          <a:prstGeom prst="rect">
+            <a:avLst/>
+          </a:prstGeom>
+          <a:noFill/>
+          <a:extLst>
+            <a:ext uri="{909E8E84-426E-40DD-AFC4-6F175D3DCCD1}">
+              <a14:hiddenFill xmlns:a14="http://schemas.microsoft.com/office/drawing/2010/main">
+                <a:solidFill>
+                  <a:srgbClr val="FFFFFF"/>
+                </a:solidFill>
+              </a14:hiddenFill>
+            </a:ext>
+          </a:extLst>
+        </p:spPr>
+      </p:pic>
     </p:spTree>
     <p:extLst>
       <p:ext uri="{BB962C8B-B14F-4D97-AF65-F5344CB8AC3E}">
-        <p14:creationId xmlns:p14="http://schemas.microsoft.com/office/powerpoint/2010/main" val="2972128714"/>
+        <p14:creationId xmlns:p14="http://schemas.microsoft.com/office/powerpoint/2010/main" val="202582035"/>
+      </p:ext>
+    </p:extLst>
+  </p:cSld>
+  <p:clrMapOvr>
+    <a:masterClrMapping/>
+  </p:clrMapOvr>
+</p:sld>
+</file>
+
+<file path=ppt/slides/slide6.xml><?xml version="1.0" encoding="utf-8"?>
+<p:sld xmlns:a="http://schemas.openxmlformats.org/drawingml/2006/main" xmlns:r="http://schemas.openxmlformats.org/officeDocument/2006/relationships" xmlns:p="http://schemas.openxmlformats.org/presentationml/2006/main">
+  <p:cSld>
+    <p:spTree>
+      <p:nvGrpSpPr>
+        <p:cNvPr id="1" name=""/>
+        <p:cNvGrpSpPr/>
+        <p:nvPr/>
+      </p:nvGrpSpPr>
+      <p:grpSpPr>
+        <a:xfrm>
+          <a:off x="0" y="0"/>
+          <a:ext cx="0" cy="0"/>
+          <a:chOff x="0" y="0"/>
+          <a:chExt cx="0" cy="0"/>
+        </a:xfrm>
+      </p:grpSpPr>
+      <p:sp>
+        <p:nvSpPr>
+          <p:cNvPr id="2" name="Title 1">
+            <a:extLst>
+              <a:ext uri="{FF2B5EF4-FFF2-40B4-BE49-F238E27FC236}">
+                <a16:creationId xmlns:a16="http://schemas.microsoft.com/office/drawing/2014/main" id="{329D65A2-6218-41BF-947C-602A6876E172}"/>
+              </a:ext>
+            </a:extLst>
+          </p:cNvPr>
+          <p:cNvSpPr>
+            <a:spLocks noGrp="1"/>
+          </p:cNvSpPr>
+          <p:nvPr>
+            <p:ph type="title"/>
+          </p:nvPr>
+        </p:nvSpPr>
+        <p:spPr/>
+        <p:txBody>
+          <a:bodyPr/>
+          <a:lstStyle/>
+          <a:p>
+            <a:r>
+              <a:rPr lang="en-GB" dirty="0">
+                <a:solidFill>
+                  <a:schemeClr val="bg1"/>
+                </a:solidFill>
+              </a:rPr>
+              <a:t>Tkinter - usage</a:t>
+            </a:r>
+          </a:p>
+        </p:txBody>
+      </p:sp>
+      <p:sp>
+        <p:nvSpPr>
+          <p:cNvPr id="3" name="Content Placeholder 2">
+            <a:extLst>
+              <a:ext uri="{FF2B5EF4-FFF2-40B4-BE49-F238E27FC236}">
+                <a16:creationId xmlns:a16="http://schemas.microsoft.com/office/drawing/2014/main" id="{A73B52EA-8760-409C-B412-B6129F797447}"/>
+              </a:ext>
+            </a:extLst>
+          </p:cNvPr>
+          <p:cNvSpPr>
+            <a:spLocks noGrp="1"/>
+          </p:cNvSpPr>
+          <p:nvPr>
+            <p:ph idx="1"/>
+          </p:nvPr>
+        </p:nvSpPr>
+        <p:spPr>
+          <a:xfrm>
+            <a:off x="865188" y="2215663"/>
+            <a:ext cx="4887912" cy="3541714"/>
+          </a:xfrm>
+        </p:spPr>
+        <p:txBody>
+          <a:bodyPr>
+            <a:normAutofit fontScale="85000" lnSpcReduction="20000"/>
+          </a:bodyPr>
+          <a:lstStyle/>
+          <a:p>
+            <a:r>
+              <a:rPr lang="en-GB" dirty="0">
+                <a:solidFill>
+                  <a:schemeClr val="bg1"/>
+                </a:solidFill>
+              </a:rPr>
+              <a:t>We used Tkinter in the main file to create class-based screens that instantiated other screen objects as the user navigated the simulator.</a:t>
+            </a:r>
+          </a:p>
+          <a:p>
+            <a:r>
+              <a:rPr lang="en-GB" dirty="0">
+                <a:solidFill>
+                  <a:schemeClr val="bg1"/>
+                </a:solidFill>
+              </a:rPr>
+              <a:t>For some other features we used it in a functional way to create screens and then send the outputs back to the main file.</a:t>
+            </a:r>
+          </a:p>
+          <a:p>
+            <a:r>
+              <a:rPr lang="en-GB" dirty="0">
+                <a:solidFill>
+                  <a:schemeClr val="bg1"/>
+                </a:solidFill>
+              </a:rPr>
+              <a:t>We used various Tkinter features to create varying types of display with several types of widgets and layout managers.</a:t>
+            </a:r>
+          </a:p>
+        </p:txBody>
+      </p:sp>
+      <p:pic>
+        <p:nvPicPr>
+          <p:cNvPr id="3074" name="Picture 2" descr="Tkinter png images | PNGWing">
+            <a:extLst>
+              <a:ext uri="{FF2B5EF4-FFF2-40B4-BE49-F238E27FC236}">
+                <a16:creationId xmlns:a16="http://schemas.microsoft.com/office/drawing/2014/main" id="{EF7EA563-2D86-4C4E-84C7-F1E6A96B9EFB}"/>
+              </a:ext>
+            </a:extLst>
+          </p:cNvPr>
+          <p:cNvPicPr>
+            <a:picLocks noChangeAspect="1" noChangeArrowheads="1"/>
+          </p:cNvPicPr>
+          <p:nvPr/>
+        </p:nvPicPr>
+        <p:blipFill>
+          <a:blip r:embed="rId2">
+            <a:extLst>
+              <a:ext uri="{BEBA8EAE-BF5A-486C-A8C5-ECC9F3942E4B}">
+                <a14:imgProps xmlns:a14="http://schemas.microsoft.com/office/drawing/2010/main">
+                  <a14:imgLayer r:embed="rId3">
+                    <a14:imgEffect>
+                      <a14:backgroundRemoval t="10000" b="90000" l="10000" r="90000"/>
+                    </a14:imgEffect>
+                  </a14:imgLayer>
+                </a14:imgProps>
+              </a:ext>
+              <a:ext uri="{28A0092B-C50C-407E-A947-70E740481C1C}">
+                <a14:useLocalDpi xmlns:a14="http://schemas.microsoft.com/office/drawing/2010/main" val="0"/>
+              </a:ext>
+            </a:extLst>
+          </a:blip>
+          <a:srcRect/>
+          <a:stretch>
+            <a:fillRect/>
+          </a:stretch>
+        </p:blipFill>
+        <p:spPr bwMode="auto">
+          <a:xfrm>
+            <a:off x="4540730" y="499942"/>
+            <a:ext cx="1553681" cy="1715721"/>
+          </a:xfrm>
+          <a:prstGeom prst="rect">
+            <a:avLst/>
+          </a:prstGeom>
+          <a:noFill/>
+          <a:extLst>
+            <a:ext uri="{909E8E84-426E-40DD-AFC4-6F175D3DCCD1}">
+              <a14:hiddenFill xmlns:a14="http://schemas.microsoft.com/office/drawing/2010/main">
+                <a:solidFill>
+                  <a:srgbClr val="FFFFFF"/>
+                </a:solidFill>
+              </a14:hiddenFill>
+            </a:ext>
+          </a:extLst>
+        </p:spPr>
+      </p:pic>
+      <p:pic>
+        <p:nvPicPr>
+          <p:cNvPr id="5" name="Picture 4">
+            <a:extLst>
+              <a:ext uri="{FF2B5EF4-FFF2-40B4-BE49-F238E27FC236}">
+                <a16:creationId xmlns:a16="http://schemas.microsoft.com/office/drawing/2014/main" id="{673F7010-D752-4C74-A163-E221EE4A2425}"/>
+              </a:ext>
+            </a:extLst>
+          </p:cNvPr>
+          <p:cNvPicPr>
+            <a:picLocks noChangeAspect="1"/>
+          </p:cNvPicPr>
+          <p:nvPr/>
+        </p:nvPicPr>
+        <p:blipFill>
+          <a:blip r:embed="rId4"/>
+          <a:stretch>
+            <a:fillRect/>
+          </a:stretch>
+        </p:blipFill>
+        <p:spPr>
+          <a:xfrm>
+            <a:off x="6313486" y="1357802"/>
+            <a:ext cx="4230689" cy="2185920"/>
+          </a:xfrm>
+          <a:prstGeom prst="rect">
+            <a:avLst/>
+          </a:prstGeom>
+        </p:spPr>
+      </p:pic>
+      <p:pic>
+        <p:nvPicPr>
+          <p:cNvPr id="7" name="Picture 6">
+            <a:extLst>
+              <a:ext uri="{FF2B5EF4-FFF2-40B4-BE49-F238E27FC236}">
+                <a16:creationId xmlns:a16="http://schemas.microsoft.com/office/drawing/2014/main" id="{17EBFCD8-1E98-4C72-B4BB-E2222DD1EBF6}"/>
+              </a:ext>
+            </a:extLst>
+          </p:cNvPr>
+          <p:cNvPicPr>
+            <a:picLocks noChangeAspect="1"/>
+          </p:cNvPicPr>
+          <p:nvPr/>
+        </p:nvPicPr>
+        <p:blipFill>
+          <a:blip r:embed="rId5"/>
+          <a:stretch>
+            <a:fillRect/>
+          </a:stretch>
+        </p:blipFill>
+        <p:spPr>
+          <a:xfrm>
+            <a:off x="6237285" y="3589867"/>
+            <a:ext cx="4383089" cy="2342091"/>
+          </a:xfrm>
+          <a:prstGeom prst="rect">
+            <a:avLst/>
+          </a:prstGeom>
+        </p:spPr>
+      </p:pic>
+    </p:spTree>
+    <p:extLst>
+      <p:ext uri="{BB962C8B-B14F-4D97-AF65-F5344CB8AC3E}">
+        <p14:creationId xmlns:p14="http://schemas.microsoft.com/office/powerpoint/2010/main" val="827319212"/>
+      </p:ext>
+    </p:extLst>
+  </p:cSld>
+  <p:clrMapOvr>
+    <a:masterClrMapping/>
+  </p:clrMapOvr>
+</p:sld>
+</file>
+
+<file path=ppt/slides/slide7.xml><?xml version="1.0" encoding="utf-8"?>
+<p:sld xmlns:a="http://schemas.openxmlformats.org/drawingml/2006/main" xmlns:r="http://schemas.openxmlformats.org/officeDocument/2006/relationships" xmlns:p="http://schemas.openxmlformats.org/presentationml/2006/main">
+  <p:cSld>
+    <p:spTree>
+      <p:nvGrpSpPr>
+        <p:cNvPr id="1" name=""/>
+        <p:cNvGrpSpPr/>
+        <p:nvPr/>
+      </p:nvGrpSpPr>
+      <p:grpSpPr>
+        <a:xfrm>
+          <a:off x="0" y="0"/>
+          <a:ext cx="0" cy="0"/>
+          <a:chOff x="0" y="0"/>
+          <a:chExt cx="0" cy="0"/>
+        </a:xfrm>
+      </p:grpSpPr>
+      <p:sp>
+        <p:nvSpPr>
+          <p:cNvPr id="2" name="Title 1">
+            <a:extLst>
+              <a:ext uri="{FF2B5EF4-FFF2-40B4-BE49-F238E27FC236}">
+                <a16:creationId xmlns:a16="http://schemas.microsoft.com/office/drawing/2014/main" id="{329D65A2-6218-41BF-947C-602A6876E172}"/>
+              </a:ext>
+            </a:extLst>
+          </p:cNvPr>
+          <p:cNvSpPr>
+            <a:spLocks noGrp="1"/>
+          </p:cNvSpPr>
+          <p:nvPr>
+            <p:ph type="title"/>
+          </p:nvPr>
+        </p:nvSpPr>
+        <p:spPr/>
+        <p:txBody>
+          <a:bodyPr/>
+          <a:lstStyle/>
+          <a:p>
+            <a:r>
+              <a:rPr lang="en-GB" dirty="0">
+                <a:solidFill>
+                  <a:schemeClr val="bg1"/>
+                </a:solidFill>
+              </a:rPr>
+              <a:t>SQLite3</a:t>
+            </a:r>
+          </a:p>
+        </p:txBody>
+      </p:sp>
+      <p:sp>
+        <p:nvSpPr>
+          <p:cNvPr id="3" name="Content Placeholder 2">
+            <a:extLst>
+              <a:ext uri="{FF2B5EF4-FFF2-40B4-BE49-F238E27FC236}">
+                <a16:creationId xmlns:a16="http://schemas.microsoft.com/office/drawing/2014/main" id="{A73B52EA-8760-409C-B412-B6129F797447}"/>
+              </a:ext>
+            </a:extLst>
+          </p:cNvPr>
+          <p:cNvSpPr>
+            <a:spLocks noGrp="1"/>
+          </p:cNvSpPr>
+          <p:nvPr>
+            <p:ph idx="1"/>
+          </p:nvPr>
+        </p:nvSpPr>
+        <p:spPr/>
+        <p:txBody>
+          <a:bodyPr>
+            <a:normAutofit lnSpcReduction="10000"/>
+          </a:bodyPr>
+          <a:lstStyle/>
+          <a:p>
+            <a:r>
+              <a:rPr lang="en-GB" dirty="0">
+                <a:solidFill>
+                  <a:schemeClr val="bg1"/>
+                </a:solidFill>
+              </a:rPr>
+              <a:t>For all of our databases we used the sqlite3 Python library.</a:t>
+            </a:r>
+          </a:p>
+          <a:p>
+            <a:r>
+              <a:rPr lang="en-GB" dirty="0">
+                <a:solidFill>
+                  <a:schemeClr val="bg1"/>
+                </a:solidFill>
+              </a:rPr>
+              <a:t>We chose this due to our previous experience with SQL and the flexibility and mobility.</a:t>
+            </a:r>
+          </a:p>
+          <a:p>
+            <a:r>
+              <a:rPr lang="en-GB" dirty="0">
+                <a:solidFill>
+                  <a:schemeClr val="bg1"/>
+                </a:solidFill>
+              </a:rPr>
+              <a:t>It is included with the standard python installation.</a:t>
+            </a:r>
+          </a:p>
+          <a:p>
+            <a:r>
+              <a:rPr lang="en-GB" dirty="0">
+                <a:solidFill>
+                  <a:schemeClr val="bg1"/>
+                </a:solidFill>
+              </a:rPr>
+              <a:t>Allows the use of standard SQL statements to operate on and create databases.</a:t>
+            </a:r>
+          </a:p>
+          <a:p>
+            <a:r>
+              <a:rPr lang="en-GB" dirty="0">
+                <a:solidFill>
+                  <a:schemeClr val="bg1"/>
+                </a:solidFill>
+              </a:rPr>
+              <a:t>Creates simple .</a:t>
+            </a:r>
+            <a:r>
+              <a:rPr lang="en-GB" dirty="0" err="1">
+                <a:solidFill>
+                  <a:schemeClr val="bg1"/>
+                </a:solidFill>
+              </a:rPr>
+              <a:t>db</a:t>
+            </a:r>
+            <a:r>
+              <a:rPr lang="en-GB" dirty="0">
+                <a:solidFill>
+                  <a:schemeClr val="bg1"/>
+                </a:solidFill>
+              </a:rPr>
+              <a:t> files that can be easily created and managed.</a:t>
+            </a:r>
+          </a:p>
+          <a:p>
+            <a:endParaRPr lang="en-GB" dirty="0">
+              <a:solidFill>
+                <a:schemeClr val="bg1"/>
+              </a:solidFill>
+            </a:endParaRPr>
+          </a:p>
+        </p:txBody>
+      </p:sp>
+      <p:pic>
+        <p:nvPicPr>
+          <p:cNvPr id="4" name="Picture 2">
+            <a:extLst>
+              <a:ext uri="{FF2B5EF4-FFF2-40B4-BE49-F238E27FC236}">
+                <a16:creationId xmlns:a16="http://schemas.microsoft.com/office/drawing/2014/main" id="{16261C3B-51A3-41E6-BF27-6F9008DC0F66}"/>
+              </a:ext>
+            </a:extLst>
+          </p:cNvPr>
+          <p:cNvPicPr>
+            <a:picLocks noChangeAspect="1" noChangeArrowheads="1"/>
+          </p:cNvPicPr>
+          <p:nvPr/>
+        </p:nvPicPr>
+        <p:blipFill>
+          <a:blip r:embed="rId2">
+            <a:extLst>
+              <a:ext uri="{28A0092B-C50C-407E-A947-70E740481C1C}">
+                <a14:useLocalDpi xmlns:a14="http://schemas.microsoft.com/office/drawing/2010/main" val="0"/>
+              </a:ext>
+            </a:extLst>
+          </a:blip>
+          <a:srcRect/>
+          <a:stretch>
+            <a:fillRect/>
+          </a:stretch>
+        </p:blipFill>
+        <p:spPr bwMode="auto">
+          <a:xfrm>
+            <a:off x="3019424" y="762490"/>
+            <a:ext cx="1190625" cy="1190625"/>
+          </a:xfrm>
+          <a:prstGeom prst="rect">
+            <a:avLst/>
+          </a:prstGeom>
+          <a:noFill/>
+          <a:extLst>
+            <a:ext uri="{909E8E84-426E-40DD-AFC4-6F175D3DCCD1}">
+              <a14:hiddenFill xmlns:a14="http://schemas.microsoft.com/office/drawing/2010/main">
+                <a:solidFill>
+                  <a:srgbClr val="FFFFFF"/>
+                </a:solidFill>
+              </a14:hiddenFill>
+            </a:ext>
+          </a:extLst>
+        </p:spPr>
+      </p:pic>
+    </p:spTree>
+    <p:extLst>
+      <p:ext uri="{BB962C8B-B14F-4D97-AF65-F5344CB8AC3E}">
+        <p14:creationId xmlns:p14="http://schemas.microsoft.com/office/powerpoint/2010/main" val="3885758993"/>
+      </p:ext>
+    </p:extLst>
+  </p:cSld>
+  <p:clrMapOvr>
+    <a:masterClrMapping/>
+  </p:clrMapOvr>
+</p:sld>
+</file>
+
+<file path=ppt/slides/slide8.xml><?xml version="1.0" encoding="utf-8"?>
+<p:sld xmlns:a="http://schemas.openxmlformats.org/drawingml/2006/main" xmlns:r="http://schemas.openxmlformats.org/officeDocument/2006/relationships" xmlns:p="http://schemas.openxmlformats.org/presentationml/2006/main">
+  <p:cSld>
+    <p:spTree>
+      <p:nvGrpSpPr>
+        <p:cNvPr id="1" name=""/>
+        <p:cNvGrpSpPr/>
+        <p:nvPr/>
+      </p:nvGrpSpPr>
+      <p:grpSpPr>
+        <a:xfrm>
+          <a:off x="0" y="0"/>
+          <a:ext cx="0" cy="0"/>
+          <a:chOff x="0" y="0"/>
+          <a:chExt cx="0" cy="0"/>
+        </a:xfrm>
+      </p:grpSpPr>
+      <p:sp>
+        <p:nvSpPr>
+          <p:cNvPr id="2" name="Title 1">
+            <a:extLst>
+              <a:ext uri="{FF2B5EF4-FFF2-40B4-BE49-F238E27FC236}">
+                <a16:creationId xmlns:a16="http://schemas.microsoft.com/office/drawing/2014/main" id="{329D65A2-6218-41BF-947C-602A6876E172}"/>
+              </a:ext>
+            </a:extLst>
+          </p:cNvPr>
+          <p:cNvSpPr>
+            <a:spLocks noGrp="1"/>
+          </p:cNvSpPr>
+          <p:nvPr>
+            <p:ph type="title"/>
+          </p:nvPr>
+        </p:nvSpPr>
+        <p:spPr/>
+        <p:txBody>
+          <a:bodyPr/>
+          <a:lstStyle/>
+          <a:p>
+            <a:r>
+              <a:rPr lang="en-GB" dirty="0">
+                <a:solidFill>
+                  <a:schemeClr val="bg1"/>
+                </a:solidFill>
+              </a:rPr>
+              <a:t>SQLite3 - Usage</a:t>
+            </a:r>
+          </a:p>
+        </p:txBody>
+      </p:sp>
+      <p:sp>
+        <p:nvSpPr>
+          <p:cNvPr id="3" name="Content Placeholder 2">
+            <a:extLst>
+              <a:ext uri="{FF2B5EF4-FFF2-40B4-BE49-F238E27FC236}">
+                <a16:creationId xmlns:a16="http://schemas.microsoft.com/office/drawing/2014/main" id="{A73B52EA-8760-409C-B412-B6129F797447}"/>
+              </a:ext>
+            </a:extLst>
+          </p:cNvPr>
+          <p:cNvSpPr>
+            <a:spLocks noGrp="1"/>
+          </p:cNvSpPr>
+          <p:nvPr>
+            <p:ph idx="1"/>
+          </p:nvPr>
+        </p:nvSpPr>
+        <p:spPr>
+          <a:xfrm>
+            <a:off x="1141413" y="2249487"/>
+            <a:ext cx="5240338" cy="3541714"/>
+          </a:xfrm>
+        </p:spPr>
+        <p:txBody>
+          <a:bodyPr>
+            <a:normAutofit fontScale="85000" lnSpcReduction="20000"/>
+          </a:bodyPr>
+          <a:lstStyle/>
+          <a:p>
+            <a:r>
+              <a:rPr lang="en-GB" dirty="0">
+                <a:solidFill>
+                  <a:schemeClr val="bg1"/>
+                </a:solidFill>
+              </a:rPr>
+              <a:t>We used sqlite3 databases for character data, activities, feedback and topics.</a:t>
+            </a:r>
+          </a:p>
+          <a:p>
+            <a:r>
+              <a:rPr lang="en-GB" dirty="0">
+                <a:solidFill>
+                  <a:schemeClr val="bg1"/>
+                </a:solidFill>
+              </a:rPr>
+              <a:t>This allowed us to create a dynamic saving/loading feature where character details are automatically saved and then can be loaded again at any time.</a:t>
+            </a:r>
+          </a:p>
+          <a:p>
+            <a:r>
+              <a:rPr lang="en-GB" dirty="0">
+                <a:solidFill>
+                  <a:schemeClr val="bg1"/>
+                </a:solidFill>
+              </a:rPr>
+              <a:t>SQL statements were used to fetch character data for the final score calculation and all of the character information that could be viewed in the game.</a:t>
+            </a:r>
+          </a:p>
+          <a:p>
+            <a:endParaRPr lang="en-GB" dirty="0">
+              <a:solidFill>
+                <a:schemeClr val="bg1"/>
+              </a:solidFill>
+            </a:endParaRPr>
+          </a:p>
+        </p:txBody>
+      </p:sp>
+      <p:pic>
+        <p:nvPicPr>
+          <p:cNvPr id="4" name="Picture 2">
+            <a:extLst>
+              <a:ext uri="{FF2B5EF4-FFF2-40B4-BE49-F238E27FC236}">
+                <a16:creationId xmlns:a16="http://schemas.microsoft.com/office/drawing/2014/main" id="{16261C3B-51A3-41E6-BF27-6F9008DC0F66}"/>
+              </a:ext>
+            </a:extLst>
+          </p:cNvPr>
+          <p:cNvPicPr>
+            <a:picLocks noChangeAspect="1" noChangeArrowheads="1"/>
+          </p:cNvPicPr>
+          <p:nvPr/>
+        </p:nvPicPr>
+        <p:blipFill>
+          <a:blip r:embed="rId2">
+            <a:extLst>
+              <a:ext uri="{28A0092B-C50C-407E-A947-70E740481C1C}">
+                <a14:useLocalDpi xmlns:a14="http://schemas.microsoft.com/office/drawing/2010/main" val="0"/>
+              </a:ext>
+            </a:extLst>
+          </a:blip>
+          <a:srcRect/>
+          <a:stretch>
+            <a:fillRect/>
+          </a:stretch>
+        </p:blipFill>
+        <p:spPr bwMode="auto">
+          <a:xfrm>
+            <a:off x="4562474" y="762490"/>
+            <a:ext cx="1190625" cy="1190625"/>
+          </a:xfrm>
+          <a:prstGeom prst="rect">
+            <a:avLst/>
+          </a:prstGeom>
+          <a:noFill/>
+          <a:extLst>
+            <a:ext uri="{909E8E84-426E-40DD-AFC4-6F175D3DCCD1}">
+              <a14:hiddenFill xmlns:a14="http://schemas.microsoft.com/office/drawing/2010/main">
+                <a:solidFill>
+                  <a:srgbClr val="FFFFFF"/>
+                </a:solidFill>
+              </a14:hiddenFill>
+            </a:ext>
+          </a:extLst>
+        </p:spPr>
+      </p:pic>
+      <p:pic>
+        <p:nvPicPr>
+          <p:cNvPr id="6" name="Picture 5">
+            <a:extLst>
+              <a:ext uri="{FF2B5EF4-FFF2-40B4-BE49-F238E27FC236}">
+                <a16:creationId xmlns:a16="http://schemas.microsoft.com/office/drawing/2014/main" id="{54EBFC04-89D6-4C2E-B5B6-063DA83C8B95}"/>
+              </a:ext>
+            </a:extLst>
+          </p:cNvPr>
+          <p:cNvPicPr>
+            <a:picLocks noChangeAspect="1"/>
+          </p:cNvPicPr>
+          <p:nvPr/>
+        </p:nvPicPr>
+        <p:blipFill rotWithShape="1">
+          <a:blip r:embed="rId3"/>
+          <a:srcRect r="46435"/>
+          <a:stretch/>
+        </p:blipFill>
+        <p:spPr>
+          <a:xfrm>
+            <a:off x="6479452" y="2072179"/>
+            <a:ext cx="4055197" cy="3541714"/>
+          </a:xfrm>
+          <a:prstGeom prst="rect">
+            <a:avLst/>
+          </a:prstGeom>
+        </p:spPr>
+      </p:pic>
+    </p:spTree>
+    <p:extLst>
+      <p:ext uri="{BB962C8B-B14F-4D97-AF65-F5344CB8AC3E}">
+        <p14:creationId xmlns:p14="http://schemas.microsoft.com/office/powerpoint/2010/main" val="1427465479"/>
+      </p:ext>
+    </p:extLst>
+  </p:cSld>
+  <p:clrMapOvr>
+    <a:masterClrMapping/>
+  </p:clrMapOvr>
+</p:sld>
+</file>
+
+<file path=ppt/slides/slide9.xml><?xml version="1.0" encoding="utf-8"?>
+<p:sld xmlns:a="http://schemas.openxmlformats.org/drawingml/2006/main" xmlns:r="http://schemas.openxmlformats.org/officeDocument/2006/relationships" xmlns:p="http://schemas.openxmlformats.org/presentationml/2006/main">
+  <p:cSld>
+    <p:spTree>
+      <p:nvGrpSpPr>
+        <p:cNvPr id="1" name=""/>
+        <p:cNvGrpSpPr/>
+        <p:nvPr/>
+      </p:nvGrpSpPr>
+      <p:grpSpPr>
+        <a:xfrm>
+          <a:off x="0" y="0"/>
+          <a:ext cx="0" cy="0"/>
+          <a:chOff x="0" y="0"/>
+          <a:chExt cx="0" cy="0"/>
+        </a:xfrm>
+      </p:grpSpPr>
+      <p:sp>
+        <p:nvSpPr>
+          <p:cNvPr id="2" name="Title 1">
+            <a:extLst>
+              <a:ext uri="{FF2B5EF4-FFF2-40B4-BE49-F238E27FC236}">
+                <a16:creationId xmlns:a16="http://schemas.microsoft.com/office/drawing/2014/main" id="{A85884D9-A1FC-4354-9137-93625005AB4A}"/>
+              </a:ext>
+            </a:extLst>
+          </p:cNvPr>
+          <p:cNvSpPr>
+            <a:spLocks noGrp="1"/>
+          </p:cNvSpPr>
+          <p:nvPr>
+            <p:ph type="title"/>
+          </p:nvPr>
+        </p:nvSpPr>
+        <p:spPr>
+          <a:xfrm>
+            <a:off x="1338766" y="101966"/>
+            <a:ext cx="9905998" cy="924532"/>
+          </a:xfrm>
+        </p:spPr>
+        <p:txBody>
+          <a:bodyPr/>
+          <a:lstStyle/>
+          <a:p>
+            <a:r>
+              <a:rPr lang="en-US" dirty="0">
+                <a:solidFill>
+                  <a:sysClr val="windowText" lastClr="000000"/>
+                </a:solidFill>
+              </a:rPr>
+              <a:t>DIFFERENT METHODS OF COMMUNICATION</a:t>
+            </a:r>
+            <a:endParaRPr lang="en-GB" dirty="0">
+              <a:solidFill>
+                <a:sysClr val="windowText" lastClr="000000"/>
+              </a:solidFill>
+            </a:endParaRPr>
+          </a:p>
+        </p:txBody>
+      </p:sp>
+      <p:sp>
+        <p:nvSpPr>
+          <p:cNvPr id="3" name="Content Placeholder 2">
+            <a:extLst>
+              <a:ext uri="{FF2B5EF4-FFF2-40B4-BE49-F238E27FC236}">
+                <a16:creationId xmlns:a16="http://schemas.microsoft.com/office/drawing/2014/main" id="{A2D84743-A9BA-4422-9790-8ECEF3A2CEDC}"/>
+              </a:ext>
+            </a:extLst>
+          </p:cNvPr>
+          <p:cNvSpPr>
+            <a:spLocks noGrp="1"/>
+          </p:cNvSpPr>
+          <p:nvPr>
+            <p:ph idx="1"/>
+          </p:nvPr>
+        </p:nvSpPr>
+        <p:spPr>
+          <a:xfrm>
+            <a:off x="1194039" y="1026498"/>
+            <a:ext cx="11445294" cy="5460224"/>
+          </a:xfrm>
+        </p:spPr>
+        <p:txBody>
+          <a:bodyPr>
+            <a:normAutofit/>
+          </a:bodyPr>
+          <a:lstStyle/>
+          <a:p>
+            <a:r>
+              <a:rPr lang="en-US" sz="1400" b="1" dirty="0">
+                <a:solidFill>
+                  <a:sysClr val="windowText" lastClr="000000"/>
+                </a:solidFill>
+              </a:rPr>
+              <a:t>GROUP CHAT </a:t>
+            </a:r>
+            <a:r>
+              <a:rPr lang="en-US" sz="1400" dirty="0">
+                <a:solidFill>
+                  <a:sysClr val="windowText" lastClr="000000"/>
+                </a:solidFill>
+              </a:rPr>
+              <a:t>(Worked very well)</a:t>
+            </a:r>
+          </a:p>
+          <a:p>
+            <a:pPr marL="0" indent="0">
+              <a:buNone/>
+            </a:pPr>
+            <a:r>
+              <a:rPr lang="en-US" sz="1400" dirty="0">
+                <a:solidFill>
+                  <a:sysClr val="windowText" lastClr="000000"/>
+                </a:solidFill>
+              </a:rPr>
+              <a:t>-   Any questions were answered quickly </a:t>
+            </a:r>
+            <a:r>
+              <a:rPr lang="en-US" sz="1400" dirty="0" err="1">
+                <a:solidFill>
+                  <a:sysClr val="windowText" lastClr="000000"/>
+                </a:solidFill>
+              </a:rPr>
+              <a:t>e.g</a:t>
+            </a:r>
+            <a:r>
+              <a:rPr lang="en-US" sz="1400" dirty="0">
+                <a:solidFill>
+                  <a:sysClr val="windowText" lastClr="000000"/>
+                </a:solidFill>
+              </a:rPr>
+              <a:t> what kind of format should we use?</a:t>
+            </a:r>
+          </a:p>
+          <a:p>
+            <a:pPr>
+              <a:buFontTx/>
+              <a:buChar char="-"/>
+            </a:pPr>
+            <a:r>
+              <a:rPr lang="en-US" sz="1400" dirty="0">
+                <a:solidFill>
+                  <a:sysClr val="windowText" lastClr="000000"/>
+                </a:solidFill>
+              </a:rPr>
+              <a:t>All key information from the client/group meetings were messaged onto the group so all group members were informed. </a:t>
+            </a:r>
+          </a:p>
+          <a:p>
+            <a:pPr>
+              <a:buFontTx/>
+              <a:buChar char="-"/>
+            </a:pPr>
+            <a:r>
+              <a:rPr lang="en-US" sz="1400" dirty="0">
+                <a:solidFill>
+                  <a:sysClr val="windowText" lastClr="000000"/>
+                </a:solidFill>
+              </a:rPr>
+              <a:t>Primary source of communication – reminders for client meetings, meeting location and attendance. </a:t>
+            </a:r>
+          </a:p>
+          <a:p>
+            <a:pPr marL="0" indent="0">
+              <a:buNone/>
+            </a:pPr>
+            <a:endParaRPr lang="en-US" sz="1400" dirty="0">
+              <a:solidFill>
+                <a:sysClr val="windowText" lastClr="000000"/>
+              </a:solidFill>
+            </a:endParaRPr>
+          </a:p>
+          <a:p>
+            <a:r>
+              <a:rPr lang="en-US" sz="1400" b="1" dirty="0">
+                <a:solidFill>
+                  <a:sysClr val="windowText" lastClr="000000"/>
+                </a:solidFill>
+              </a:rPr>
+              <a:t>WEEKLY STANDUPS </a:t>
+            </a:r>
+          </a:p>
+          <a:p>
+            <a:pPr marL="0" indent="0">
+              <a:buNone/>
+            </a:pPr>
+            <a:r>
+              <a:rPr lang="en-US" sz="1400" dirty="0">
+                <a:solidFill>
+                  <a:sysClr val="windowText" lastClr="000000"/>
+                </a:solidFill>
+              </a:rPr>
+              <a:t>  – These standups took place on a </a:t>
+            </a:r>
+            <a:r>
+              <a:rPr lang="en-US" sz="1400" dirty="0" err="1">
+                <a:solidFill>
+                  <a:sysClr val="windowText" lastClr="000000"/>
+                </a:solidFill>
+              </a:rPr>
+              <a:t>wednesday</a:t>
+            </a:r>
+            <a:r>
+              <a:rPr lang="en-US" sz="1400" dirty="0">
+                <a:solidFill>
+                  <a:sysClr val="windowText" lastClr="000000"/>
+                </a:solidFill>
+              </a:rPr>
+              <a:t> </a:t>
+            </a:r>
+          </a:p>
+          <a:p>
+            <a:pPr>
+              <a:buFontTx/>
+              <a:buChar char="-"/>
+            </a:pPr>
+            <a:r>
+              <a:rPr lang="en-US" sz="1400" dirty="0">
+                <a:solidFill>
+                  <a:sysClr val="windowText" lastClr="000000"/>
+                </a:solidFill>
+              </a:rPr>
+              <a:t>Worked well as we were in person therefore communication was a lot easier. </a:t>
+            </a:r>
+          </a:p>
+          <a:p>
+            <a:pPr>
+              <a:buFontTx/>
+              <a:buChar char="-"/>
+            </a:pPr>
+            <a:r>
+              <a:rPr lang="en-US" sz="1400" dirty="0">
+                <a:solidFill>
+                  <a:sysClr val="windowText" lastClr="000000"/>
+                </a:solidFill>
+              </a:rPr>
+              <a:t>Easier to see progress and if everybody is on track (Live demos)</a:t>
+            </a:r>
+          </a:p>
+          <a:p>
+            <a:pPr>
+              <a:buFontTx/>
+              <a:buChar char="-"/>
+            </a:pPr>
+            <a:endParaRPr lang="en-US" sz="1400" dirty="0">
+              <a:solidFill>
+                <a:sysClr val="windowText" lastClr="000000"/>
+              </a:solidFill>
+            </a:endParaRPr>
+          </a:p>
+          <a:p>
+            <a:r>
+              <a:rPr lang="en-US" sz="1400" b="1" dirty="0">
+                <a:solidFill>
+                  <a:sysClr val="windowText" lastClr="000000"/>
+                </a:solidFill>
+              </a:rPr>
+              <a:t>TEAMS MEETING </a:t>
+            </a:r>
+            <a:r>
+              <a:rPr lang="en-US" sz="1400" dirty="0">
+                <a:solidFill>
+                  <a:sysClr val="windowText" lastClr="000000"/>
+                </a:solidFill>
+              </a:rPr>
+              <a:t>(least effective)</a:t>
+            </a:r>
+            <a:r>
+              <a:rPr lang="en-US" sz="1400" b="1" dirty="0">
+                <a:solidFill>
+                  <a:sysClr val="windowText" lastClr="000000"/>
+                </a:solidFill>
+              </a:rPr>
+              <a:t>  </a:t>
+            </a:r>
+          </a:p>
+          <a:p>
+            <a:pPr marL="0" indent="0">
+              <a:buNone/>
+            </a:pPr>
+            <a:r>
+              <a:rPr lang="en-US" sz="1400" dirty="0">
+                <a:solidFill>
+                  <a:sysClr val="windowText" lastClr="000000"/>
+                </a:solidFill>
+              </a:rPr>
+              <a:t>-    This method was used when some group members were unable to attend in person </a:t>
+            </a:r>
+          </a:p>
+          <a:p>
+            <a:pPr marL="0" indent="0">
+              <a:buNone/>
+            </a:pPr>
+            <a:r>
+              <a:rPr lang="en-US" sz="1400" dirty="0">
+                <a:solidFill>
+                  <a:sysClr val="windowText" lastClr="000000"/>
+                </a:solidFill>
+              </a:rPr>
+              <a:t>=   Effective as we were still able to communicate key information so we could progress, progression </a:t>
+            </a:r>
+            <a:r>
+              <a:rPr lang="en-US" sz="1400" dirty="0" err="1">
+                <a:solidFill>
+                  <a:sysClr val="windowText" lastClr="000000"/>
+                </a:solidFill>
+              </a:rPr>
+              <a:t>wasnt</a:t>
+            </a:r>
+            <a:r>
+              <a:rPr lang="en-US" sz="1400" dirty="0">
+                <a:solidFill>
+                  <a:sysClr val="windowText" lastClr="000000"/>
+                </a:solidFill>
+              </a:rPr>
+              <a:t> halted.</a:t>
+            </a:r>
+          </a:p>
+          <a:p>
+            <a:pPr>
+              <a:buFontTx/>
+              <a:buChar char="-"/>
+            </a:pPr>
+            <a:r>
+              <a:rPr lang="en-US" sz="1400" dirty="0">
+                <a:solidFill>
+                  <a:sysClr val="windowText" lastClr="000000"/>
+                </a:solidFill>
+              </a:rPr>
+              <a:t>Sometimes we would have technical issues which caused inconvenience.</a:t>
+            </a:r>
+            <a:endParaRPr lang="en-GB" sz="1400" dirty="0">
+              <a:solidFill>
+                <a:sysClr val="windowText" lastClr="000000"/>
+              </a:solidFill>
+            </a:endParaRPr>
+          </a:p>
+        </p:txBody>
+      </p:sp>
+      <p:sp>
+        <p:nvSpPr>
+          <p:cNvPr id="4" name="Title 1">
+            <a:extLst>
+              <a:ext uri="{FF2B5EF4-FFF2-40B4-BE49-F238E27FC236}">
+                <a16:creationId xmlns:a16="http://schemas.microsoft.com/office/drawing/2014/main" id="{3AF4134A-B22A-4018-AA57-35A71611468E}"/>
+              </a:ext>
+            </a:extLst>
+          </p:cNvPr>
+          <p:cNvSpPr txBox="1">
+            <a:spLocks/>
+          </p:cNvSpPr>
+          <p:nvPr/>
+        </p:nvSpPr>
+        <p:spPr>
+          <a:xfrm>
+            <a:off x="1141412" y="1228724"/>
+            <a:ext cx="9905998" cy="476251"/>
+          </a:xfrm>
+          <a:prstGeom prst="rect">
+            <a:avLst/>
+          </a:prstGeom>
+        </p:spPr>
+        <p:txBody>
+          <a:bodyPr vert="horz" lIns="91440" tIns="45720" rIns="91440" bIns="45720" rtlCol="0" anchor="ctr">
+            <a:normAutofit/>
+          </a:bodyPr>
+          <a:lstStyle>
+            <a:lvl1pPr algn="l" defTabSz="914400" rtl="0" eaLnBrk="1" latinLnBrk="0" hangingPunct="1">
+              <a:lnSpc>
+                <a:spcPct val="90000"/>
+              </a:lnSpc>
+              <a:spcBef>
+                <a:spcPct val="0"/>
+              </a:spcBef>
+              <a:buNone/>
+              <a:defRPr sz="3600" kern="1200" cap="all" baseline="0">
+                <a:solidFill>
+                  <a:schemeClr val="tx1"/>
+                </a:solidFill>
+                <a:latin typeface="+mj-lt"/>
+                <a:ea typeface="+mj-ea"/>
+                <a:cs typeface="+mj-cs"/>
+              </a:defRPr>
+            </a:lvl1pPr>
+          </a:lstStyle>
+          <a:p>
+            <a:endParaRPr lang="en-GB" sz="2800" dirty="0">
+              <a:solidFill>
+                <a:sysClr val="windowText" lastClr="000000"/>
+              </a:solidFill>
+            </a:endParaRPr>
+          </a:p>
+        </p:txBody>
+      </p:sp>
+      <p:sp>
+        <p:nvSpPr>
+          <p:cNvPr id="5" name="Title 1">
+            <a:extLst>
+              <a:ext uri="{FF2B5EF4-FFF2-40B4-BE49-F238E27FC236}">
+                <a16:creationId xmlns:a16="http://schemas.microsoft.com/office/drawing/2014/main" id="{129C80F7-DC26-7A2C-86B2-332EDEB755A8}"/>
+              </a:ext>
+            </a:extLst>
+          </p:cNvPr>
+          <p:cNvSpPr txBox="1">
+            <a:spLocks/>
+          </p:cNvSpPr>
+          <p:nvPr/>
+        </p:nvSpPr>
+        <p:spPr>
+          <a:xfrm>
+            <a:off x="1338766" y="651360"/>
+            <a:ext cx="9905998" cy="476251"/>
+          </a:xfrm>
+          <a:prstGeom prst="rect">
+            <a:avLst/>
+          </a:prstGeom>
+        </p:spPr>
+        <p:txBody>
+          <a:bodyPr vert="horz" lIns="91440" tIns="45720" rIns="91440" bIns="45720" rtlCol="0" anchor="ctr">
+            <a:normAutofit/>
+          </a:bodyPr>
+          <a:lstStyle>
+            <a:lvl1pPr algn="l" defTabSz="914400" rtl="0" eaLnBrk="1" latinLnBrk="0" hangingPunct="1">
+              <a:lnSpc>
+                <a:spcPct val="90000"/>
+              </a:lnSpc>
+              <a:spcBef>
+                <a:spcPct val="0"/>
+              </a:spcBef>
+              <a:buNone/>
+              <a:defRPr sz="3600" kern="1200" cap="all" baseline="0">
+                <a:solidFill>
+                  <a:schemeClr val="tx1"/>
+                </a:solidFill>
+                <a:latin typeface="+mj-lt"/>
+                <a:ea typeface="+mj-ea"/>
+                <a:cs typeface="+mj-cs"/>
+              </a:defRPr>
+            </a:lvl1pPr>
+          </a:lstStyle>
+          <a:p>
+            <a:r>
+              <a:rPr lang="en-GB" sz="2000" dirty="0">
+                <a:solidFill>
+                  <a:sysClr val="windowText" lastClr="000000"/>
+                </a:solidFill>
+              </a:rPr>
+              <a:t>Bilal Patel</a:t>
+            </a:r>
+          </a:p>
+        </p:txBody>
+      </p:sp>
+    </p:spTree>
+    <p:extLst>
+      <p:ext uri="{BB962C8B-B14F-4D97-AF65-F5344CB8AC3E}">
+        <p14:creationId xmlns:p14="http://schemas.microsoft.com/office/powerpoint/2010/main" val="1492971136"/>
       </p:ext>
     </p:extLst>
   </p:cSld>
@@ -14178,24 +21760,302 @@
 </a:theme>
 </file>
 
-<file path=customXml/item1.xml><?xml version="1.0" encoding="utf-8"?>
-<?mso-contentType ?>
-<FormTemplates xmlns="http://schemas.microsoft.com/sharepoint/v3/contenttype/forms">
-  <Display>DocumentLibraryForm</Display>
-  <Edit>DocumentLibraryForm</Edit>
-  <New>DocumentLibraryForm</New>
-</FormTemplates>
+<file path=ppt/theme/theme4.xml><?xml version="1.0" encoding="utf-8"?>
+<a:theme xmlns:a="http://schemas.openxmlformats.org/drawingml/2006/main" name="Office Theme">
+  <a:themeElements>
+    <a:clrScheme name="Office">
+      <a:dk1>
+        <a:sysClr val="windowText" lastClr="000000"/>
+      </a:dk1>
+      <a:lt1>
+        <a:sysClr val="window" lastClr="FFFFFF"/>
+      </a:lt1>
+      <a:dk2>
+        <a:srgbClr val="44546A"/>
+      </a:dk2>
+      <a:lt2>
+        <a:srgbClr val="E7E6E6"/>
+      </a:lt2>
+      <a:accent1>
+        <a:srgbClr val="4472C4"/>
+      </a:accent1>
+      <a:accent2>
+        <a:srgbClr val="ED7D31"/>
+      </a:accent2>
+      <a:accent3>
+        <a:srgbClr val="A5A5A5"/>
+      </a:accent3>
+      <a:accent4>
+        <a:srgbClr val="FFC000"/>
+      </a:accent4>
+      <a:accent5>
+        <a:srgbClr val="5B9BD5"/>
+      </a:accent5>
+      <a:accent6>
+        <a:srgbClr val="70AD47"/>
+      </a:accent6>
+      <a:hlink>
+        <a:srgbClr val="0563C1"/>
+      </a:hlink>
+      <a:folHlink>
+        <a:srgbClr val="954F72"/>
+      </a:folHlink>
+    </a:clrScheme>
+    <a:fontScheme name="Office">
+      <a:majorFont>
+        <a:latin typeface="Calibri Light" panose="020F0302020204030204"/>
+        <a:ea typeface=""/>
+        <a:cs typeface=""/>
+        <a:font script="Jpan" typeface="游ゴシック Light"/>
+        <a:font script="Hang" typeface="맑은 고딕"/>
+        <a:font script="Hans" typeface="等线 Light"/>
+        <a:font script="Hant" typeface="新細明體"/>
+        <a:font script="Arab" typeface="Times New Roman"/>
+        <a:font script="Hebr" typeface="Times New Roman"/>
+        <a:font script="Thai" typeface="Angsana New"/>
+        <a:font script="Ethi" typeface="Nyala"/>
+        <a:font script="Beng" typeface="Vrinda"/>
+        <a:font script="Gujr" typeface="Shruti"/>
+        <a:font script="Khmr" typeface="MoolBoran"/>
+        <a:font script="Knda" typeface="Tunga"/>
+        <a:font script="Guru" typeface="Raavi"/>
+        <a:font script="Cans" typeface="Euphemia"/>
+        <a:font script="Cher" typeface="Plantagenet Cherokee"/>
+        <a:font script="Yiii" typeface="Microsoft Yi Baiti"/>
+        <a:font script="Tibt" typeface="Microsoft Himalaya"/>
+        <a:font script="Thaa" typeface="MV Boli"/>
+        <a:font script="Deva" typeface="Mangal"/>
+        <a:font script="Telu" typeface="Gautami"/>
+        <a:font script="Taml" typeface="Latha"/>
+        <a:font script="Syrc" typeface="Estrangelo Edessa"/>
+        <a:font script="Orya" typeface="Kalinga"/>
+        <a:font script="Mlym" typeface="Kartika"/>
+        <a:font script="Laoo" typeface="DokChampa"/>
+        <a:font script="Sinh" typeface="Iskoola Pota"/>
+        <a:font script="Mong" typeface="Mongolian Baiti"/>
+        <a:font script="Viet" typeface="Times New Roman"/>
+        <a:font script="Uigh" typeface="Microsoft Uighur"/>
+        <a:font script="Geor" typeface="Sylfaen"/>
+        <a:font script="Armn" typeface="Arial"/>
+        <a:font script="Bugi" typeface="Leelawadee UI"/>
+        <a:font script="Bopo" typeface="Microsoft JhengHei"/>
+        <a:font script="Java" typeface="Javanese Text"/>
+        <a:font script="Lisu" typeface="Segoe UI"/>
+        <a:font script="Mymr" typeface="Myanmar Text"/>
+        <a:font script="Nkoo" typeface="Ebrima"/>
+        <a:font script="Olck" typeface="Nirmala UI"/>
+        <a:font script="Osma" typeface="Ebrima"/>
+        <a:font script="Phag" typeface="Phagspa"/>
+        <a:font script="Syrn" typeface="Estrangelo Edessa"/>
+        <a:font script="Syrj" typeface="Estrangelo Edessa"/>
+        <a:font script="Syre" typeface="Estrangelo Edessa"/>
+        <a:font script="Sora" typeface="Nirmala UI"/>
+        <a:font script="Tale" typeface="Microsoft Tai Le"/>
+        <a:font script="Talu" typeface="Microsoft New Tai Lue"/>
+        <a:font script="Tfng" typeface="Ebrima"/>
+      </a:majorFont>
+      <a:minorFont>
+        <a:latin typeface="Calibri" panose="020F0502020204030204"/>
+        <a:ea typeface=""/>
+        <a:cs typeface=""/>
+        <a:font script="Jpan" typeface="游ゴシック"/>
+        <a:font script="Hang" typeface="맑은 고딕"/>
+        <a:font script="Hans" typeface="等线"/>
+        <a:font script="Hant" typeface="新細明體"/>
+        <a:font script="Arab" typeface="Arial"/>
+        <a:font script="Hebr" typeface="Arial"/>
+        <a:font script="Thai" typeface="Cordia New"/>
+        <a:font script="Ethi" typeface="Nyala"/>
+        <a:font script="Beng" typeface="Vrinda"/>
+        <a:font script="Gujr" typeface="Shruti"/>
+        <a:font script="Khmr" typeface="DaunPenh"/>
+        <a:font script="Knda" typeface="Tunga"/>
+        <a:font script="Guru" typeface="Raavi"/>
+        <a:font script="Cans" typeface="Euphemia"/>
+        <a:font script="Cher" typeface="Plantagenet Cherokee"/>
+        <a:font script="Yiii" typeface="Microsoft Yi Baiti"/>
+        <a:font script="Tibt" typeface="Microsoft Himalaya"/>
+        <a:font script="Thaa" typeface="MV Boli"/>
+        <a:font script="Deva" typeface="Mangal"/>
+        <a:font script="Telu" typeface="Gautami"/>
+        <a:font script="Taml" typeface="Latha"/>
+        <a:font script="Syrc" typeface="Estrangelo Edessa"/>
+        <a:font script="Orya" typeface="Kalinga"/>
+        <a:font script="Mlym" typeface="Kartika"/>
+        <a:font script="Laoo" typeface="DokChampa"/>
+        <a:font script="Sinh" typeface="Iskoola Pota"/>
+        <a:font script="Mong" typeface="Mongolian Baiti"/>
+        <a:font script="Viet" typeface="Arial"/>
+        <a:font script="Uigh" typeface="Microsoft Uighur"/>
+        <a:font script="Geor" typeface="Sylfaen"/>
+        <a:font script="Armn" typeface="Arial"/>
+        <a:font script="Bugi" typeface="Leelawadee UI"/>
+        <a:font script="Bopo" typeface="Microsoft JhengHei"/>
+        <a:font script="Java" typeface="Javanese Text"/>
+        <a:font script="Lisu" typeface="Segoe UI"/>
+        <a:font script="Mymr" typeface="Myanmar Text"/>
+        <a:font script="Nkoo" typeface="Ebrima"/>
+        <a:font script="Olck" typeface="Nirmala UI"/>
+        <a:font script="Osma" typeface="Ebrima"/>
+        <a:font script="Phag" typeface="Phagspa"/>
+        <a:font script="Syrn" typeface="Estrangelo Edessa"/>
+        <a:font script="Syrj" typeface="Estrangelo Edessa"/>
+        <a:font script="Syre" typeface="Estrangelo Edessa"/>
+        <a:font script="Sora" typeface="Nirmala UI"/>
+        <a:font script="Tale" typeface="Microsoft Tai Le"/>
+        <a:font script="Talu" typeface="Microsoft New Tai Lue"/>
+        <a:font script="Tfng" typeface="Ebrima"/>
+      </a:minorFont>
+    </a:fontScheme>
+    <a:fmtScheme name="Office">
+      <a:fillStyleLst>
+        <a:solidFill>
+          <a:schemeClr val="phClr"/>
+        </a:solidFill>
+        <a:gradFill rotWithShape="1">
+          <a:gsLst>
+            <a:gs pos="0">
+              <a:schemeClr val="phClr">
+                <a:lumMod val="110000"/>
+                <a:satMod val="105000"/>
+                <a:tint val="67000"/>
+              </a:schemeClr>
+            </a:gs>
+            <a:gs pos="50000">
+              <a:schemeClr val="phClr">
+                <a:lumMod val="105000"/>
+                <a:satMod val="103000"/>
+                <a:tint val="73000"/>
+              </a:schemeClr>
+            </a:gs>
+            <a:gs pos="100000">
+              <a:schemeClr val="phClr">
+                <a:lumMod val="105000"/>
+                <a:satMod val="109000"/>
+                <a:tint val="81000"/>
+              </a:schemeClr>
+            </a:gs>
+          </a:gsLst>
+          <a:lin ang="5400000" scaled="0"/>
+        </a:gradFill>
+        <a:gradFill rotWithShape="1">
+          <a:gsLst>
+            <a:gs pos="0">
+              <a:schemeClr val="phClr">
+                <a:satMod val="103000"/>
+                <a:lumMod val="102000"/>
+                <a:tint val="94000"/>
+              </a:schemeClr>
+            </a:gs>
+            <a:gs pos="50000">
+              <a:schemeClr val="phClr">
+                <a:satMod val="110000"/>
+                <a:lumMod val="100000"/>
+                <a:shade val="100000"/>
+              </a:schemeClr>
+            </a:gs>
+            <a:gs pos="100000">
+              <a:schemeClr val="phClr">
+                <a:lumMod val="99000"/>
+                <a:satMod val="120000"/>
+                <a:shade val="78000"/>
+              </a:schemeClr>
+            </a:gs>
+          </a:gsLst>
+          <a:lin ang="5400000" scaled="0"/>
+        </a:gradFill>
+      </a:fillStyleLst>
+      <a:lnStyleLst>
+        <a:ln w="6350" cap="flat" cmpd="sng" algn="ctr">
+          <a:solidFill>
+            <a:schemeClr val="phClr"/>
+          </a:solidFill>
+          <a:prstDash val="solid"/>
+          <a:miter lim="800000"/>
+        </a:ln>
+        <a:ln w="12700" cap="flat" cmpd="sng" algn="ctr">
+          <a:solidFill>
+            <a:schemeClr val="phClr"/>
+          </a:solidFill>
+          <a:prstDash val="solid"/>
+          <a:miter lim="800000"/>
+        </a:ln>
+        <a:ln w="19050" cap="flat" cmpd="sng" algn="ctr">
+          <a:solidFill>
+            <a:schemeClr val="phClr"/>
+          </a:solidFill>
+          <a:prstDash val="solid"/>
+          <a:miter lim="800000"/>
+        </a:ln>
+      </a:lnStyleLst>
+      <a:effectStyleLst>
+        <a:effectStyle>
+          <a:effectLst/>
+        </a:effectStyle>
+        <a:effectStyle>
+          <a:effectLst/>
+        </a:effectStyle>
+        <a:effectStyle>
+          <a:effectLst>
+            <a:outerShdw blurRad="57150" dist="19050" dir="5400000" algn="ctr" rotWithShape="0">
+              <a:srgbClr val="000000">
+                <a:alpha val="63000"/>
+              </a:srgbClr>
+            </a:outerShdw>
+          </a:effectLst>
+        </a:effectStyle>
+      </a:effectStyleLst>
+      <a:bgFillStyleLst>
+        <a:solidFill>
+          <a:schemeClr val="phClr"/>
+        </a:solidFill>
+        <a:solidFill>
+          <a:schemeClr val="phClr">
+            <a:tint val="95000"/>
+            <a:satMod val="170000"/>
+          </a:schemeClr>
+        </a:solidFill>
+        <a:gradFill rotWithShape="1">
+          <a:gsLst>
+            <a:gs pos="0">
+              <a:schemeClr val="phClr">
+                <a:tint val="93000"/>
+                <a:satMod val="150000"/>
+                <a:shade val="98000"/>
+                <a:lumMod val="102000"/>
+              </a:schemeClr>
+            </a:gs>
+            <a:gs pos="50000">
+              <a:schemeClr val="phClr">
+                <a:tint val="98000"/>
+                <a:satMod val="130000"/>
+                <a:shade val="90000"/>
+                <a:lumMod val="103000"/>
+              </a:schemeClr>
+            </a:gs>
+            <a:gs pos="100000">
+              <a:schemeClr val="phClr">
+                <a:shade val="63000"/>
+                <a:satMod val="120000"/>
+              </a:schemeClr>
+            </a:gs>
+          </a:gsLst>
+          <a:lin ang="5400000" scaled="0"/>
+        </a:gradFill>
+      </a:bgFillStyleLst>
+    </a:fmtScheme>
+  </a:themeElements>
+  <a:objectDefaults/>
+  <a:extraClrSchemeLst/>
+  <a:extLst>
+    <a:ext uri="{05A4C25C-085E-4340-85A3-A5531E510DB2}">
+      <thm15:themeFamily xmlns:thm15="http://schemas.microsoft.com/office/thememl/2012/main" name="Office Theme" id="{62F939B6-93AF-4DB8-9C6B-D6C7DFDC589F}" vid="{4A3C46E8-61CC-4603-A589-7422A47A8E4A}"/>
+    </a:ext>
+  </a:extLst>
+</a:theme>
 </file>
 
-<file path=customXml/item2.xml><?xml version="1.0" encoding="utf-8"?>
-<p:properties xmlns:p="http://schemas.microsoft.com/office/2006/metadata/properties" xmlns:xsi="http://www.w3.org/2001/XMLSchema-instance" xmlns:pc="http://schemas.microsoft.com/office/infopath/2007/PartnerControls">
-  <documentManagement>
-    <MediaServiceKeyPoints xmlns="71af3243-3dd4-4a8d-8c0d-dd76da1f02a5" xsi:nil="true"/>
-  </documentManagement>
-</p:properties>
-</file>
-
-<file path=customXml/item3.xml><?xml version="1.0" encoding="utf-8"?>
+<file path=customXml/item1.xml><?xml version="1.0" encoding="utf-8"?>
 <ct:contentTypeSchema xmlns:ct="http://schemas.microsoft.com/office/2006/metadata/contentType" xmlns:ma="http://schemas.microsoft.com/office/2006/metadata/properties/metaAttributes" ct:_="" ma:_="" ma:contentTypeName="Document" ma:contentTypeID="0x01010079F111ED35F8CC479449609E8A0923A6" ma:contentTypeVersion="11" ma:contentTypeDescription="Create a new document." ma:contentTypeScope="" ma:versionID="96291512c1ee715ab617f4c07df79fc1">
   <xsd:schema xmlns:xsd="http://www.w3.org/2001/XMLSchema" xmlns:xs="http://www.w3.org/2001/XMLSchema" xmlns:p="http://schemas.microsoft.com/office/2006/metadata/properties" xmlns:ns2="71af3243-3dd4-4a8d-8c0d-dd76da1f02a5" xmlns:ns3="16c05727-aa75-4e4a-9b5f-8a80a1165891" targetNamespace="http://schemas.microsoft.com/office/2006/metadata/properties" ma:root="true" ma:fieldsID="8256c27c40ca5c40ce1cf6c44f0205df" ns2:_="" ns3:_="">
     <xsd:import namespace="71af3243-3dd4-4a8d-8c0d-dd76da1f02a5"/>
@@ -14406,25 +22266,24 @@
 </ct:contentTypeSchema>
 </file>
 
-<file path=customXml/itemProps1.xml><?xml version="1.0" encoding="utf-8"?>
-<ds:datastoreItem xmlns:ds="http://schemas.openxmlformats.org/officeDocument/2006/customXml" ds:itemID="{B579702B-25C7-40D7-9E29-7686B11A9660}">
-  <ds:schemaRefs>
-    <ds:schemaRef ds:uri="http://schemas.microsoft.com/sharepoint/v3/contenttype/forms"/>
-  </ds:schemaRefs>
-</ds:datastoreItem>
+<file path=customXml/item2.xml><?xml version="1.0" encoding="utf-8"?>
+<p:properties xmlns:p="http://schemas.microsoft.com/office/2006/metadata/properties" xmlns:xsi="http://www.w3.org/2001/XMLSchema-instance" xmlns:pc="http://schemas.microsoft.com/office/infopath/2007/PartnerControls">
+  <documentManagement>
+    <MediaServiceKeyPoints xmlns="71af3243-3dd4-4a8d-8c0d-dd76da1f02a5" xsi:nil="true"/>
+  </documentManagement>
+</p:properties>
 </file>
 
-<file path=customXml/itemProps2.xml><?xml version="1.0" encoding="utf-8"?>
-<ds:datastoreItem xmlns:ds="http://schemas.openxmlformats.org/officeDocument/2006/customXml" ds:itemID="{E7866CFD-F94E-4AE5-ACEA-86FEC0F48A10}">
-  <ds:schemaRefs>
-    <ds:schemaRef ds:uri="http://schemas.microsoft.com/office/2006/metadata/properties"/>
-    <ds:schemaRef ds:uri="http://schemas.microsoft.com/office/infopath/2007/PartnerControls"/>
-    <ds:schemaRef ds:uri="71af3243-3dd4-4a8d-8c0d-dd76da1f02a5"/>
-  </ds:schemaRefs>
-</ds:datastoreItem>
+<file path=customXml/item3.xml><?xml version="1.0" encoding="utf-8"?>
+<?mso-contentType ?>
+<FormTemplates xmlns="http://schemas.microsoft.com/sharepoint/v3/contenttype/forms">
+  <Display>DocumentLibraryForm</Display>
+  <Edit>DocumentLibraryForm</Edit>
+  <New>DocumentLibraryForm</New>
+</FormTemplates>
 </file>
 
-<file path=customXml/itemProps3.xml><?xml version="1.0" encoding="utf-8"?>
+<file path=customXml/itemProps1.xml><?xml version="1.0" encoding="utf-8"?>
 <ds:datastoreItem xmlns:ds="http://schemas.openxmlformats.org/officeDocument/2006/customXml" ds:itemID="{A7C0B241-13E5-418D-8920-D23491E2D2C0}">
   <ds:schemaRefs>
     <ds:schemaRef ds:uri="http://schemas.microsoft.com/office/2006/metadata/contentType"/>
@@ -14441,4 +22300,22 @@
     <ds:schemaRef ds:uri="http://schemas.microsoft.com/internal/obd"/>
   </ds:schemaRefs>
 </ds:datastoreItem>
+</file>
+
+<file path=customXml/itemProps2.xml><?xml version="1.0" encoding="utf-8"?>
+<ds:datastoreItem xmlns:ds="http://schemas.openxmlformats.org/officeDocument/2006/customXml" ds:itemID="{E7866CFD-F94E-4AE5-ACEA-86FEC0F48A10}">
+  <ds:schemaRefs>
+    <ds:schemaRef ds:uri="http://schemas.microsoft.com/office/2006/metadata/properties"/>
+    <ds:schemaRef ds:uri="http://schemas.microsoft.com/office/infopath/2007/PartnerControls"/>
+    <ds:schemaRef ds:uri="71af3243-3dd4-4a8d-8c0d-dd76da1f02a5"/>
+  </ds:schemaRefs>
+</ds:datastoreItem>
+</file>
+
+<file path=customXml/itemProps3.xml><?xml version="1.0" encoding="utf-8"?>
+<ds:datastoreItem xmlns:ds="http://schemas.openxmlformats.org/officeDocument/2006/customXml" ds:itemID="{B579702B-25C7-40D7-9E29-7686B11A9660}">
+  <ds:schemaRefs>
+    <ds:schemaRef ds:uri="http://schemas.microsoft.com/sharepoint/v3/contenttype/forms"/>
+  </ds:schemaRefs>
+</ds:datastoreItem>
 </file>
--- a/Presentation/Group-04-Presentation.pptx
+++ b/Presentation/Group-04-Presentation.pptx
@@ -735,7 +735,7 @@
           <a:noFill/>
           <a:extLst>
             <a:ext uri="{909E8E84-426E-40dd-AFC4-6F175D3DCCD1}">
-              <a14:hiddenFill xmlns="" xmlns:a14="http://schemas.microsoft.com/office/drawing/2010/main">
+              <a14:hiddenFill xmlns:a14="http://schemas.microsoft.com/office/drawing/2010/main" xmlns="">
                 <a:solidFill>
                   <a:srgbClr val="FFFFFF"/>
                 </a:solidFill>
@@ -794,7 +794,7 @@
             </a:ln>
             <a:extLst>
               <a:ext uri="{91240B29-F687-4f45-9708-019B960494DF}">
-                <a14:hiddenLine xmlns="" xmlns:a14="http://schemas.microsoft.com/office/drawing/2010/main" w="9525">
+                <a14:hiddenLine xmlns:a14="http://schemas.microsoft.com/office/drawing/2010/main" xmlns="" w="9525">
                   <a:solidFill>
                     <a:srgbClr val="000000"/>
                   </a:solidFill>
@@ -884,7 +884,7 @@
             </a:ln>
             <a:extLst>
               <a:ext uri="{91240B29-F687-4f45-9708-019B960494DF}">
-                <a14:hiddenLine xmlns="" xmlns:a14="http://schemas.microsoft.com/office/drawing/2010/main" w="9525">
+                <a14:hiddenLine xmlns:a14="http://schemas.microsoft.com/office/drawing/2010/main" xmlns="" w="9525">
                   <a:solidFill>
                     <a:srgbClr val="000000"/>
                   </a:solidFill>
@@ -974,7 +974,7 @@
             </a:ln>
             <a:extLst>
               <a:ext uri="{91240B29-F687-4f45-9708-019B960494DF}">
-                <a14:hiddenLine xmlns="" xmlns:a14="http://schemas.microsoft.com/office/drawing/2010/main" w="9525">
+                <a14:hiddenLine xmlns:a14="http://schemas.microsoft.com/office/drawing/2010/main" xmlns="" w="9525">
                   <a:solidFill>
                     <a:srgbClr val="000000"/>
                   </a:solidFill>
@@ -1008,7 +1008,7 @@
             </a:ln>
             <a:extLst>
               <a:ext uri="{91240B29-F687-4f45-9708-019B960494DF}">
-                <a14:hiddenLine xmlns="" xmlns:a14="http://schemas.microsoft.com/office/drawing/2010/main" w="9525">
+                <a14:hiddenLine xmlns:a14="http://schemas.microsoft.com/office/drawing/2010/main" xmlns="" w="9525">
                   <a:solidFill>
                     <a:srgbClr val="000000"/>
                   </a:solidFill>
@@ -1098,7 +1098,7 @@
             </a:ln>
             <a:extLst>
               <a:ext uri="{91240B29-F687-4f45-9708-019B960494DF}">
-                <a14:hiddenLine xmlns="" xmlns:a14="http://schemas.microsoft.com/office/drawing/2010/main" w="9525">
+                <a14:hiddenLine xmlns:a14="http://schemas.microsoft.com/office/drawing/2010/main" xmlns="" w="9525">
                   <a:solidFill>
                     <a:srgbClr val="000000"/>
                   </a:solidFill>
@@ -1160,7 +1160,7 @@
             </a:ln>
             <a:extLst>
               <a:ext uri="{91240B29-F687-4f45-9708-019B960494DF}">
-                <a14:hiddenLine xmlns="" xmlns:a14="http://schemas.microsoft.com/office/drawing/2010/main" w="9525">
+                <a14:hiddenLine xmlns:a14="http://schemas.microsoft.com/office/drawing/2010/main" xmlns="" w="9525">
                   <a:solidFill>
                     <a:srgbClr val="000000"/>
                   </a:solidFill>
@@ -1222,7 +1222,7 @@
             </a:ln>
             <a:extLst>
               <a:ext uri="{91240B29-F687-4f45-9708-019B960494DF}">
-                <a14:hiddenLine xmlns="" xmlns:a14="http://schemas.microsoft.com/office/drawing/2010/main" w="9525">
+                <a14:hiddenLine xmlns:a14="http://schemas.microsoft.com/office/drawing/2010/main" xmlns="" w="9525">
                   <a:solidFill>
                     <a:srgbClr val="000000"/>
                   </a:solidFill>
@@ -1312,7 +1312,7 @@
             </a:ln>
             <a:extLst>
               <a:ext uri="{91240B29-F687-4f45-9708-019B960494DF}">
-                <a14:hiddenLine xmlns="" xmlns:a14="http://schemas.microsoft.com/office/drawing/2010/main" w="9525">
+                <a14:hiddenLine xmlns:a14="http://schemas.microsoft.com/office/drawing/2010/main" xmlns="" w="9525">
                   <a:solidFill>
                     <a:srgbClr val="000000"/>
                   </a:solidFill>
@@ -1374,7 +1374,7 @@
             </a:ln>
             <a:extLst>
               <a:ext uri="{91240B29-F687-4f45-9708-019B960494DF}">
-                <a14:hiddenLine xmlns="" xmlns:a14="http://schemas.microsoft.com/office/drawing/2010/main" w="9525">
+                <a14:hiddenLine xmlns:a14="http://schemas.microsoft.com/office/drawing/2010/main" xmlns="" w="9525">
                   <a:solidFill>
                     <a:srgbClr val="000000"/>
                   </a:solidFill>
@@ -1436,7 +1436,7 @@
             </a:ln>
             <a:extLst>
               <a:ext uri="{91240B29-F687-4f45-9708-019B960494DF}">
-                <a14:hiddenLine xmlns="" xmlns:a14="http://schemas.microsoft.com/office/drawing/2010/main" w="9525">
+                <a14:hiddenLine xmlns:a14="http://schemas.microsoft.com/office/drawing/2010/main" xmlns="" w="9525">
                   <a:solidFill>
                     <a:srgbClr val="000000"/>
                   </a:solidFill>
@@ -1526,7 +1526,7 @@
             </a:ln>
             <a:extLst>
               <a:ext uri="{91240B29-F687-4f45-9708-019B960494DF}">
-                <a14:hiddenLine xmlns="" xmlns:a14="http://schemas.microsoft.com/office/drawing/2010/main" w="9525">
+                <a14:hiddenLine xmlns:a14="http://schemas.microsoft.com/office/drawing/2010/main" xmlns="" w="9525">
                   <a:solidFill>
                     <a:srgbClr val="000000"/>
                   </a:solidFill>
@@ -1616,7 +1616,7 @@
             </a:ln>
             <a:extLst>
               <a:ext uri="{91240B29-F687-4f45-9708-019B960494DF}">
-                <a14:hiddenLine xmlns="" xmlns:a14="http://schemas.microsoft.com/office/drawing/2010/main" w="9525">
+                <a14:hiddenLine xmlns:a14="http://schemas.microsoft.com/office/drawing/2010/main" xmlns="" w="9525">
                   <a:solidFill>
                     <a:srgbClr val="000000"/>
                   </a:solidFill>
@@ -1678,7 +1678,7 @@
             </a:ln>
             <a:extLst>
               <a:ext uri="{91240B29-F687-4f45-9708-019B960494DF}">
-                <a14:hiddenLine xmlns="" xmlns:a14="http://schemas.microsoft.com/office/drawing/2010/main" w="9525">
+                <a14:hiddenLine xmlns:a14="http://schemas.microsoft.com/office/drawing/2010/main" xmlns="" w="9525">
                   <a:solidFill>
                     <a:srgbClr val="000000"/>
                   </a:solidFill>
@@ -1788,7 +1788,7 @@
             </a:ln>
             <a:extLst>
               <a:ext uri="{91240B29-F687-4f45-9708-019B960494DF}">
-                <a14:hiddenLine xmlns="" xmlns:a14="http://schemas.microsoft.com/office/drawing/2010/main" w="9525">
+                <a14:hiddenLine xmlns:a14="http://schemas.microsoft.com/office/drawing/2010/main" xmlns="" w="9525">
                   <a:solidFill>
                     <a:srgbClr val="000000"/>
                   </a:solidFill>
@@ -1850,7 +1850,7 @@
             </a:ln>
             <a:extLst>
               <a:ext uri="{91240B29-F687-4f45-9708-019B960494DF}">
-                <a14:hiddenLine xmlns="" xmlns:a14="http://schemas.microsoft.com/office/drawing/2010/main" w="9525">
+                <a14:hiddenLine xmlns:a14="http://schemas.microsoft.com/office/drawing/2010/main" xmlns="" w="9525">
                   <a:solidFill>
                     <a:srgbClr val="000000"/>
                   </a:solidFill>
@@ -1940,7 +1940,7 @@
             </a:ln>
             <a:extLst>
               <a:ext uri="{91240B29-F687-4f45-9708-019B960494DF}">
-                <a14:hiddenLine xmlns="" xmlns:a14="http://schemas.microsoft.com/office/drawing/2010/main" w="9525">
+                <a14:hiddenLine xmlns:a14="http://schemas.microsoft.com/office/drawing/2010/main" xmlns="" w="9525">
                   <a:solidFill>
                     <a:srgbClr val="000000"/>
                   </a:solidFill>
@@ -2030,7 +2030,7 @@
             </a:ln>
             <a:extLst>
               <a:ext uri="{91240B29-F687-4f45-9708-019B960494DF}">
-                <a14:hiddenLine xmlns="" xmlns:a14="http://schemas.microsoft.com/office/drawing/2010/main" w="9525">
+                <a14:hiddenLine xmlns:a14="http://schemas.microsoft.com/office/drawing/2010/main" xmlns="" w="9525">
                   <a:solidFill>
                     <a:srgbClr val="000000"/>
                   </a:solidFill>
@@ -2092,7 +2092,7 @@
             </a:ln>
             <a:extLst>
               <a:ext uri="{91240B29-F687-4f45-9708-019B960494DF}">
-                <a14:hiddenLine xmlns="" xmlns:a14="http://schemas.microsoft.com/office/drawing/2010/main" w="9525">
+                <a14:hiddenLine xmlns:a14="http://schemas.microsoft.com/office/drawing/2010/main" xmlns="" w="9525">
                   <a:solidFill>
                     <a:srgbClr val="000000"/>
                   </a:solidFill>
@@ -2182,7 +2182,7 @@
             </a:ln>
             <a:extLst>
               <a:ext uri="{91240B29-F687-4f45-9708-019B960494DF}">
-                <a14:hiddenLine xmlns="" xmlns:a14="http://schemas.microsoft.com/office/drawing/2010/main" w="9525">
+                <a14:hiddenLine xmlns:a14="http://schemas.microsoft.com/office/drawing/2010/main" xmlns="" w="9525">
                   <a:solidFill>
                     <a:srgbClr val="000000"/>
                   </a:solidFill>
@@ -2272,7 +2272,7 @@
             </a:ln>
             <a:extLst>
               <a:ext uri="{91240B29-F687-4f45-9708-019B960494DF}">
-                <a14:hiddenLine xmlns="" xmlns:a14="http://schemas.microsoft.com/office/drawing/2010/main" w="9525">
+                <a14:hiddenLine xmlns:a14="http://schemas.microsoft.com/office/drawing/2010/main" xmlns="" w="9525">
                   <a:solidFill>
                     <a:srgbClr val="000000"/>
                   </a:solidFill>
@@ -2328,7 +2328,7 @@
             </a:ln>
             <a:extLst>
               <a:ext uri="{91240B29-F687-4f45-9708-019B960494DF}">
-                <a14:hiddenLine xmlns="" xmlns:a14="http://schemas.microsoft.com/office/drawing/2010/main" w="9525">
+                <a14:hiddenLine xmlns:a14="http://schemas.microsoft.com/office/drawing/2010/main" xmlns="" w="9525">
                   <a:solidFill>
                     <a:srgbClr val="000000"/>
                   </a:solidFill>
@@ -2418,7 +2418,7 @@
             </a:ln>
             <a:extLst>
               <a:ext uri="{91240B29-F687-4f45-9708-019B960494DF}">
-                <a14:hiddenLine xmlns="" xmlns:a14="http://schemas.microsoft.com/office/drawing/2010/main" w="9525">
+                <a14:hiddenLine xmlns:a14="http://schemas.microsoft.com/office/drawing/2010/main" xmlns="" w="9525">
                   <a:solidFill>
                     <a:srgbClr val="000000"/>
                   </a:solidFill>
@@ -2474,7 +2474,7 @@
             </a:ln>
             <a:extLst>
               <a:ext uri="{91240B29-F687-4f45-9708-019B960494DF}">
-                <a14:hiddenLine xmlns="" xmlns:a14="http://schemas.microsoft.com/office/drawing/2010/main" w="9525">
+                <a14:hiddenLine xmlns:a14="http://schemas.microsoft.com/office/drawing/2010/main" xmlns="" w="9525">
                   <a:solidFill>
                     <a:srgbClr val="000000"/>
                   </a:solidFill>
@@ -2564,7 +2564,7 @@
             </a:ln>
             <a:extLst>
               <a:ext uri="{91240B29-F687-4f45-9708-019B960494DF}">
-                <a14:hiddenLine xmlns="" xmlns:a14="http://schemas.microsoft.com/office/drawing/2010/main" w="9525">
+                <a14:hiddenLine xmlns:a14="http://schemas.microsoft.com/office/drawing/2010/main" xmlns="" w="9525">
                   <a:solidFill>
                     <a:srgbClr val="000000"/>
                   </a:solidFill>
@@ -2632,7 +2632,7 @@
             </a:ln>
             <a:extLst>
               <a:ext uri="{91240B29-F687-4f45-9708-019B960494DF}">
-                <a14:hiddenLine xmlns="" xmlns:a14="http://schemas.microsoft.com/office/drawing/2010/main" w="9525">
+                <a14:hiddenLine xmlns:a14="http://schemas.microsoft.com/office/drawing/2010/main" xmlns="" w="9525">
                   <a:solidFill>
                     <a:srgbClr val="000000"/>
                   </a:solidFill>
@@ -2722,7 +2722,7 @@
             </a:ln>
             <a:extLst>
               <a:ext uri="{91240B29-F687-4f45-9708-019B960494DF}">
-                <a14:hiddenLine xmlns="" xmlns:a14="http://schemas.microsoft.com/office/drawing/2010/main" w="9525">
+                <a14:hiddenLine xmlns:a14="http://schemas.microsoft.com/office/drawing/2010/main" xmlns="" w="9525">
                   <a:solidFill>
                     <a:srgbClr val="000000"/>
                   </a:solidFill>
@@ -2790,7 +2790,7 @@
             </a:ln>
             <a:extLst>
               <a:ext uri="{91240B29-F687-4f45-9708-019B960494DF}">
-                <a14:hiddenLine xmlns="" xmlns:a14="http://schemas.microsoft.com/office/drawing/2010/main" w="9525">
+                <a14:hiddenLine xmlns:a14="http://schemas.microsoft.com/office/drawing/2010/main" xmlns="" w="9525">
                   <a:solidFill>
                     <a:srgbClr val="000000"/>
                   </a:solidFill>
@@ -2880,7 +2880,7 @@
             </a:ln>
             <a:extLst>
               <a:ext uri="{91240B29-F687-4f45-9708-019B960494DF}">
-                <a14:hiddenLine xmlns="" xmlns:a14="http://schemas.microsoft.com/office/drawing/2010/main" w="9525">
+                <a14:hiddenLine xmlns:a14="http://schemas.microsoft.com/office/drawing/2010/main" xmlns="" w="9525">
                   <a:solidFill>
                     <a:srgbClr val="000000"/>
                   </a:solidFill>
@@ -2914,7 +2914,7 @@
             </a:ln>
             <a:extLst>
               <a:ext uri="{91240B29-F687-4f45-9708-019B960494DF}">
-                <a14:hiddenLine xmlns="" xmlns:a14="http://schemas.microsoft.com/office/drawing/2010/main" w="9525">
+                <a14:hiddenLine xmlns:a14="http://schemas.microsoft.com/office/drawing/2010/main" xmlns="" w="9525">
                   <a:solidFill>
                     <a:srgbClr val="000000"/>
                   </a:solidFill>
@@ -3004,7 +3004,7 @@
             </a:ln>
             <a:extLst>
               <a:ext uri="{91240B29-F687-4f45-9708-019B960494DF}">
-                <a14:hiddenLine xmlns="" xmlns:a14="http://schemas.microsoft.com/office/drawing/2010/main" w="9525">
+                <a14:hiddenLine xmlns:a14="http://schemas.microsoft.com/office/drawing/2010/main" xmlns="" w="9525">
                   <a:solidFill>
                     <a:srgbClr val="000000"/>
                   </a:solidFill>
@@ -3066,7 +3066,7 @@
             </a:ln>
             <a:extLst>
               <a:ext uri="{91240B29-F687-4f45-9708-019B960494DF}">
-                <a14:hiddenLine xmlns="" xmlns:a14="http://schemas.microsoft.com/office/drawing/2010/main" w="9525">
+                <a14:hiddenLine xmlns:a14="http://schemas.microsoft.com/office/drawing/2010/main" xmlns="" w="9525">
                   <a:solidFill>
                     <a:srgbClr val="000000"/>
                   </a:solidFill>
@@ -3128,7 +3128,7 @@
             </a:ln>
             <a:extLst>
               <a:ext uri="{91240B29-F687-4f45-9708-019B960494DF}">
-                <a14:hiddenLine xmlns="" xmlns:a14="http://schemas.microsoft.com/office/drawing/2010/main" w="9525">
+                <a14:hiddenLine xmlns:a14="http://schemas.microsoft.com/office/drawing/2010/main" xmlns="" w="9525">
                   <a:solidFill>
                     <a:srgbClr val="000000"/>
                   </a:solidFill>
@@ -3218,7 +3218,7 @@
             </a:ln>
             <a:extLst>
               <a:ext uri="{91240B29-F687-4f45-9708-019B960494DF}">
-                <a14:hiddenLine xmlns="" xmlns:a14="http://schemas.microsoft.com/office/drawing/2010/main" w="9525">
+                <a14:hiddenLine xmlns:a14="http://schemas.microsoft.com/office/drawing/2010/main" xmlns="" w="9525">
                   <a:solidFill>
                     <a:srgbClr val="000000"/>
                   </a:solidFill>
@@ -3286,7 +3286,7 @@
             </a:ln>
             <a:extLst>
               <a:ext uri="{91240B29-F687-4f45-9708-019B960494DF}">
-                <a14:hiddenLine xmlns="" xmlns:a14="http://schemas.microsoft.com/office/drawing/2010/main" w="9525">
+                <a14:hiddenLine xmlns:a14="http://schemas.microsoft.com/office/drawing/2010/main" xmlns="" w="9525">
                   <a:solidFill>
                     <a:srgbClr val="000000"/>
                   </a:solidFill>
@@ -3348,7 +3348,7 @@
             </a:ln>
             <a:extLst>
               <a:ext uri="{91240B29-F687-4f45-9708-019B960494DF}">
-                <a14:hiddenLine xmlns="" xmlns:a14="http://schemas.microsoft.com/office/drawing/2010/main" w="9525">
+                <a14:hiddenLine xmlns:a14="http://schemas.microsoft.com/office/drawing/2010/main" xmlns="" w="9525">
                   <a:solidFill>
                     <a:srgbClr val="000000"/>
                   </a:solidFill>
@@ -3438,7 +3438,7 @@
             </a:ln>
             <a:extLst>
               <a:ext uri="{91240B29-F687-4f45-9708-019B960494DF}">
-                <a14:hiddenLine xmlns="" xmlns:a14="http://schemas.microsoft.com/office/drawing/2010/main" w="9525">
+                <a14:hiddenLine xmlns:a14="http://schemas.microsoft.com/office/drawing/2010/main" xmlns="" w="9525">
                   <a:solidFill>
                     <a:srgbClr val="000000"/>
                   </a:solidFill>
@@ -3500,7 +3500,7 @@
             </a:ln>
             <a:extLst>
               <a:ext uri="{91240B29-F687-4f45-9708-019B960494DF}">
-                <a14:hiddenLine xmlns="" xmlns:a14="http://schemas.microsoft.com/office/drawing/2010/main" w="9525">
+                <a14:hiddenLine xmlns:a14="http://schemas.microsoft.com/office/drawing/2010/main" xmlns="" w="9525">
                   <a:solidFill>
                     <a:srgbClr val="000000"/>
                   </a:solidFill>
@@ -3590,7 +3590,7 @@
             </a:ln>
             <a:extLst>
               <a:ext uri="{91240B29-F687-4f45-9708-019B960494DF}">
-                <a14:hiddenLine xmlns="" xmlns:a14="http://schemas.microsoft.com/office/drawing/2010/main" w="9525">
+                <a14:hiddenLine xmlns:a14="http://schemas.microsoft.com/office/drawing/2010/main" xmlns="" w="9525">
                   <a:solidFill>
                     <a:srgbClr val="000000"/>
                   </a:solidFill>
@@ -3652,7 +3652,7 @@
             </a:ln>
             <a:extLst>
               <a:ext uri="{91240B29-F687-4f45-9708-019B960494DF}">
-                <a14:hiddenLine xmlns="" xmlns:a14="http://schemas.microsoft.com/office/drawing/2010/main" w="9525">
+                <a14:hiddenLine xmlns:a14="http://schemas.microsoft.com/office/drawing/2010/main" xmlns="" w="9525">
                   <a:solidFill>
                     <a:srgbClr val="000000"/>
                   </a:solidFill>
@@ -3742,7 +3742,7 @@
             </a:ln>
             <a:extLst>
               <a:ext uri="{91240B29-F687-4f45-9708-019B960494DF}">
-                <a14:hiddenLine xmlns="" xmlns:a14="http://schemas.microsoft.com/office/drawing/2010/main" w="9525">
+                <a14:hiddenLine xmlns:a14="http://schemas.microsoft.com/office/drawing/2010/main" xmlns="" w="9525">
                   <a:solidFill>
                     <a:srgbClr val="000000"/>
                   </a:solidFill>
@@ -3776,7 +3776,7 @@
             </a:ln>
             <a:extLst>
               <a:ext uri="{91240B29-F687-4f45-9708-019B960494DF}">
-                <a14:hiddenLine xmlns="" xmlns:a14="http://schemas.microsoft.com/office/drawing/2010/main" w="9525">
+                <a14:hiddenLine xmlns:a14="http://schemas.microsoft.com/office/drawing/2010/main" xmlns="" w="9525">
                   <a:solidFill>
                     <a:srgbClr val="000000"/>
                   </a:solidFill>
@@ -3841,7 +3841,7 @@
             </a:ln>
             <a:extLst>
               <a:ext uri="{91240B29-F687-4f45-9708-019B960494DF}">
-                <a14:hiddenLine xmlns="" xmlns:a14="http://schemas.microsoft.com/office/drawing/2010/main" w="9525">
+                <a14:hiddenLine xmlns:a14="http://schemas.microsoft.com/office/drawing/2010/main" xmlns="" w="9525">
                   <a:solidFill>
                     <a:srgbClr val="000000"/>
                   </a:solidFill>
@@ -3931,7 +3931,7 @@
             </a:ln>
             <a:extLst>
               <a:ext uri="{91240B29-F687-4f45-9708-019B960494DF}">
-                <a14:hiddenLine xmlns="" xmlns:a14="http://schemas.microsoft.com/office/drawing/2010/main" w="9525">
+                <a14:hiddenLine xmlns:a14="http://schemas.microsoft.com/office/drawing/2010/main" xmlns="" w="9525">
                   <a:solidFill>
                     <a:srgbClr val="000000"/>
                   </a:solidFill>
@@ -3993,7 +3993,7 @@
             </a:ln>
             <a:extLst>
               <a:ext uri="{91240B29-F687-4f45-9708-019B960494DF}">
-                <a14:hiddenLine xmlns="" xmlns:a14="http://schemas.microsoft.com/office/drawing/2010/main" w="9525">
+                <a14:hiddenLine xmlns:a14="http://schemas.microsoft.com/office/drawing/2010/main" xmlns="" w="9525">
                   <a:solidFill>
                     <a:srgbClr val="000000"/>
                   </a:solidFill>
@@ -4083,7 +4083,7 @@
             </a:ln>
             <a:extLst>
               <a:ext uri="{91240B29-F687-4f45-9708-019B960494DF}">
-                <a14:hiddenLine xmlns="" xmlns:a14="http://schemas.microsoft.com/office/drawing/2010/main" w="9525">
+                <a14:hiddenLine xmlns:a14="http://schemas.microsoft.com/office/drawing/2010/main" xmlns="" w="9525">
                   <a:solidFill>
                     <a:srgbClr val="000000"/>
                   </a:solidFill>
@@ -4173,7 +4173,7 @@
             </a:ln>
             <a:extLst>
               <a:ext uri="{91240B29-F687-4f45-9708-019B960494DF}">
-                <a14:hiddenLine xmlns="" xmlns:a14="http://schemas.microsoft.com/office/drawing/2010/main" w="9525">
+                <a14:hiddenLine xmlns:a14="http://schemas.microsoft.com/office/drawing/2010/main" xmlns="" w="9525">
                   <a:solidFill>
                     <a:srgbClr val="000000"/>
                   </a:solidFill>
@@ -4238,7 +4238,7 @@
             </a:ln>
             <a:extLst>
               <a:ext uri="{91240B29-F687-4f45-9708-019B960494DF}">
-                <a14:hiddenLine xmlns="" xmlns:a14="http://schemas.microsoft.com/office/drawing/2010/main" w="9525">
+                <a14:hiddenLine xmlns:a14="http://schemas.microsoft.com/office/drawing/2010/main" xmlns="" w="9525">
                   <a:solidFill>
                     <a:srgbClr val="000000"/>
                   </a:solidFill>
@@ -4300,7 +4300,7 @@
             </a:ln>
             <a:extLst>
               <a:ext uri="{91240B29-F687-4f45-9708-019B960494DF}">
-                <a14:hiddenLine xmlns="" xmlns:a14="http://schemas.microsoft.com/office/drawing/2010/main" w="9525">
+                <a14:hiddenLine xmlns:a14="http://schemas.microsoft.com/office/drawing/2010/main" xmlns="" w="9525">
                   <a:solidFill>
                     <a:srgbClr val="000000"/>
                   </a:solidFill>
@@ -4390,7 +4390,7 @@
             </a:ln>
             <a:extLst>
               <a:ext uri="{91240B29-F687-4f45-9708-019B960494DF}">
-                <a14:hiddenLine xmlns="" xmlns:a14="http://schemas.microsoft.com/office/drawing/2010/main" w="9525">
+                <a14:hiddenLine xmlns:a14="http://schemas.microsoft.com/office/drawing/2010/main" xmlns="" w="9525">
                   <a:solidFill>
                     <a:srgbClr val="000000"/>
                   </a:solidFill>
@@ -4480,7 +4480,7 @@
             </a:ln>
             <a:extLst>
               <a:ext uri="{91240B29-F687-4f45-9708-019B960494DF}">
-                <a14:hiddenLine xmlns="" xmlns:a14="http://schemas.microsoft.com/office/drawing/2010/main" w="9525">
+                <a14:hiddenLine xmlns:a14="http://schemas.microsoft.com/office/drawing/2010/main" xmlns="" w="9525">
                   <a:solidFill>
                     <a:srgbClr val="000000"/>
                   </a:solidFill>
@@ -4542,7 +4542,7 @@
             </a:ln>
             <a:extLst>
               <a:ext uri="{91240B29-F687-4f45-9708-019B960494DF}">
-                <a14:hiddenLine xmlns="" xmlns:a14="http://schemas.microsoft.com/office/drawing/2010/main" w="9525">
+                <a14:hiddenLine xmlns:a14="http://schemas.microsoft.com/office/drawing/2010/main" xmlns="" w="9525">
                   <a:solidFill>
                     <a:srgbClr val="000000"/>
                   </a:solidFill>
@@ -4662,7 +4662,7 @@
             </a:ln>
             <a:extLst>
               <a:ext uri="{91240B29-F687-4f45-9708-019B960494DF}">
-                <a14:hiddenLine xmlns="" xmlns:a14="http://schemas.microsoft.com/office/drawing/2010/main" w="9525">
+                <a14:hiddenLine xmlns:a14="http://schemas.microsoft.com/office/drawing/2010/main" xmlns="" w="9525">
                   <a:solidFill>
                     <a:srgbClr val="000000"/>
                   </a:solidFill>
@@ -4730,7 +4730,7 @@
             </a:ln>
             <a:extLst>
               <a:ext uri="{91240B29-F687-4f45-9708-019B960494DF}">
-                <a14:hiddenLine xmlns="" xmlns:a14="http://schemas.microsoft.com/office/drawing/2010/main" w="9525">
+                <a14:hiddenLine xmlns:a14="http://schemas.microsoft.com/office/drawing/2010/main" xmlns="" w="9525">
                   <a:solidFill>
                     <a:srgbClr val="000000"/>
                   </a:solidFill>
@@ -4820,7 +4820,7 @@
             </a:ln>
             <a:extLst>
               <a:ext uri="{91240B29-F687-4f45-9708-019B960494DF}">
-                <a14:hiddenLine xmlns="" xmlns:a14="http://schemas.microsoft.com/office/drawing/2010/main" w="9525">
+                <a14:hiddenLine xmlns:a14="http://schemas.microsoft.com/office/drawing/2010/main" xmlns="" w="9525">
                   <a:solidFill>
                     <a:srgbClr val="000000"/>
                   </a:solidFill>
@@ -8009,7 +8009,7 @@
     </p:spTree>
     <p:extLst>
       <p:ext uri="{BB962C8B-B14F-4D97-AF65-F5344CB8AC3E}">
-        <p14:creationId xmlns:p14="http://schemas.microsoft.com/office/powerpoint/2010/main" val="2129223248"/>
+        <p14:creationId xmlns:p14="http://schemas.microsoft.com/office/powerpoint/2010/main" val="1137129128"/>
       </p:ext>
     </p:extLst>
   </p:cSld>
@@ -8209,7 +8209,7 @@
     </p:spTree>
     <p:extLst>
       <p:ext uri="{BB962C8B-B14F-4D97-AF65-F5344CB8AC3E}">
-        <p14:creationId xmlns:p14="http://schemas.microsoft.com/office/powerpoint/2010/main" val="259718797"/>
+        <p14:creationId xmlns:p14="http://schemas.microsoft.com/office/powerpoint/2010/main" val="1332888110"/>
       </p:ext>
     </p:extLst>
   </p:cSld>
@@ -8655,7 +8655,7 @@
     </p:spTree>
     <p:extLst>
       <p:ext uri="{BB962C8B-B14F-4D97-AF65-F5344CB8AC3E}">
-        <p14:creationId xmlns:p14="http://schemas.microsoft.com/office/powerpoint/2010/main" val="1545822896"/>
+        <p14:creationId xmlns:p14="http://schemas.microsoft.com/office/powerpoint/2010/main" val="3241276804"/>
       </p:ext>
     </p:extLst>
   </p:cSld>
@@ -8923,7 +8923,7 @@
     </p:spTree>
     <p:extLst>
       <p:ext uri="{BB962C8B-B14F-4D97-AF65-F5344CB8AC3E}">
-        <p14:creationId xmlns:p14="http://schemas.microsoft.com/office/powerpoint/2010/main" val="2717728948"/>
+        <p14:creationId xmlns:p14="http://schemas.microsoft.com/office/powerpoint/2010/main" val="2680025646"/>
       </p:ext>
     </p:extLst>
   </p:cSld>
@@ -9338,7 +9338,7 @@
     </p:spTree>
     <p:extLst>
       <p:ext uri="{BB962C8B-B14F-4D97-AF65-F5344CB8AC3E}">
-        <p14:creationId xmlns:p14="http://schemas.microsoft.com/office/powerpoint/2010/main" val="241136637"/>
+        <p14:creationId xmlns:p14="http://schemas.microsoft.com/office/powerpoint/2010/main" val="1216791244"/>
       </p:ext>
     </p:extLst>
   </p:cSld>
@@ -9480,7 +9480,7 @@
     </p:spTree>
     <p:extLst>
       <p:ext uri="{BB962C8B-B14F-4D97-AF65-F5344CB8AC3E}">
-        <p14:creationId xmlns:p14="http://schemas.microsoft.com/office/powerpoint/2010/main" val="734037075"/>
+        <p14:creationId xmlns:p14="http://schemas.microsoft.com/office/powerpoint/2010/main" val="3189806579"/>
       </p:ext>
     </p:extLst>
   </p:cSld>
@@ -9593,7 +9593,7 @@
     </p:spTree>
     <p:extLst>
       <p:ext uri="{BB962C8B-B14F-4D97-AF65-F5344CB8AC3E}">
-        <p14:creationId xmlns:p14="http://schemas.microsoft.com/office/powerpoint/2010/main" val="3360042215"/>
+        <p14:creationId xmlns:p14="http://schemas.microsoft.com/office/powerpoint/2010/main" val="2209290622"/>
       </p:ext>
     </p:extLst>
   </p:cSld>
@@ -9906,7 +9906,7 @@
     </p:spTree>
     <p:extLst>
       <p:ext uri="{BB962C8B-B14F-4D97-AF65-F5344CB8AC3E}">
-        <p14:creationId xmlns:p14="http://schemas.microsoft.com/office/powerpoint/2010/main" val="1204758725"/>
+        <p14:creationId xmlns:p14="http://schemas.microsoft.com/office/powerpoint/2010/main" val="1138049960"/>
       </p:ext>
     </p:extLst>
   </p:cSld>
@@ -10195,7 +10195,7 @@
     </p:spTree>
     <p:extLst>
       <p:ext uri="{BB962C8B-B14F-4D97-AF65-F5344CB8AC3E}">
-        <p14:creationId xmlns:p14="http://schemas.microsoft.com/office/powerpoint/2010/main" val="2498185415"/>
+        <p14:creationId xmlns:p14="http://schemas.microsoft.com/office/powerpoint/2010/main" val="2010675230"/>
       </p:ext>
     </p:extLst>
   </p:cSld>
@@ -10395,7 +10395,7 @@
     </p:spTree>
     <p:extLst>
       <p:ext uri="{BB962C8B-B14F-4D97-AF65-F5344CB8AC3E}">
-        <p14:creationId xmlns:p14="http://schemas.microsoft.com/office/powerpoint/2010/main" val="3753329053"/>
+        <p14:creationId xmlns:p14="http://schemas.microsoft.com/office/powerpoint/2010/main" val="2412875954"/>
       </p:ext>
     </p:extLst>
   </p:cSld>
@@ -10605,7 +10605,7 @@
     </p:spTree>
     <p:extLst>
       <p:ext uri="{BB962C8B-B14F-4D97-AF65-F5344CB8AC3E}">
-        <p14:creationId xmlns:p14="http://schemas.microsoft.com/office/powerpoint/2010/main" val="3188107149"/>
+        <p14:creationId xmlns:p14="http://schemas.microsoft.com/office/powerpoint/2010/main" val="2223407999"/>
       </p:ext>
     </p:extLst>
   </p:cSld>
@@ -12285,7 +12285,7 @@
           <a:noFill/>
           <a:extLst>
             <a:ext uri="{909E8E84-426E-40dd-AFC4-6F175D3DCCD1}">
-              <a14:hiddenFill xmlns="" xmlns:a14="http://schemas.microsoft.com/office/drawing/2010/main">
+              <a14:hiddenFill xmlns:a14="http://schemas.microsoft.com/office/drawing/2010/main" xmlns="">
                 <a:solidFill>
                   <a:srgbClr val="FFFFFF"/>
                 </a:solidFill>
@@ -12359,7 +12359,7 @@
               </a:ln>
               <a:extLst>
                 <a:ext uri="{91240B29-F687-4f45-9708-019B960494DF}">
-                  <a14:hiddenLine xmlns="" xmlns:a14="http://schemas.microsoft.com/office/drawing/2010/main" w="9525">
+                  <a14:hiddenLine xmlns:a14="http://schemas.microsoft.com/office/drawing/2010/main" xmlns="" w="9525">
                     <a:solidFill>
                       <a:srgbClr val="000000"/>
                     </a:solidFill>
@@ -12449,7 +12449,7 @@
               </a:ln>
               <a:extLst>
                 <a:ext uri="{91240B29-F687-4f45-9708-019B960494DF}">
-                  <a14:hiddenLine xmlns="" xmlns:a14="http://schemas.microsoft.com/office/drawing/2010/main" w="9525">
+                  <a14:hiddenLine xmlns:a14="http://schemas.microsoft.com/office/drawing/2010/main" xmlns="" w="9525">
                     <a:solidFill>
                       <a:srgbClr val="000000"/>
                     </a:solidFill>
@@ -12539,7 +12539,7 @@
               </a:ln>
               <a:extLst>
                 <a:ext uri="{91240B29-F687-4f45-9708-019B960494DF}">
-                  <a14:hiddenLine xmlns="" xmlns:a14="http://schemas.microsoft.com/office/drawing/2010/main" w="9525">
+                  <a14:hiddenLine xmlns:a14="http://schemas.microsoft.com/office/drawing/2010/main" xmlns="" w="9525">
                     <a:solidFill>
                       <a:srgbClr val="000000"/>
                     </a:solidFill>
@@ -12601,7 +12601,7 @@
               </a:ln>
               <a:extLst>
                 <a:ext uri="{91240B29-F687-4f45-9708-019B960494DF}">
-                  <a14:hiddenLine xmlns="" xmlns:a14="http://schemas.microsoft.com/office/drawing/2010/main" w="9525">
+                  <a14:hiddenLine xmlns:a14="http://schemas.microsoft.com/office/drawing/2010/main" xmlns="" w="9525">
                     <a:solidFill>
                       <a:srgbClr val="000000"/>
                     </a:solidFill>
@@ -12691,7 +12691,7 @@
               </a:ln>
               <a:extLst>
                 <a:ext uri="{91240B29-F687-4f45-9708-019B960494DF}">
-                  <a14:hiddenLine xmlns="" xmlns:a14="http://schemas.microsoft.com/office/drawing/2010/main" w="9525">
+                  <a14:hiddenLine xmlns:a14="http://schemas.microsoft.com/office/drawing/2010/main" xmlns="" w="9525">
                     <a:solidFill>
                       <a:srgbClr val="000000"/>
                     </a:solidFill>
@@ -12753,7 +12753,7 @@
               </a:ln>
               <a:extLst>
                 <a:ext uri="{91240B29-F687-4f45-9708-019B960494DF}">
-                  <a14:hiddenLine xmlns="" xmlns:a14="http://schemas.microsoft.com/office/drawing/2010/main" w="9525">
+                  <a14:hiddenLine xmlns:a14="http://schemas.microsoft.com/office/drawing/2010/main" xmlns="" w="9525">
                     <a:solidFill>
                       <a:srgbClr val="000000"/>
                     </a:solidFill>
@@ -12815,7 +12815,7 @@
               </a:ln>
               <a:extLst>
                 <a:ext uri="{91240B29-F687-4f45-9708-019B960494DF}">
-                  <a14:hiddenLine xmlns="" xmlns:a14="http://schemas.microsoft.com/office/drawing/2010/main" w="9525">
+                  <a14:hiddenLine xmlns:a14="http://schemas.microsoft.com/office/drawing/2010/main" xmlns="" w="9525">
                     <a:solidFill>
                       <a:srgbClr val="000000"/>
                     </a:solidFill>
@@ -12905,7 +12905,7 @@
               </a:ln>
               <a:extLst>
                 <a:ext uri="{91240B29-F687-4f45-9708-019B960494DF}">
-                  <a14:hiddenLine xmlns="" xmlns:a14="http://schemas.microsoft.com/office/drawing/2010/main" w="9525">
+                  <a14:hiddenLine xmlns:a14="http://schemas.microsoft.com/office/drawing/2010/main" xmlns="" w="9525">
                     <a:solidFill>
                       <a:srgbClr val="000000"/>
                     </a:solidFill>
@@ -12995,7 +12995,7 @@
               </a:ln>
               <a:extLst>
                 <a:ext uri="{91240B29-F687-4f45-9708-019B960494DF}">
-                  <a14:hiddenLine xmlns="" xmlns:a14="http://schemas.microsoft.com/office/drawing/2010/main" w="9525">
+                  <a14:hiddenLine xmlns:a14="http://schemas.microsoft.com/office/drawing/2010/main" xmlns="" w="9525">
                     <a:solidFill>
                       <a:srgbClr val="000000"/>
                     </a:solidFill>
@@ -13057,7 +13057,7 @@
               </a:ln>
               <a:extLst>
                 <a:ext uri="{91240B29-F687-4f45-9708-019B960494DF}">
-                  <a14:hiddenLine xmlns="" xmlns:a14="http://schemas.microsoft.com/office/drawing/2010/main" w="9525">
+                  <a14:hiddenLine xmlns:a14="http://schemas.microsoft.com/office/drawing/2010/main" xmlns="" w="9525">
                     <a:solidFill>
                       <a:srgbClr val="000000"/>
                     </a:solidFill>
@@ -13167,7 +13167,7 @@
               </a:ln>
               <a:extLst>
                 <a:ext uri="{91240B29-F687-4f45-9708-019B960494DF}">
-                  <a14:hiddenLine xmlns="" xmlns:a14="http://schemas.microsoft.com/office/drawing/2010/main" w="9525">
+                  <a14:hiddenLine xmlns:a14="http://schemas.microsoft.com/office/drawing/2010/main" xmlns="" w="9525">
                     <a:solidFill>
                       <a:srgbClr val="000000"/>
                     </a:solidFill>
@@ -13251,7 +13251,7 @@
               </a:ln>
               <a:extLst>
                 <a:ext uri="{91240B29-F687-4f45-9708-019B960494DF}">
-                  <a14:hiddenLine xmlns="" xmlns:a14="http://schemas.microsoft.com/office/drawing/2010/main" w="9525">
+                  <a14:hiddenLine xmlns:a14="http://schemas.microsoft.com/office/drawing/2010/main" xmlns="" w="9525">
                     <a:solidFill>
                       <a:srgbClr val="000000"/>
                     </a:solidFill>
@@ -13313,7 +13313,7 @@
               </a:ln>
               <a:extLst>
                 <a:ext uri="{91240B29-F687-4f45-9708-019B960494DF}">
-                  <a14:hiddenLine xmlns="" xmlns:a14="http://schemas.microsoft.com/office/drawing/2010/main" w="9525">
+                  <a14:hiddenLine xmlns:a14="http://schemas.microsoft.com/office/drawing/2010/main" xmlns="" w="9525">
                     <a:solidFill>
                       <a:srgbClr val="000000"/>
                     </a:solidFill>
@@ -13375,7 +13375,7 @@
               </a:ln>
               <a:extLst>
                 <a:ext uri="{91240B29-F687-4f45-9708-019B960494DF}">
-                  <a14:hiddenLine xmlns="" xmlns:a14="http://schemas.microsoft.com/office/drawing/2010/main" w="9525">
+                  <a14:hiddenLine xmlns:a14="http://schemas.microsoft.com/office/drawing/2010/main" xmlns="" w="9525">
                     <a:solidFill>
                       <a:srgbClr val="000000"/>
                     </a:solidFill>
@@ -13465,7 +13465,7 @@
               </a:ln>
               <a:extLst>
                 <a:ext uri="{91240B29-F687-4f45-9708-019B960494DF}">
-                  <a14:hiddenLine xmlns="" xmlns:a14="http://schemas.microsoft.com/office/drawing/2010/main" w="9525">
+                  <a14:hiddenLine xmlns:a14="http://schemas.microsoft.com/office/drawing/2010/main" xmlns="" w="9525">
                     <a:solidFill>
                       <a:srgbClr val="000000"/>
                     </a:solidFill>
@@ -13499,7 +13499,7 @@
               </a:ln>
               <a:extLst>
                 <a:ext uri="{91240B29-F687-4f45-9708-019B960494DF}">
-                  <a14:hiddenLine xmlns="" xmlns:a14="http://schemas.microsoft.com/office/drawing/2010/main" w="9525">
+                  <a14:hiddenLine xmlns:a14="http://schemas.microsoft.com/office/drawing/2010/main" xmlns="" w="9525">
                     <a:solidFill>
                       <a:srgbClr val="000000"/>
                     </a:solidFill>
@@ -13564,7 +13564,7 @@
               </a:ln>
               <a:extLst>
                 <a:ext uri="{91240B29-F687-4f45-9708-019B960494DF}">
-                  <a14:hiddenLine xmlns="" xmlns:a14="http://schemas.microsoft.com/office/drawing/2010/main" w="9525">
+                  <a14:hiddenLine xmlns:a14="http://schemas.microsoft.com/office/drawing/2010/main" xmlns="" w="9525">
                     <a:solidFill>
                       <a:srgbClr val="000000"/>
                     </a:solidFill>
@@ -13654,7 +13654,7 @@
               </a:ln>
               <a:extLst>
                 <a:ext uri="{91240B29-F687-4f45-9708-019B960494DF}">
-                  <a14:hiddenLine xmlns="" xmlns:a14="http://schemas.microsoft.com/office/drawing/2010/main" w="9525">
+                  <a14:hiddenLine xmlns:a14="http://schemas.microsoft.com/office/drawing/2010/main" xmlns="" w="9525">
                     <a:solidFill>
                       <a:srgbClr val="000000"/>
                     </a:solidFill>
@@ -13716,7 +13716,7 @@
               </a:ln>
               <a:extLst>
                 <a:ext uri="{91240B29-F687-4f45-9708-019B960494DF}">
-                  <a14:hiddenLine xmlns="" xmlns:a14="http://schemas.microsoft.com/office/drawing/2010/main" w="9525">
+                  <a14:hiddenLine xmlns:a14="http://schemas.microsoft.com/office/drawing/2010/main" xmlns="" w="9525">
                     <a:solidFill>
                       <a:srgbClr val="000000"/>
                     </a:solidFill>
@@ -13806,7 +13806,7 @@
               </a:ln>
               <a:extLst>
                 <a:ext uri="{91240B29-F687-4f45-9708-019B960494DF}">
-                  <a14:hiddenLine xmlns="" xmlns:a14="http://schemas.microsoft.com/office/drawing/2010/main" w="9525">
+                  <a14:hiddenLine xmlns:a14="http://schemas.microsoft.com/office/drawing/2010/main" xmlns="" w="9525">
                     <a:solidFill>
                       <a:srgbClr val="000000"/>
                     </a:solidFill>
@@ -13871,7 +13871,7 @@
               </a:ln>
               <a:extLst>
                 <a:ext uri="{91240B29-F687-4f45-9708-019B960494DF}">
-                  <a14:hiddenLine xmlns="" xmlns:a14="http://schemas.microsoft.com/office/drawing/2010/main" w="9525">
+                  <a14:hiddenLine xmlns:a14="http://schemas.microsoft.com/office/drawing/2010/main" xmlns="" w="9525">
                     <a:solidFill>
                       <a:srgbClr val="000000"/>
                     </a:solidFill>
@@ -13933,7 +13933,7 @@
               </a:ln>
               <a:extLst>
                 <a:ext uri="{91240B29-F687-4f45-9708-019B960494DF}">
-                  <a14:hiddenLine xmlns="" xmlns:a14="http://schemas.microsoft.com/office/drawing/2010/main" w="9525">
+                  <a14:hiddenLine xmlns:a14="http://schemas.microsoft.com/office/drawing/2010/main" xmlns="" w="9525">
                     <a:solidFill>
                       <a:srgbClr val="000000"/>
                     </a:solidFill>
@@ -14023,7 +14023,7 @@
               </a:ln>
               <a:extLst>
                 <a:ext uri="{91240B29-F687-4f45-9708-019B960494DF}">
-                  <a14:hiddenLine xmlns="" xmlns:a14="http://schemas.microsoft.com/office/drawing/2010/main" w="9525">
+                  <a14:hiddenLine xmlns:a14="http://schemas.microsoft.com/office/drawing/2010/main" xmlns="" w="9525">
                     <a:solidFill>
                       <a:srgbClr val="000000"/>
                     </a:solidFill>
@@ -14113,7 +14113,7 @@
               </a:ln>
               <a:extLst>
                 <a:ext uri="{91240B29-F687-4f45-9708-019B960494DF}">
-                  <a14:hiddenLine xmlns="" xmlns:a14="http://schemas.microsoft.com/office/drawing/2010/main" w="9525">
+                  <a14:hiddenLine xmlns:a14="http://schemas.microsoft.com/office/drawing/2010/main" xmlns="" w="9525">
                     <a:solidFill>
                       <a:srgbClr val="000000"/>
                     </a:solidFill>
@@ -14178,7 +14178,7 @@
               </a:ln>
               <a:extLst>
                 <a:ext uri="{91240B29-F687-4f45-9708-019B960494DF}">
-                  <a14:hiddenLine xmlns="" xmlns:a14="http://schemas.microsoft.com/office/drawing/2010/main" w="9525">
+                  <a14:hiddenLine xmlns:a14="http://schemas.microsoft.com/office/drawing/2010/main" xmlns="" w="9525">
                     <a:solidFill>
                       <a:srgbClr val="000000"/>
                     </a:solidFill>
@@ -14298,7 +14298,7 @@
               </a:ln>
               <a:extLst>
                 <a:ext uri="{91240B29-F687-4f45-9708-019B960494DF}">
-                  <a14:hiddenLine xmlns="" xmlns:a14="http://schemas.microsoft.com/office/drawing/2010/main" w="9525">
+                  <a14:hiddenLine xmlns:a14="http://schemas.microsoft.com/office/drawing/2010/main" xmlns="" w="9525">
                     <a:solidFill>
                       <a:srgbClr val="000000"/>
                     </a:solidFill>
@@ -14379,7 +14379,7 @@
               </a:ln>
               <a:extLst>
                 <a:ext uri="{91240B29-F687-4f45-9708-019B960494DF}">
-                  <a14:hiddenLine xmlns="" xmlns:a14="http://schemas.microsoft.com/office/drawing/2010/main" w="9525">
+                  <a14:hiddenLine xmlns:a14="http://schemas.microsoft.com/office/drawing/2010/main" xmlns="" w="9525">
                     <a:solidFill>
                       <a:srgbClr val="000000"/>
                     </a:solidFill>
@@ -14494,7 +14494,7 @@
               </a:ln>
               <a:extLst>
                 <a:ext uri="{91240B29-F687-4f45-9708-019B960494DF}">
-                  <a14:hiddenLine xmlns="" xmlns:a14="http://schemas.microsoft.com/office/drawing/2010/main" w="9525">
+                  <a14:hiddenLine xmlns:a14="http://schemas.microsoft.com/office/drawing/2010/main" xmlns="" w="9525">
                     <a:solidFill>
                       <a:srgbClr val="000000"/>
                     </a:solidFill>
@@ -14584,7 +14584,7 @@
               </a:ln>
               <a:extLst>
                 <a:ext uri="{91240B29-F687-4f45-9708-019B960494DF}">
-                  <a14:hiddenLine xmlns="" xmlns:a14="http://schemas.microsoft.com/office/drawing/2010/main" w="9525">
+                  <a14:hiddenLine xmlns:a14="http://schemas.microsoft.com/office/drawing/2010/main" xmlns="" w="9525">
                     <a:solidFill>
                       <a:srgbClr val="000000"/>
                     </a:solidFill>
@@ -14649,7 +14649,7 @@
               </a:ln>
               <a:extLst>
                 <a:ext uri="{91240B29-F687-4f45-9708-019B960494DF}">
-                  <a14:hiddenLine xmlns="" xmlns:a14="http://schemas.microsoft.com/office/drawing/2010/main" w="9525">
+                  <a14:hiddenLine xmlns:a14="http://schemas.microsoft.com/office/drawing/2010/main" xmlns="" w="9525">
                     <a:solidFill>
                       <a:srgbClr val="000000"/>
                     </a:solidFill>
@@ -14739,7 +14739,7 @@
               </a:ln>
               <a:extLst>
                 <a:ext uri="{91240B29-F687-4f45-9708-019B960494DF}">
-                  <a14:hiddenLine xmlns="" xmlns:a14="http://schemas.microsoft.com/office/drawing/2010/main" w="9525">
+                  <a14:hiddenLine xmlns:a14="http://schemas.microsoft.com/office/drawing/2010/main" xmlns="" w="9525">
                     <a:solidFill>
                       <a:srgbClr val="000000"/>
                     </a:solidFill>
@@ -14807,7 +14807,7 @@
               </a:ln>
               <a:extLst>
                 <a:ext uri="{91240B29-F687-4f45-9708-019B960494DF}">
-                  <a14:hiddenLine xmlns="" xmlns:a14="http://schemas.microsoft.com/office/drawing/2010/main" w="9525">
+                  <a14:hiddenLine xmlns:a14="http://schemas.microsoft.com/office/drawing/2010/main" xmlns="" w="9525">
                     <a:solidFill>
                       <a:srgbClr val="000000"/>
                     </a:solidFill>
@@ -14897,7 +14897,7 @@
               </a:ln>
               <a:extLst>
                 <a:ext uri="{91240B29-F687-4f45-9708-019B960494DF}">
-                  <a14:hiddenLine xmlns="" xmlns:a14="http://schemas.microsoft.com/office/drawing/2010/main" w="9525">
+                  <a14:hiddenLine xmlns:a14="http://schemas.microsoft.com/office/drawing/2010/main" xmlns="" w="9525">
                     <a:solidFill>
                       <a:srgbClr val="000000"/>
                     </a:solidFill>
@@ -14965,7 +14965,7 @@
               </a:ln>
               <a:extLst>
                 <a:ext uri="{91240B29-F687-4f45-9708-019B960494DF}">
-                  <a14:hiddenLine xmlns="" xmlns:a14="http://schemas.microsoft.com/office/drawing/2010/main" w="9525">
+                  <a14:hiddenLine xmlns:a14="http://schemas.microsoft.com/office/drawing/2010/main" xmlns="" w="9525">
                     <a:solidFill>
                       <a:srgbClr val="000000"/>
                     </a:solidFill>
@@ -15055,7 +15055,7 @@
               </a:ln>
               <a:extLst>
                 <a:ext uri="{91240B29-F687-4f45-9708-019B960494DF}">
-                  <a14:hiddenLine xmlns="" xmlns:a14="http://schemas.microsoft.com/office/drawing/2010/main" w="9525">
+                  <a14:hiddenLine xmlns:a14="http://schemas.microsoft.com/office/drawing/2010/main" xmlns="" w="9525">
                     <a:solidFill>
                       <a:srgbClr val="000000"/>
                     </a:solidFill>
@@ -15089,7 +15089,7 @@
               </a:ln>
               <a:extLst>
                 <a:ext uri="{91240B29-F687-4f45-9708-019B960494DF}">
-                  <a14:hiddenLine xmlns="" xmlns:a14="http://schemas.microsoft.com/office/drawing/2010/main" w="9525">
+                  <a14:hiddenLine xmlns:a14="http://schemas.microsoft.com/office/drawing/2010/main" xmlns="" w="9525">
                     <a:solidFill>
                       <a:srgbClr val="000000"/>
                     </a:solidFill>
@@ -15903,7 +15903,7 @@
     </p:spTree>
     <p:extLst>
       <p:ext uri="{BB962C8B-B14F-4D97-AF65-F5344CB8AC3E}">
-        <p14:creationId xmlns:p14="http://schemas.microsoft.com/office/powerpoint/2010/main" val="1210548507"/>
+        <p14:creationId xmlns:p14="http://schemas.microsoft.com/office/powerpoint/2010/main" val="1473866035"/>
       </p:ext>
     </p:extLst>
   </p:cSld>
@@ -16791,40 +16791,90 @@
             </a:lvl1pPr>
           </a:lstStyle>
           <a:p>
-            <a:r>
-              <a:rPr lang="en-GB" dirty="0">
+            <a:pPr marL="0" marR="0" lvl="0" indent="0" algn="l" defTabSz="914400" rtl="0" eaLnBrk="1" fontAlgn="auto" latinLnBrk="0" hangingPunct="1">
+              <a:lnSpc>
+                <a:spcPct val="90000"/>
+              </a:lnSpc>
+              <a:spcBef>
+                <a:spcPct val="0"/>
+              </a:spcBef>
+              <a:spcAft>
+                <a:spcPts val="0"/>
+              </a:spcAft>
+              <a:buClrTx/>
+              <a:buSzTx/>
+              <a:buFontTx/>
+              <a:buNone/>
+              <a:tabLst/>
+              <a:defRPr/>
+            </a:pPr>
+            <a:r>
+              <a:rPr kumimoji="0" lang="en-GB" sz="3600" b="0" i="0" u="none" strike="noStrike" kern="1200" cap="all" spc="0" normalizeH="0" baseline="0" noProof="0" dirty="0">
+                <a:ln>
+                  <a:noFill/>
+                </a:ln>
                 <a:solidFill>
                   <a:sysClr val="windowText" lastClr="000000"/>
                 </a:solidFill>
+                <a:effectLst/>
+                <a:uLnTx/>
+                <a:uFillTx/>
+                <a:latin typeface="Tw Cen MT" panose="020B0602020104020603"/>
+                <a:ea typeface="+mj-ea"/>
+                <a:cs typeface="+mj-cs"/>
               </a:rPr>
               <a:t>Something non-technical that you learned during the project</a:t>
             </a:r>
             <a:br>
-              <a:rPr lang="en-GB" dirty="0">
+              <a:rPr kumimoji="0" lang="en-GB" sz="3600" b="0" i="0" u="none" strike="noStrike" kern="1200" cap="all" spc="0" normalizeH="0" baseline="0" noProof="0" dirty="0">
+                <a:ln>
+                  <a:noFill/>
+                </a:ln>
                 <a:solidFill>
                   <a:sysClr val="windowText" lastClr="000000"/>
                 </a:solidFill>
+                <a:effectLst/>
+                <a:uLnTx/>
+                <a:uFillTx/>
+                <a:latin typeface="Tw Cen MT" panose="020B0602020104020603"/>
+                <a:ea typeface="+mj-ea"/>
+                <a:cs typeface="+mj-cs"/>
               </a:rPr>
             </a:br>
             <a:r>
-              <a:rPr lang="en-GB" sz="2000" b="1" dirty="0">
+              <a:rPr kumimoji="0" lang="en-GB" sz="2000" b="1" i="0" u="none" strike="noStrike" kern="1200" cap="all" spc="0" normalizeH="0" baseline="0" noProof="0" dirty="0">
+                <a:ln>
+                  <a:noFill/>
+                </a:ln>
                 <a:solidFill>
-                  <a:schemeClr val="accent2">
+                  <a:srgbClr val="2683C6">
                     <a:lumMod val="75000"/>
-                  </a:schemeClr>
+                  </a:srgbClr>
                 </a:solidFill>
+                <a:effectLst/>
+                <a:uLnTx/>
+                <a:uFillTx/>
                 <a:latin typeface="Calibri" panose="020F0502020204030204" pitchFamily="34" charset="0"/>
                 <a:ea typeface="Calibri" panose="020F0502020204030204" pitchFamily="34" charset="0"/>
                 <a:cs typeface="Times New Roman" panose="02020603050405020304" pitchFamily="18" charset="0"/>
               </a:rPr>
               <a:t>Amrit pal Singh</a:t>
             </a:r>
-            <a:endParaRPr lang="en-GB" b="1" dirty="0">
+            <a:endParaRPr kumimoji="0" lang="en-GB" sz="3600" b="1" i="0" u="none" strike="noStrike" kern="1200" cap="all" spc="0" normalizeH="0" baseline="0" noProof="0" dirty="0">
+              <a:ln>
+                <a:noFill/>
+              </a:ln>
               <a:solidFill>
-                <a:schemeClr val="accent2">
+                <a:srgbClr val="2683C6">
                   <a:lumMod val="75000"/>
-                </a:schemeClr>
+                </a:srgbClr>
               </a:solidFill>
+              <a:effectLst/>
+              <a:uLnTx/>
+              <a:uFillTx/>
+              <a:latin typeface="Tw Cen MT" panose="020B0602020104020603"/>
+              <a:ea typeface="+mj-ea"/>
+              <a:cs typeface="+mj-cs"/>
             </a:endParaRPr>
           </a:p>
         </p:txBody>
@@ -17080,29 +17130,54 @@
           </a:bodyPr>
           <a:lstStyle/>
           <a:p>
-            <a:pPr marL="234000" indent="-234000">
+            <a:pPr marL="234000" marR="0" lvl="0" indent="-234000" algn="l" defTabSz="457200" rtl="0" eaLnBrk="1" fontAlgn="auto" latinLnBrk="0" hangingPunct="1">
               <a:lnSpc>
                 <a:spcPct val="120000"/>
               </a:lnSpc>
               <a:spcBef>
                 <a:spcPts val="1200"/>
               </a:spcBef>
+              <a:spcAft>
+                <a:spcPts val="0"/>
+              </a:spcAft>
+              <a:buClrTx/>
               <a:buSzPct val="125000"/>
               <a:buFont typeface="Arial" panose="020B0604020202020204" pitchFamily="34" charset="0"/>
               <a:buChar char="•"/>
+              <a:tabLst/>
+              <a:defRPr/>
             </a:pPr>
             <a:r>
-              <a:rPr lang="en-GB" sz="2400" dirty="0">
+              <a:rPr kumimoji="0" lang="en-GB" sz="2400" b="0" i="0" u="none" strike="noStrike" kern="1200" cap="none" spc="0" normalizeH="0" baseline="0" noProof="0" dirty="0">
+                <a:ln>
+                  <a:noFill/>
+                </a:ln>
                 <a:solidFill>
-                  <a:schemeClr val="bg1"/>
+                  <a:prstClr val="black"/>
                 </a:solidFill>
+                <a:effectLst/>
+                <a:uLnTx/>
+                <a:uFillTx/>
                 <a:latin typeface="Rockwell" panose="02060603020205020403" pitchFamily="18" charset="0"/>
+                <a:ea typeface="+mn-ea"/>
+                <a:cs typeface="+mn-cs"/>
               </a:rPr>
               <a:t>Before any other additions, user feedback must be taken into consideration throughout the implementation </a:t>
             </a:r>
             <a:r>
-              <a:rPr lang="en-GB" sz="2400" dirty="0">
+              <a:rPr kumimoji="0" lang="en-GB" sz="2400" b="0" i="0" u="none" strike="noStrike" kern="1200" cap="none" spc="0" normalizeH="0" baseline="0" noProof="0" dirty="0">
+                <a:ln>
+                  <a:noFill/>
+                </a:ln>
+                <a:solidFill>
+                  <a:prstClr val="white"/>
+                </a:solidFill>
+                <a:effectLst/>
+                <a:uLnTx/>
+                <a:uFillTx/>
                 <a:latin typeface="Rockwell" panose="02060603020205020403" pitchFamily="18" charset="0"/>
+                <a:ea typeface="+mn-ea"/>
+                <a:cs typeface="+mn-cs"/>
               </a:rPr>
               <a:t>process</a:t>
             </a:r>
@@ -19330,7 +19405,7 @@
                   <a:schemeClr val="bg1"/>
                 </a:solidFill>
               </a:rPr>
-              <a:t>We chose this language due to its flexibility and our previous experience with it.</a:t>
+              <a:t>We chose this language due to its flexibility and our previous experience</a:t>
             </a:r>
           </a:p>
           <a:p>
@@ -19488,7 +19563,7 @@
         </p:spPr>
         <p:txBody>
           <a:bodyPr>
-            <a:normAutofit fontScale="70000" lnSpcReduction="20000"/>
+            <a:normAutofit fontScale="77500" lnSpcReduction="20000"/>
           </a:bodyPr>
           <a:lstStyle/>
           <a:p>
@@ -19508,7 +19583,7 @@
                   <a:schemeClr val="bg1"/>
                 </a:solidFill>
               </a:rPr>
-              <a:t>We used OOP for the main file, with the code for the main screens, setup and in-game mechanics.</a:t>
+              <a:t>OOP for the main file</a:t>
             </a:r>
           </a:p>
           <a:p>
@@ -19518,7 +19593,7 @@
                   <a:schemeClr val="bg1"/>
                 </a:solidFill>
               </a:rPr>
-              <a:t>We used functional programming for modular aspects like the grade calculator and avatar customisation</a:t>
+              <a:t>Functional programming for modular aspects like the grade calculator and avatar customisation</a:t>
             </a:r>
           </a:p>
           <a:p>
@@ -19714,7 +19789,7 @@
                   <a:schemeClr val="bg1"/>
                 </a:solidFill>
               </a:rPr>
-              <a:t>We chose it due to its adaptability and the previous experience of members.</a:t>
+              <a:t>Chosen due to its adaptability and the previous experience of members.</a:t>
             </a:r>
           </a:p>
           <a:p>
@@ -19724,7 +19799,7 @@
                   <a:schemeClr val="bg1"/>
                 </a:solidFill>
               </a:rPr>
-              <a:t>It also can be easily used with an object-oriented approach, which made our code extremely modular and organised.</a:t>
+              <a:t>It can be easily used with an object-oriented approach</a:t>
             </a:r>
           </a:p>
           <a:p>
@@ -19734,7 +19809,7 @@
                   <a:schemeClr val="bg1"/>
                 </a:solidFill>
               </a:rPr>
-              <a:t>We wanted to use a totally offline simulator with simple installation, so used a Tkinter-based GUI instead of something like a webapp.</a:t>
+              <a:t>We wanted our simulator to be simply-installed and totally offline.</a:t>
             </a:r>
           </a:p>
         </p:txBody>
@@ -19881,7 +19956,7 @@
         </p:spPr>
         <p:txBody>
           <a:bodyPr>
-            <a:normAutofit fontScale="85000" lnSpcReduction="20000"/>
+            <a:normAutofit fontScale="92500"/>
           </a:bodyPr>
           <a:lstStyle/>
           <a:p>
@@ -19891,7 +19966,7 @@
                   <a:schemeClr val="bg1"/>
                 </a:solidFill>
               </a:rPr>
-              <a:t>We used Tkinter in the main file to create class-based screens that instantiated other screen objects as the user navigated the simulator.</a:t>
+              <a:t>Used in main file to create screen objects that the user could navigate through.</a:t>
             </a:r>
           </a:p>
           <a:p>
@@ -19901,7 +19976,7 @@
                   <a:schemeClr val="bg1"/>
                 </a:solidFill>
               </a:rPr>
-              <a:t>For some other features we used it in a functional way to create screens and then send the outputs back to the main file.</a:t>
+              <a:t>Used it in a functional way to create screens and then send the outputs back to the main file.</a:t>
             </a:r>
           </a:p>
           <a:p>
@@ -19911,7 +19986,7 @@
                   <a:schemeClr val="bg1"/>
                 </a:solidFill>
               </a:rPr>
-              <a:t>We used various Tkinter features to create varying types of display with several types of widgets and layout managers.</a:t>
+              <a:t>We used various Tkinter features to create various types of displays.</a:t>
             </a:r>
           </a:p>
         </p:txBody>
@@ -20110,10 +20185,15 @@
             <p:ph idx="1"/>
           </p:nvPr>
         </p:nvSpPr>
-        <p:spPr/>
+        <p:spPr>
+          <a:xfrm>
+            <a:off x="1141412" y="2249487"/>
+            <a:ext cx="9905999" cy="3445460"/>
+          </a:xfrm>
+        </p:spPr>
         <p:txBody>
           <a:bodyPr>
-            <a:normAutofit lnSpcReduction="10000"/>
+            <a:normAutofit/>
           </a:bodyPr>
           <a:lstStyle/>
           <a:p>
@@ -20123,7 +20203,7 @@
                   <a:schemeClr val="bg1"/>
                 </a:solidFill>
               </a:rPr>
-              <a:t>For all of our databases we used the sqlite3 Python library.</a:t>
+              <a:t>All of our databases were made and managed using the sqlite3 Python library.</a:t>
             </a:r>
           </a:p>
           <a:p>
@@ -20133,7 +20213,7 @@
                   <a:schemeClr val="bg1"/>
                 </a:solidFill>
               </a:rPr>
-              <a:t>We chose this due to our previous experience with SQL and the flexibility and mobility.</a:t>
+              <a:t>We chose this due to our previous experience with SQL and its flexibility.</a:t>
             </a:r>
           </a:p>
           <a:p>
@@ -20155,39 +20235,6 @@
               </a:rPr>
               <a:t>Allows the use of standard SQL statements to operate on and create databases.</a:t>
             </a:r>
-          </a:p>
-          <a:p>
-            <a:r>
-              <a:rPr lang="en-GB" dirty="0">
-                <a:solidFill>
-                  <a:schemeClr val="bg1"/>
-                </a:solidFill>
-              </a:rPr>
-              <a:t>Creates simple .</a:t>
-            </a:r>
-            <a:r>
-              <a:rPr lang="en-GB" dirty="0" err="1">
-                <a:solidFill>
-                  <a:schemeClr val="bg1"/>
-                </a:solidFill>
-              </a:rPr>
-              <a:t>db</a:t>
-            </a:r>
-            <a:r>
-              <a:rPr lang="en-GB" dirty="0">
-                <a:solidFill>
-                  <a:schemeClr val="bg1"/>
-                </a:solidFill>
-              </a:rPr>
-              <a:t> files that can be easily created and managed.</a:t>
-            </a:r>
-          </a:p>
-          <a:p>
-            <a:endParaRPr lang="en-GB" dirty="0">
-              <a:solidFill>
-                <a:schemeClr val="bg1"/>
-              </a:solidFill>
-            </a:endParaRPr>
           </a:p>
         </p:txBody>
       </p:sp>
@@ -20324,7 +20371,7 @@
         </p:spPr>
         <p:txBody>
           <a:bodyPr>
-            <a:normAutofit fontScale="85000" lnSpcReduction="20000"/>
+            <a:normAutofit/>
           </a:bodyPr>
           <a:lstStyle/>
           <a:p>
@@ -20334,7 +20381,7 @@
                   <a:schemeClr val="bg1"/>
                 </a:solidFill>
               </a:rPr>
-              <a:t>We used sqlite3 databases for character data, activities, feedback and topics.</a:t>
+              <a:t>SQLite3 databases for character data and data.</a:t>
             </a:r>
           </a:p>
           <a:p>
@@ -20344,7 +20391,7 @@
                   <a:schemeClr val="bg1"/>
                 </a:solidFill>
               </a:rPr>
-              <a:t>This allowed us to create a dynamic saving/loading feature where character details are automatically saved and then can be loaded again at any time.</a:t>
+              <a:t>Allows us to implement a dynamic saving/loading system.</a:t>
             </a:r>
           </a:p>
           <a:p>
@@ -20354,15 +20401,8 @@
                   <a:schemeClr val="bg1"/>
                 </a:solidFill>
               </a:rPr>
-              <a:t>SQL statements were used to fetch character data for the final score calculation and all of the character information that could be viewed in the game.</a:t>
-            </a:r>
-          </a:p>
-          <a:p>
-            <a:endParaRPr lang="en-GB" dirty="0">
-              <a:solidFill>
-                <a:schemeClr val="bg1"/>
-              </a:solidFill>
-            </a:endParaRPr>
+              <a:t>SQL statements used to fetch and alter character data when needed.</a:t>
+            </a:r>
           </a:p>
         </p:txBody>
       </p:sp>
@@ -20840,10 +20880,36 @@
             </a:lvl1pPr>
           </a:lstStyle>
           <a:p>
-            <a:endParaRPr lang="en-GB" sz="2800" dirty="0">
+            <a:pPr marL="0" marR="0" lvl="0" indent="0" algn="l" defTabSz="914400" rtl="0" eaLnBrk="1" fontAlgn="auto" latinLnBrk="0" hangingPunct="1">
+              <a:lnSpc>
+                <a:spcPct val="90000"/>
+              </a:lnSpc>
+              <a:spcBef>
+                <a:spcPct val="0"/>
+              </a:spcBef>
+              <a:spcAft>
+                <a:spcPts val="0"/>
+              </a:spcAft>
+              <a:buClrTx/>
+              <a:buSzTx/>
+              <a:buFontTx/>
+              <a:buNone/>
+              <a:tabLst/>
+              <a:defRPr/>
+            </a:pPr>
+            <a:endParaRPr kumimoji="0" lang="en-GB" sz="2800" b="0" i="0" u="none" strike="noStrike" kern="1200" cap="all" spc="0" normalizeH="0" baseline="0" noProof="0" dirty="0">
+              <a:ln>
+                <a:noFill/>
+              </a:ln>
               <a:solidFill>
                 <a:sysClr val="windowText" lastClr="000000"/>
               </a:solidFill>
+              <a:effectLst/>
+              <a:uLnTx/>
+              <a:uFillTx/>
+              <a:latin typeface="Tw Cen MT" panose="020B0602020104020603"/>
+              <a:ea typeface="+mj-ea"/>
+              <a:cs typeface="+mj-cs"/>
             </a:endParaRPr>
           </a:p>
         </p:txBody>
@@ -20895,11 +20961,37 @@
             </a:lvl1pPr>
           </a:lstStyle>
           <a:p>
-            <a:r>
-              <a:rPr lang="en-GB" sz="2000" dirty="0">
+            <a:pPr marL="0" marR="0" lvl="0" indent="0" algn="l" defTabSz="914400" rtl="0" eaLnBrk="1" fontAlgn="auto" latinLnBrk="0" hangingPunct="1">
+              <a:lnSpc>
+                <a:spcPct val="90000"/>
+              </a:lnSpc>
+              <a:spcBef>
+                <a:spcPct val="0"/>
+              </a:spcBef>
+              <a:spcAft>
+                <a:spcPts val="0"/>
+              </a:spcAft>
+              <a:buClrTx/>
+              <a:buSzTx/>
+              <a:buFontTx/>
+              <a:buNone/>
+              <a:tabLst/>
+              <a:defRPr/>
+            </a:pPr>
+            <a:r>
+              <a:rPr kumimoji="0" lang="en-GB" sz="2000" b="0" i="0" u="none" strike="noStrike" kern="1200" cap="all" spc="0" normalizeH="0" baseline="0" noProof="0" dirty="0">
+                <a:ln>
+                  <a:noFill/>
+                </a:ln>
                 <a:solidFill>
                   <a:sysClr val="windowText" lastClr="000000"/>
                 </a:solidFill>
+                <a:effectLst/>
+                <a:uLnTx/>
+                <a:uFillTx/>
+                <a:latin typeface="Tw Cen MT" panose="020B0602020104020603"/>
+                <a:ea typeface="+mj-ea"/>
+                <a:cs typeface="+mj-cs"/>
               </a:rPr>
               <a:t>Bilal Patel</a:t>
             </a:r>
@@ -22056,6 +22148,14 @@
 </file>
 
 <file path=customXml/item1.xml><?xml version="1.0" encoding="utf-8"?>
+<p:properties xmlns:p="http://schemas.microsoft.com/office/2006/metadata/properties" xmlns:xsi="http://www.w3.org/2001/XMLSchema-instance" xmlns:pc="http://schemas.microsoft.com/office/infopath/2007/PartnerControls">
+  <documentManagement>
+    <MediaServiceKeyPoints xmlns="71af3243-3dd4-4a8d-8c0d-dd76da1f02a5" xsi:nil="true"/>
+  </documentManagement>
+</p:properties>
+</file>
+
+<file path=customXml/item2.xml><?xml version="1.0" encoding="utf-8"?>
 <ct:contentTypeSchema xmlns:ct="http://schemas.microsoft.com/office/2006/metadata/contentType" xmlns:ma="http://schemas.microsoft.com/office/2006/metadata/properties/metaAttributes" ct:_="" ma:_="" ma:contentTypeName="Document" ma:contentTypeID="0x01010079F111ED35F8CC479449609E8A0923A6" ma:contentTypeVersion="11" ma:contentTypeDescription="Create a new document." ma:contentTypeScope="" ma:versionID="96291512c1ee715ab617f4c07df79fc1">
   <xsd:schema xmlns:xsd="http://www.w3.org/2001/XMLSchema" xmlns:xs="http://www.w3.org/2001/XMLSchema" xmlns:p="http://schemas.microsoft.com/office/2006/metadata/properties" xmlns:ns2="71af3243-3dd4-4a8d-8c0d-dd76da1f02a5" xmlns:ns3="16c05727-aa75-4e4a-9b5f-8a80a1165891" targetNamespace="http://schemas.microsoft.com/office/2006/metadata/properties" ma:root="true" ma:fieldsID="8256c27c40ca5c40ce1cf6c44f0205df" ns2:_="" ns3:_="">
     <xsd:import namespace="71af3243-3dd4-4a8d-8c0d-dd76da1f02a5"/>
@@ -22266,14 +22366,6 @@
 </ct:contentTypeSchema>
 </file>
 
-<file path=customXml/item2.xml><?xml version="1.0" encoding="utf-8"?>
-<p:properties xmlns:p="http://schemas.microsoft.com/office/2006/metadata/properties" xmlns:xsi="http://www.w3.org/2001/XMLSchema-instance" xmlns:pc="http://schemas.microsoft.com/office/infopath/2007/PartnerControls">
-  <documentManagement>
-    <MediaServiceKeyPoints xmlns="71af3243-3dd4-4a8d-8c0d-dd76da1f02a5" xsi:nil="true"/>
-  </documentManagement>
-</p:properties>
-</file>
-
 <file path=customXml/item3.xml><?xml version="1.0" encoding="utf-8"?>
 <?mso-contentType ?>
 <FormTemplates xmlns="http://schemas.microsoft.com/sharepoint/v3/contenttype/forms">
@@ -22284,6 +22376,16 @@
 </file>
 
 <file path=customXml/itemProps1.xml><?xml version="1.0" encoding="utf-8"?>
+<ds:datastoreItem xmlns:ds="http://schemas.openxmlformats.org/officeDocument/2006/customXml" ds:itemID="{E7866CFD-F94E-4AE5-ACEA-86FEC0F48A10}">
+  <ds:schemaRefs>
+    <ds:schemaRef ds:uri="http://schemas.microsoft.com/office/2006/metadata/properties"/>
+    <ds:schemaRef ds:uri="http://schemas.microsoft.com/office/infopath/2007/PartnerControls"/>
+    <ds:schemaRef ds:uri="71af3243-3dd4-4a8d-8c0d-dd76da1f02a5"/>
+  </ds:schemaRefs>
+</ds:datastoreItem>
+</file>
+
+<file path=customXml/itemProps2.xml><?xml version="1.0" encoding="utf-8"?>
 <ds:datastoreItem xmlns:ds="http://schemas.openxmlformats.org/officeDocument/2006/customXml" ds:itemID="{A7C0B241-13E5-418D-8920-D23491E2D2C0}">
   <ds:schemaRefs>
     <ds:schemaRef ds:uri="http://schemas.microsoft.com/office/2006/metadata/contentType"/>
@@ -22302,16 +22404,6 @@
 </ds:datastoreItem>
 </file>
 
-<file path=customXml/itemProps2.xml><?xml version="1.0" encoding="utf-8"?>
-<ds:datastoreItem xmlns:ds="http://schemas.openxmlformats.org/officeDocument/2006/customXml" ds:itemID="{E7866CFD-F94E-4AE5-ACEA-86FEC0F48A10}">
-  <ds:schemaRefs>
-    <ds:schemaRef ds:uri="http://schemas.microsoft.com/office/2006/metadata/properties"/>
-    <ds:schemaRef ds:uri="http://schemas.microsoft.com/office/infopath/2007/PartnerControls"/>
-    <ds:schemaRef ds:uri="71af3243-3dd4-4a8d-8c0d-dd76da1f02a5"/>
-  </ds:schemaRefs>
-</ds:datastoreItem>
-</file>
-
 <file path=customXml/itemProps3.xml><?xml version="1.0" encoding="utf-8"?>
 <ds:datastoreItem xmlns:ds="http://schemas.openxmlformats.org/officeDocument/2006/customXml" ds:itemID="{B579702B-25C7-40D7-9E29-7686B11A9660}">
   <ds:schemaRefs>
